--- a/C++ Primer Plus.pptx
+++ b/C++ Primer Plus.pptx
@@ -49,10 +49,15 @@
     <p:sldId id="303" r:id="rId43"/>
     <p:sldId id="299" r:id="rId44"/>
     <p:sldId id="300" r:id="rId45"/>
-    <p:sldId id="301" r:id="rId46"/>
-    <p:sldId id="302" r:id="rId47"/>
-    <p:sldId id="266" r:id="rId48"/>
-    <p:sldId id="267" r:id="rId49"/>
+    <p:sldId id="302" r:id="rId46"/>
+    <p:sldId id="304" r:id="rId47"/>
+    <p:sldId id="305" r:id="rId48"/>
+    <p:sldId id="306" r:id="rId49"/>
+    <p:sldId id="307" r:id="rId50"/>
+    <p:sldId id="308" r:id="rId51"/>
+    <p:sldId id="309" r:id="rId52"/>
+    <p:sldId id="266" r:id="rId53"/>
+    <p:sldId id="267" r:id="rId54"/>
   </p:sldIdLst>
   <p:sldSz cx="12192000" cy="6858000"/>
   <p:notesSz cx="6858000" cy="9144000"/>
@@ -290,7 +295,7 @@
           <a:p>
             <a:fld id="{846CE7D5-CF57-46EF-B807-FDD0502418D4}" type="datetimeFigureOut">
               <a:rPr lang="en-US" smtClean="0"/>
-              <a:t>8/8/23</a:t>
+              <a:t>8/10/23</a:t>
             </a:fld>
             <a:endParaRPr lang="en-US"/>
           </a:p>
@@ -460,7 +465,7 @@
           <a:p>
             <a:fld id="{846CE7D5-CF57-46EF-B807-FDD0502418D4}" type="datetimeFigureOut">
               <a:rPr lang="en-US" smtClean="0"/>
-              <a:t>8/8/23</a:t>
+              <a:t>8/10/23</a:t>
             </a:fld>
             <a:endParaRPr lang="en-US"/>
           </a:p>
@@ -640,7 +645,7 @@
           <a:p>
             <a:fld id="{846CE7D5-CF57-46EF-B807-FDD0502418D4}" type="datetimeFigureOut">
               <a:rPr lang="en-US" smtClean="0"/>
-              <a:t>8/8/23</a:t>
+              <a:t>8/10/23</a:t>
             </a:fld>
             <a:endParaRPr lang="en-US"/>
           </a:p>
@@ -810,7 +815,7 @@
           <a:p>
             <a:fld id="{846CE7D5-CF57-46EF-B807-FDD0502418D4}" type="datetimeFigureOut">
               <a:rPr lang="en-US" smtClean="0"/>
-              <a:t>8/8/23</a:t>
+              <a:t>8/10/23</a:t>
             </a:fld>
             <a:endParaRPr lang="en-US"/>
           </a:p>
@@ -1056,7 +1061,7 @@
           <a:p>
             <a:fld id="{846CE7D5-CF57-46EF-B807-FDD0502418D4}" type="datetimeFigureOut">
               <a:rPr lang="en-US" smtClean="0"/>
-              <a:t>8/8/23</a:t>
+              <a:t>8/10/23</a:t>
             </a:fld>
             <a:endParaRPr lang="en-US"/>
           </a:p>
@@ -1288,7 +1293,7 @@
           <a:p>
             <a:fld id="{846CE7D5-CF57-46EF-B807-FDD0502418D4}" type="datetimeFigureOut">
               <a:rPr lang="en-US" smtClean="0"/>
-              <a:t>8/8/23</a:t>
+              <a:t>8/10/23</a:t>
             </a:fld>
             <a:endParaRPr lang="en-US"/>
           </a:p>
@@ -1655,7 +1660,7 @@
           <a:p>
             <a:fld id="{846CE7D5-CF57-46EF-B807-FDD0502418D4}" type="datetimeFigureOut">
               <a:rPr lang="en-US" smtClean="0"/>
-              <a:t>8/8/23</a:t>
+              <a:t>8/10/23</a:t>
             </a:fld>
             <a:endParaRPr lang="en-US"/>
           </a:p>
@@ -1773,7 +1778,7 @@
           <a:p>
             <a:fld id="{846CE7D5-CF57-46EF-B807-FDD0502418D4}" type="datetimeFigureOut">
               <a:rPr lang="en-US" smtClean="0"/>
-              <a:t>8/8/23</a:t>
+              <a:t>8/10/23</a:t>
             </a:fld>
             <a:endParaRPr lang="en-US"/>
           </a:p>
@@ -1868,7 +1873,7 @@
           <a:p>
             <a:fld id="{846CE7D5-CF57-46EF-B807-FDD0502418D4}" type="datetimeFigureOut">
               <a:rPr lang="en-US" smtClean="0"/>
-              <a:t>8/8/23</a:t>
+              <a:t>8/10/23</a:t>
             </a:fld>
             <a:endParaRPr lang="en-US"/>
           </a:p>
@@ -2145,7 +2150,7 @@
           <a:p>
             <a:fld id="{846CE7D5-CF57-46EF-B807-FDD0502418D4}" type="datetimeFigureOut">
               <a:rPr lang="en-US" smtClean="0"/>
-              <a:t>8/8/23</a:t>
+              <a:t>8/10/23</a:t>
             </a:fld>
             <a:endParaRPr lang="en-US"/>
           </a:p>
@@ -2402,7 +2407,7 @@
           <a:p>
             <a:fld id="{846CE7D5-CF57-46EF-B807-FDD0502418D4}" type="datetimeFigureOut">
               <a:rPr lang="en-US" smtClean="0"/>
-              <a:t>8/8/23</a:t>
+              <a:t>8/10/23</a:t>
             </a:fld>
             <a:endParaRPr lang="en-US"/>
           </a:p>
@@ -2615,7 +2620,7 @@
           <a:p>
             <a:fld id="{846CE7D5-CF57-46EF-B807-FDD0502418D4}" type="datetimeFigureOut">
               <a:rPr lang="en-US" smtClean="0"/>
-              <a:t>8/8/23</a:t>
+              <a:t>8/10/23</a:t>
             </a:fld>
             <a:endParaRPr lang="en-US"/>
           </a:p>
@@ -29852,6 +29857,547 @@
           </a:p>
         </p:txBody>
       </p:sp>
+      <p:sp>
+        <p:nvSpPr>
+          <p:cNvPr id="5" name="文本框 4">
+            <a:extLst>
+              <a:ext uri="{FF2B5EF4-FFF2-40B4-BE49-F238E27FC236}">
+                <a16:creationId xmlns:a16="http://schemas.microsoft.com/office/drawing/2014/main" id="{AECC932B-49F2-D949-876D-70797A72554C}"/>
+              </a:ext>
+            </a:extLst>
+          </p:cNvPr>
+          <p:cNvSpPr txBox="1"/>
+          <p:nvPr/>
+        </p:nvSpPr>
+        <p:spPr>
+          <a:xfrm>
+            <a:off x="532588" y="1736546"/>
+            <a:ext cx="2230067" cy="369332"/>
+          </a:xfrm>
+          <a:prstGeom prst="rect">
+            <a:avLst/>
+          </a:prstGeom>
+          <a:noFill/>
+        </p:spPr>
+        <p:txBody>
+          <a:bodyPr wrap="square">
+            <a:spAutoFit/>
+          </a:bodyPr>
+          <a:lstStyle/>
+          <a:p>
+            <a:r>
+              <a:rPr lang="zh-CN" altLang="en-US" b="1" dirty="0">
+                <a:highlight>
+                  <a:srgbClr val="FFFF00"/>
+                </a:highlight>
+                <a:latin typeface="Optima" panose="02000503060000020004" pitchFamily="2" charset="0"/>
+              </a:rPr>
+              <a:t>placement_new.cpp</a:t>
+            </a:r>
+          </a:p>
+        </p:txBody>
+      </p:sp>
+      <p:sp>
+        <p:nvSpPr>
+          <p:cNvPr id="6" name="文本框 5">
+            <a:extLst>
+              <a:ext uri="{FF2B5EF4-FFF2-40B4-BE49-F238E27FC236}">
+                <a16:creationId xmlns:a16="http://schemas.microsoft.com/office/drawing/2014/main" id="{AEEC8289-0402-CD49-956E-DF0F109C364F}"/>
+              </a:ext>
+            </a:extLst>
+          </p:cNvPr>
+          <p:cNvSpPr txBox="1"/>
+          <p:nvPr/>
+        </p:nvSpPr>
+        <p:spPr>
+          <a:xfrm>
+            <a:off x="532588" y="2339342"/>
+            <a:ext cx="10187404" cy="1815882"/>
+          </a:xfrm>
+          <a:prstGeom prst="rect">
+            <a:avLst/>
+          </a:prstGeom>
+          <a:noFill/>
+        </p:spPr>
+        <p:txBody>
+          <a:bodyPr wrap="none" rtlCol="0">
+            <a:spAutoFit/>
+          </a:bodyPr>
+          <a:lstStyle/>
+          <a:p>
+            <a:r>
+              <a:rPr kumimoji="1" lang="en-US" altLang="zh-CN" sz="2000" dirty="0">
+                <a:latin typeface="Optima" panose="02000503060000020004" pitchFamily="2" charset="0"/>
+                <a:ea typeface="KaiTi" panose="02010609060101010101" pitchFamily="49" charset="-122"/>
+              </a:rPr>
+              <a:t>new</a:t>
+            </a:r>
+            <a:r>
+              <a:rPr kumimoji="1" lang="zh-CN" altLang="en-US" sz="2000" dirty="0">
+                <a:latin typeface="Optima" panose="02000503060000020004" pitchFamily="2" charset="0"/>
+                <a:ea typeface="KaiTi" panose="02010609060101010101" pitchFamily="49" charset="-122"/>
+              </a:rPr>
+              <a:t> 从堆中申请内存</a:t>
+            </a:r>
+            <a:endParaRPr kumimoji="1" lang="en-US" altLang="zh-CN" sz="2000" dirty="0">
+              <a:latin typeface="Optima" panose="02000503060000020004" pitchFamily="2" charset="0"/>
+              <a:ea typeface="KaiTi" panose="02010609060101010101" pitchFamily="49" charset="-122"/>
+            </a:endParaRPr>
+          </a:p>
+          <a:p>
+            <a:r>
+              <a:rPr kumimoji="1" lang="en-US" altLang="zh-CN" sz="2000" dirty="0">
+                <a:latin typeface="Optima" panose="02000503060000020004" pitchFamily="2" charset="0"/>
+                <a:ea typeface="KaiTi" panose="02010609060101010101" pitchFamily="49" charset="-122"/>
+              </a:rPr>
+              <a:t>placement</a:t>
+            </a:r>
+            <a:r>
+              <a:rPr kumimoji="1" lang="zh-CN" altLang="en-US" sz="2000" dirty="0">
+                <a:latin typeface="Optima" panose="02000503060000020004" pitchFamily="2" charset="0"/>
+                <a:ea typeface="KaiTi" panose="02010609060101010101" pitchFamily="49" charset="-122"/>
+              </a:rPr>
+              <a:t> </a:t>
+            </a:r>
+            <a:r>
+              <a:rPr kumimoji="1" lang="en-US" altLang="zh-CN" sz="2000" dirty="0">
+                <a:latin typeface="Optima" panose="02000503060000020004" pitchFamily="2" charset="0"/>
+                <a:ea typeface="KaiTi" panose="02010609060101010101" pitchFamily="49" charset="-122"/>
+              </a:rPr>
+              <a:t>new </a:t>
+            </a:r>
+            <a:r>
+              <a:rPr kumimoji="1" lang="zh-CN" altLang="en-US" sz="2000" dirty="0">
+                <a:latin typeface="Optima" panose="02000503060000020004" pitchFamily="2" charset="0"/>
+                <a:ea typeface="KaiTi" panose="02010609060101010101" pitchFamily="49" charset="-122"/>
+              </a:rPr>
+              <a:t>则不一定从堆中申请内存，只返回传递给它的地址，并强制转换为</a:t>
+            </a:r>
+            <a:r>
+              <a:rPr kumimoji="1" lang="en-US" altLang="zh-CN" sz="2000" dirty="0">
+                <a:latin typeface="Optima" panose="02000503060000020004" pitchFamily="2" charset="0"/>
+                <a:ea typeface="KaiTi" panose="02010609060101010101" pitchFamily="49" charset="-122"/>
+              </a:rPr>
+              <a:t> void</a:t>
+            </a:r>
+            <a:r>
+              <a:rPr kumimoji="1" lang="zh-CN" altLang="en-US" sz="2000" dirty="0">
+                <a:latin typeface="Optima" panose="02000503060000020004" pitchFamily="2" charset="0"/>
+                <a:ea typeface="KaiTi" panose="02010609060101010101" pitchFamily="49" charset="-122"/>
+              </a:rPr>
+              <a:t>*</a:t>
+            </a:r>
+            <a:endParaRPr kumimoji="1" lang="en-US" altLang="zh-CN" sz="2000" dirty="0">
+              <a:latin typeface="Optima" panose="02000503060000020004" pitchFamily="2" charset="0"/>
+              <a:ea typeface="KaiTi" panose="02010609060101010101" pitchFamily="49" charset="-122"/>
+            </a:endParaRPr>
+          </a:p>
+          <a:p>
+            <a:endParaRPr kumimoji="1" lang="en-US" altLang="zh-CN" dirty="0"/>
+          </a:p>
+          <a:p>
+            <a:r>
+              <a:rPr lang="en" altLang="zh-CN" b="0" dirty="0">
+                <a:solidFill>
+                  <a:srgbClr val="0000FF"/>
+                </a:solidFill>
+                <a:effectLst/>
+                <a:latin typeface="Menlo" panose="020B0609030804020204" pitchFamily="49" charset="0"/>
+              </a:rPr>
+              <a:t>double</a:t>
+            </a:r>
+            <a:r>
+              <a:rPr lang="en" altLang="zh-CN" b="0" dirty="0">
+                <a:solidFill>
+                  <a:srgbClr val="3B3B3B"/>
+                </a:solidFill>
+                <a:effectLst/>
+                <a:latin typeface="Menlo" panose="020B0609030804020204" pitchFamily="49" charset="0"/>
+              </a:rPr>
+              <a:t> </a:t>
+            </a:r>
+            <a:r>
+              <a:rPr lang="en" altLang="zh-CN" b="0" dirty="0">
+                <a:solidFill>
+                  <a:srgbClr val="000000"/>
+                </a:solidFill>
+                <a:effectLst/>
+                <a:latin typeface="Menlo" panose="020B0609030804020204" pitchFamily="49" charset="0"/>
+              </a:rPr>
+              <a:t>*</a:t>
+            </a:r>
+            <a:r>
+              <a:rPr lang="en" altLang="zh-CN" b="0" dirty="0">
+                <a:solidFill>
+                  <a:srgbClr val="001080"/>
+                </a:solidFill>
+                <a:effectLst/>
+                <a:latin typeface="Menlo" panose="020B0609030804020204" pitchFamily="49" charset="0"/>
+              </a:rPr>
+              <a:t>pd1</a:t>
+            </a:r>
+            <a:r>
+              <a:rPr lang="en" altLang="zh-CN" b="0" dirty="0">
+                <a:solidFill>
+                  <a:srgbClr val="3B3B3B"/>
+                </a:solidFill>
+                <a:effectLst/>
+                <a:latin typeface="Menlo" panose="020B0609030804020204" pitchFamily="49" charset="0"/>
+              </a:rPr>
+              <a:t>, </a:t>
+            </a:r>
+            <a:r>
+              <a:rPr lang="en" altLang="zh-CN" b="0" dirty="0">
+                <a:solidFill>
+                  <a:srgbClr val="000000"/>
+                </a:solidFill>
+                <a:effectLst/>
+                <a:latin typeface="Menlo" panose="020B0609030804020204" pitchFamily="49" charset="0"/>
+              </a:rPr>
+              <a:t>*</a:t>
+            </a:r>
+            <a:r>
+              <a:rPr lang="en" altLang="zh-CN" b="0" dirty="0">
+                <a:solidFill>
+                  <a:srgbClr val="001080"/>
+                </a:solidFill>
+                <a:effectLst/>
+                <a:latin typeface="Menlo" panose="020B0609030804020204" pitchFamily="49" charset="0"/>
+              </a:rPr>
+              <a:t>pd2</a:t>
+            </a:r>
+            <a:r>
+              <a:rPr lang="en" altLang="zh-CN" b="0" dirty="0">
+                <a:solidFill>
+                  <a:srgbClr val="3B3B3B"/>
+                </a:solidFill>
+                <a:effectLst/>
+                <a:latin typeface="Menlo" panose="020B0609030804020204" pitchFamily="49" charset="0"/>
+              </a:rPr>
+              <a:t>;</a:t>
+            </a:r>
+          </a:p>
+          <a:p>
+            <a:r>
+              <a:rPr lang="en" altLang="zh-CN" b="0" dirty="0">
+                <a:solidFill>
+                  <a:srgbClr val="001080"/>
+                </a:solidFill>
+                <a:effectLst/>
+                <a:latin typeface="Menlo" panose="020B0609030804020204" pitchFamily="49" charset="0"/>
+              </a:rPr>
+              <a:t>pd1</a:t>
+            </a:r>
+            <a:r>
+              <a:rPr lang="en" altLang="zh-CN" b="0" dirty="0">
+                <a:solidFill>
+                  <a:srgbClr val="3B3B3B"/>
+                </a:solidFill>
+                <a:effectLst/>
+                <a:latin typeface="Menlo" panose="020B0609030804020204" pitchFamily="49" charset="0"/>
+              </a:rPr>
+              <a:t> </a:t>
+            </a:r>
+            <a:r>
+              <a:rPr lang="en" altLang="zh-CN" b="0" dirty="0">
+                <a:solidFill>
+                  <a:srgbClr val="000000"/>
+                </a:solidFill>
+                <a:effectLst/>
+                <a:latin typeface="Menlo" panose="020B0609030804020204" pitchFamily="49" charset="0"/>
+              </a:rPr>
+              <a:t>=</a:t>
+            </a:r>
+            <a:r>
+              <a:rPr lang="en" altLang="zh-CN" b="0" dirty="0">
+                <a:solidFill>
+                  <a:srgbClr val="3B3B3B"/>
+                </a:solidFill>
+                <a:effectLst/>
+                <a:latin typeface="Menlo" panose="020B0609030804020204" pitchFamily="49" charset="0"/>
+              </a:rPr>
+              <a:t> </a:t>
+            </a:r>
+            <a:r>
+              <a:rPr lang="en" altLang="zh-CN" b="0" dirty="0">
+                <a:solidFill>
+                  <a:srgbClr val="AF00DB"/>
+                </a:solidFill>
+                <a:effectLst/>
+                <a:latin typeface="Menlo" panose="020B0609030804020204" pitchFamily="49" charset="0"/>
+              </a:rPr>
+              <a:t>new</a:t>
+            </a:r>
+            <a:r>
+              <a:rPr lang="en" altLang="zh-CN" b="0" dirty="0">
+                <a:solidFill>
+                  <a:srgbClr val="3B3B3B"/>
+                </a:solidFill>
+                <a:effectLst/>
+                <a:latin typeface="Menlo" panose="020B0609030804020204" pitchFamily="49" charset="0"/>
+              </a:rPr>
+              <a:t> </a:t>
+            </a:r>
+            <a:r>
+              <a:rPr lang="en" altLang="zh-CN" b="0" dirty="0">
+                <a:solidFill>
+                  <a:srgbClr val="0000FF"/>
+                </a:solidFill>
+                <a:effectLst/>
+                <a:latin typeface="Menlo" panose="020B0609030804020204" pitchFamily="49" charset="0"/>
+              </a:rPr>
+              <a:t>double</a:t>
+            </a:r>
+            <a:r>
+              <a:rPr lang="en" altLang="zh-CN" b="0" dirty="0">
+                <a:solidFill>
+                  <a:srgbClr val="3B3B3B"/>
+                </a:solidFill>
+                <a:effectLst/>
+                <a:latin typeface="Menlo" panose="020B0609030804020204" pitchFamily="49" charset="0"/>
+              </a:rPr>
+              <a:t>[</a:t>
+            </a:r>
+            <a:r>
+              <a:rPr lang="en" altLang="zh-CN" b="0" dirty="0">
+                <a:solidFill>
+                  <a:srgbClr val="001080"/>
+                </a:solidFill>
+                <a:effectLst/>
+                <a:latin typeface="Menlo" panose="020B0609030804020204" pitchFamily="49" charset="0"/>
+              </a:rPr>
+              <a:t>N</a:t>
+            </a:r>
+            <a:r>
+              <a:rPr lang="en" altLang="zh-CN" b="0" dirty="0">
+                <a:solidFill>
+                  <a:srgbClr val="3B3B3B"/>
+                </a:solidFill>
+                <a:effectLst/>
+                <a:latin typeface="Menlo" panose="020B0609030804020204" pitchFamily="49" charset="0"/>
+              </a:rPr>
+              <a:t>];</a:t>
+            </a:r>
+            <a:r>
+              <a:rPr lang="zh-CN" altLang="en-US" b="0" dirty="0">
+                <a:solidFill>
+                  <a:srgbClr val="3B3B3B"/>
+                </a:solidFill>
+                <a:effectLst/>
+                <a:latin typeface="Menlo" panose="020B0609030804020204" pitchFamily="49" charset="0"/>
+              </a:rPr>
+              <a:t>   </a:t>
+            </a:r>
+            <a:r>
+              <a:rPr lang="en-US" altLang="zh-CN" dirty="0">
+                <a:solidFill>
+                  <a:srgbClr val="008000"/>
+                </a:solidFill>
+                <a:latin typeface="Menlo" panose="020B0609030804020204" pitchFamily="49" charset="0"/>
+              </a:rPr>
+              <a:t>//</a:t>
+            </a:r>
+            <a:r>
+              <a:rPr lang="zh-CN" altLang="en-US" dirty="0">
+                <a:solidFill>
+                  <a:srgbClr val="008000"/>
+                </a:solidFill>
+                <a:latin typeface="Menlo" panose="020B0609030804020204" pitchFamily="49" charset="0"/>
+              </a:rPr>
+              <a:t> 从堆中申请内存</a:t>
+            </a:r>
+            <a:endParaRPr lang="en" altLang="zh-CN" dirty="0">
+              <a:solidFill>
+                <a:srgbClr val="008000"/>
+              </a:solidFill>
+              <a:latin typeface="Menlo" panose="020B0609030804020204" pitchFamily="49" charset="0"/>
+            </a:endParaRPr>
+          </a:p>
+          <a:p>
+            <a:r>
+              <a:rPr lang="en" altLang="zh-CN" b="0" dirty="0">
+                <a:solidFill>
+                  <a:srgbClr val="001080"/>
+                </a:solidFill>
+                <a:effectLst/>
+                <a:latin typeface="Menlo" panose="020B0609030804020204" pitchFamily="49" charset="0"/>
+              </a:rPr>
+              <a:t>pd2</a:t>
+            </a:r>
+            <a:r>
+              <a:rPr lang="en" altLang="zh-CN" b="0" dirty="0">
+                <a:solidFill>
+                  <a:srgbClr val="3B3B3B"/>
+                </a:solidFill>
+                <a:effectLst/>
+                <a:latin typeface="Menlo" panose="020B0609030804020204" pitchFamily="49" charset="0"/>
+              </a:rPr>
+              <a:t> </a:t>
+            </a:r>
+            <a:r>
+              <a:rPr lang="en" altLang="zh-CN" b="0" dirty="0">
+                <a:solidFill>
+                  <a:srgbClr val="000000"/>
+                </a:solidFill>
+                <a:effectLst/>
+                <a:latin typeface="Menlo" panose="020B0609030804020204" pitchFamily="49" charset="0"/>
+              </a:rPr>
+              <a:t>=</a:t>
+            </a:r>
+            <a:r>
+              <a:rPr lang="en" altLang="zh-CN" b="0" dirty="0">
+                <a:solidFill>
+                  <a:srgbClr val="3B3B3B"/>
+                </a:solidFill>
+                <a:effectLst/>
+                <a:latin typeface="Menlo" panose="020B0609030804020204" pitchFamily="49" charset="0"/>
+              </a:rPr>
+              <a:t> </a:t>
+            </a:r>
+            <a:r>
+              <a:rPr lang="en" altLang="zh-CN" b="0" dirty="0">
+                <a:solidFill>
+                  <a:srgbClr val="AF00DB"/>
+                </a:solidFill>
+                <a:effectLst/>
+                <a:latin typeface="Menlo" panose="020B0609030804020204" pitchFamily="49" charset="0"/>
+              </a:rPr>
+              <a:t>new</a:t>
+            </a:r>
+            <a:r>
+              <a:rPr lang="en" altLang="zh-CN" b="0" dirty="0">
+                <a:solidFill>
+                  <a:srgbClr val="3B3B3B"/>
+                </a:solidFill>
+                <a:effectLst/>
+                <a:latin typeface="Menlo" panose="020B0609030804020204" pitchFamily="49" charset="0"/>
+              </a:rPr>
+              <a:t> (</a:t>
+            </a:r>
+            <a:r>
+              <a:rPr lang="en" altLang="zh-CN" b="0" dirty="0">
+                <a:solidFill>
+                  <a:srgbClr val="001080"/>
+                </a:solidFill>
+                <a:effectLst/>
+                <a:latin typeface="Menlo" panose="020B0609030804020204" pitchFamily="49" charset="0"/>
+              </a:rPr>
+              <a:t>buffer</a:t>
+            </a:r>
+            <a:r>
+              <a:rPr lang="en" altLang="zh-CN" b="0" dirty="0">
+                <a:solidFill>
+                  <a:srgbClr val="3B3B3B"/>
+                </a:solidFill>
+                <a:effectLst/>
+                <a:latin typeface="Menlo" panose="020B0609030804020204" pitchFamily="49" charset="0"/>
+              </a:rPr>
+              <a:t>) </a:t>
+            </a:r>
+            <a:r>
+              <a:rPr lang="en" altLang="zh-CN" b="0" dirty="0">
+                <a:solidFill>
+                  <a:srgbClr val="0000FF"/>
+                </a:solidFill>
+                <a:effectLst/>
+                <a:latin typeface="Menlo" panose="020B0609030804020204" pitchFamily="49" charset="0"/>
+              </a:rPr>
+              <a:t>double</a:t>
+            </a:r>
+            <a:r>
+              <a:rPr lang="en" altLang="zh-CN" b="0" dirty="0">
+                <a:solidFill>
+                  <a:srgbClr val="3B3B3B"/>
+                </a:solidFill>
+                <a:effectLst/>
+                <a:latin typeface="Menlo" panose="020B0609030804020204" pitchFamily="49" charset="0"/>
+              </a:rPr>
+              <a:t>[</a:t>
+            </a:r>
+            <a:r>
+              <a:rPr lang="en" altLang="zh-CN" b="0" dirty="0">
+                <a:solidFill>
+                  <a:srgbClr val="001080"/>
+                </a:solidFill>
+                <a:effectLst/>
+                <a:latin typeface="Menlo" panose="020B0609030804020204" pitchFamily="49" charset="0"/>
+              </a:rPr>
+              <a:t>N</a:t>
+            </a:r>
+            <a:r>
+              <a:rPr lang="en" altLang="zh-CN" b="0" dirty="0">
+                <a:solidFill>
+                  <a:srgbClr val="3B3B3B"/>
+                </a:solidFill>
+                <a:effectLst/>
+                <a:latin typeface="Menlo" panose="020B0609030804020204" pitchFamily="49" charset="0"/>
+              </a:rPr>
+              <a:t>];	</a:t>
+            </a:r>
+            <a:r>
+              <a:rPr lang="en-US" altLang="zh-CN" dirty="0">
+                <a:solidFill>
+                  <a:srgbClr val="008000"/>
+                </a:solidFill>
+                <a:latin typeface="Menlo" panose="020B0609030804020204" pitchFamily="49" charset="0"/>
+              </a:rPr>
+              <a:t>//</a:t>
+            </a:r>
+            <a:r>
+              <a:rPr lang="zh-CN" altLang="en-US" dirty="0">
+                <a:solidFill>
+                  <a:srgbClr val="008000"/>
+                </a:solidFill>
+                <a:latin typeface="Menlo" panose="020B0609030804020204" pitchFamily="49" charset="0"/>
+              </a:rPr>
+              <a:t> 返回</a:t>
+            </a:r>
+            <a:r>
+              <a:rPr lang="en-US" altLang="zh-CN" dirty="0">
+                <a:solidFill>
+                  <a:srgbClr val="008000"/>
+                </a:solidFill>
+                <a:latin typeface="Menlo" panose="020B0609030804020204" pitchFamily="49" charset="0"/>
+              </a:rPr>
+              <a:t> buffer </a:t>
+            </a:r>
+            <a:r>
+              <a:rPr lang="zh-CN" altLang="en-US" dirty="0">
+                <a:solidFill>
+                  <a:srgbClr val="008000"/>
+                </a:solidFill>
+                <a:latin typeface="Menlo" panose="020B0609030804020204" pitchFamily="49" charset="0"/>
+              </a:rPr>
+              <a:t>地址，并强制转换为</a:t>
+            </a:r>
+            <a:r>
+              <a:rPr lang="en-US" altLang="zh-CN" dirty="0">
+                <a:solidFill>
+                  <a:srgbClr val="008000"/>
+                </a:solidFill>
+                <a:latin typeface="Menlo" panose="020B0609030804020204" pitchFamily="49" charset="0"/>
+              </a:rPr>
+              <a:t> void</a:t>
+            </a:r>
+            <a:r>
+              <a:rPr lang="zh-CN" altLang="en-US" dirty="0">
+                <a:solidFill>
+                  <a:srgbClr val="008000"/>
+                </a:solidFill>
+                <a:latin typeface="Menlo" panose="020B0609030804020204" pitchFamily="49" charset="0"/>
+              </a:rPr>
+              <a:t>*</a:t>
+            </a:r>
+            <a:endParaRPr lang="zh-CN" altLang="en-US" b="0" dirty="0">
+              <a:solidFill>
+                <a:srgbClr val="3B3B3B"/>
+              </a:solidFill>
+              <a:effectLst/>
+              <a:latin typeface="Menlo" panose="020B0609030804020204" pitchFamily="49" charset="0"/>
+            </a:endParaRPr>
+          </a:p>
+        </p:txBody>
+      </p:sp>
     </p:spTree>
     <p:extLst>
       <p:ext uri="{BB962C8B-B14F-4D97-AF65-F5344CB8AC3E}">
@@ -29882,6 +30428,628 @@
           <a:chExt cx="0" cy="0"/>
         </a:xfrm>
       </p:grpSpPr>
+      <p:sp>
+        <p:nvSpPr>
+          <p:cNvPr id="2" name="文本框 1">
+            <a:extLst>
+              <a:ext uri="{FF2B5EF4-FFF2-40B4-BE49-F238E27FC236}">
+                <a16:creationId xmlns:a16="http://schemas.microsoft.com/office/drawing/2014/main" id="{C177D982-BA99-024B-9E40-9BB78C6D3A6A}"/>
+              </a:ext>
+            </a:extLst>
+          </p:cNvPr>
+          <p:cNvSpPr txBox="1"/>
+          <p:nvPr/>
+        </p:nvSpPr>
+        <p:spPr>
+          <a:xfrm>
+            <a:off x="0" y="0"/>
+            <a:ext cx="1620957" cy="523220"/>
+          </a:xfrm>
+          <a:prstGeom prst="rect">
+            <a:avLst/>
+          </a:prstGeom>
+          <a:noFill/>
+        </p:spPr>
+        <p:txBody>
+          <a:bodyPr wrap="none" rtlCol="0">
+            <a:spAutoFit/>
+          </a:bodyPr>
+          <a:lstStyle/>
+          <a:p>
+            <a:r>
+              <a:rPr kumimoji="1" lang="zh-CN" altLang="en-US" sz="2800" dirty="0">
+                <a:latin typeface="Optima" panose="02000503060000020004" pitchFamily="2" charset="0"/>
+                <a:ea typeface="KaiTi" panose="02010609060101010101" pitchFamily="49" charset="-122"/>
+              </a:rPr>
+              <a:t>名称空间</a:t>
+            </a:r>
+          </a:p>
+        </p:txBody>
+      </p:sp>
+      <p:sp>
+        <p:nvSpPr>
+          <p:cNvPr id="3" name="文本框 2">
+            <a:extLst>
+              <a:ext uri="{FF2B5EF4-FFF2-40B4-BE49-F238E27FC236}">
+                <a16:creationId xmlns:a16="http://schemas.microsoft.com/office/drawing/2014/main" id="{F948DFB5-EED8-7145-B7BE-96B09BD780CD}"/>
+              </a:ext>
+            </a:extLst>
+          </p:cNvPr>
+          <p:cNvSpPr txBox="1"/>
+          <p:nvPr/>
+        </p:nvSpPr>
+        <p:spPr>
+          <a:xfrm>
+            <a:off x="1089498" y="1313234"/>
+            <a:ext cx="7827784" cy="1200329"/>
+          </a:xfrm>
+          <a:prstGeom prst="rect">
+            <a:avLst/>
+          </a:prstGeom>
+          <a:noFill/>
+        </p:spPr>
+        <p:txBody>
+          <a:bodyPr wrap="none" rtlCol="0">
+            <a:spAutoFit/>
+          </a:bodyPr>
+          <a:lstStyle/>
+          <a:p>
+            <a:r>
+              <a:rPr kumimoji="1" lang="en-US" altLang="zh-CN" dirty="0">
+                <a:latin typeface="Optima" panose="02000503060000020004" pitchFamily="2" charset="0"/>
+                <a:ea typeface="KaiTi" panose="02010609060101010101" pitchFamily="49" charset="-122"/>
+              </a:rPr>
+              <a:t>namespace</a:t>
+            </a:r>
+            <a:r>
+              <a:rPr kumimoji="1" lang="zh-CN" altLang="en-US" dirty="0">
+                <a:latin typeface="Optima" panose="02000503060000020004" pitchFamily="2" charset="0"/>
+                <a:ea typeface="KaiTi" panose="02010609060101010101" pitchFamily="49" charset="-122"/>
+              </a:rPr>
+              <a:t> 可以是全局的，以可以位于另一个名称空间，但不能位于代码块</a:t>
+            </a:r>
+            <a:endParaRPr kumimoji="1" lang="en-US" altLang="zh-CN" dirty="0">
+              <a:latin typeface="Optima" panose="02000503060000020004" pitchFamily="2" charset="0"/>
+              <a:ea typeface="KaiTi" panose="02010609060101010101" pitchFamily="49" charset="-122"/>
+            </a:endParaRPr>
+          </a:p>
+          <a:p>
+            <a:endParaRPr kumimoji="1" lang="en-US" altLang="zh-CN" dirty="0">
+              <a:latin typeface="Optima" panose="02000503060000020004" pitchFamily="2" charset="0"/>
+              <a:ea typeface="KaiTi" panose="02010609060101010101" pitchFamily="49" charset="-122"/>
+            </a:endParaRPr>
+          </a:p>
+          <a:p>
+            <a:r>
+              <a:rPr kumimoji="1" lang="en-US" altLang="zh-CN" dirty="0">
+                <a:latin typeface="Optima" panose="02000503060000020004" pitchFamily="2" charset="0"/>
+                <a:ea typeface="KaiTi" panose="02010609060101010101" pitchFamily="49" charset="-122"/>
+              </a:rPr>
+              <a:t>using</a:t>
+            </a:r>
+            <a:r>
+              <a:rPr kumimoji="1" lang="zh-CN" altLang="en-US" dirty="0">
+                <a:latin typeface="Optima" panose="02000503060000020004" pitchFamily="2" charset="0"/>
+                <a:ea typeface="KaiTi" panose="02010609060101010101" pitchFamily="49" charset="-122"/>
+              </a:rPr>
+              <a:t> 编译指令：</a:t>
+            </a:r>
+            <a:r>
+              <a:rPr kumimoji="1" lang="en-US" altLang="zh-CN" dirty="0">
+                <a:latin typeface="Optima" panose="02000503060000020004" pitchFamily="2" charset="0"/>
+                <a:ea typeface="KaiTi" panose="02010609060101010101" pitchFamily="49" charset="-122"/>
+              </a:rPr>
+              <a:t>using</a:t>
+            </a:r>
+            <a:r>
+              <a:rPr kumimoji="1" lang="zh-CN" altLang="en-US" dirty="0">
+                <a:latin typeface="Optima" panose="02000503060000020004" pitchFamily="2" charset="0"/>
+                <a:ea typeface="KaiTi" panose="02010609060101010101" pitchFamily="49" charset="-122"/>
+              </a:rPr>
+              <a:t> </a:t>
+            </a:r>
+            <a:r>
+              <a:rPr kumimoji="1" lang="en-US" altLang="zh-CN" dirty="0">
+                <a:latin typeface="Optima" panose="02000503060000020004" pitchFamily="2" charset="0"/>
+                <a:ea typeface="KaiTi" panose="02010609060101010101" pitchFamily="49" charset="-122"/>
+              </a:rPr>
+              <a:t>namespace</a:t>
+            </a:r>
+            <a:r>
+              <a:rPr kumimoji="1" lang="zh-CN" altLang="en-US" dirty="0">
+                <a:latin typeface="Optima" panose="02000503060000020004" pitchFamily="2" charset="0"/>
+                <a:ea typeface="KaiTi" panose="02010609060101010101" pitchFamily="49" charset="-122"/>
+              </a:rPr>
+              <a:t> </a:t>
+            </a:r>
+            <a:r>
+              <a:rPr kumimoji="1" lang="en-US" altLang="zh-CN" dirty="0">
+                <a:latin typeface="Optima" panose="02000503060000020004" pitchFamily="2" charset="0"/>
+                <a:ea typeface="KaiTi" panose="02010609060101010101" pitchFamily="49" charset="-122"/>
+              </a:rPr>
+              <a:t>std;</a:t>
+            </a:r>
+          </a:p>
+          <a:p>
+            <a:r>
+              <a:rPr kumimoji="1" lang="en-US" altLang="zh-CN" dirty="0">
+                <a:latin typeface="Optima" panose="02000503060000020004" pitchFamily="2" charset="0"/>
+                <a:ea typeface="KaiTi" panose="02010609060101010101" pitchFamily="49" charset="-122"/>
+              </a:rPr>
+              <a:t>using</a:t>
+            </a:r>
+            <a:r>
+              <a:rPr kumimoji="1" lang="zh-CN" altLang="en-US" dirty="0">
+                <a:latin typeface="Optima" panose="02000503060000020004" pitchFamily="2" charset="0"/>
+                <a:ea typeface="KaiTi" panose="02010609060101010101" pitchFamily="49" charset="-122"/>
+              </a:rPr>
+              <a:t> 声明：</a:t>
+            </a:r>
+            <a:r>
+              <a:rPr kumimoji="1" lang="en-US" altLang="zh-CN" dirty="0">
+                <a:latin typeface="Optima" panose="02000503060000020004" pitchFamily="2" charset="0"/>
+                <a:ea typeface="KaiTi" panose="02010609060101010101" pitchFamily="49" charset="-122"/>
+              </a:rPr>
+              <a:t>using</a:t>
+            </a:r>
+            <a:r>
+              <a:rPr kumimoji="1" lang="zh-CN" altLang="en-US" dirty="0">
+                <a:latin typeface="Optima" panose="02000503060000020004" pitchFamily="2" charset="0"/>
+                <a:ea typeface="KaiTi" panose="02010609060101010101" pitchFamily="49" charset="-122"/>
+              </a:rPr>
+              <a:t> </a:t>
+            </a:r>
+            <a:r>
+              <a:rPr kumimoji="1" lang="en-US" altLang="zh-CN" dirty="0">
+                <a:latin typeface="Optima" panose="02000503060000020004" pitchFamily="2" charset="0"/>
+                <a:ea typeface="KaiTi" panose="02010609060101010101" pitchFamily="49" charset="-122"/>
+              </a:rPr>
+              <a:t>std::</a:t>
+            </a:r>
+            <a:r>
+              <a:rPr kumimoji="1" lang="en-US" altLang="zh-CN" dirty="0" err="1">
+                <a:latin typeface="Optima" panose="02000503060000020004" pitchFamily="2" charset="0"/>
+                <a:ea typeface="KaiTi" panose="02010609060101010101" pitchFamily="49" charset="-122"/>
+              </a:rPr>
+              <a:t>cout</a:t>
+            </a:r>
+            <a:r>
+              <a:rPr kumimoji="1" lang="en-US" altLang="zh-CN" dirty="0">
+                <a:latin typeface="Optima" panose="02000503060000020004" pitchFamily="2" charset="0"/>
+                <a:ea typeface="KaiTi" panose="02010609060101010101" pitchFamily="49" charset="-122"/>
+              </a:rPr>
+              <a:t>;</a:t>
+            </a:r>
+          </a:p>
+        </p:txBody>
+      </p:sp>
+      <p:sp>
+        <p:nvSpPr>
+          <p:cNvPr id="5" name="文本框 4">
+            <a:extLst>
+              <a:ext uri="{FF2B5EF4-FFF2-40B4-BE49-F238E27FC236}">
+                <a16:creationId xmlns:a16="http://schemas.microsoft.com/office/drawing/2014/main" id="{6B91CB5B-4557-0A4B-82E7-CD00B3D63B62}"/>
+              </a:ext>
+            </a:extLst>
+          </p:cNvPr>
+          <p:cNvSpPr txBox="1"/>
+          <p:nvPr/>
+        </p:nvSpPr>
+        <p:spPr>
+          <a:xfrm>
+            <a:off x="1089498" y="943902"/>
+            <a:ext cx="6162472" cy="369332"/>
+          </a:xfrm>
+          <a:prstGeom prst="rect">
+            <a:avLst/>
+          </a:prstGeom>
+          <a:noFill/>
+        </p:spPr>
+        <p:txBody>
+          <a:bodyPr wrap="square">
+            <a:spAutoFit/>
+          </a:bodyPr>
+          <a:lstStyle/>
+          <a:p>
+            <a:r>
+              <a:rPr lang="zh-CN" altLang="en-US" b="1" dirty="0">
+                <a:highlight>
+                  <a:srgbClr val="FFFF00"/>
+                </a:highlight>
+                <a:latin typeface="Optima" panose="02000503060000020004" pitchFamily="2" charset="0"/>
+              </a:rPr>
+              <a:t>using_example.cpp</a:t>
+            </a:r>
+          </a:p>
+        </p:txBody>
+      </p:sp>
+      <p:sp>
+        <p:nvSpPr>
+          <p:cNvPr id="7" name="文本框 6">
+            <a:extLst>
+              <a:ext uri="{FF2B5EF4-FFF2-40B4-BE49-F238E27FC236}">
+                <a16:creationId xmlns:a16="http://schemas.microsoft.com/office/drawing/2014/main" id="{FC5F2BC2-664C-F14E-86E1-4FC627FE1BC1}"/>
+              </a:ext>
+            </a:extLst>
+          </p:cNvPr>
+          <p:cNvSpPr txBox="1"/>
+          <p:nvPr/>
+        </p:nvSpPr>
+        <p:spPr>
+          <a:xfrm>
+            <a:off x="1089498" y="3565506"/>
+            <a:ext cx="6162472" cy="369332"/>
+          </a:xfrm>
+          <a:prstGeom prst="rect">
+            <a:avLst/>
+          </a:prstGeom>
+          <a:noFill/>
+        </p:spPr>
+        <p:txBody>
+          <a:bodyPr wrap="square">
+            <a:spAutoFit/>
+          </a:bodyPr>
+          <a:lstStyle/>
+          <a:p>
+            <a:r>
+              <a:rPr lang="zh-CN" altLang="en-US" b="1" dirty="0">
+                <a:highlight>
+                  <a:srgbClr val="FFFF00"/>
+                </a:highlight>
+                <a:latin typeface="Optima" panose="02000503060000020004" pitchFamily="2" charset="0"/>
+              </a:rPr>
+              <a:t>namespace_example.cpp</a:t>
+            </a:r>
+          </a:p>
+        </p:txBody>
+      </p:sp>
+      <p:sp>
+        <p:nvSpPr>
+          <p:cNvPr id="8" name="文本框 7">
+            <a:extLst>
+              <a:ext uri="{FF2B5EF4-FFF2-40B4-BE49-F238E27FC236}">
+                <a16:creationId xmlns:a16="http://schemas.microsoft.com/office/drawing/2014/main" id="{7203B61D-AC08-9A4E-8580-3609474C5214}"/>
+              </a:ext>
+            </a:extLst>
+          </p:cNvPr>
+          <p:cNvSpPr txBox="1"/>
+          <p:nvPr/>
+        </p:nvSpPr>
+        <p:spPr>
+          <a:xfrm>
+            <a:off x="1089498" y="3939702"/>
+            <a:ext cx="4134465" cy="369332"/>
+          </a:xfrm>
+          <a:prstGeom prst="rect">
+            <a:avLst/>
+          </a:prstGeom>
+          <a:noFill/>
+        </p:spPr>
+        <p:txBody>
+          <a:bodyPr wrap="none" rtlCol="0">
+            <a:spAutoFit/>
+          </a:bodyPr>
+          <a:lstStyle/>
+          <a:p>
+            <a:r>
+              <a:rPr kumimoji="1" lang="en-US" altLang="zh-CN" dirty="0">
+                <a:latin typeface="Optima" panose="02000503060000020004" pitchFamily="2" charset="0"/>
+                <a:ea typeface="KaiTi" panose="02010609060101010101" pitchFamily="49" charset="-122"/>
+              </a:rPr>
+              <a:t>namespace </a:t>
+            </a:r>
+            <a:r>
+              <a:rPr kumimoji="1" lang="zh-CN" altLang="en-US" dirty="0">
+                <a:latin typeface="Optima" panose="02000503060000020004" pitchFamily="2" charset="0"/>
+                <a:ea typeface="KaiTi" panose="02010609060101010101" pitchFamily="49" charset="-122"/>
+              </a:rPr>
+              <a:t>起别名，简化嵌套名称空间</a:t>
+            </a:r>
+            <a:endParaRPr kumimoji="1" lang="en-US" altLang="zh-CN" dirty="0">
+              <a:latin typeface="Optima" panose="02000503060000020004" pitchFamily="2" charset="0"/>
+              <a:ea typeface="KaiTi" panose="02010609060101010101" pitchFamily="49" charset="-122"/>
+            </a:endParaRPr>
+          </a:p>
+        </p:txBody>
+      </p:sp>
+      <p:sp>
+        <p:nvSpPr>
+          <p:cNvPr id="10" name="文本框 9">
+            <a:extLst>
+              <a:ext uri="{FF2B5EF4-FFF2-40B4-BE49-F238E27FC236}">
+                <a16:creationId xmlns:a16="http://schemas.microsoft.com/office/drawing/2014/main" id="{B8B6C3B2-34C2-7D4B-BD04-697E72D34185}"/>
+              </a:ext>
+            </a:extLst>
+          </p:cNvPr>
+          <p:cNvSpPr txBox="1"/>
+          <p:nvPr/>
+        </p:nvSpPr>
+        <p:spPr>
+          <a:xfrm>
+            <a:off x="1089497" y="5175434"/>
+            <a:ext cx="7334655" cy="1477328"/>
+          </a:xfrm>
+          <a:prstGeom prst="rect">
+            <a:avLst/>
+          </a:prstGeom>
+          <a:noFill/>
+        </p:spPr>
+        <p:txBody>
+          <a:bodyPr wrap="square">
+            <a:spAutoFit/>
+          </a:bodyPr>
+          <a:lstStyle/>
+          <a:p>
+            <a:r>
+              <a:rPr kumimoji="1" lang="zh-CN" altLang="en-US" dirty="0">
+                <a:latin typeface="Optima" panose="02000503060000020004" pitchFamily="2" charset="0"/>
+                <a:ea typeface="KaiTi" panose="02010609060101010101" pitchFamily="49" charset="-122"/>
+              </a:rPr>
+              <a:t>未命名的名称空间，提供了链接性为内部的静态变量的替代品</a:t>
+            </a:r>
+            <a:endParaRPr kumimoji="1" lang="en-US" altLang="zh-CN" dirty="0">
+              <a:latin typeface="Optima" panose="02000503060000020004" pitchFamily="2" charset="0"/>
+              <a:ea typeface="KaiTi" panose="02010609060101010101" pitchFamily="49" charset="-122"/>
+            </a:endParaRPr>
+          </a:p>
+          <a:p>
+            <a:endParaRPr kumimoji="1" lang="en-US" altLang="zh-CN" dirty="0">
+              <a:latin typeface="Optima" panose="02000503060000020004" pitchFamily="2" charset="0"/>
+              <a:ea typeface="KaiTi" panose="02010609060101010101" pitchFamily="49" charset="-122"/>
+            </a:endParaRPr>
+          </a:p>
+          <a:p>
+            <a:r>
+              <a:rPr kumimoji="1" lang="en-US" altLang="zh-CN" dirty="0">
+                <a:latin typeface="Optima" panose="02000503060000020004" pitchFamily="2" charset="0"/>
+                <a:ea typeface="KaiTi" panose="02010609060101010101" pitchFamily="49" charset="-122"/>
+              </a:rPr>
+              <a:t>static</a:t>
+            </a:r>
+            <a:r>
+              <a:rPr kumimoji="1" lang="zh-CN" altLang="en-US" dirty="0">
+                <a:latin typeface="Optima" panose="02000503060000020004" pitchFamily="2" charset="0"/>
+                <a:ea typeface="KaiTi" panose="02010609060101010101" pitchFamily="49" charset="-122"/>
+              </a:rPr>
+              <a:t> </a:t>
+            </a:r>
+            <a:r>
+              <a:rPr kumimoji="1" lang="en-US" altLang="zh-CN" dirty="0">
+                <a:latin typeface="Optima" panose="02000503060000020004" pitchFamily="2" charset="0"/>
+                <a:ea typeface="KaiTi" panose="02010609060101010101" pitchFamily="49" charset="-122"/>
+              </a:rPr>
+              <a:t>int</a:t>
+            </a:r>
+            <a:r>
+              <a:rPr kumimoji="1" lang="zh-CN" altLang="en-US" dirty="0">
+                <a:latin typeface="Optima" panose="02000503060000020004" pitchFamily="2" charset="0"/>
+                <a:ea typeface="KaiTi" panose="02010609060101010101" pitchFamily="49" charset="-122"/>
+              </a:rPr>
+              <a:t> </a:t>
+            </a:r>
+            <a:r>
+              <a:rPr kumimoji="1" lang="en-US" altLang="zh-CN" dirty="0">
+                <a:latin typeface="Optima" panose="02000503060000020004" pitchFamily="2" charset="0"/>
+                <a:ea typeface="KaiTi" panose="02010609060101010101" pitchFamily="49" charset="-122"/>
+              </a:rPr>
+              <a:t>counts;</a:t>
+            </a:r>
+          </a:p>
+          <a:p>
+            <a:r>
+              <a:rPr kumimoji="1" lang="en-US" altLang="zh-CN" dirty="0">
+                <a:latin typeface="Optima" panose="02000503060000020004" pitchFamily="2" charset="0"/>
+                <a:ea typeface="KaiTi" panose="02010609060101010101" pitchFamily="49" charset="-122"/>
+              </a:rPr>
+              <a:t>//</a:t>
+            </a:r>
+            <a:r>
+              <a:rPr kumimoji="1" lang="zh-CN" altLang="en-US" dirty="0">
+                <a:latin typeface="Optima" panose="02000503060000020004" pitchFamily="2" charset="0"/>
+                <a:ea typeface="KaiTi" panose="02010609060101010101" pitchFamily="49" charset="-122"/>
+              </a:rPr>
+              <a:t> 等价于</a:t>
+            </a:r>
+            <a:endParaRPr kumimoji="1" lang="en-US" altLang="zh-CN" dirty="0">
+              <a:latin typeface="Optima" panose="02000503060000020004" pitchFamily="2" charset="0"/>
+              <a:ea typeface="KaiTi" panose="02010609060101010101" pitchFamily="49" charset="-122"/>
+            </a:endParaRPr>
+          </a:p>
+          <a:p>
+            <a:r>
+              <a:rPr kumimoji="1" lang="en-US" altLang="zh-CN" dirty="0">
+                <a:latin typeface="Optima" panose="02000503060000020004" pitchFamily="2" charset="0"/>
+                <a:ea typeface="KaiTi" panose="02010609060101010101" pitchFamily="49" charset="-122"/>
+              </a:rPr>
+              <a:t>namespace</a:t>
+            </a:r>
+            <a:r>
+              <a:rPr kumimoji="1" lang="zh-CN" altLang="en-US" dirty="0">
+                <a:latin typeface="Optima" panose="02000503060000020004" pitchFamily="2" charset="0"/>
+                <a:ea typeface="KaiTi" panose="02010609060101010101" pitchFamily="49" charset="-122"/>
+              </a:rPr>
+              <a:t>  </a:t>
+            </a:r>
+            <a:r>
+              <a:rPr kumimoji="1" lang="en-US" altLang="zh-CN" dirty="0">
+                <a:latin typeface="Optima" panose="02000503060000020004" pitchFamily="2" charset="0"/>
+                <a:ea typeface="KaiTi" panose="02010609060101010101" pitchFamily="49" charset="-122"/>
+              </a:rPr>
+              <a:t>{</a:t>
+            </a:r>
+            <a:r>
+              <a:rPr kumimoji="1" lang="zh-CN" altLang="en-US" dirty="0">
+                <a:latin typeface="Optima" panose="02000503060000020004" pitchFamily="2" charset="0"/>
+                <a:ea typeface="KaiTi" panose="02010609060101010101" pitchFamily="49" charset="-122"/>
+              </a:rPr>
+              <a:t> </a:t>
+            </a:r>
+            <a:r>
+              <a:rPr kumimoji="1" lang="en-US" altLang="zh-CN" dirty="0">
+                <a:latin typeface="Optima" panose="02000503060000020004" pitchFamily="2" charset="0"/>
+                <a:ea typeface="KaiTi" panose="02010609060101010101" pitchFamily="49" charset="-122"/>
+              </a:rPr>
+              <a:t>int</a:t>
+            </a:r>
+            <a:r>
+              <a:rPr kumimoji="1" lang="zh-CN" altLang="en-US" dirty="0">
+                <a:latin typeface="Optima" panose="02000503060000020004" pitchFamily="2" charset="0"/>
+                <a:ea typeface="KaiTi" panose="02010609060101010101" pitchFamily="49" charset="-122"/>
+              </a:rPr>
+              <a:t> </a:t>
+            </a:r>
+            <a:r>
+              <a:rPr kumimoji="1" lang="en-US" altLang="zh-CN" dirty="0">
+                <a:latin typeface="Optima" panose="02000503060000020004" pitchFamily="2" charset="0"/>
+                <a:ea typeface="KaiTi" panose="02010609060101010101" pitchFamily="49" charset="-122"/>
+              </a:rPr>
+              <a:t>counts;}</a:t>
+            </a:r>
+          </a:p>
+        </p:txBody>
+      </p:sp>
+      <p:sp>
+        <p:nvSpPr>
+          <p:cNvPr id="11" name="文本框 10">
+            <a:extLst>
+              <a:ext uri="{FF2B5EF4-FFF2-40B4-BE49-F238E27FC236}">
+                <a16:creationId xmlns:a16="http://schemas.microsoft.com/office/drawing/2014/main" id="{3434D4AE-A28D-224A-B92E-0468D4605761}"/>
+              </a:ext>
+            </a:extLst>
+          </p:cNvPr>
+          <p:cNvSpPr txBox="1"/>
+          <p:nvPr/>
+        </p:nvSpPr>
+        <p:spPr>
+          <a:xfrm>
+            <a:off x="1089497" y="4801238"/>
+            <a:ext cx="6162472" cy="369332"/>
+          </a:xfrm>
+          <a:prstGeom prst="rect">
+            <a:avLst/>
+          </a:prstGeom>
+          <a:noFill/>
+        </p:spPr>
+        <p:txBody>
+          <a:bodyPr wrap="square">
+            <a:spAutoFit/>
+          </a:bodyPr>
+          <a:lstStyle/>
+          <a:p>
+            <a:r>
+              <a:rPr lang="en-US" altLang="zh-CN" b="1" dirty="0" err="1">
+                <a:highlight>
+                  <a:srgbClr val="FFFF00"/>
+                </a:highlight>
+                <a:latin typeface="Optima" panose="02000503060000020004" pitchFamily="2" charset="0"/>
+              </a:rPr>
+              <a:t>unnamed.cpp</a:t>
+            </a:r>
+            <a:endParaRPr lang="zh-CN" altLang="en-US" b="1" dirty="0">
+              <a:highlight>
+                <a:srgbClr val="FFFF00"/>
+              </a:highlight>
+              <a:latin typeface="Optima" panose="02000503060000020004" pitchFamily="2" charset="0"/>
+            </a:endParaRPr>
+          </a:p>
+        </p:txBody>
+      </p:sp>
+      <p:sp>
+        <p:nvSpPr>
+          <p:cNvPr id="12" name="文本框 11">
+            <a:extLst>
+              <a:ext uri="{FF2B5EF4-FFF2-40B4-BE49-F238E27FC236}">
+                <a16:creationId xmlns:a16="http://schemas.microsoft.com/office/drawing/2014/main" id="{637F4E0E-9AD3-1246-86B7-11CCBF7C71ED}"/>
+              </a:ext>
+            </a:extLst>
+          </p:cNvPr>
+          <p:cNvSpPr txBox="1"/>
+          <p:nvPr/>
+        </p:nvSpPr>
+        <p:spPr>
+          <a:xfrm>
+            <a:off x="8917282" y="2647040"/>
+            <a:ext cx="2733472" cy="1477328"/>
+          </a:xfrm>
+          <a:prstGeom prst="rect">
+            <a:avLst/>
+          </a:prstGeom>
+          <a:noFill/>
+        </p:spPr>
+        <p:txBody>
+          <a:bodyPr wrap="square">
+            <a:spAutoFit/>
+          </a:bodyPr>
+          <a:lstStyle/>
+          <a:p>
+            <a:r>
+              <a:rPr lang="en-US" altLang="zh-CN" b="1" dirty="0" err="1">
+                <a:highlight>
+                  <a:srgbClr val="FFFF00"/>
+                </a:highlight>
+                <a:latin typeface="Optima" panose="02000503060000020004" pitchFamily="2" charset="0"/>
+              </a:rPr>
+              <a:t>namesp.h</a:t>
+            </a:r>
+            <a:endParaRPr lang="en-US" altLang="zh-CN" b="1" dirty="0">
+              <a:highlight>
+                <a:srgbClr val="FFFF00"/>
+              </a:highlight>
+              <a:latin typeface="Optima" panose="02000503060000020004" pitchFamily="2" charset="0"/>
+            </a:endParaRPr>
+          </a:p>
+          <a:p>
+            <a:endParaRPr lang="en-US" altLang="zh-CN" b="1" dirty="0">
+              <a:highlight>
+                <a:srgbClr val="FFFF00"/>
+              </a:highlight>
+              <a:latin typeface="Optima" panose="02000503060000020004" pitchFamily="2" charset="0"/>
+            </a:endParaRPr>
+          </a:p>
+          <a:p>
+            <a:r>
+              <a:rPr lang="en-US" altLang="zh-CN" b="1" dirty="0" err="1">
+                <a:highlight>
+                  <a:srgbClr val="FFFF00"/>
+                </a:highlight>
+                <a:latin typeface="Optima" panose="02000503060000020004" pitchFamily="2" charset="0"/>
+              </a:rPr>
+              <a:t>namesp.cpp</a:t>
+            </a:r>
+            <a:endParaRPr lang="en-US" altLang="zh-CN" b="1" dirty="0">
+              <a:highlight>
+                <a:srgbClr val="FFFF00"/>
+              </a:highlight>
+              <a:latin typeface="Optima" panose="02000503060000020004" pitchFamily="2" charset="0"/>
+            </a:endParaRPr>
+          </a:p>
+          <a:p>
+            <a:endParaRPr lang="en-US" altLang="zh-CN" b="1" dirty="0">
+              <a:highlight>
+                <a:srgbClr val="FFFF00"/>
+              </a:highlight>
+              <a:latin typeface="Optima" panose="02000503060000020004" pitchFamily="2" charset="0"/>
+            </a:endParaRPr>
+          </a:p>
+          <a:p>
+            <a:r>
+              <a:rPr lang="en-US" altLang="zh-CN" b="1" dirty="0" err="1">
+                <a:highlight>
+                  <a:srgbClr val="FFFF00"/>
+                </a:highlight>
+                <a:latin typeface="Optima" panose="02000503060000020004" pitchFamily="2" charset="0"/>
+              </a:rPr>
+              <a:t>namessp.cpp</a:t>
+            </a:r>
+            <a:endParaRPr lang="zh-CN" altLang="en-US" b="1" dirty="0">
+              <a:highlight>
+                <a:srgbClr val="FFFF00"/>
+              </a:highlight>
+              <a:latin typeface="Optima" panose="02000503060000020004" pitchFamily="2" charset="0"/>
+            </a:endParaRPr>
+          </a:p>
+        </p:txBody>
+      </p:sp>
     </p:spTree>
     <p:extLst>
       <p:ext uri="{BB962C8B-B14F-4D97-AF65-F5344CB8AC3E}">
@@ -29915,7 +31083,7 @@
     </p:spTree>
     <p:extLst>
       <p:ext uri="{BB962C8B-B14F-4D97-AF65-F5344CB8AC3E}">
-        <p14:creationId xmlns:p14="http://schemas.microsoft.com/office/powerpoint/2010/main" val="4279594571"/>
+        <p14:creationId xmlns:p14="http://schemas.microsoft.com/office/powerpoint/2010/main" val="903974676"/>
       </p:ext>
     </p:extLst>
   </p:cSld>
@@ -29945,7 +31113,7 @@
     </p:spTree>
     <p:extLst>
       <p:ext uri="{BB962C8B-B14F-4D97-AF65-F5344CB8AC3E}">
-        <p14:creationId xmlns:p14="http://schemas.microsoft.com/office/powerpoint/2010/main" val="903974676"/>
+        <p14:creationId xmlns:p14="http://schemas.microsoft.com/office/powerpoint/2010/main" val="2409545118"/>
       </p:ext>
     </p:extLst>
   </p:cSld>
@@ -29975,7 +31143,7 @@
     </p:spTree>
     <p:extLst>
       <p:ext uri="{BB962C8B-B14F-4D97-AF65-F5344CB8AC3E}">
-        <p14:creationId xmlns:p14="http://schemas.microsoft.com/office/powerpoint/2010/main" val="2366373760"/>
+        <p14:creationId xmlns:p14="http://schemas.microsoft.com/office/powerpoint/2010/main" val="3013668646"/>
       </p:ext>
     </p:extLst>
   </p:cSld>
@@ -30005,7 +31173,37 @@
     </p:spTree>
     <p:extLst>
       <p:ext uri="{BB962C8B-B14F-4D97-AF65-F5344CB8AC3E}">
-        <p14:creationId xmlns:p14="http://schemas.microsoft.com/office/powerpoint/2010/main" val="1784006431"/>
+        <p14:creationId xmlns:p14="http://schemas.microsoft.com/office/powerpoint/2010/main" val="2605989973"/>
+      </p:ext>
+    </p:extLst>
+  </p:cSld>
+  <p:clrMapOvr>
+    <a:masterClrMapping/>
+  </p:clrMapOvr>
+</p:sld>
+</file>
+
+<file path=ppt/slides/slide49.xml><?xml version="1.0" encoding="utf-8"?>
+<p:sld xmlns:a="http://schemas.openxmlformats.org/drawingml/2006/main" xmlns:r="http://schemas.openxmlformats.org/officeDocument/2006/relationships" xmlns:p="http://schemas.openxmlformats.org/presentationml/2006/main">
+  <p:cSld>
+    <p:spTree>
+      <p:nvGrpSpPr>
+        <p:cNvPr id="1" name=""/>
+        <p:cNvGrpSpPr/>
+        <p:nvPr/>
+      </p:nvGrpSpPr>
+      <p:grpSpPr>
+        <a:xfrm>
+          <a:off x="0" y="0"/>
+          <a:ext cx="0" cy="0"/>
+          <a:chOff x="0" y="0"/>
+          <a:chExt cx="0" cy="0"/>
+        </a:xfrm>
+      </p:grpSpPr>
+    </p:spTree>
+    <p:extLst>
+      <p:ext uri="{BB962C8B-B14F-4D97-AF65-F5344CB8AC3E}">
+        <p14:creationId xmlns:p14="http://schemas.microsoft.com/office/powerpoint/2010/main" val="2810466668"/>
       </p:ext>
     </p:extLst>
   </p:cSld>
@@ -30431,6 +31629,126 @@
     <p:extLst>
       <p:ext uri="{BB962C8B-B14F-4D97-AF65-F5344CB8AC3E}">
         <p14:creationId xmlns:p14="http://schemas.microsoft.com/office/powerpoint/2010/main" val="2147929064"/>
+      </p:ext>
+    </p:extLst>
+  </p:cSld>
+  <p:clrMapOvr>
+    <a:masterClrMapping/>
+  </p:clrMapOvr>
+</p:sld>
+</file>
+
+<file path=ppt/slides/slide50.xml><?xml version="1.0" encoding="utf-8"?>
+<p:sld xmlns:a="http://schemas.openxmlformats.org/drawingml/2006/main" xmlns:r="http://schemas.openxmlformats.org/officeDocument/2006/relationships" xmlns:p="http://schemas.openxmlformats.org/presentationml/2006/main">
+  <p:cSld>
+    <p:spTree>
+      <p:nvGrpSpPr>
+        <p:cNvPr id="1" name=""/>
+        <p:cNvGrpSpPr/>
+        <p:nvPr/>
+      </p:nvGrpSpPr>
+      <p:grpSpPr>
+        <a:xfrm>
+          <a:off x="0" y="0"/>
+          <a:ext cx="0" cy="0"/>
+          <a:chOff x="0" y="0"/>
+          <a:chExt cx="0" cy="0"/>
+        </a:xfrm>
+      </p:grpSpPr>
+    </p:spTree>
+    <p:extLst>
+      <p:ext uri="{BB962C8B-B14F-4D97-AF65-F5344CB8AC3E}">
+        <p14:creationId xmlns:p14="http://schemas.microsoft.com/office/powerpoint/2010/main" val="1433731072"/>
+      </p:ext>
+    </p:extLst>
+  </p:cSld>
+  <p:clrMapOvr>
+    <a:masterClrMapping/>
+  </p:clrMapOvr>
+</p:sld>
+</file>
+
+<file path=ppt/slides/slide51.xml><?xml version="1.0" encoding="utf-8"?>
+<p:sld xmlns:a="http://schemas.openxmlformats.org/drawingml/2006/main" xmlns:r="http://schemas.openxmlformats.org/officeDocument/2006/relationships" xmlns:p="http://schemas.openxmlformats.org/presentationml/2006/main">
+  <p:cSld>
+    <p:spTree>
+      <p:nvGrpSpPr>
+        <p:cNvPr id="1" name=""/>
+        <p:cNvGrpSpPr/>
+        <p:nvPr/>
+      </p:nvGrpSpPr>
+      <p:grpSpPr>
+        <a:xfrm>
+          <a:off x="0" y="0"/>
+          <a:ext cx="0" cy="0"/>
+          <a:chOff x="0" y="0"/>
+          <a:chExt cx="0" cy="0"/>
+        </a:xfrm>
+      </p:grpSpPr>
+    </p:spTree>
+    <p:extLst>
+      <p:ext uri="{BB962C8B-B14F-4D97-AF65-F5344CB8AC3E}">
+        <p14:creationId xmlns:p14="http://schemas.microsoft.com/office/powerpoint/2010/main" val="3028168054"/>
+      </p:ext>
+    </p:extLst>
+  </p:cSld>
+  <p:clrMapOvr>
+    <a:masterClrMapping/>
+  </p:clrMapOvr>
+</p:sld>
+</file>
+
+<file path=ppt/slides/slide52.xml><?xml version="1.0" encoding="utf-8"?>
+<p:sld xmlns:a="http://schemas.openxmlformats.org/drawingml/2006/main" xmlns:r="http://schemas.openxmlformats.org/officeDocument/2006/relationships" xmlns:p="http://schemas.openxmlformats.org/presentationml/2006/main">
+  <p:cSld>
+    <p:spTree>
+      <p:nvGrpSpPr>
+        <p:cNvPr id="1" name=""/>
+        <p:cNvGrpSpPr/>
+        <p:nvPr/>
+      </p:nvGrpSpPr>
+      <p:grpSpPr>
+        <a:xfrm>
+          <a:off x="0" y="0"/>
+          <a:ext cx="0" cy="0"/>
+          <a:chOff x="0" y="0"/>
+          <a:chExt cx="0" cy="0"/>
+        </a:xfrm>
+      </p:grpSpPr>
+    </p:spTree>
+    <p:extLst>
+      <p:ext uri="{BB962C8B-B14F-4D97-AF65-F5344CB8AC3E}">
+        <p14:creationId xmlns:p14="http://schemas.microsoft.com/office/powerpoint/2010/main" val="2366373760"/>
+      </p:ext>
+    </p:extLst>
+  </p:cSld>
+  <p:clrMapOvr>
+    <a:masterClrMapping/>
+  </p:clrMapOvr>
+</p:sld>
+</file>
+
+<file path=ppt/slides/slide53.xml><?xml version="1.0" encoding="utf-8"?>
+<p:sld xmlns:a="http://schemas.openxmlformats.org/drawingml/2006/main" xmlns:r="http://schemas.openxmlformats.org/officeDocument/2006/relationships" xmlns:p="http://schemas.openxmlformats.org/presentationml/2006/main">
+  <p:cSld>
+    <p:spTree>
+      <p:nvGrpSpPr>
+        <p:cNvPr id="1" name=""/>
+        <p:cNvGrpSpPr/>
+        <p:nvPr/>
+      </p:nvGrpSpPr>
+      <p:grpSpPr>
+        <a:xfrm>
+          <a:off x="0" y="0"/>
+          <a:ext cx="0" cy="0"/>
+          <a:chOff x="0" y="0"/>
+          <a:chExt cx="0" cy="0"/>
+        </a:xfrm>
+      </p:grpSpPr>
+    </p:spTree>
+    <p:extLst>
+      <p:ext uri="{BB962C8B-B14F-4D97-AF65-F5344CB8AC3E}">
+        <p14:creationId xmlns:p14="http://schemas.microsoft.com/office/powerpoint/2010/main" val="1784006431"/>
       </p:ext>
     </p:extLst>
   </p:cSld>

--- a/C++ Primer Plus.pptx
+++ b/C++ Primer Plus.pptx
@@ -53,11 +53,20 @@
     <p:sldId id="304" r:id="rId47"/>
     <p:sldId id="305" r:id="rId48"/>
     <p:sldId id="306" r:id="rId49"/>
-    <p:sldId id="307" r:id="rId50"/>
-    <p:sldId id="308" r:id="rId51"/>
-    <p:sldId id="309" r:id="rId52"/>
-    <p:sldId id="266" r:id="rId53"/>
-    <p:sldId id="267" r:id="rId54"/>
+    <p:sldId id="310" r:id="rId50"/>
+    <p:sldId id="307" r:id="rId51"/>
+    <p:sldId id="308" r:id="rId52"/>
+    <p:sldId id="309" r:id="rId53"/>
+    <p:sldId id="266" r:id="rId54"/>
+    <p:sldId id="267" r:id="rId55"/>
+    <p:sldId id="311" r:id="rId56"/>
+    <p:sldId id="312" r:id="rId57"/>
+    <p:sldId id="313" r:id="rId58"/>
+    <p:sldId id="314" r:id="rId59"/>
+    <p:sldId id="315" r:id="rId60"/>
+    <p:sldId id="316" r:id="rId61"/>
+    <p:sldId id="317" r:id="rId62"/>
+    <p:sldId id="318" r:id="rId63"/>
   </p:sldIdLst>
   <p:sldSz cx="12192000" cy="6858000"/>
   <p:notesSz cx="6858000" cy="9144000"/>
@@ -295,7 +304,7 @@
           <a:p>
             <a:fld id="{846CE7D5-CF57-46EF-B807-FDD0502418D4}" type="datetimeFigureOut">
               <a:rPr lang="en-US" smtClean="0"/>
-              <a:t>8/10/23</a:t>
+              <a:t>8/11/23</a:t>
             </a:fld>
             <a:endParaRPr lang="en-US"/>
           </a:p>
@@ -465,7 +474,7 @@
           <a:p>
             <a:fld id="{846CE7D5-CF57-46EF-B807-FDD0502418D4}" type="datetimeFigureOut">
               <a:rPr lang="en-US" smtClean="0"/>
-              <a:t>8/10/23</a:t>
+              <a:t>8/11/23</a:t>
             </a:fld>
             <a:endParaRPr lang="en-US"/>
           </a:p>
@@ -645,7 +654,7 @@
           <a:p>
             <a:fld id="{846CE7D5-CF57-46EF-B807-FDD0502418D4}" type="datetimeFigureOut">
               <a:rPr lang="en-US" smtClean="0"/>
-              <a:t>8/10/23</a:t>
+              <a:t>8/11/23</a:t>
             </a:fld>
             <a:endParaRPr lang="en-US"/>
           </a:p>
@@ -815,7 +824,7 @@
           <a:p>
             <a:fld id="{846CE7D5-CF57-46EF-B807-FDD0502418D4}" type="datetimeFigureOut">
               <a:rPr lang="en-US" smtClean="0"/>
-              <a:t>8/10/23</a:t>
+              <a:t>8/11/23</a:t>
             </a:fld>
             <a:endParaRPr lang="en-US"/>
           </a:p>
@@ -1061,7 +1070,7 @@
           <a:p>
             <a:fld id="{846CE7D5-CF57-46EF-B807-FDD0502418D4}" type="datetimeFigureOut">
               <a:rPr lang="en-US" smtClean="0"/>
-              <a:t>8/10/23</a:t>
+              <a:t>8/11/23</a:t>
             </a:fld>
             <a:endParaRPr lang="en-US"/>
           </a:p>
@@ -1293,7 +1302,7 @@
           <a:p>
             <a:fld id="{846CE7D5-CF57-46EF-B807-FDD0502418D4}" type="datetimeFigureOut">
               <a:rPr lang="en-US" smtClean="0"/>
-              <a:t>8/10/23</a:t>
+              <a:t>8/11/23</a:t>
             </a:fld>
             <a:endParaRPr lang="en-US"/>
           </a:p>
@@ -1660,7 +1669,7 @@
           <a:p>
             <a:fld id="{846CE7D5-CF57-46EF-B807-FDD0502418D4}" type="datetimeFigureOut">
               <a:rPr lang="en-US" smtClean="0"/>
-              <a:t>8/10/23</a:t>
+              <a:t>8/11/23</a:t>
             </a:fld>
             <a:endParaRPr lang="en-US"/>
           </a:p>
@@ -1778,7 +1787,7 @@
           <a:p>
             <a:fld id="{846CE7D5-CF57-46EF-B807-FDD0502418D4}" type="datetimeFigureOut">
               <a:rPr lang="en-US" smtClean="0"/>
-              <a:t>8/10/23</a:t>
+              <a:t>8/11/23</a:t>
             </a:fld>
             <a:endParaRPr lang="en-US"/>
           </a:p>
@@ -1873,7 +1882,7 @@
           <a:p>
             <a:fld id="{846CE7D5-CF57-46EF-B807-FDD0502418D4}" type="datetimeFigureOut">
               <a:rPr lang="en-US" smtClean="0"/>
-              <a:t>8/10/23</a:t>
+              <a:t>8/11/23</a:t>
             </a:fld>
             <a:endParaRPr lang="en-US"/>
           </a:p>
@@ -2150,7 +2159,7 @@
           <a:p>
             <a:fld id="{846CE7D5-CF57-46EF-B807-FDD0502418D4}" type="datetimeFigureOut">
               <a:rPr lang="en-US" smtClean="0"/>
-              <a:t>8/10/23</a:t>
+              <a:t>8/11/23</a:t>
             </a:fld>
             <a:endParaRPr lang="en-US"/>
           </a:p>
@@ -2407,7 +2416,7 @@
           <a:p>
             <a:fld id="{846CE7D5-CF57-46EF-B807-FDD0502418D4}" type="datetimeFigureOut">
               <a:rPr lang="en-US" smtClean="0"/>
-              <a:t>8/10/23</a:t>
+              <a:t>8/11/23</a:t>
             </a:fld>
             <a:endParaRPr lang="en-US"/>
           </a:p>
@@ -2620,7 +2629,7 @@
           <a:p>
             <a:fld id="{846CE7D5-CF57-46EF-B807-FDD0502418D4}" type="datetimeFigureOut">
               <a:rPr lang="en-US" smtClean="0"/>
-              <a:t>8/10/23</a:t>
+              <a:t>8/11/23</a:t>
             </a:fld>
             <a:endParaRPr lang="en-US"/>
           </a:p>
@@ -19348,8 +19357,8 @@
         </p:nvSpPr>
         <p:spPr>
           <a:xfrm>
-            <a:off x="4457570" y="2767280"/>
-            <a:ext cx="3276859" cy="1323439"/>
+            <a:off x="1365378" y="2151727"/>
+            <a:ext cx="9461244" cy="2554545"/>
           </a:xfrm>
           <a:prstGeom prst="rect">
             <a:avLst/>
@@ -19362,12 +19371,27 @@
           </a:bodyPr>
           <a:lstStyle/>
           <a:p>
+            <a:pPr algn="ctr"/>
             <a:r>
               <a:rPr kumimoji="1" lang="zh-CN" altLang="en-US" sz="8000" b="1" dirty="0">
                 <a:latin typeface="KaiTi" panose="02010609060101010101" pitchFamily="49" charset="-122"/>
                 <a:ea typeface="KaiTi" panose="02010609060101010101" pitchFamily="49" charset="-122"/>
               </a:rPr>
               <a:t>第九章</a:t>
+            </a:r>
+            <a:endParaRPr kumimoji="1" lang="en-US" altLang="zh-CN" sz="8000" b="1" dirty="0">
+              <a:latin typeface="KaiTi" panose="02010609060101010101" pitchFamily="49" charset="-122"/>
+              <a:ea typeface="KaiTi" panose="02010609060101010101" pitchFamily="49" charset="-122"/>
+            </a:endParaRPr>
+          </a:p>
+          <a:p>
+            <a:pPr algn="ctr"/>
+            <a:r>
+              <a:rPr kumimoji="1" lang="zh-CN" altLang="en-US" sz="8000" b="1" dirty="0">
+                <a:latin typeface="KaiTi" panose="02010609060101010101" pitchFamily="49" charset="-122"/>
+                <a:ea typeface="KaiTi" panose="02010609060101010101" pitchFamily="49" charset="-122"/>
+              </a:rPr>
+              <a:t>内存模型和名称空间</a:t>
             </a:r>
           </a:p>
         </p:txBody>
@@ -31110,6 +31134,59 @@
           <a:chExt cx="0" cy="0"/>
         </a:xfrm>
       </p:grpSpPr>
+      <p:sp>
+        <p:nvSpPr>
+          <p:cNvPr id="2" name="文本框 1">
+            <a:extLst>
+              <a:ext uri="{FF2B5EF4-FFF2-40B4-BE49-F238E27FC236}">
+                <a16:creationId xmlns:a16="http://schemas.microsoft.com/office/drawing/2014/main" id="{CE2A75C9-8DCD-494D-9B2E-8A9B6C3E20A6}"/>
+              </a:ext>
+            </a:extLst>
+          </p:cNvPr>
+          <p:cNvSpPr txBox="1"/>
+          <p:nvPr/>
+        </p:nvSpPr>
+        <p:spPr>
+          <a:xfrm>
+            <a:off x="3942205" y="2151727"/>
+            <a:ext cx="4307589" cy="2554545"/>
+          </a:xfrm>
+          <a:prstGeom prst="rect">
+            <a:avLst/>
+          </a:prstGeom>
+          <a:noFill/>
+        </p:spPr>
+        <p:txBody>
+          <a:bodyPr wrap="none" rtlCol="0">
+            <a:spAutoFit/>
+          </a:bodyPr>
+          <a:lstStyle/>
+          <a:p>
+            <a:pPr algn="ctr"/>
+            <a:r>
+              <a:rPr kumimoji="1" lang="zh-CN" altLang="en-US" sz="8000" b="1" dirty="0">
+                <a:latin typeface="KaiTi" panose="02010609060101010101" pitchFamily="49" charset="-122"/>
+                <a:ea typeface="KaiTi" panose="02010609060101010101" pitchFamily="49" charset="-122"/>
+              </a:rPr>
+              <a:t>第十章</a:t>
+            </a:r>
+            <a:endParaRPr kumimoji="1" lang="en-US" altLang="zh-CN" sz="8000" b="1" dirty="0">
+              <a:latin typeface="KaiTi" panose="02010609060101010101" pitchFamily="49" charset="-122"/>
+              <a:ea typeface="KaiTi" panose="02010609060101010101" pitchFamily="49" charset="-122"/>
+            </a:endParaRPr>
+          </a:p>
+          <a:p>
+            <a:pPr algn="ctr"/>
+            <a:r>
+              <a:rPr kumimoji="1" lang="zh-CN" altLang="en-US" sz="8000" b="1" dirty="0">
+                <a:latin typeface="KaiTi" panose="02010609060101010101" pitchFamily="49" charset="-122"/>
+                <a:ea typeface="KaiTi" panose="02010609060101010101" pitchFamily="49" charset="-122"/>
+              </a:rPr>
+              <a:t>对象和类</a:t>
+            </a:r>
+          </a:p>
+        </p:txBody>
+      </p:sp>
     </p:spTree>
     <p:extLst>
       <p:ext uri="{BB962C8B-B14F-4D97-AF65-F5344CB8AC3E}">
@@ -31140,6 +31217,356 @@
           <a:chExt cx="0" cy="0"/>
         </a:xfrm>
       </p:grpSpPr>
+      <p:sp>
+        <p:nvSpPr>
+          <p:cNvPr id="2" name="文本框 1">
+            <a:extLst>
+              <a:ext uri="{FF2B5EF4-FFF2-40B4-BE49-F238E27FC236}">
+                <a16:creationId xmlns:a16="http://schemas.microsoft.com/office/drawing/2014/main" id="{BA182604-0CD6-7642-8033-3BE0DE93B5DE}"/>
+              </a:ext>
+            </a:extLst>
+          </p:cNvPr>
+          <p:cNvSpPr txBox="1"/>
+          <p:nvPr/>
+        </p:nvSpPr>
+        <p:spPr>
+          <a:xfrm>
+            <a:off x="0" y="0"/>
+            <a:ext cx="1980029" cy="523220"/>
+          </a:xfrm>
+          <a:prstGeom prst="rect">
+            <a:avLst/>
+          </a:prstGeom>
+          <a:noFill/>
+        </p:spPr>
+        <p:txBody>
+          <a:bodyPr wrap="none" rtlCol="0">
+            <a:spAutoFit/>
+          </a:bodyPr>
+          <a:lstStyle/>
+          <a:p>
+            <a:r>
+              <a:rPr kumimoji="1" lang="zh-CN" altLang="en-US" sz="2800" dirty="0">
+                <a:latin typeface="Optima" panose="02000503060000020004" pitchFamily="2" charset="0"/>
+                <a:ea typeface="KaiTi" panose="02010609060101010101" pitchFamily="49" charset="-122"/>
+              </a:rPr>
+              <a:t>结构体和类</a:t>
+            </a:r>
+          </a:p>
+        </p:txBody>
+      </p:sp>
+      <p:sp>
+        <p:nvSpPr>
+          <p:cNvPr id="3" name="文本框 2">
+            <a:extLst>
+              <a:ext uri="{FF2B5EF4-FFF2-40B4-BE49-F238E27FC236}">
+                <a16:creationId xmlns:a16="http://schemas.microsoft.com/office/drawing/2014/main" id="{ACFABD72-3A49-1A41-96BE-FDBB882A1A67}"/>
+              </a:ext>
+            </a:extLst>
+          </p:cNvPr>
+          <p:cNvSpPr txBox="1"/>
+          <p:nvPr/>
+        </p:nvSpPr>
+        <p:spPr>
+          <a:xfrm>
+            <a:off x="515566" y="1050587"/>
+            <a:ext cx="11430000" cy="3477875"/>
+          </a:xfrm>
+          <a:prstGeom prst="rect">
+            <a:avLst/>
+          </a:prstGeom>
+          <a:noFill/>
+        </p:spPr>
+        <p:txBody>
+          <a:bodyPr wrap="square" rtlCol="0">
+            <a:spAutoFit/>
+          </a:bodyPr>
+          <a:lstStyle/>
+          <a:p>
+            <a:pPr marL="342900" indent="-342900">
+              <a:buFont typeface="Wingdings" pitchFamily="2" charset="2"/>
+              <a:buChar char="Ø"/>
+            </a:pPr>
+            <a:r>
+              <a:rPr kumimoji="1" lang="zh-CN" altLang="en-US" sz="2000" dirty="0">
+                <a:latin typeface="Optima" panose="02000503060000020004" pitchFamily="2" charset="0"/>
+                <a:ea typeface="KaiTi" panose="02010609060101010101" pitchFamily="49" charset="-122"/>
+              </a:rPr>
+              <a:t>结构的默认访问类型为</a:t>
+            </a:r>
+            <a:r>
+              <a:rPr kumimoji="1" lang="en-US" altLang="zh-CN" sz="2000" dirty="0">
+                <a:latin typeface="Optima" panose="02000503060000020004" pitchFamily="2" charset="0"/>
+                <a:ea typeface="KaiTi" panose="02010609060101010101" pitchFamily="49" charset="-122"/>
+              </a:rPr>
+              <a:t> public</a:t>
+            </a:r>
+          </a:p>
+          <a:p>
+            <a:pPr marL="342900" indent="-342900">
+              <a:buFont typeface="Wingdings" pitchFamily="2" charset="2"/>
+              <a:buChar char="Ø"/>
+            </a:pPr>
+            <a:endParaRPr kumimoji="1" lang="en-US" altLang="zh-CN" sz="2000" dirty="0">
+              <a:latin typeface="Optima" panose="02000503060000020004" pitchFamily="2" charset="0"/>
+              <a:ea typeface="KaiTi" panose="02010609060101010101" pitchFamily="49" charset="-122"/>
+            </a:endParaRPr>
+          </a:p>
+          <a:p>
+            <a:pPr marL="342900" indent="-342900">
+              <a:buFont typeface="Wingdings" pitchFamily="2" charset="2"/>
+              <a:buChar char="Ø"/>
+            </a:pPr>
+            <a:r>
+              <a:rPr kumimoji="1" lang="zh-CN" altLang="en-US" sz="2000" dirty="0">
+                <a:latin typeface="Optima" panose="02000503060000020004" pitchFamily="2" charset="0"/>
+                <a:ea typeface="KaiTi" panose="02010609060101010101" pitchFamily="49" charset="-122"/>
+              </a:rPr>
+              <a:t>类的默认访问类型为 </a:t>
+            </a:r>
+            <a:r>
+              <a:rPr kumimoji="1" lang="en-US" altLang="zh-CN" sz="2000" dirty="0">
+                <a:latin typeface="Optima" panose="02000503060000020004" pitchFamily="2" charset="0"/>
+                <a:ea typeface="KaiTi" panose="02010609060101010101" pitchFamily="49" charset="-122"/>
+              </a:rPr>
+              <a:t>private</a:t>
+            </a:r>
+          </a:p>
+          <a:p>
+            <a:pPr marL="342900" indent="-342900">
+              <a:buFont typeface="Wingdings" pitchFamily="2" charset="2"/>
+              <a:buChar char="Ø"/>
+            </a:pPr>
+            <a:endParaRPr kumimoji="1" lang="en-US" altLang="zh-CN" sz="2000" dirty="0">
+              <a:latin typeface="Optima" panose="02000503060000020004" pitchFamily="2" charset="0"/>
+              <a:ea typeface="KaiTi" panose="02010609060101010101" pitchFamily="49" charset="-122"/>
+            </a:endParaRPr>
+          </a:p>
+          <a:p>
+            <a:pPr marL="342900" indent="-342900">
+              <a:buFont typeface="Wingdings" pitchFamily="2" charset="2"/>
+              <a:buChar char="Ø"/>
+            </a:pPr>
+            <a:r>
+              <a:rPr kumimoji="1" lang="zh-CN" altLang="en-US" sz="2000" dirty="0">
+                <a:latin typeface="Optima" panose="02000503060000020004" pitchFamily="2" charset="0"/>
+                <a:ea typeface="KaiTi" panose="02010609060101010101" pitchFamily="49" charset="-122"/>
+              </a:rPr>
+              <a:t>不同的类可以有相同的方法，需要用作用域解析运算符 </a:t>
+            </a:r>
+            <a:r>
+              <a:rPr kumimoji="1" lang="en-US" altLang="zh-CN" sz="2000" dirty="0">
+                <a:latin typeface="Optima" panose="02000503060000020004" pitchFamily="2" charset="0"/>
+                <a:ea typeface="KaiTi" panose="02010609060101010101" pitchFamily="49" charset="-122"/>
+              </a:rPr>
+              <a:t>(::)</a:t>
+            </a:r>
+            <a:r>
+              <a:rPr kumimoji="1" lang="zh-CN" altLang="en-US" sz="2000" dirty="0">
+                <a:latin typeface="Optima" panose="02000503060000020004" pitchFamily="2" charset="0"/>
+                <a:ea typeface="KaiTi" panose="02010609060101010101" pitchFamily="49" charset="-122"/>
+              </a:rPr>
+              <a:t> 来标识</a:t>
+            </a:r>
+            <a:endParaRPr kumimoji="1" lang="en-US" altLang="zh-CN" sz="2000" dirty="0">
+              <a:latin typeface="Optima" panose="02000503060000020004" pitchFamily="2" charset="0"/>
+              <a:ea typeface="KaiTi" panose="02010609060101010101" pitchFamily="49" charset="-122"/>
+            </a:endParaRPr>
+          </a:p>
+          <a:p>
+            <a:pPr marL="342900" indent="-342900">
+              <a:buFont typeface="Wingdings" pitchFamily="2" charset="2"/>
+              <a:buChar char="Ø"/>
+            </a:pPr>
+            <a:endParaRPr kumimoji="1" lang="en-US" altLang="zh-CN" sz="2000" dirty="0">
+              <a:latin typeface="Optima" panose="02000503060000020004" pitchFamily="2" charset="0"/>
+              <a:ea typeface="KaiTi" panose="02010609060101010101" pitchFamily="49" charset="-122"/>
+            </a:endParaRPr>
+          </a:p>
+          <a:p>
+            <a:pPr marL="342900" indent="-342900">
+              <a:buFont typeface="Wingdings" pitchFamily="2" charset="2"/>
+              <a:buChar char="Ø"/>
+            </a:pPr>
+            <a:r>
+              <a:rPr kumimoji="1" lang="zh-CN" altLang="en-US" sz="2000" dirty="0">
+                <a:latin typeface="Optima" panose="02000503060000020004" pitchFamily="2" charset="0"/>
+                <a:ea typeface="KaiTi" panose="02010609060101010101" pitchFamily="49" charset="-122"/>
+              </a:rPr>
+              <a:t>类方法可以访问私有成员，禁止非成员函数访问 </a:t>
+            </a:r>
+            <a:r>
+              <a:rPr kumimoji="1" lang="en-US" altLang="zh-CN" sz="2000" dirty="0">
+                <a:latin typeface="Optima" panose="02000503060000020004" pitchFamily="2" charset="0"/>
+                <a:ea typeface="KaiTi" panose="02010609060101010101" pitchFamily="49" charset="-122"/>
+              </a:rPr>
+              <a:t>(</a:t>
+            </a:r>
+            <a:r>
+              <a:rPr kumimoji="1" lang="zh-CN" altLang="en-US" sz="2000" dirty="0">
+                <a:latin typeface="Optima" panose="02000503060000020004" pitchFamily="2" charset="0"/>
+                <a:ea typeface="KaiTi" panose="02010609060101010101" pitchFamily="49" charset="-122"/>
+              </a:rPr>
+              <a:t>友元函数除外</a:t>
+            </a:r>
+            <a:r>
+              <a:rPr kumimoji="1" lang="en-US" altLang="zh-CN" sz="2000" dirty="0">
+                <a:latin typeface="Optima" panose="02000503060000020004" pitchFamily="2" charset="0"/>
+                <a:ea typeface="KaiTi" panose="02010609060101010101" pitchFamily="49" charset="-122"/>
+              </a:rPr>
+              <a:t>)</a:t>
+            </a:r>
+          </a:p>
+          <a:p>
+            <a:pPr marL="342900" indent="-342900">
+              <a:buFont typeface="Wingdings" pitchFamily="2" charset="2"/>
+              <a:buChar char="Ø"/>
+            </a:pPr>
+            <a:endParaRPr kumimoji="1" lang="en-US" altLang="zh-CN" sz="2000" dirty="0">
+              <a:latin typeface="Optima" panose="02000503060000020004" pitchFamily="2" charset="0"/>
+              <a:ea typeface="KaiTi" panose="02010609060101010101" pitchFamily="49" charset="-122"/>
+            </a:endParaRPr>
+          </a:p>
+          <a:p>
+            <a:pPr marL="342900" indent="-342900">
+              <a:buFont typeface="Wingdings" pitchFamily="2" charset="2"/>
+              <a:buChar char="Ø"/>
+            </a:pPr>
+            <a:r>
+              <a:rPr kumimoji="1" lang="zh-CN" altLang="en-US" sz="2000" dirty="0">
+                <a:latin typeface="Optima" panose="02000503060000020004" pitchFamily="2" charset="0"/>
+                <a:ea typeface="KaiTi" panose="02010609060101010101" pitchFamily="49" charset="-122"/>
+              </a:rPr>
+              <a:t>定义位于类声明中的函数，自动成为</a:t>
+            </a:r>
+            <a:r>
+              <a:rPr kumimoji="1" lang="en-US" altLang="zh-CN" sz="2000" dirty="0">
+                <a:latin typeface="Optima" panose="02000503060000020004" pitchFamily="2" charset="0"/>
+                <a:ea typeface="KaiTi" panose="02010609060101010101" pitchFamily="49" charset="-122"/>
+              </a:rPr>
+              <a:t> inline</a:t>
+            </a:r>
+          </a:p>
+          <a:p>
+            <a:pPr marL="342900" indent="-342900">
+              <a:buFont typeface="Wingdings" pitchFamily="2" charset="2"/>
+              <a:buChar char="Ø"/>
+            </a:pPr>
+            <a:endParaRPr kumimoji="1" lang="en-US" altLang="zh-CN" sz="2000" dirty="0">
+              <a:latin typeface="Optima" panose="02000503060000020004" pitchFamily="2" charset="0"/>
+              <a:ea typeface="KaiTi" panose="02010609060101010101" pitchFamily="49" charset="-122"/>
+            </a:endParaRPr>
+          </a:p>
+          <a:p>
+            <a:pPr marL="342900" indent="-342900">
+              <a:buFont typeface="Wingdings" pitchFamily="2" charset="2"/>
+              <a:buChar char="Ø"/>
+            </a:pPr>
+            <a:r>
+              <a:rPr kumimoji="1" lang="en-US" altLang="zh-CN" sz="2000" dirty="0">
+                <a:latin typeface="Optima" panose="02000503060000020004" pitchFamily="2" charset="0"/>
+                <a:ea typeface="KaiTi" panose="02010609060101010101" pitchFamily="49" charset="-122"/>
+              </a:rPr>
+              <a:t>inline </a:t>
+            </a:r>
+            <a:r>
+              <a:rPr kumimoji="1" lang="zh-CN" altLang="en-US" sz="2000" dirty="0">
+                <a:latin typeface="Optima" panose="02000503060000020004" pitchFamily="2" charset="0"/>
+                <a:ea typeface="KaiTi" panose="02010609060101010101" pitchFamily="49" charset="-122"/>
+              </a:rPr>
+              <a:t>函数要求每个使用它们的文件都要对其进行定义</a:t>
+            </a:r>
+            <a:r>
+              <a:rPr kumimoji="1" lang="en-US" altLang="zh-CN" sz="2000" dirty="0">
+                <a:latin typeface="Optima" panose="02000503060000020004" pitchFamily="2" charset="0"/>
+                <a:ea typeface="KaiTi" panose="02010609060101010101" pitchFamily="49" charset="-122"/>
+              </a:rPr>
+              <a:t>——</a:t>
+            </a:r>
+            <a:r>
+              <a:rPr kumimoji="1" lang="zh-CN" altLang="en-US" sz="2000" dirty="0">
+                <a:latin typeface="Optima" panose="02000503060000020004" pitchFamily="2" charset="0"/>
+                <a:ea typeface="KaiTi" panose="02010609060101010101" pitchFamily="49" charset="-122"/>
+              </a:rPr>
+              <a:t>可以将内联定义放在定义类的头文件中</a:t>
+            </a:r>
+          </a:p>
+        </p:txBody>
+      </p:sp>
+      <p:sp>
+        <p:nvSpPr>
+          <p:cNvPr id="5" name="文本框 4">
+            <a:extLst>
+              <a:ext uri="{FF2B5EF4-FFF2-40B4-BE49-F238E27FC236}">
+                <a16:creationId xmlns:a16="http://schemas.microsoft.com/office/drawing/2014/main" id="{A623D711-BF0E-F747-9115-203E64D27FFE}"/>
+              </a:ext>
+            </a:extLst>
+          </p:cNvPr>
+          <p:cNvSpPr txBox="1"/>
+          <p:nvPr/>
+        </p:nvSpPr>
+        <p:spPr>
+          <a:xfrm>
+            <a:off x="659048" y="5141227"/>
+            <a:ext cx="6162472" cy="1015663"/>
+          </a:xfrm>
+          <a:prstGeom prst="rect">
+            <a:avLst/>
+          </a:prstGeom>
+          <a:noFill/>
+        </p:spPr>
+        <p:txBody>
+          <a:bodyPr wrap="square">
+            <a:spAutoFit/>
+          </a:bodyPr>
+          <a:lstStyle/>
+          <a:p>
+            <a:r>
+              <a:rPr lang="zh-CN" altLang="en-US" sz="2000" b="1" dirty="0">
+                <a:highlight>
+                  <a:srgbClr val="FFFF00"/>
+                </a:highlight>
+                <a:latin typeface="Optima" panose="02000503060000020004" pitchFamily="2" charset="0"/>
+              </a:rPr>
+              <a:t>stock00.cpp    </a:t>
+            </a:r>
+            <a:endParaRPr lang="en-US" altLang="zh-CN" sz="2000" b="1" dirty="0">
+              <a:highlight>
+                <a:srgbClr val="FFFF00"/>
+              </a:highlight>
+              <a:latin typeface="Optima" panose="02000503060000020004" pitchFamily="2" charset="0"/>
+            </a:endParaRPr>
+          </a:p>
+          <a:p>
+            <a:r>
+              <a:rPr lang="zh-CN" altLang="en-US" sz="2000" b="1" dirty="0">
+                <a:highlight>
+                  <a:srgbClr val="FFFF00"/>
+                </a:highlight>
+                <a:latin typeface="Optima" panose="02000503060000020004" pitchFamily="2" charset="0"/>
+              </a:rPr>
+              <a:t>stock00.h      </a:t>
+            </a:r>
+            <a:endParaRPr lang="en-US" altLang="zh-CN" sz="2000" b="1" dirty="0">
+              <a:highlight>
+                <a:srgbClr val="FFFF00"/>
+              </a:highlight>
+              <a:latin typeface="Optima" panose="02000503060000020004" pitchFamily="2" charset="0"/>
+            </a:endParaRPr>
+          </a:p>
+          <a:p>
+            <a:r>
+              <a:rPr lang="zh-CN" altLang="en-US" sz="2000" b="1" dirty="0">
+                <a:highlight>
+                  <a:srgbClr val="FFFF00"/>
+                </a:highlight>
+                <a:latin typeface="Optima" panose="02000503060000020004" pitchFamily="2" charset="0"/>
+              </a:rPr>
+              <a:t>usestock00.cpp</a:t>
+            </a:r>
+          </a:p>
+        </p:txBody>
+      </p:sp>
     </p:spTree>
     <p:extLst>
       <p:ext uri="{BB962C8B-B14F-4D97-AF65-F5344CB8AC3E}">
@@ -31170,6 +31597,304 @@
           <a:chExt cx="0" cy="0"/>
         </a:xfrm>
       </p:grpSpPr>
+      <p:sp>
+        <p:nvSpPr>
+          <p:cNvPr id="2" name="文本框 1">
+            <a:extLst>
+              <a:ext uri="{FF2B5EF4-FFF2-40B4-BE49-F238E27FC236}">
+                <a16:creationId xmlns:a16="http://schemas.microsoft.com/office/drawing/2014/main" id="{D6E9DC63-19CA-D040-B9F9-72D35EF80115}"/>
+              </a:ext>
+            </a:extLst>
+          </p:cNvPr>
+          <p:cNvSpPr txBox="1"/>
+          <p:nvPr/>
+        </p:nvSpPr>
+        <p:spPr>
+          <a:xfrm>
+            <a:off x="0" y="0"/>
+            <a:ext cx="2637260" cy="523220"/>
+          </a:xfrm>
+          <a:prstGeom prst="rect">
+            <a:avLst/>
+          </a:prstGeom>
+          <a:noFill/>
+        </p:spPr>
+        <p:txBody>
+          <a:bodyPr wrap="none" rtlCol="0">
+            <a:spAutoFit/>
+          </a:bodyPr>
+          <a:lstStyle/>
+          <a:p>
+            <a:r>
+              <a:rPr kumimoji="1" lang="zh-CN" altLang="en-US" sz="2800" dirty="0">
+                <a:latin typeface="Optima" panose="02000503060000020004" pitchFamily="2" charset="0"/>
+                <a:ea typeface="KaiTi" panose="02010609060101010101" pitchFamily="49" charset="-122"/>
+              </a:rPr>
+              <a:t>构造 </a:t>
+            </a:r>
+            <a:r>
+              <a:rPr kumimoji="1" lang="en-US" altLang="zh-CN" sz="2800" dirty="0">
+                <a:latin typeface="Optima" panose="02000503060000020004" pitchFamily="2" charset="0"/>
+                <a:ea typeface="KaiTi" panose="02010609060101010101" pitchFamily="49" charset="-122"/>
+              </a:rPr>
+              <a:t>/</a:t>
+            </a:r>
+            <a:r>
+              <a:rPr kumimoji="1" lang="zh-CN" altLang="en-US" sz="2800" dirty="0">
+                <a:latin typeface="Optima" panose="02000503060000020004" pitchFamily="2" charset="0"/>
+                <a:ea typeface="KaiTi" panose="02010609060101010101" pitchFamily="49" charset="-122"/>
+              </a:rPr>
+              <a:t> 析构函数</a:t>
+            </a:r>
+          </a:p>
+        </p:txBody>
+      </p:sp>
+      <p:sp>
+        <p:nvSpPr>
+          <p:cNvPr id="3" name="文本框 2">
+            <a:extLst>
+              <a:ext uri="{FF2B5EF4-FFF2-40B4-BE49-F238E27FC236}">
+                <a16:creationId xmlns:a16="http://schemas.microsoft.com/office/drawing/2014/main" id="{324B27CF-F4AE-F841-A70C-B52C2192136B}"/>
+              </a:ext>
+            </a:extLst>
+          </p:cNvPr>
+          <p:cNvSpPr txBox="1"/>
+          <p:nvPr/>
+        </p:nvSpPr>
+        <p:spPr>
+          <a:xfrm>
+            <a:off x="1157591" y="1079770"/>
+            <a:ext cx="8135560" cy="2246769"/>
+          </a:xfrm>
+          <a:prstGeom prst="rect">
+            <a:avLst/>
+          </a:prstGeom>
+          <a:noFill/>
+        </p:spPr>
+        <p:txBody>
+          <a:bodyPr wrap="none" rtlCol="0">
+            <a:spAutoFit/>
+          </a:bodyPr>
+          <a:lstStyle/>
+          <a:p>
+            <a:r>
+              <a:rPr kumimoji="1" lang="zh-CN" altLang="en-US" sz="2000" dirty="0">
+                <a:latin typeface="Optima" panose="02000503060000020004" pitchFamily="2" charset="0"/>
+                <a:ea typeface="KaiTi" panose="02010609060101010101" pitchFamily="49" charset="-122"/>
+              </a:rPr>
+              <a:t>构造函数的参数名一般不与类成员名相同，为了避免混乱，可以使用：</a:t>
+            </a:r>
+            <a:endParaRPr kumimoji="1" lang="en-US" altLang="zh-CN" sz="2000" dirty="0">
+              <a:latin typeface="Optima" panose="02000503060000020004" pitchFamily="2" charset="0"/>
+              <a:ea typeface="KaiTi" panose="02010609060101010101" pitchFamily="49" charset="-122"/>
+            </a:endParaRPr>
+          </a:p>
+          <a:p>
+            <a:endParaRPr kumimoji="1" lang="en-US" altLang="zh-CN" sz="2000" dirty="0">
+              <a:latin typeface="Optima" panose="02000503060000020004" pitchFamily="2" charset="0"/>
+              <a:ea typeface="KaiTi" panose="02010609060101010101" pitchFamily="49" charset="-122"/>
+            </a:endParaRPr>
+          </a:p>
+          <a:p>
+            <a:pPr marL="742950" lvl="1" indent="-285750">
+              <a:buFont typeface="Wingdings" pitchFamily="2" charset="2"/>
+              <a:buChar char="ü"/>
+            </a:pPr>
+            <a:r>
+              <a:rPr kumimoji="1" lang="en-US" altLang="zh-CN" sz="2000" dirty="0">
+                <a:latin typeface="Optima" panose="02000503060000020004" pitchFamily="2" charset="0"/>
+                <a:ea typeface="KaiTi" panose="02010609060101010101" pitchFamily="49" charset="-122"/>
+              </a:rPr>
+              <a:t>m_</a:t>
+            </a:r>
+            <a:r>
+              <a:rPr kumimoji="1" lang="zh-CN" altLang="en-US" sz="2000" dirty="0">
+                <a:latin typeface="Optima" panose="02000503060000020004" pitchFamily="2" charset="0"/>
+                <a:ea typeface="KaiTi" panose="02010609060101010101" pitchFamily="49" charset="-122"/>
+              </a:rPr>
+              <a:t> 前缀</a:t>
+            </a:r>
+            <a:endParaRPr kumimoji="1" lang="en-US" altLang="zh-CN" sz="2000" dirty="0">
+              <a:latin typeface="Optima" panose="02000503060000020004" pitchFamily="2" charset="0"/>
+              <a:ea typeface="KaiTi" panose="02010609060101010101" pitchFamily="49" charset="-122"/>
+            </a:endParaRPr>
+          </a:p>
+          <a:p>
+            <a:pPr marL="742950" lvl="1" indent="-285750">
+              <a:buFont typeface="Wingdings" pitchFamily="2" charset="2"/>
+              <a:buChar char="ü"/>
+            </a:pPr>
+            <a:endParaRPr kumimoji="1" lang="en-US" altLang="zh-CN" sz="2000" dirty="0">
+              <a:latin typeface="Optima" panose="02000503060000020004" pitchFamily="2" charset="0"/>
+              <a:ea typeface="KaiTi" panose="02010609060101010101" pitchFamily="49" charset="-122"/>
+            </a:endParaRPr>
+          </a:p>
+          <a:p>
+            <a:pPr marL="742950" lvl="1" indent="-285750">
+              <a:buFont typeface="Wingdings" pitchFamily="2" charset="2"/>
+              <a:buChar char="ü"/>
+            </a:pPr>
+            <a:r>
+              <a:rPr kumimoji="1" lang="zh-CN" altLang="en-US" sz="2000" dirty="0">
+                <a:latin typeface="Optima" panose="02000503060000020004" pitchFamily="2" charset="0"/>
+                <a:ea typeface="KaiTi" panose="02010609060101010101" pitchFamily="49" charset="-122"/>
+              </a:rPr>
+              <a:t>后缀 </a:t>
+            </a:r>
+            <a:r>
+              <a:rPr kumimoji="1" lang="en-US" altLang="zh-CN" sz="2000" dirty="0">
+                <a:latin typeface="Optima" panose="02000503060000020004" pitchFamily="2" charset="0"/>
+                <a:ea typeface="KaiTi" panose="02010609060101010101" pitchFamily="49" charset="-122"/>
+              </a:rPr>
+              <a:t>_</a:t>
+            </a:r>
+          </a:p>
+          <a:p>
+            <a:pPr marL="742950" lvl="1" indent="-285750">
+              <a:buFont typeface="Wingdings" pitchFamily="2" charset="2"/>
+              <a:buChar char="ü"/>
+            </a:pPr>
+            <a:endParaRPr kumimoji="1" lang="en-US" altLang="zh-CN" sz="2000" dirty="0">
+              <a:latin typeface="Optima" panose="02000503060000020004" pitchFamily="2" charset="0"/>
+              <a:ea typeface="KaiTi" panose="02010609060101010101" pitchFamily="49" charset="-122"/>
+            </a:endParaRPr>
+          </a:p>
+          <a:p>
+            <a:pPr marL="742950" lvl="1" indent="-285750">
+              <a:buFont typeface="Wingdings" pitchFamily="2" charset="2"/>
+              <a:buChar char="ü"/>
+            </a:pPr>
+            <a:r>
+              <a:rPr kumimoji="1" lang="en-US" altLang="zh-CN" sz="2000" dirty="0">
+                <a:latin typeface="Optima" panose="02000503060000020004" pitchFamily="2" charset="0"/>
+                <a:ea typeface="KaiTi" panose="02010609060101010101" pitchFamily="49" charset="-122"/>
+              </a:rPr>
+              <a:t>this</a:t>
+            </a:r>
+            <a:r>
+              <a:rPr kumimoji="1" lang="zh-CN" altLang="en-US" sz="2000" dirty="0">
+                <a:latin typeface="Optima" panose="02000503060000020004" pitchFamily="2" charset="0"/>
+                <a:ea typeface="KaiTi" panose="02010609060101010101" pitchFamily="49" charset="-122"/>
+              </a:rPr>
+              <a:t> </a:t>
+            </a:r>
+            <a:endParaRPr kumimoji="1" lang="en-US" altLang="zh-CN" sz="2000" dirty="0">
+              <a:latin typeface="Optima" panose="02000503060000020004" pitchFamily="2" charset="0"/>
+              <a:ea typeface="KaiTi" panose="02010609060101010101" pitchFamily="49" charset="-122"/>
+            </a:endParaRPr>
+          </a:p>
+        </p:txBody>
+      </p:sp>
+      <p:sp>
+        <p:nvSpPr>
+          <p:cNvPr id="5" name="文本框 4">
+            <a:extLst>
+              <a:ext uri="{FF2B5EF4-FFF2-40B4-BE49-F238E27FC236}">
+                <a16:creationId xmlns:a16="http://schemas.microsoft.com/office/drawing/2014/main" id="{97A0C4FD-A619-BB45-99F0-B9566B633C00}"/>
+              </a:ext>
+            </a:extLst>
+          </p:cNvPr>
+          <p:cNvSpPr txBox="1"/>
+          <p:nvPr/>
+        </p:nvSpPr>
+        <p:spPr>
+          <a:xfrm>
+            <a:off x="1157591" y="4046707"/>
+            <a:ext cx="10172978" cy="1015663"/>
+          </a:xfrm>
+          <a:prstGeom prst="rect">
+            <a:avLst/>
+          </a:prstGeom>
+          <a:noFill/>
+        </p:spPr>
+        <p:txBody>
+          <a:bodyPr wrap="none" rtlCol="0">
+            <a:spAutoFit/>
+          </a:bodyPr>
+          <a:lstStyle/>
+          <a:p>
+            <a:r>
+              <a:rPr kumimoji="1" lang="zh-CN" altLang="en-US" sz="2000" dirty="0">
+                <a:latin typeface="Optima" panose="02000503060000020004" pitchFamily="2" charset="0"/>
+                <a:ea typeface="KaiTi" panose="02010609060101010101" pitchFamily="49" charset="-122"/>
+              </a:rPr>
+              <a:t>接受一个参数的构造函数，允许使用赋值语法将对象初始化为一个值，可以关闭该功能</a:t>
+            </a:r>
+            <a:endParaRPr kumimoji="1" lang="en-US" altLang="zh-CN" sz="2000" dirty="0">
+              <a:latin typeface="Optima" panose="02000503060000020004" pitchFamily="2" charset="0"/>
+              <a:ea typeface="KaiTi" panose="02010609060101010101" pitchFamily="49" charset="-122"/>
+            </a:endParaRPr>
+          </a:p>
+          <a:p>
+            <a:endParaRPr kumimoji="1" lang="en-US" altLang="zh-CN" sz="2000" dirty="0">
+              <a:latin typeface="Optima" panose="02000503060000020004" pitchFamily="2" charset="0"/>
+              <a:ea typeface="KaiTi" panose="02010609060101010101" pitchFamily="49" charset="-122"/>
+            </a:endParaRPr>
+          </a:p>
+          <a:p>
+            <a:r>
+              <a:rPr kumimoji="1" lang="en-US" altLang="zh-CN" sz="2000" dirty="0">
+                <a:latin typeface="Optima" panose="02000503060000020004" pitchFamily="2" charset="0"/>
+                <a:ea typeface="KaiTi" panose="02010609060101010101" pitchFamily="49" charset="-122"/>
+              </a:rPr>
+              <a:t> </a:t>
+            </a:r>
+            <a:r>
+              <a:rPr kumimoji="1" lang="en-US" altLang="zh-CN" sz="2000" dirty="0" err="1">
+                <a:latin typeface="Optima" panose="02000503060000020004" pitchFamily="2" charset="0"/>
+                <a:ea typeface="KaiTi" panose="02010609060101010101" pitchFamily="49" charset="-122"/>
+              </a:rPr>
+              <a:t>Classname</a:t>
+            </a:r>
+            <a:r>
+              <a:rPr kumimoji="1" lang="zh-CN" altLang="en-US" sz="2000" dirty="0">
+                <a:latin typeface="Optima" panose="02000503060000020004" pitchFamily="2" charset="0"/>
+                <a:ea typeface="KaiTi" panose="02010609060101010101" pitchFamily="49" charset="-122"/>
+              </a:rPr>
+              <a:t> </a:t>
+            </a:r>
+            <a:r>
+              <a:rPr kumimoji="1" lang="en-US" altLang="zh-CN" sz="2000" dirty="0">
+                <a:latin typeface="Optima" panose="02000503060000020004" pitchFamily="2" charset="0"/>
+                <a:ea typeface="KaiTi" panose="02010609060101010101" pitchFamily="49" charset="-122"/>
+              </a:rPr>
+              <a:t>Object</a:t>
+            </a:r>
+            <a:r>
+              <a:rPr kumimoji="1" lang="zh-CN" altLang="en-US" sz="2000" dirty="0">
+                <a:latin typeface="Optima" panose="02000503060000020004" pitchFamily="2" charset="0"/>
+                <a:ea typeface="KaiTi" panose="02010609060101010101" pitchFamily="49" charset="-122"/>
+              </a:rPr>
+              <a:t> </a:t>
+            </a:r>
+            <a:r>
+              <a:rPr kumimoji="1" lang="en-US" altLang="zh-CN" sz="2000" dirty="0">
+                <a:latin typeface="Optima" panose="02000503060000020004" pitchFamily="2" charset="0"/>
+                <a:ea typeface="KaiTi" panose="02010609060101010101" pitchFamily="49" charset="-122"/>
+              </a:rPr>
+              <a:t>=</a:t>
+            </a:r>
+            <a:r>
+              <a:rPr kumimoji="1" lang="zh-CN" altLang="en-US" sz="2000" dirty="0">
+                <a:latin typeface="Optima" panose="02000503060000020004" pitchFamily="2" charset="0"/>
+                <a:ea typeface="KaiTi" panose="02010609060101010101" pitchFamily="49" charset="-122"/>
+              </a:rPr>
+              <a:t> </a:t>
+            </a:r>
+            <a:r>
+              <a:rPr kumimoji="1" lang="en-US" altLang="zh-CN" sz="2000" dirty="0">
+                <a:latin typeface="Optima" panose="02000503060000020004" pitchFamily="2" charset="0"/>
+                <a:ea typeface="KaiTi" panose="02010609060101010101" pitchFamily="49" charset="-122"/>
+              </a:rPr>
+              <a:t>value;</a:t>
+            </a:r>
+            <a:endParaRPr kumimoji="1" lang="zh-CN" altLang="en-US" sz="2000" dirty="0">
+              <a:latin typeface="Optima" panose="02000503060000020004" pitchFamily="2" charset="0"/>
+              <a:ea typeface="KaiTi" panose="02010609060101010101" pitchFamily="49" charset="-122"/>
+            </a:endParaRPr>
+          </a:p>
+        </p:txBody>
+      </p:sp>
     </p:spTree>
     <p:extLst>
       <p:ext uri="{BB962C8B-B14F-4D97-AF65-F5344CB8AC3E}">
@@ -31200,10 +31925,664 @@
           <a:chExt cx="0" cy="0"/>
         </a:xfrm>
       </p:grpSpPr>
+      <p:sp>
+        <p:nvSpPr>
+          <p:cNvPr id="2" name="文本框 1">
+            <a:extLst>
+              <a:ext uri="{FF2B5EF4-FFF2-40B4-BE49-F238E27FC236}">
+                <a16:creationId xmlns:a16="http://schemas.microsoft.com/office/drawing/2014/main" id="{D6E9DC63-19CA-D040-B9F9-72D35EF80115}"/>
+              </a:ext>
+            </a:extLst>
+          </p:cNvPr>
+          <p:cNvSpPr txBox="1"/>
+          <p:nvPr/>
+        </p:nvSpPr>
+        <p:spPr>
+          <a:xfrm>
+            <a:off x="0" y="0"/>
+            <a:ext cx="2339102" cy="523220"/>
+          </a:xfrm>
+          <a:prstGeom prst="rect">
+            <a:avLst/>
+          </a:prstGeom>
+          <a:noFill/>
+        </p:spPr>
+        <p:txBody>
+          <a:bodyPr wrap="none" rtlCol="0">
+            <a:spAutoFit/>
+          </a:bodyPr>
+          <a:lstStyle/>
+          <a:p>
+            <a:r>
+              <a:rPr kumimoji="1" lang="zh-CN" altLang="en-US" sz="2800" dirty="0">
+                <a:latin typeface="Optima" panose="02000503060000020004" pitchFamily="2" charset="0"/>
+                <a:ea typeface="KaiTi" panose="02010609060101010101" pitchFamily="49" charset="-122"/>
+              </a:rPr>
+              <a:t>默认构造函数</a:t>
+            </a:r>
+          </a:p>
+        </p:txBody>
+      </p:sp>
+      <p:sp>
+        <p:nvSpPr>
+          <p:cNvPr id="3" name="文本框 2">
+            <a:extLst>
+              <a:ext uri="{FF2B5EF4-FFF2-40B4-BE49-F238E27FC236}">
+                <a16:creationId xmlns:a16="http://schemas.microsoft.com/office/drawing/2014/main" id="{324B27CF-F4AE-F841-A70C-B52C2192136B}"/>
+              </a:ext>
+            </a:extLst>
+          </p:cNvPr>
+          <p:cNvSpPr txBox="1"/>
+          <p:nvPr/>
+        </p:nvSpPr>
+        <p:spPr>
+          <a:xfrm>
+            <a:off x="1157591" y="1079770"/>
+            <a:ext cx="7561878" cy="4708981"/>
+          </a:xfrm>
+          <a:prstGeom prst="rect">
+            <a:avLst/>
+          </a:prstGeom>
+          <a:noFill/>
+        </p:spPr>
+        <p:txBody>
+          <a:bodyPr wrap="none" rtlCol="0">
+            <a:spAutoFit/>
+          </a:bodyPr>
+          <a:lstStyle/>
+          <a:p>
+            <a:r>
+              <a:rPr kumimoji="1" lang="zh-CN" altLang="en-US" sz="2000" dirty="0">
+                <a:latin typeface="Optima" panose="02000503060000020004" pitchFamily="2" charset="0"/>
+                <a:ea typeface="KaiTi" panose="02010609060101010101" pitchFamily="49" charset="-122"/>
+              </a:rPr>
+              <a:t>为了实现 </a:t>
+            </a:r>
+            <a:r>
+              <a:rPr kumimoji="1" lang="en-US" altLang="zh-CN" sz="2000" dirty="0">
+                <a:latin typeface="Optima" panose="02000503060000020004" pitchFamily="2" charset="0"/>
+                <a:ea typeface="KaiTi" panose="02010609060101010101" pitchFamily="49" charset="-122"/>
+              </a:rPr>
+              <a:t>Stock</a:t>
+            </a:r>
+            <a:r>
+              <a:rPr kumimoji="1" lang="zh-CN" altLang="en-US" sz="2000" dirty="0">
+                <a:latin typeface="Optima" panose="02000503060000020004" pitchFamily="2" charset="0"/>
+                <a:ea typeface="KaiTi" panose="02010609060101010101" pitchFamily="49" charset="-122"/>
+              </a:rPr>
+              <a:t> </a:t>
+            </a:r>
+            <a:r>
+              <a:rPr kumimoji="1" lang="en-US" altLang="zh-CN" sz="2000" dirty="0" err="1">
+                <a:latin typeface="Optima" panose="02000503060000020004" pitchFamily="2" charset="0"/>
+                <a:ea typeface="KaiTi" panose="02010609060101010101" pitchFamily="49" charset="-122"/>
+              </a:rPr>
+              <a:t>fluffy_the_cat</a:t>
+            </a:r>
+            <a:r>
+              <a:rPr kumimoji="1" lang="en-US" altLang="zh-CN" sz="2000" dirty="0">
+                <a:latin typeface="Optima" panose="02000503060000020004" pitchFamily="2" charset="0"/>
+                <a:ea typeface="KaiTi" panose="02010609060101010101" pitchFamily="49" charset="-122"/>
+              </a:rPr>
+              <a:t>;</a:t>
+            </a:r>
+          </a:p>
+          <a:p>
+            <a:endParaRPr kumimoji="1" lang="en-US" altLang="zh-CN" sz="2000" dirty="0">
+              <a:latin typeface="Optima" panose="02000503060000020004" pitchFamily="2" charset="0"/>
+              <a:ea typeface="KaiTi" panose="02010609060101010101" pitchFamily="49" charset="-122"/>
+            </a:endParaRPr>
+          </a:p>
+          <a:p>
+            <a:pPr marL="342900" indent="-342900">
+              <a:buFont typeface="Wingdings" pitchFamily="2" charset="2"/>
+              <a:buChar char="ü"/>
+            </a:pPr>
+            <a:r>
+              <a:rPr kumimoji="1" lang="zh-CN" altLang="en-US" sz="2000" dirty="0">
+                <a:latin typeface="Optima" panose="02000503060000020004" pitchFamily="2" charset="0"/>
+                <a:ea typeface="KaiTi" panose="02010609060101010101" pitchFamily="49" charset="-122"/>
+              </a:rPr>
+              <a:t>给构造函数所有参数提供默认值</a:t>
+            </a:r>
+            <a:endParaRPr kumimoji="1" lang="en-US" altLang="zh-CN" sz="2000" dirty="0">
+              <a:latin typeface="Optima" panose="02000503060000020004" pitchFamily="2" charset="0"/>
+              <a:ea typeface="KaiTi" panose="02010609060101010101" pitchFamily="49" charset="-122"/>
+            </a:endParaRPr>
+          </a:p>
+          <a:p>
+            <a:pPr marL="342900" indent="-342900">
+              <a:buFont typeface="Wingdings" pitchFamily="2" charset="2"/>
+              <a:buChar char="ü"/>
+            </a:pPr>
+            <a:endParaRPr kumimoji="1" lang="en-US" altLang="zh-CN" sz="2000" dirty="0">
+              <a:latin typeface="Optima" panose="02000503060000020004" pitchFamily="2" charset="0"/>
+              <a:ea typeface="KaiTi" panose="02010609060101010101" pitchFamily="49" charset="-122"/>
+            </a:endParaRPr>
+          </a:p>
+          <a:p>
+            <a:r>
+              <a:rPr kumimoji="1" lang="zh-CN" altLang="en-US" sz="2000" dirty="0">
+                <a:latin typeface="Optima" panose="02000503060000020004" pitchFamily="2" charset="0"/>
+                <a:ea typeface="KaiTi" panose="02010609060101010101" pitchFamily="49" charset="-122"/>
+              </a:rPr>
+              <a:t>     </a:t>
+            </a:r>
+            <a:r>
+              <a:rPr kumimoji="1" lang="en-US" altLang="zh-CN" sz="2000" dirty="0">
+                <a:latin typeface="Optima" panose="02000503060000020004" pitchFamily="2" charset="0"/>
+                <a:ea typeface="KaiTi" panose="02010609060101010101" pitchFamily="49" charset="-122"/>
+              </a:rPr>
+              <a:t>Stock(const</a:t>
+            </a:r>
+            <a:r>
+              <a:rPr kumimoji="1" lang="zh-CN" altLang="en-US" sz="2000" dirty="0">
+                <a:latin typeface="Optima" panose="02000503060000020004" pitchFamily="2" charset="0"/>
+                <a:ea typeface="KaiTi" panose="02010609060101010101" pitchFamily="49" charset="-122"/>
+              </a:rPr>
+              <a:t> </a:t>
+            </a:r>
+            <a:r>
+              <a:rPr kumimoji="1" lang="en-US" altLang="zh-CN" sz="2000" dirty="0">
+                <a:latin typeface="Optima" panose="02000503060000020004" pitchFamily="2" charset="0"/>
+                <a:ea typeface="KaiTi" panose="02010609060101010101" pitchFamily="49" charset="-122"/>
+              </a:rPr>
+              <a:t>std::string</a:t>
+            </a:r>
+            <a:r>
+              <a:rPr kumimoji="1" lang="zh-CN" altLang="en-US" sz="2000" dirty="0">
+                <a:latin typeface="Optima" panose="02000503060000020004" pitchFamily="2" charset="0"/>
+                <a:ea typeface="KaiTi" panose="02010609060101010101" pitchFamily="49" charset="-122"/>
+              </a:rPr>
+              <a:t> </a:t>
+            </a:r>
+            <a:r>
+              <a:rPr kumimoji="1" lang="en-US" altLang="zh-CN" sz="2000" dirty="0">
+                <a:latin typeface="Optima" panose="02000503060000020004" pitchFamily="2" charset="0"/>
+                <a:ea typeface="KaiTi" panose="02010609060101010101" pitchFamily="49" charset="-122"/>
+              </a:rPr>
+              <a:t>&amp;co</a:t>
+            </a:r>
+            <a:r>
+              <a:rPr kumimoji="1" lang="zh-CN" altLang="en-US" sz="2000" dirty="0">
+                <a:latin typeface="Optima" panose="02000503060000020004" pitchFamily="2" charset="0"/>
+                <a:ea typeface="KaiTi" panose="02010609060101010101" pitchFamily="49" charset="-122"/>
+              </a:rPr>
+              <a:t> </a:t>
+            </a:r>
+            <a:r>
+              <a:rPr kumimoji="1" lang="en-US" altLang="zh-CN" sz="2000" dirty="0">
+                <a:latin typeface="Optima" panose="02000503060000020004" pitchFamily="2" charset="0"/>
+                <a:ea typeface="KaiTi" panose="02010609060101010101" pitchFamily="49" charset="-122"/>
+              </a:rPr>
+              <a:t>=</a:t>
+            </a:r>
+            <a:r>
+              <a:rPr kumimoji="1" lang="zh-CN" altLang="en-US" sz="2000" dirty="0">
+                <a:latin typeface="Optima" panose="02000503060000020004" pitchFamily="2" charset="0"/>
+                <a:ea typeface="KaiTi" panose="02010609060101010101" pitchFamily="49" charset="-122"/>
+              </a:rPr>
+              <a:t> </a:t>
+            </a:r>
+            <a:r>
+              <a:rPr kumimoji="1" lang="en-US" altLang="zh-CN" sz="2000" dirty="0">
+                <a:latin typeface="Optima" panose="02000503060000020004" pitchFamily="2" charset="0"/>
+                <a:ea typeface="KaiTi" panose="02010609060101010101" pitchFamily="49" charset="-122"/>
+              </a:rPr>
+              <a:t>“Error”,</a:t>
+            </a:r>
+            <a:r>
+              <a:rPr kumimoji="1" lang="zh-CN" altLang="en-US" sz="2000" dirty="0">
+                <a:latin typeface="Optima" panose="02000503060000020004" pitchFamily="2" charset="0"/>
+                <a:ea typeface="KaiTi" panose="02010609060101010101" pitchFamily="49" charset="-122"/>
+              </a:rPr>
+              <a:t> </a:t>
+            </a:r>
+            <a:r>
+              <a:rPr kumimoji="1" lang="en-US" altLang="zh-CN" sz="2000" dirty="0">
+                <a:latin typeface="Optima" panose="02000503060000020004" pitchFamily="2" charset="0"/>
+                <a:ea typeface="KaiTi" panose="02010609060101010101" pitchFamily="49" charset="-122"/>
+              </a:rPr>
+              <a:t>int</a:t>
+            </a:r>
+            <a:r>
+              <a:rPr kumimoji="1" lang="zh-CN" altLang="en-US" sz="2000" dirty="0">
+                <a:latin typeface="Optima" panose="02000503060000020004" pitchFamily="2" charset="0"/>
+                <a:ea typeface="KaiTi" panose="02010609060101010101" pitchFamily="49" charset="-122"/>
+              </a:rPr>
+              <a:t> </a:t>
+            </a:r>
+            <a:r>
+              <a:rPr kumimoji="1" lang="en-US" altLang="zh-CN" sz="2000" dirty="0">
+                <a:latin typeface="Optima" panose="02000503060000020004" pitchFamily="2" charset="0"/>
+                <a:ea typeface="KaiTi" panose="02010609060101010101" pitchFamily="49" charset="-122"/>
+              </a:rPr>
+              <a:t>n</a:t>
+            </a:r>
+            <a:r>
+              <a:rPr kumimoji="1" lang="zh-CN" altLang="en-US" sz="2000" dirty="0">
+                <a:latin typeface="Optima" panose="02000503060000020004" pitchFamily="2" charset="0"/>
+                <a:ea typeface="KaiTi" panose="02010609060101010101" pitchFamily="49" charset="-122"/>
+              </a:rPr>
+              <a:t> </a:t>
+            </a:r>
+            <a:r>
+              <a:rPr kumimoji="1" lang="en-US" altLang="zh-CN" sz="2000" dirty="0">
+                <a:latin typeface="Optima" panose="02000503060000020004" pitchFamily="2" charset="0"/>
+                <a:ea typeface="KaiTi" panose="02010609060101010101" pitchFamily="49" charset="-122"/>
+              </a:rPr>
+              <a:t>=</a:t>
+            </a:r>
+            <a:r>
+              <a:rPr kumimoji="1" lang="zh-CN" altLang="en-US" sz="2000" dirty="0">
+                <a:latin typeface="Optima" panose="02000503060000020004" pitchFamily="2" charset="0"/>
+                <a:ea typeface="KaiTi" panose="02010609060101010101" pitchFamily="49" charset="-122"/>
+              </a:rPr>
+              <a:t> </a:t>
+            </a:r>
+            <a:r>
+              <a:rPr kumimoji="1" lang="en-US" altLang="zh-CN" sz="2000" dirty="0">
+                <a:latin typeface="Optima" panose="02000503060000020004" pitchFamily="2" charset="0"/>
+                <a:ea typeface="KaiTi" panose="02010609060101010101" pitchFamily="49" charset="-122"/>
+              </a:rPr>
+              <a:t>0,</a:t>
+            </a:r>
+            <a:r>
+              <a:rPr kumimoji="1" lang="zh-CN" altLang="en-US" sz="2000" dirty="0">
+                <a:latin typeface="Optima" panose="02000503060000020004" pitchFamily="2" charset="0"/>
+                <a:ea typeface="KaiTi" panose="02010609060101010101" pitchFamily="49" charset="-122"/>
+              </a:rPr>
+              <a:t> </a:t>
+            </a:r>
+            <a:r>
+              <a:rPr kumimoji="1" lang="en-US" altLang="zh-CN" sz="2000" dirty="0">
+                <a:latin typeface="Optima" panose="02000503060000020004" pitchFamily="2" charset="0"/>
+                <a:ea typeface="KaiTi" panose="02010609060101010101" pitchFamily="49" charset="-122"/>
+              </a:rPr>
+              <a:t>double</a:t>
+            </a:r>
+            <a:r>
+              <a:rPr kumimoji="1" lang="zh-CN" altLang="en-US" sz="2000" dirty="0">
+                <a:latin typeface="Optima" panose="02000503060000020004" pitchFamily="2" charset="0"/>
+                <a:ea typeface="KaiTi" panose="02010609060101010101" pitchFamily="49" charset="-122"/>
+              </a:rPr>
+              <a:t> </a:t>
+            </a:r>
+            <a:r>
+              <a:rPr kumimoji="1" lang="en-US" altLang="zh-CN" sz="2000" dirty="0">
+                <a:latin typeface="Optima" panose="02000503060000020004" pitchFamily="2" charset="0"/>
+                <a:ea typeface="KaiTi" panose="02010609060101010101" pitchFamily="49" charset="-122"/>
+              </a:rPr>
+              <a:t>pr</a:t>
+            </a:r>
+            <a:r>
+              <a:rPr kumimoji="1" lang="zh-CN" altLang="en-US" sz="2000" dirty="0">
+                <a:latin typeface="Optima" panose="02000503060000020004" pitchFamily="2" charset="0"/>
+                <a:ea typeface="KaiTi" panose="02010609060101010101" pitchFamily="49" charset="-122"/>
+              </a:rPr>
+              <a:t> </a:t>
+            </a:r>
+            <a:r>
+              <a:rPr kumimoji="1" lang="en-US" altLang="zh-CN" sz="2000" dirty="0">
+                <a:latin typeface="Optima" panose="02000503060000020004" pitchFamily="2" charset="0"/>
+                <a:ea typeface="KaiTi" panose="02010609060101010101" pitchFamily="49" charset="-122"/>
+              </a:rPr>
+              <a:t>=</a:t>
+            </a:r>
+            <a:r>
+              <a:rPr kumimoji="1" lang="zh-CN" altLang="en-US" sz="2000" dirty="0">
+                <a:latin typeface="Optima" panose="02000503060000020004" pitchFamily="2" charset="0"/>
+                <a:ea typeface="KaiTi" panose="02010609060101010101" pitchFamily="49" charset="-122"/>
+              </a:rPr>
+              <a:t> </a:t>
+            </a:r>
+            <a:r>
+              <a:rPr kumimoji="1" lang="en-US" altLang="zh-CN" sz="2000" dirty="0">
+                <a:latin typeface="Optima" panose="02000503060000020004" pitchFamily="2" charset="0"/>
+                <a:ea typeface="KaiTi" panose="02010609060101010101" pitchFamily="49" charset="-122"/>
+              </a:rPr>
+              <a:t>0.0);</a:t>
+            </a:r>
+          </a:p>
+          <a:p>
+            <a:pPr marL="342900" indent="-342900">
+              <a:buFont typeface="Wingdings" pitchFamily="2" charset="2"/>
+              <a:buChar char="ü"/>
+            </a:pPr>
+            <a:endParaRPr kumimoji="1" lang="en-US" altLang="zh-CN" sz="2000" dirty="0">
+              <a:latin typeface="Optima" panose="02000503060000020004" pitchFamily="2" charset="0"/>
+              <a:ea typeface="KaiTi" panose="02010609060101010101" pitchFamily="49" charset="-122"/>
+            </a:endParaRPr>
+          </a:p>
+          <a:p>
+            <a:pPr marL="342900" indent="-342900">
+              <a:buFont typeface="Wingdings" pitchFamily="2" charset="2"/>
+              <a:buChar char="ü"/>
+            </a:pPr>
+            <a:r>
+              <a:rPr kumimoji="1" lang="zh-CN" altLang="en-US" sz="2000" dirty="0">
+                <a:latin typeface="Optima" panose="02000503060000020004" pitchFamily="2" charset="0"/>
+                <a:ea typeface="KaiTi" panose="02010609060101010101" pitchFamily="49" charset="-122"/>
+              </a:rPr>
+              <a:t>构造函数没有参数</a:t>
+            </a:r>
+            <a:endParaRPr kumimoji="1" lang="en-US" altLang="zh-CN" sz="2000" dirty="0">
+              <a:latin typeface="Optima" panose="02000503060000020004" pitchFamily="2" charset="0"/>
+              <a:ea typeface="KaiTi" panose="02010609060101010101" pitchFamily="49" charset="-122"/>
+            </a:endParaRPr>
+          </a:p>
+          <a:p>
+            <a:pPr marL="342900" indent="-342900">
+              <a:buFont typeface="Wingdings" pitchFamily="2" charset="2"/>
+              <a:buChar char="ü"/>
+            </a:pPr>
+            <a:endParaRPr kumimoji="1" lang="en-US" altLang="zh-CN" sz="2000" dirty="0">
+              <a:latin typeface="Optima" panose="02000503060000020004" pitchFamily="2" charset="0"/>
+              <a:ea typeface="KaiTi" panose="02010609060101010101" pitchFamily="49" charset="-122"/>
+            </a:endParaRPr>
+          </a:p>
+          <a:p>
+            <a:r>
+              <a:rPr kumimoji="1" lang="zh-CN" altLang="en-US" sz="2000" dirty="0">
+                <a:latin typeface="Optima" panose="02000503060000020004" pitchFamily="2" charset="0"/>
+                <a:ea typeface="KaiTi" panose="02010609060101010101" pitchFamily="49" charset="-122"/>
+              </a:rPr>
+              <a:t>     </a:t>
+            </a:r>
+            <a:r>
+              <a:rPr kumimoji="1" lang="en-US" altLang="zh-CN" sz="2000" dirty="0">
+                <a:latin typeface="Optima" panose="02000503060000020004" pitchFamily="2" charset="0"/>
+                <a:ea typeface="KaiTi" panose="02010609060101010101" pitchFamily="49" charset="-122"/>
+              </a:rPr>
+              <a:t>Stock::Stock()</a:t>
+            </a:r>
+          </a:p>
+          <a:p>
+            <a:r>
+              <a:rPr kumimoji="1" lang="zh-CN" altLang="en-US" sz="2000" dirty="0">
+                <a:latin typeface="Optima" panose="02000503060000020004" pitchFamily="2" charset="0"/>
+                <a:ea typeface="KaiTi" panose="02010609060101010101" pitchFamily="49" charset="-122"/>
+              </a:rPr>
+              <a:t>     </a:t>
+            </a:r>
+            <a:r>
+              <a:rPr kumimoji="1" lang="en-US" altLang="zh-CN" sz="2000" dirty="0">
+                <a:latin typeface="Optima" panose="02000503060000020004" pitchFamily="2" charset="0"/>
+                <a:ea typeface="KaiTi" panose="02010609060101010101" pitchFamily="49" charset="-122"/>
+              </a:rPr>
+              <a:t>{</a:t>
+            </a:r>
+          </a:p>
+          <a:p>
+            <a:r>
+              <a:rPr kumimoji="1" lang="en-US" altLang="zh-CN" sz="2000" dirty="0">
+                <a:latin typeface="Optima" panose="02000503060000020004" pitchFamily="2" charset="0"/>
+                <a:ea typeface="KaiTi" panose="02010609060101010101" pitchFamily="49" charset="-122"/>
+              </a:rPr>
+              <a:t>	company</a:t>
+            </a:r>
+            <a:r>
+              <a:rPr kumimoji="1" lang="zh-CN" altLang="en-US" sz="2000" dirty="0">
+                <a:latin typeface="Optima" panose="02000503060000020004" pitchFamily="2" charset="0"/>
+                <a:ea typeface="KaiTi" panose="02010609060101010101" pitchFamily="49" charset="-122"/>
+              </a:rPr>
+              <a:t> </a:t>
+            </a:r>
+            <a:r>
+              <a:rPr kumimoji="1" lang="en-US" altLang="zh-CN" sz="2000" dirty="0">
+                <a:latin typeface="Optima" panose="02000503060000020004" pitchFamily="2" charset="0"/>
+                <a:ea typeface="KaiTi" panose="02010609060101010101" pitchFamily="49" charset="-122"/>
+              </a:rPr>
+              <a:t>=</a:t>
+            </a:r>
+            <a:r>
+              <a:rPr kumimoji="1" lang="zh-CN" altLang="en-US" sz="2000" dirty="0">
+                <a:latin typeface="Optima" panose="02000503060000020004" pitchFamily="2" charset="0"/>
+                <a:ea typeface="KaiTi" panose="02010609060101010101" pitchFamily="49" charset="-122"/>
+              </a:rPr>
+              <a:t> </a:t>
+            </a:r>
+            <a:r>
+              <a:rPr kumimoji="1" lang="en-US" altLang="zh-CN" sz="2000" dirty="0">
+                <a:latin typeface="Optima" panose="02000503060000020004" pitchFamily="2" charset="0"/>
+                <a:ea typeface="KaiTi" panose="02010609060101010101" pitchFamily="49" charset="-122"/>
+              </a:rPr>
+              <a:t>“no</a:t>
+            </a:r>
+            <a:r>
+              <a:rPr kumimoji="1" lang="zh-CN" altLang="en-US" sz="2000" dirty="0">
+                <a:latin typeface="Optima" panose="02000503060000020004" pitchFamily="2" charset="0"/>
+                <a:ea typeface="KaiTi" panose="02010609060101010101" pitchFamily="49" charset="-122"/>
+              </a:rPr>
+              <a:t> </a:t>
+            </a:r>
+            <a:r>
+              <a:rPr kumimoji="1" lang="en-US" altLang="zh-CN" sz="2000" dirty="0">
+                <a:latin typeface="Optima" panose="02000503060000020004" pitchFamily="2" charset="0"/>
+                <a:ea typeface="KaiTi" panose="02010609060101010101" pitchFamily="49" charset="-122"/>
+              </a:rPr>
+              <a:t>name”;</a:t>
+            </a:r>
+          </a:p>
+          <a:p>
+            <a:r>
+              <a:rPr kumimoji="1" lang="en-US" altLang="zh-CN" sz="2000" dirty="0">
+                <a:latin typeface="Optima" panose="02000503060000020004" pitchFamily="2" charset="0"/>
+                <a:ea typeface="KaiTi" panose="02010609060101010101" pitchFamily="49" charset="-122"/>
+              </a:rPr>
+              <a:t>	shares</a:t>
+            </a:r>
+            <a:r>
+              <a:rPr kumimoji="1" lang="zh-CN" altLang="en-US" sz="2000" dirty="0">
+                <a:latin typeface="Optima" panose="02000503060000020004" pitchFamily="2" charset="0"/>
+                <a:ea typeface="KaiTi" panose="02010609060101010101" pitchFamily="49" charset="-122"/>
+              </a:rPr>
+              <a:t> </a:t>
+            </a:r>
+            <a:r>
+              <a:rPr kumimoji="1" lang="en-US" altLang="zh-CN" sz="2000" dirty="0">
+                <a:latin typeface="Optima" panose="02000503060000020004" pitchFamily="2" charset="0"/>
+                <a:ea typeface="KaiTi" panose="02010609060101010101" pitchFamily="49" charset="-122"/>
+              </a:rPr>
+              <a:t>=</a:t>
+            </a:r>
+            <a:r>
+              <a:rPr kumimoji="1" lang="zh-CN" altLang="en-US" sz="2000" dirty="0">
+                <a:latin typeface="Optima" panose="02000503060000020004" pitchFamily="2" charset="0"/>
+                <a:ea typeface="KaiTi" panose="02010609060101010101" pitchFamily="49" charset="-122"/>
+              </a:rPr>
+              <a:t> </a:t>
+            </a:r>
+            <a:r>
+              <a:rPr kumimoji="1" lang="en-US" altLang="zh-CN" sz="2000" dirty="0">
+                <a:latin typeface="Optima" panose="02000503060000020004" pitchFamily="2" charset="0"/>
+                <a:ea typeface="KaiTi" panose="02010609060101010101" pitchFamily="49" charset="-122"/>
+              </a:rPr>
+              <a:t>0;</a:t>
+            </a:r>
+          </a:p>
+          <a:p>
+            <a:r>
+              <a:rPr kumimoji="1" lang="en-US" altLang="zh-CN" sz="2000" dirty="0">
+                <a:latin typeface="Optima" panose="02000503060000020004" pitchFamily="2" charset="0"/>
+                <a:ea typeface="KaiTi" panose="02010609060101010101" pitchFamily="49" charset="-122"/>
+              </a:rPr>
+              <a:t>	</a:t>
+            </a:r>
+            <a:r>
+              <a:rPr kumimoji="1" lang="en-US" altLang="zh-CN" sz="2000" dirty="0" err="1">
+                <a:latin typeface="Optima" panose="02000503060000020004" pitchFamily="2" charset="0"/>
+                <a:ea typeface="KaiTi" panose="02010609060101010101" pitchFamily="49" charset="-122"/>
+              </a:rPr>
+              <a:t>share_val</a:t>
+            </a:r>
+            <a:r>
+              <a:rPr kumimoji="1" lang="zh-CN" altLang="en-US" sz="2000" dirty="0">
+                <a:latin typeface="Optima" panose="02000503060000020004" pitchFamily="2" charset="0"/>
+                <a:ea typeface="KaiTi" panose="02010609060101010101" pitchFamily="49" charset="-122"/>
+              </a:rPr>
+              <a:t> </a:t>
+            </a:r>
+            <a:r>
+              <a:rPr kumimoji="1" lang="en-US" altLang="zh-CN" sz="2000" dirty="0">
+                <a:latin typeface="Optima" panose="02000503060000020004" pitchFamily="2" charset="0"/>
+                <a:ea typeface="KaiTi" panose="02010609060101010101" pitchFamily="49" charset="-122"/>
+              </a:rPr>
+              <a:t>=</a:t>
+            </a:r>
+            <a:r>
+              <a:rPr kumimoji="1" lang="zh-CN" altLang="en-US" sz="2000" dirty="0">
+                <a:latin typeface="Optima" panose="02000503060000020004" pitchFamily="2" charset="0"/>
+                <a:ea typeface="KaiTi" panose="02010609060101010101" pitchFamily="49" charset="-122"/>
+              </a:rPr>
+              <a:t> </a:t>
+            </a:r>
+            <a:r>
+              <a:rPr kumimoji="1" lang="en-US" altLang="zh-CN" sz="2000" dirty="0">
+                <a:latin typeface="Optima" panose="02000503060000020004" pitchFamily="2" charset="0"/>
+                <a:ea typeface="KaiTi" panose="02010609060101010101" pitchFamily="49" charset="-122"/>
+              </a:rPr>
+              <a:t>0.0;</a:t>
+            </a:r>
+          </a:p>
+          <a:p>
+            <a:r>
+              <a:rPr kumimoji="1" lang="en-US" altLang="zh-CN" sz="2000" dirty="0">
+                <a:latin typeface="Optima" panose="02000503060000020004" pitchFamily="2" charset="0"/>
+                <a:ea typeface="KaiTi" panose="02010609060101010101" pitchFamily="49" charset="-122"/>
+              </a:rPr>
+              <a:t>	</a:t>
+            </a:r>
+            <a:r>
+              <a:rPr kumimoji="1" lang="en-US" altLang="zh-CN" sz="2000" dirty="0" err="1">
+                <a:latin typeface="Optima" panose="02000503060000020004" pitchFamily="2" charset="0"/>
+                <a:ea typeface="KaiTi" panose="02010609060101010101" pitchFamily="49" charset="-122"/>
+              </a:rPr>
+              <a:t>total_val</a:t>
+            </a:r>
+            <a:r>
+              <a:rPr kumimoji="1" lang="zh-CN" altLang="en-US" sz="2000" dirty="0">
+                <a:latin typeface="Optima" panose="02000503060000020004" pitchFamily="2" charset="0"/>
+                <a:ea typeface="KaiTi" panose="02010609060101010101" pitchFamily="49" charset="-122"/>
+              </a:rPr>
+              <a:t> </a:t>
+            </a:r>
+            <a:r>
+              <a:rPr kumimoji="1" lang="en-US" altLang="zh-CN" sz="2000" dirty="0">
+                <a:latin typeface="Optima" panose="02000503060000020004" pitchFamily="2" charset="0"/>
+                <a:ea typeface="KaiTi" panose="02010609060101010101" pitchFamily="49" charset="-122"/>
+              </a:rPr>
+              <a:t>=</a:t>
+            </a:r>
+            <a:r>
+              <a:rPr kumimoji="1" lang="zh-CN" altLang="en-US" sz="2000" dirty="0">
+                <a:latin typeface="Optima" panose="02000503060000020004" pitchFamily="2" charset="0"/>
+                <a:ea typeface="KaiTi" panose="02010609060101010101" pitchFamily="49" charset="-122"/>
+              </a:rPr>
+              <a:t> </a:t>
+            </a:r>
+            <a:r>
+              <a:rPr kumimoji="1" lang="en-US" altLang="zh-CN" sz="2000" dirty="0">
+                <a:latin typeface="Optima" panose="02000503060000020004" pitchFamily="2" charset="0"/>
+                <a:ea typeface="KaiTi" panose="02010609060101010101" pitchFamily="49" charset="-122"/>
+              </a:rPr>
+              <a:t>0.0;</a:t>
+            </a:r>
+          </a:p>
+          <a:p>
+            <a:r>
+              <a:rPr kumimoji="1" lang="zh-CN" altLang="en-US" sz="2000" dirty="0">
+                <a:latin typeface="Optima" panose="02000503060000020004" pitchFamily="2" charset="0"/>
+                <a:ea typeface="KaiTi" panose="02010609060101010101" pitchFamily="49" charset="-122"/>
+              </a:rPr>
+              <a:t>     </a:t>
+            </a:r>
+            <a:r>
+              <a:rPr kumimoji="1" lang="en-US" altLang="zh-CN" sz="2000" dirty="0">
+                <a:latin typeface="Optima" panose="02000503060000020004" pitchFamily="2" charset="0"/>
+                <a:ea typeface="KaiTi" panose="02010609060101010101" pitchFamily="49" charset="-122"/>
+              </a:rPr>
+              <a:t>}</a:t>
+            </a:r>
+            <a:endParaRPr kumimoji="1" lang="zh-CN" altLang="en-US" sz="2000" dirty="0">
+              <a:latin typeface="Optima" panose="02000503060000020004" pitchFamily="2" charset="0"/>
+              <a:ea typeface="KaiTi" panose="02010609060101010101" pitchFamily="49" charset="-122"/>
+            </a:endParaRPr>
+          </a:p>
+        </p:txBody>
+      </p:sp>
+      <p:sp>
+        <p:nvSpPr>
+          <p:cNvPr id="4" name="文本框 3">
+            <a:extLst>
+              <a:ext uri="{FF2B5EF4-FFF2-40B4-BE49-F238E27FC236}">
+                <a16:creationId xmlns:a16="http://schemas.microsoft.com/office/drawing/2014/main" id="{85990886-5E38-1A4F-A540-9FB3B7A5D302}"/>
+              </a:ext>
+            </a:extLst>
+          </p:cNvPr>
+          <p:cNvSpPr txBox="1"/>
+          <p:nvPr/>
+        </p:nvSpPr>
+        <p:spPr>
+          <a:xfrm>
+            <a:off x="6566171" y="3614623"/>
+            <a:ext cx="1732205" cy="923330"/>
+          </a:xfrm>
+          <a:prstGeom prst="rect">
+            <a:avLst/>
+          </a:prstGeom>
+          <a:noFill/>
+        </p:spPr>
+        <p:txBody>
+          <a:bodyPr wrap="none" rtlCol="0">
+            <a:spAutoFit/>
+          </a:bodyPr>
+          <a:lstStyle/>
+          <a:p>
+            <a:r>
+              <a:rPr kumimoji="1" lang="en" altLang="zh-CN" b="1" dirty="0">
+                <a:highlight>
+                  <a:srgbClr val="FFFF00"/>
+                </a:highlight>
+                <a:latin typeface="Optima" panose="02000503060000020004" pitchFamily="2" charset="0"/>
+              </a:rPr>
+              <a:t>stock10.cpp    </a:t>
+            </a:r>
+          </a:p>
+          <a:p>
+            <a:r>
+              <a:rPr kumimoji="1" lang="en" altLang="zh-CN" b="1" dirty="0">
+                <a:highlight>
+                  <a:srgbClr val="FFFF00"/>
+                </a:highlight>
+                <a:latin typeface="Optima" panose="02000503060000020004" pitchFamily="2" charset="0"/>
+              </a:rPr>
+              <a:t>stock10.h </a:t>
+            </a:r>
+          </a:p>
+          <a:p>
+            <a:r>
+              <a:rPr kumimoji="1" lang="en" altLang="zh-CN" b="1" dirty="0">
+                <a:highlight>
+                  <a:srgbClr val="FFFF00"/>
+                </a:highlight>
+                <a:latin typeface="Optima" panose="02000503060000020004" pitchFamily="2" charset="0"/>
+              </a:rPr>
+              <a:t>usestock10.cpp</a:t>
+            </a:r>
+            <a:endParaRPr kumimoji="1" lang="zh-CN" altLang="en-US" b="1" dirty="0">
+              <a:highlight>
+                <a:srgbClr val="FFFF00"/>
+              </a:highlight>
+              <a:latin typeface="Optima" panose="02000503060000020004" pitchFamily="2" charset="0"/>
+            </a:endParaRPr>
+          </a:p>
+        </p:txBody>
+      </p:sp>
     </p:spTree>
     <p:extLst>
       <p:ext uri="{BB962C8B-B14F-4D97-AF65-F5344CB8AC3E}">
-        <p14:creationId xmlns:p14="http://schemas.microsoft.com/office/powerpoint/2010/main" val="2810466668"/>
+        <p14:creationId xmlns:p14="http://schemas.microsoft.com/office/powerpoint/2010/main" val="1956903998"/>
       </p:ext>
     </p:extLst>
   </p:cSld>
@@ -31655,10 +33034,379 @@
           <a:chExt cx="0" cy="0"/>
         </a:xfrm>
       </p:grpSpPr>
+      <p:sp>
+        <p:nvSpPr>
+          <p:cNvPr id="4" name="文本框 3">
+            <a:extLst>
+              <a:ext uri="{FF2B5EF4-FFF2-40B4-BE49-F238E27FC236}">
+                <a16:creationId xmlns:a16="http://schemas.microsoft.com/office/drawing/2014/main" id="{50CB5E7A-EF55-AB48-AC8E-BB68D6C69ED6}"/>
+              </a:ext>
+            </a:extLst>
+          </p:cNvPr>
+          <p:cNvSpPr txBox="1"/>
+          <p:nvPr/>
+        </p:nvSpPr>
+        <p:spPr>
+          <a:xfrm>
+            <a:off x="0" y="0"/>
+            <a:ext cx="2400016" cy="523220"/>
+          </a:xfrm>
+          <a:prstGeom prst="rect">
+            <a:avLst/>
+          </a:prstGeom>
+          <a:noFill/>
+        </p:spPr>
+        <p:txBody>
+          <a:bodyPr wrap="none" rtlCol="0">
+            <a:spAutoFit/>
+          </a:bodyPr>
+          <a:lstStyle/>
+          <a:p>
+            <a:r>
+              <a:rPr kumimoji="1" lang="zh-CN" altLang="en-US" sz="2800" dirty="0">
+                <a:latin typeface="Optima" panose="02000503060000020004" pitchFamily="2" charset="0"/>
+                <a:ea typeface="KaiTi" panose="02010609060101010101" pitchFamily="49" charset="-122"/>
+              </a:rPr>
+              <a:t>初始化和赋值</a:t>
+            </a:r>
+          </a:p>
+        </p:txBody>
+      </p:sp>
+      <p:sp>
+        <p:nvSpPr>
+          <p:cNvPr id="6" name="文本框 5">
+            <a:extLst>
+              <a:ext uri="{FF2B5EF4-FFF2-40B4-BE49-F238E27FC236}">
+                <a16:creationId xmlns:a16="http://schemas.microsoft.com/office/drawing/2014/main" id="{05B93540-469E-9A47-86BD-3FD63C6FB447}"/>
+              </a:ext>
+            </a:extLst>
+          </p:cNvPr>
+          <p:cNvSpPr txBox="1"/>
+          <p:nvPr/>
+        </p:nvSpPr>
+        <p:spPr>
+          <a:xfrm>
+            <a:off x="632298" y="963038"/>
+            <a:ext cx="5763116" cy="923330"/>
+          </a:xfrm>
+          <a:prstGeom prst="rect">
+            <a:avLst/>
+          </a:prstGeom>
+          <a:noFill/>
+        </p:spPr>
+        <p:txBody>
+          <a:bodyPr wrap="none" rtlCol="0">
+            <a:spAutoFit/>
+          </a:bodyPr>
+          <a:lstStyle/>
+          <a:p>
+            <a:r>
+              <a:rPr lang="en" altLang="zh-CN" b="0" dirty="0">
+                <a:solidFill>
+                  <a:srgbClr val="267F99"/>
+                </a:solidFill>
+                <a:effectLst/>
+                <a:latin typeface="Menlo" panose="020B0609030804020204" pitchFamily="49" charset="0"/>
+              </a:rPr>
+              <a:t>Stock</a:t>
+            </a:r>
+            <a:r>
+              <a:rPr lang="en" altLang="zh-CN" b="0" dirty="0">
+                <a:solidFill>
+                  <a:srgbClr val="3B3B3B"/>
+                </a:solidFill>
+                <a:effectLst/>
+                <a:latin typeface="Menlo" panose="020B0609030804020204" pitchFamily="49" charset="0"/>
+              </a:rPr>
+              <a:t> </a:t>
+            </a:r>
+            <a:r>
+              <a:rPr lang="en" altLang="zh-CN" b="0" dirty="0">
+                <a:solidFill>
+                  <a:srgbClr val="001080"/>
+                </a:solidFill>
+                <a:effectLst/>
+                <a:latin typeface="Menlo" panose="020B0609030804020204" pitchFamily="49" charset="0"/>
+              </a:rPr>
+              <a:t>stock2</a:t>
+            </a:r>
+            <a:r>
+              <a:rPr lang="en" altLang="zh-CN" b="0" dirty="0">
+                <a:solidFill>
+                  <a:srgbClr val="3B3B3B"/>
+                </a:solidFill>
+                <a:effectLst/>
+                <a:latin typeface="Menlo" panose="020B0609030804020204" pitchFamily="49" charset="0"/>
+              </a:rPr>
+              <a:t> </a:t>
+            </a:r>
+            <a:r>
+              <a:rPr lang="en" altLang="zh-CN" b="0" dirty="0">
+                <a:solidFill>
+                  <a:srgbClr val="000000"/>
+                </a:solidFill>
+                <a:effectLst/>
+                <a:latin typeface="Menlo" panose="020B0609030804020204" pitchFamily="49" charset="0"/>
+              </a:rPr>
+              <a:t>=</a:t>
+            </a:r>
+            <a:r>
+              <a:rPr lang="en" altLang="zh-CN" b="0" dirty="0">
+                <a:solidFill>
+                  <a:srgbClr val="3B3B3B"/>
+                </a:solidFill>
+                <a:effectLst/>
+                <a:latin typeface="Menlo" panose="020B0609030804020204" pitchFamily="49" charset="0"/>
+              </a:rPr>
+              <a:t> </a:t>
+            </a:r>
+            <a:r>
+              <a:rPr lang="en" altLang="zh-CN" b="0" dirty="0">
+                <a:solidFill>
+                  <a:srgbClr val="267F99"/>
+                </a:solidFill>
+                <a:effectLst/>
+                <a:latin typeface="Menlo" panose="020B0609030804020204" pitchFamily="49" charset="0"/>
+              </a:rPr>
+              <a:t>Stock</a:t>
+            </a:r>
+            <a:r>
+              <a:rPr lang="en" altLang="zh-CN" b="0" dirty="0">
+                <a:solidFill>
+                  <a:srgbClr val="3B3B3B"/>
+                </a:solidFill>
+                <a:effectLst/>
+                <a:latin typeface="Menlo" panose="020B0609030804020204" pitchFamily="49" charset="0"/>
+              </a:rPr>
+              <a:t>(</a:t>
+            </a:r>
+            <a:r>
+              <a:rPr lang="en" altLang="zh-CN" b="0" dirty="0">
+                <a:solidFill>
+                  <a:srgbClr val="A31515"/>
+                </a:solidFill>
+                <a:effectLst/>
+                <a:latin typeface="Menlo" panose="020B0609030804020204" pitchFamily="49" charset="0"/>
+              </a:rPr>
+              <a:t>"Boffo Objects"</a:t>
+            </a:r>
+            <a:r>
+              <a:rPr lang="en" altLang="zh-CN" b="0" dirty="0">
+                <a:solidFill>
+                  <a:srgbClr val="3B3B3B"/>
+                </a:solidFill>
+                <a:effectLst/>
+                <a:latin typeface="Menlo" panose="020B0609030804020204" pitchFamily="49" charset="0"/>
+              </a:rPr>
+              <a:t>);</a:t>
+            </a:r>
+          </a:p>
+          <a:p>
+            <a:endParaRPr lang="en" altLang="zh-CN" b="0" dirty="0">
+              <a:solidFill>
+                <a:srgbClr val="3B3B3B"/>
+              </a:solidFill>
+              <a:effectLst/>
+              <a:latin typeface="Menlo" panose="020B0609030804020204" pitchFamily="49" charset="0"/>
+            </a:endParaRPr>
+          </a:p>
+          <a:p>
+            <a:r>
+              <a:rPr lang="en" altLang="zh-CN" b="0" dirty="0">
+                <a:solidFill>
+                  <a:srgbClr val="001080"/>
+                </a:solidFill>
+                <a:effectLst/>
+                <a:latin typeface="Menlo" panose="020B0609030804020204" pitchFamily="49" charset="0"/>
+              </a:rPr>
+              <a:t>stock1</a:t>
+            </a:r>
+            <a:r>
+              <a:rPr lang="en" altLang="zh-CN" b="0" dirty="0">
+                <a:solidFill>
+                  <a:srgbClr val="3B3B3B"/>
+                </a:solidFill>
+                <a:effectLst/>
+                <a:latin typeface="Menlo" panose="020B0609030804020204" pitchFamily="49" charset="0"/>
+              </a:rPr>
+              <a:t> </a:t>
+            </a:r>
+            <a:r>
+              <a:rPr lang="en" altLang="zh-CN" b="0" dirty="0">
+                <a:solidFill>
+                  <a:srgbClr val="795E26"/>
+                </a:solidFill>
+                <a:effectLst/>
+                <a:latin typeface="Menlo" panose="020B0609030804020204" pitchFamily="49" charset="0"/>
+              </a:rPr>
+              <a:t>=</a:t>
+            </a:r>
+            <a:r>
+              <a:rPr lang="en" altLang="zh-CN" b="0" dirty="0">
+                <a:solidFill>
+                  <a:srgbClr val="3B3B3B"/>
+                </a:solidFill>
+                <a:effectLst/>
+                <a:latin typeface="Menlo" panose="020B0609030804020204" pitchFamily="49" charset="0"/>
+              </a:rPr>
+              <a:t> </a:t>
+            </a:r>
+            <a:r>
+              <a:rPr lang="en" altLang="zh-CN" b="0" dirty="0">
+                <a:solidFill>
+                  <a:srgbClr val="267F99"/>
+                </a:solidFill>
+                <a:effectLst/>
+                <a:latin typeface="Menlo" panose="020B0609030804020204" pitchFamily="49" charset="0"/>
+              </a:rPr>
+              <a:t>Stock</a:t>
+            </a:r>
+            <a:r>
+              <a:rPr lang="en" altLang="zh-CN" b="0" dirty="0">
+                <a:solidFill>
+                  <a:srgbClr val="3B3B3B"/>
+                </a:solidFill>
+                <a:effectLst/>
+                <a:latin typeface="Menlo" panose="020B0609030804020204" pitchFamily="49" charset="0"/>
+              </a:rPr>
+              <a:t>(</a:t>
+            </a:r>
+            <a:r>
+              <a:rPr lang="en" altLang="zh-CN" b="0" dirty="0">
+                <a:solidFill>
+                  <a:srgbClr val="A31515"/>
+                </a:solidFill>
+                <a:effectLst/>
+                <a:latin typeface="Menlo" panose="020B0609030804020204" pitchFamily="49" charset="0"/>
+              </a:rPr>
+              <a:t>"Nifty Foods"</a:t>
+            </a:r>
+            <a:r>
+              <a:rPr lang="en" altLang="zh-CN" b="0" dirty="0">
+                <a:solidFill>
+                  <a:srgbClr val="3B3B3B"/>
+                </a:solidFill>
+                <a:effectLst/>
+                <a:latin typeface="Menlo" panose="020B0609030804020204" pitchFamily="49" charset="0"/>
+              </a:rPr>
+              <a:t>, </a:t>
+            </a:r>
+            <a:r>
+              <a:rPr lang="en" altLang="zh-CN" b="0" dirty="0">
+                <a:solidFill>
+                  <a:srgbClr val="098658"/>
+                </a:solidFill>
+                <a:effectLst/>
+                <a:latin typeface="Menlo" panose="020B0609030804020204" pitchFamily="49" charset="0"/>
+              </a:rPr>
+              <a:t>10</a:t>
+            </a:r>
+            <a:r>
+              <a:rPr lang="en" altLang="zh-CN" b="0" dirty="0">
+                <a:solidFill>
+                  <a:srgbClr val="3B3B3B"/>
+                </a:solidFill>
+                <a:effectLst/>
+                <a:latin typeface="Menlo" panose="020B0609030804020204" pitchFamily="49" charset="0"/>
+              </a:rPr>
+              <a:t>, </a:t>
+            </a:r>
+            <a:r>
+              <a:rPr lang="en" altLang="zh-CN" b="0" dirty="0">
+                <a:solidFill>
+                  <a:srgbClr val="098658"/>
+                </a:solidFill>
+                <a:effectLst/>
+                <a:latin typeface="Menlo" panose="020B0609030804020204" pitchFamily="49" charset="0"/>
+              </a:rPr>
+              <a:t>50.0</a:t>
+            </a:r>
+            <a:r>
+              <a:rPr lang="en" altLang="zh-CN" b="0" dirty="0">
+                <a:solidFill>
+                  <a:srgbClr val="3B3B3B"/>
+                </a:solidFill>
+                <a:effectLst/>
+                <a:latin typeface="Menlo" panose="020B0609030804020204" pitchFamily="49" charset="0"/>
+              </a:rPr>
+              <a:t>);</a:t>
+            </a:r>
+          </a:p>
+        </p:txBody>
+      </p:sp>
+      <p:sp>
+        <p:nvSpPr>
+          <p:cNvPr id="7" name="文本框 6">
+            <a:extLst>
+              <a:ext uri="{FF2B5EF4-FFF2-40B4-BE49-F238E27FC236}">
+                <a16:creationId xmlns:a16="http://schemas.microsoft.com/office/drawing/2014/main" id="{837A7487-0DD1-2C44-9DBF-B69CD3E309B3}"/>
+              </a:ext>
+            </a:extLst>
+          </p:cNvPr>
+          <p:cNvSpPr txBox="1"/>
+          <p:nvPr/>
+        </p:nvSpPr>
+        <p:spPr>
+          <a:xfrm>
+            <a:off x="632298" y="2224285"/>
+            <a:ext cx="8994770" cy="1015663"/>
+          </a:xfrm>
+          <a:prstGeom prst="rect">
+            <a:avLst/>
+          </a:prstGeom>
+          <a:noFill/>
+        </p:spPr>
+        <p:txBody>
+          <a:bodyPr wrap="none" rtlCol="0">
+            <a:spAutoFit/>
+          </a:bodyPr>
+          <a:lstStyle/>
+          <a:p>
+            <a:pPr marL="342900" indent="-342900">
+              <a:buFont typeface="Wingdings" pitchFamily="2" charset="2"/>
+              <a:buChar char="Ø"/>
+            </a:pPr>
+            <a:r>
+              <a:rPr kumimoji="1" lang="zh-CN" altLang="en-US" sz="2000" dirty="0">
+                <a:latin typeface="KaiTi" panose="02010609060101010101" pitchFamily="49" charset="-122"/>
+                <a:ea typeface="KaiTi" panose="02010609060101010101" pitchFamily="49" charset="-122"/>
+              </a:rPr>
+              <a:t>第一条语句是初始化，创建指定值对象，可能会创建临时对象，也可能不会</a:t>
+            </a:r>
+            <a:endParaRPr kumimoji="1" lang="en-US" altLang="zh-CN" sz="2000" dirty="0">
+              <a:latin typeface="KaiTi" panose="02010609060101010101" pitchFamily="49" charset="-122"/>
+              <a:ea typeface="KaiTi" panose="02010609060101010101" pitchFamily="49" charset="-122"/>
+            </a:endParaRPr>
+          </a:p>
+          <a:p>
+            <a:pPr marL="342900" indent="-342900">
+              <a:buFont typeface="Wingdings" pitchFamily="2" charset="2"/>
+              <a:buChar char="Ø"/>
+            </a:pPr>
+            <a:endParaRPr kumimoji="1" lang="en-US" altLang="zh-CN" sz="2000" dirty="0">
+              <a:latin typeface="KaiTi" panose="02010609060101010101" pitchFamily="49" charset="-122"/>
+              <a:ea typeface="KaiTi" panose="02010609060101010101" pitchFamily="49" charset="-122"/>
+            </a:endParaRPr>
+          </a:p>
+          <a:p>
+            <a:pPr marL="342900" indent="-342900">
+              <a:buFont typeface="Wingdings" pitchFamily="2" charset="2"/>
+              <a:buChar char="Ø"/>
+            </a:pPr>
+            <a:r>
+              <a:rPr kumimoji="1" lang="zh-CN" altLang="en-US" sz="2000" dirty="0">
+                <a:latin typeface="KaiTi" panose="02010609060101010101" pitchFamily="49" charset="-122"/>
+                <a:ea typeface="KaiTi" panose="02010609060101010101" pitchFamily="49" charset="-122"/>
+              </a:rPr>
+              <a:t>第二条语句是赋值，在赋值前会创建临时对象，导致调用构造和析构函数</a:t>
+            </a:r>
+          </a:p>
+        </p:txBody>
+      </p:sp>
     </p:spTree>
     <p:extLst>
       <p:ext uri="{BB962C8B-B14F-4D97-AF65-F5344CB8AC3E}">
-        <p14:creationId xmlns:p14="http://schemas.microsoft.com/office/powerpoint/2010/main" val="1433731072"/>
+        <p14:creationId xmlns:p14="http://schemas.microsoft.com/office/powerpoint/2010/main" val="2810466668"/>
       </p:ext>
     </p:extLst>
   </p:cSld>
@@ -31685,10 +33433,421 @@
           <a:chExt cx="0" cy="0"/>
         </a:xfrm>
       </p:grpSpPr>
+      <p:sp>
+        <p:nvSpPr>
+          <p:cNvPr id="2" name="文本框 1">
+            <a:extLst>
+              <a:ext uri="{FF2B5EF4-FFF2-40B4-BE49-F238E27FC236}">
+                <a16:creationId xmlns:a16="http://schemas.microsoft.com/office/drawing/2014/main" id="{C2A0A6B1-37D5-0949-BF74-E1C5B53E2B3B}"/>
+              </a:ext>
+            </a:extLst>
+          </p:cNvPr>
+          <p:cNvSpPr txBox="1"/>
+          <p:nvPr/>
+        </p:nvSpPr>
+        <p:spPr>
+          <a:xfrm>
+            <a:off x="0" y="0"/>
+            <a:ext cx="2539478" cy="523220"/>
+          </a:xfrm>
+          <a:prstGeom prst="rect">
+            <a:avLst/>
+          </a:prstGeom>
+          <a:noFill/>
+        </p:spPr>
+        <p:txBody>
+          <a:bodyPr wrap="none" rtlCol="0">
+            <a:spAutoFit/>
+          </a:bodyPr>
+          <a:lstStyle/>
+          <a:p>
+            <a:r>
+              <a:rPr kumimoji="1" lang="en-US" altLang="zh-CN" sz="2800" dirty="0">
+                <a:latin typeface="Optima" panose="02000503060000020004" pitchFamily="2" charset="0"/>
+                <a:ea typeface="KaiTi" panose="02010609060101010101" pitchFamily="49" charset="-122"/>
+              </a:rPr>
+              <a:t>const </a:t>
+            </a:r>
+            <a:r>
+              <a:rPr kumimoji="1" lang="zh-CN" altLang="en-US" sz="2800" dirty="0">
+                <a:latin typeface="Optima" panose="02000503060000020004" pitchFamily="2" charset="0"/>
+                <a:ea typeface="KaiTi" panose="02010609060101010101" pitchFamily="49" charset="-122"/>
+              </a:rPr>
+              <a:t>成员函数</a:t>
+            </a:r>
+          </a:p>
+        </p:txBody>
+      </p:sp>
+      <p:sp>
+        <p:nvSpPr>
+          <p:cNvPr id="3" name="文本框 2">
+            <a:extLst>
+              <a:ext uri="{FF2B5EF4-FFF2-40B4-BE49-F238E27FC236}">
+                <a16:creationId xmlns:a16="http://schemas.microsoft.com/office/drawing/2014/main" id="{05F7F95B-0F7E-1F4F-A822-4677FD9AF639}"/>
+              </a:ext>
+            </a:extLst>
+          </p:cNvPr>
+          <p:cNvSpPr txBox="1"/>
+          <p:nvPr/>
+        </p:nvSpPr>
+        <p:spPr>
+          <a:xfrm>
+            <a:off x="612841" y="1215958"/>
+            <a:ext cx="10155677" cy="2246769"/>
+          </a:xfrm>
+          <a:prstGeom prst="rect">
+            <a:avLst/>
+          </a:prstGeom>
+          <a:noFill/>
+        </p:spPr>
+        <p:txBody>
+          <a:bodyPr wrap="square" rtlCol="0">
+            <a:spAutoFit/>
+          </a:bodyPr>
+          <a:lstStyle/>
+          <a:p>
+            <a:r>
+              <a:rPr kumimoji="1" lang="zh-CN" altLang="en-US" sz="2000" dirty="0">
+                <a:latin typeface="Optima" panose="02000503060000020004" pitchFamily="2" charset="0"/>
+                <a:ea typeface="KaiTi" panose="02010609060101010101" pitchFamily="49" charset="-122"/>
+              </a:rPr>
+              <a:t>类成员函数如果没有修改对象，就在后面加上</a:t>
+            </a:r>
+            <a:r>
+              <a:rPr kumimoji="1" lang="en-US" altLang="zh-CN" sz="2000" dirty="0">
+                <a:latin typeface="Optima" panose="02000503060000020004" pitchFamily="2" charset="0"/>
+                <a:ea typeface="KaiTi" panose="02010609060101010101" pitchFamily="49" charset="-122"/>
+              </a:rPr>
+              <a:t> const</a:t>
+            </a:r>
+          </a:p>
+          <a:p>
+            <a:endParaRPr kumimoji="1" lang="en-US" altLang="zh-CN" sz="2000" dirty="0">
+              <a:latin typeface="Optima" panose="02000503060000020004" pitchFamily="2" charset="0"/>
+              <a:ea typeface="KaiTi" panose="02010609060101010101" pitchFamily="49" charset="-122"/>
+            </a:endParaRPr>
+          </a:p>
+          <a:p>
+            <a:r>
+              <a:rPr lang="en" altLang="zh-CN" sz="2000" b="0" dirty="0">
+                <a:solidFill>
+                  <a:srgbClr val="0000FF"/>
+                </a:solidFill>
+                <a:effectLst/>
+                <a:latin typeface="Menlo" panose="020B0609030804020204" pitchFamily="49" charset="0"/>
+              </a:rPr>
+              <a:t>void</a:t>
+            </a:r>
+            <a:r>
+              <a:rPr lang="en" altLang="zh-CN" sz="2000" b="0" dirty="0">
+                <a:solidFill>
+                  <a:srgbClr val="3B3B3B"/>
+                </a:solidFill>
+                <a:effectLst/>
+                <a:latin typeface="Menlo" panose="020B0609030804020204" pitchFamily="49" charset="0"/>
+              </a:rPr>
+              <a:t> </a:t>
+            </a:r>
+            <a:r>
+              <a:rPr lang="en" altLang="zh-CN" sz="2000" b="0" dirty="0">
+                <a:solidFill>
+                  <a:srgbClr val="795E26"/>
+                </a:solidFill>
+                <a:effectLst/>
+                <a:latin typeface="Menlo" panose="020B0609030804020204" pitchFamily="49" charset="0"/>
+              </a:rPr>
+              <a:t>show</a:t>
+            </a:r>
+            <a:r>
+              <a:rPr lang="en" altLang="zh-CN" sz="2000" b="0" dirty="0">
+                <a:solidFill>
+                  <a:srgbClr val="3B3B3B"/>
+                </a:solidFill>
+                <a:effectLst/>
+                <a:latin typeface="Menlo" panose="020B0609030804020204" pitchFamily="49" charset="0"/>
+              </a:rPr>
+              <a:t>() </a:t>
+            </a:r>
+            <a:r>
+              <a:rPr lang="en" altLang="zh-CN" sz="2000" b="0" dirty="0">
+                <a:solidFill>
+                  <a:srgbClr val="0000FF"/>
+                </a:solidFill>
+                <a:effectLst/>
+                <a:latin typeface="Menlo" panose="020B0609030804020204" pitchFamily="49" charset="0"/>
+              </a:rPr>
+              <a:t>const</a:t>
+            </a:r>
+            <a:r>
+              <a:rPr lang="en" altLang="zh-CN" sz="2000" b="0" dirty="0">
+                <a:solidFill>
+                  <a:srgbClr val="3B3B3B"/>
+                </a:solidFill>
+                <a:effectLst/>
+                <a:latin typeface="Menlo" panose="020B0609030804020204" pitchFamily="49" charset="0"/>
+              </a:rPr>
+              <a:t>;</a:t>
+            </a:r>
+          </a:p>
+          <a:p>
+            <a:endParaRPr lang="en" altLang="zh-CN" sz="2000" b="0" dirty="0">
+              <a:solidFill>
+                <a:srgbClr val="3B3B3B"/>
+              </a:solidFill>
+              <a:effectLst/>
+              <a:latin typeface="Optima" panose="02000503060000020004" pitchFamily="2" charset="0"/>
+              <a:ea typeface="KaiTi" panose="02010609060101010101" pitchFamily="49" charset="-122"/>
+            </a:endParaRPr>
+          </a:p>
+          <a:p>
+            <a:r>
+              <a:rPr kumimoji="1" lang="zh-CN" altLang="en-US" sz="2000" dirty="0">
+                <a:latin typeface="Optima" panose="02000503060000020004" pitchFamily="2" charset="0"/>
+                <a:ea typeface="KaiTi" panose="02010609060101010101" pitchFamily="49" charset="-122"/>
+              </a:rPr>
+              <a:t>否则，如果声明了一个</a:t>
+            </a:r>
+            <a:r>
+              <a:rPr kumimoji="1" lang="en-US" altLang="zh-CN" sz="2000" dirty="0">
+                <a:latin typeface="Optima" panose="02000503060000020004" pitchFamily="2" charset="0"/>
+                <a:ea typeface="KaiTi" panose="02010609060101010101" pitchFamily="49" charset="-122"/>
+              </a:rPr>
+              <a:t> const </a:t>
+            </a:r>
+            <a:r>
+              <a:rPr kumimoji="1" lang="zh-CN" altLang="en-US" sz="2000" dirty="0">
+                <a:latin typeface="Optima" panose="02000503060000020004" pitchFamily="2" charset="0"/>
+                <a:ea typeface="KaiTi" panose="02010609060101010101" pitchFamily="49" charset="-122"/>
+              </a:rPr>
+              <a:t>的类对象，调用</a:t>
+            </a:r>
+            <a:r>
+              <a:rPr kumimoji="1" lang="en-US" altLang="zh-CN" sz="2000" dirty="0">
+                <a:latin typeface="Optima" panose="02000503060000020004" pitchFamily="2" charset="0"/>
+                <a:ea typeface="KaiTi" panose="02010609060101010101" pitchFamily="49" charset="-122"/>
+              </a:rPr>
+              <a:t> show()</a:t>
+            </a:r>
+            <a:r>
+              <a:rPr kumimoji="1" lang="zh-CN" altLang="en-US" sz="2000" dirty="0">
+                <a:latin typeface="Optima" panose="02000503060000020004" pitchFamily="2" charset="0"/>
+                <a:ea typeface="KaiTi" panose="02010609060101010101" pitchFamily="49" charset="-122"/>
+              </a:rPr>
+              <a:t> 的时候并不知道是否会改变该</a:t>
+            </a:r>
+            <a:r>
+              <a:rPr kumimoji="1" lang="en-US" altLang="zh-CN" sz="2000" dirty="0">
+                <a:latin typeface="Optima" panose="02000503060000020004" pitchFamily="2" charset="0"/>
+                <a:ea typeface="KaiTi" panose="02010609060101010101" pitchFamily="49" charset="-122"/>
+              </a:rPr>
+              <a:t> const </a:t>
+            </a:r>
+            <a:r>
+              <a:rPr kumimoji="1" lang="zh-CN" altLang="en-US" sz="2000" dirty="0">
+                <a:latin typeface="Optima" panose="02000503060000020004" pitchFamily="2" charset="0"/>
+                <a:ea typeface="KaiTi" panose="02010609060101010101" pitchFamily="49" charset="-122"/>
+              </a:rPr>
+              <a:t>对象，并且该函数不接收参数，无法传递</a:t>
+            </a:r>
+            <a:r>
+              <a:rPr kumimoji="1" lang="en-US" altLang="zh-CN" sz="2000" dirty="0">
+                <a:latin typeface="Optima" panose="02000503060000020004" pitchFamily="2" charset="0"/>
+                <a:ea typeface="KaiTi" panose="02010609060101010101" pitchFamily="49" charset="-122"/>
+              </a:rPr>
+              <a:t> const </a:t>
+            </a:r>
+            <a:r>
+              <a:rPr kumimoji="1" lang="zh-CN" altLang="en-US" sz="2000" dirty="0">
+                <a:latin typeface="Optima" panose="02000503060000020004" pitchFamily="2" charset="0"/>
+                <a:ea typeface="KaiTi" panose="02010609060101010101" pitchFamily="49" charset="-122"/>
+              </a:rPr>
+              <a:t>引用或指向</a:t>
+            </a:r>
+            <a:r>
+              <a:rPr kumimoji="1" lang="en-US" altLang="zh-CN" sz="2000" dirty="0">
+                <a:latin typeface="Optima" panose="02000503060000020004" pitchFamily="2" charset="0"/>
+                <a:ea typeface="KaiTi" panose="02010609060101010101" pitchFamily="49" charset="-122"/>
+              </a:rPr>
+              <a:t> const </a:t>
+            </a:r>
+            <a:r>
+              <a:rPr kumimoji="1" lang="zh-CN" altLang="en-US" sz="2000" dirty="0">
+                <a:latin typeface="Optima" panose="02000503060000020004" pitchFamily="2" charset="0"/>
+                <a:ea typeface="KaiTi" panose="02010609060101010101" pitchFamily="49" charset="-122"/>
+              </a:rPr>
+              <a:t>的指针，所以在函数后面标记</a:t>
+            </a:r>
+            <a:r>
+              <a:rPr kumimoji="1" lang="en-US" altLang="zh-CN" sz="2000" dirty="0">
+                <a:latin typeface="Optima" panose="02000503060000020004" pitchFamily="2" charset="0"/>
+                <a:ea typeface="KaiTi" panose="02010609060101010101" pitchFamily="49" charset="-122"/>
+              </a:rPr>
+              <a:t> const</a:t>
+            </a:r>
+            <a:endParaRPr kumimoji="1" lang="zh-CN" altLang="en-US" sz="2000" dirty="0">
+              <a:latin typeface="Optima" panose="02000503060000020004" pitchFamily="2" charset="0"/>
+              <a:ea typeface="KaiTi" panose="02010609060101010101" pitchFamily="49" charset="-122"/>
+            </a:endParaRPr>
+          </a:p>
+        </p:txBody>
+      </p:sp>
+      <p:sp>
+        <p:nvSpPr>
+          <p:cNvPr id="6" name="文本框 5">
+            <a:extLst>
+              <a:ext uri="{FF2B5EF4-FFF2-40B4-BE49-F238E27FC236}">
+                <a16:creationId xmlns:a16="http://schemas.microsoft.com/office/drawing/2014/main" id="{86E1B637-0FD1-CF48-96AA-9C097A21177D}"/>
+              </a:ext>
+            </a:extLst>
+          </p:cNvPr>
+          <p:cNvSpPr txBox="1"/>
+          <p:nvPr/>
+        </p:nvSpPr>
+        <p:spPr>
+          <a:xfrm>
+            <a:off x="612841" y="3718677"/>
+            <a:ext cx="6162472" cy="646331"/>
+          </a:xfrm>
+          <a:prstGeom prst="rect">
+            <a:avLst/>
+          </a:prstGeom>
+          <a:noFill/>
+        </p:spPr>
+        <p:txBody>
+          <a:bodyPr wrap="square">
+            <a:spAutoFit/>
+          </a:bodyPr>
+          <a:lstStyle/>
+          <a:p>
+            <a:r>
+              <a:rPr lang="en" altLang="zh-CN" b="0" dirty="0">
+                <a:solidFill>
+                  <a:srgbClr val="0000FF"/>
+                </a:solidFill>
+                <a:effectLst/>
+                <a:latin typeface="Menlo" panose="020B0609030804020204" pitchFamily="49" charset="0"/>
+              </a:rPr>
+              <a:t>const</a:t>
+            </a:r>
+            <a:r>
+              <a:rPr lang="en" altLang="zh-CN" b="0" dirty="0">
+                <a:solidFill>
+                  <a:srgbClr val="3B3B3B"/>
+                </a:solidFill>
+                <a:effectLst/>
+                <a:latin typeface="Menlo" panose="020B0609030804020204" pitchFamily="49" charset="0"/>
+              </a:rPr>
+              <a:t> </a:t>
+            </a:r>
+            <a:r>
+              <a:rPr lang="en" altLang="zh-CN" b="0" dirty="0">
+                <a:solidFill>
+                  <a:srgbClr val="267F99"/>
+                </a:solidFill>
+                <a:effectLst/>
+                <a:latin typeface="Menlo" panose="020B0609030804020204" pitchFamily="49" charset="0"/>
+              </a:rPr>
+              <a:t>Stock</a:t>
+            </a:r>
+            <a:r>
+              <a:rPr lang="en" altLang="zh-CN" b="0" dirty="0">
+                <a:solidFill>
+                  <a:srgbClr val="3B3B3B"/>
+                </a:solidFill>
+                <a:effectLst/>
+                <a:latin typeface="Menlo" panose="020B0609030804020204" pitchFamily="49" charset="0"/>
+              </a:rPr>
+              <a:t> </a:t>
+            </a:r>
+            <a:r>
+              <a:rPr lang="en" altLang="zh-CN" b="0" dirty="0">
+                <a:solidFill>
+                  <a:srgbClr val="001080"/>
+                </a:solidFill>
+                <a:effectLst/>
+                <a:latin typeface="Menlo" panose="020B0609030804020204" pitchFamily="49" charset="0"/>
+              </a:rPr>
+              <a:t>land</a:t>
+            </a:r>
+            <a:r>
+              <a:rPr lang="en" altLang="zh-CN" b="0" dirty="0">
+                <a:solidFill>
+                  <a:srgbClr val="3B3B3B"/>
+                </a:solidFill>
+                <a:effectLst/>
+                <a:latin typeface="Menlo" panose="020B0609030804020204" pitchFamily="49" charset="0"/>
+              </a:rPr>
+              <a:t>{</a:t>
+            </a:r>
+            <a:r>
+              <a:rPr lang="en" altLang="zh-CN" b="0" dirty="0">
+                <a:solidFill>
+                  <a:srgbClr val="A31515"/>
+                </a:solidFill>
+                <a:effectLst/>
+                <a:latin typeface="Menlo" panose="020B0609030804020204" pitchFamily="49" charset="0"/>
+              </a:rPr>
+              <a:t>"const test"</a:t>
+            </a:r>
+            <a:r>
+              <a:rPr lang="en" altLang="zh-CN" b="0" dirty="0">
+                <a:solidFill>
+                  <a:srgbClr val="3B3B3B"/>
+                </a:solidFill>
+                <a:effectLst/>
+                <a:latin typeface="Menlo" panose="020B0609030804020204" pitchFamily="49" charset="0"/>
+              </a:rPr>
+              <a:t>};</a:t>
+            </a:r>
+          </a:p>
+          <a:p>
+            <a:r>
+              <a:rPr lang="en" altLang="zh-CN" b="0" dirty="0" err="1">
+                <a:solidFill>
+                  <a:srgbClr val="001080"/>
+                </a:solidFill>
+                <a:effectLst/>
+                <a:latin typeface="Menlo" panose="020B0609030804020204" pitchFamily="49" charset="0"/>
+              </a:rPr>
+              <a:t>land</a:t>
+            </a:r>
+            <a:r>
+              <a:rPr lang="en" altLang="zh-CN" b="0" dirty="0" err="1">
+                <a:solidFill>
+                  <a:srgbClr val="3B3B3B"/>
+                </a:solidFill>
+                <a:effectLst/>
+                <a:latin typeface="Menlo" panose="020B0609030804020204" pitchFamily="49" charset="0"/>
+              </a:rPr>
+              <a:t>.</a:t>
+            </a:r>
+            <a:r>
+              <a:rPr lang="en" altLang="zh-CN" b="0" dirty="0" err="1">
+                <a:solidFill>
+                  <a:srgbClr val="795E26"/>
+                </a:solidFill>
+                <a:effectLst/>
+                <a:latin typeface="Menlo" panose="020B0609030804020204" pitchFamily="49" charset="0"/>
+              </a:rPr>
+              <a:t>show</a:t>
+            </a:r>
+            <a:r>
+              <a:rPr lang="en" altLang="zh-CN" b="0" dirty="0">
+                <a:solidFill>
+                  <a:srgbClr val="3B3B3B"/>
+                </a:solidFill>
+                <a:effectLst/>
+                <a:latin typeface="Menlo" panose="020B0609030804020204" pitchFamily="49" charset="0"/>
+              </a:rPr>
+              <a:t>();</a:t>
+            </a:r>
+          </a:p>
+        </p:txBody>
+      </p:sp>
     </p:spTree>
     <p:extLst>
       <p:ext uri="{BB962C8B-B14F-4D97-AF65-F5344CB8AC3E}">
-        <p14:creationId xmlns:p14="http://schemas.microsoft.com/office/powerpoint/2010/main" val="3028168054"/>
+        <p14:creationId xmlns:p14="http://schemas.microsoft.com/office/powerpoint/2010/main" val="1433731072"/>
       </p:ext>
     </p:extLst>
   </p:cSld>
@@ -31715,10 +33874,738 @@
           <a:chExt cx="0" cy="0"/>
         </a:xfrm>
       </p:grpSpPr>
+      <p:sp>
+        <p:nvSpPr>
+          <p:cNvPr id="2" name="文本框 1">
+            <a:extLst>
+              <a:ext uri="{FF2B5EF4-FFF2-40B4-BE49-F238E27FC236}">
+                <a16:creationId xmlns:a16="http://schemas.microsoft.com/office/drawing/2014/main" id="{4AB4CB39-E29A-D44D-97CF-18E519B025B3}"/>
+              </a:ext>
+            </a:extLst>
+          </p:cNvPr>
+          <p:cNvSpPr txBox="1"/>
+          <p:nvPr/>
+        </p:nvSpPr>
+        <p:spPr>
+          <a:xfrm>
+            <a:off x="0" y="0"/>
+            <a:ext cx="1620957" cy="523220"/>
+          </a:xfrm>
+          <a:prstGeom prst="rect">
+            <a:avLst/>
+          </a:prstGeom>
+          <a:noFill/>
+        </p:spPr>
+        <p:txBody>
+          <a:bodyPr wrap="none" rtlCol="0">
+            <a:spAutoFit/>
+          </a:bodyPr>
+          <a:lstStyle/>
+          <a:p>
+            <a:r>
+              <a:rPr kumimoji="1" lang="zh-CN" altLang="en-US" sz="2800" dirty="0">
+                <a:latin typeface="Optima" panose="02000503060000020004" pitchFamily="2" charset="0"/>
+                <a:ea typeface="KaiTi" panose="02010609060101010101" pitchFamily="49" charset="-122"/>
+              </a:rPr>
+              <a:t>对象数组</a:t>
+            </a:r>
+          </a:p>
+        </p:txBody>
+      </p:sp>
+      <p:sp>
+        <p:nvSpPr>
+          <p:cNvPr id="4" name="文本框 3">
+            <a:extLst>
+              <a:ext uri="{FF2B5EF4-FFF2-40B4-BE49-F238E27FC236}">
+                <a16:creationId xmlns:a16="http://schemas.microsoft.com/office/drawing/2014/main" id="{B951EC05-719A-FF44-A046-8C4EB8C1365B}"/>
+              </a:ext>
+            </a:extLst>
+          </p:cNvPr>
+          <p:cNvSpPr txBox="1"/>
+          <p:nvPr/>
+        </p:nvSpPr>
+        <p:spPr>
+          <a:xfrm>
+            <a:off x="632298" y="3980847"/>
+            <a:ext cx="1831233" cy="923330"/>
+          </a:xfrm>
+          <a:prstGeom prst="rect">
+            <a:avLst/>
+          </a:prstGeom>
+          <a:noFill/>
+        </p:spPr>
+        <p:txBody>
+          <a:bodyPr wrap="square">
+            <a:spAutoFit/>
+          </a:bodyPr>
+          <a:lstStyle/>
+          <a:p>
+            <a:r>
+              <a:rPr lang="zh-CN" altLang="en-US" b="1" dirty="0">
+                <a:highlight>
+                  <a:srgbClr val="FFFF00"/>
+                </a:highlight>
+                <a:latin typeface="Optima" panose="02000503060000020004" pitchFamily="2" charset="0"/>
+              </a:rPr>
+              <a:t>stock20.cpp    </a:t>
+            </a:r>
+            <a:endParaRPr lang="en-US" altLang="zh-CN" b="1" dirty="0">
+              <a:highlight>
+                <a:srgbClr val="FFFF00"/>
+              </a:highlight>
+              <a:latin typeface="Optima" panose="02000503060000020004" pitchFamily="2" charset="0"/>
+            </a:endParaRPr>
+          </a:p>
+          <a:p>
+            <a:r>
+              <a:rPr lang="zh-CN" altLang="en-US" b="1" dirty="0">
+                <a:highlight>
+                  <a:srgbClr val="FFFF00"/>
+                </a:highlight>
+                <a:latin typeface="Optima" panose="02000503060000020004" pitchFamily="2" charset="0"/>
+              </a:rPr>
+              <a:t>stock20.h      </a:t>
+            </a:r>
+            <a:endParaRPr lang="en-US" altLang="zh-CN" b="1" dirty="0">
+              <a:highlight>
+                <a:srgbClr val="FFFF00"/>
+              </a:highlight>
+              <a:latin typeface="Optima" panose="02000503060000020004" pitchFamily="2" charset="0"/>
+            </a:endParaRPr>
+          </a:p>
+          <a:p>
+            <a:r>
+              <a:rPr lang="zh-CN" altLang="en-US" b="1" dirty="0">
+                <a:highlight>
+                  <a:srgbClr val="FFFF00"/>
+                </a:highlight>
+                <a:latin typeface="Optima" panose="02000503060000020004" pitchFamily="2" charset="0"/>
+              </a:rPr>
+              <a:t>usestock</a:t>
+            </a:r>
+            <a:r>
+              <a:rPr lang="en-US" altLang="zh-CN" b="1" dirty="0">
+                <a:highlight>
+                  <a:srgbClr val="FFFF00"/>
+                </a:highlight>
+                <a:latin typeface="Optima" panose="02000503060000020004" pitchFamily="2" charset="0"/>
+              </a:rPr>
+              <a:t>2</a:t>
+            </a:r>
+            <a:r>
+              <a:rPr lang="zh-CN" altLang="en-US" b="1" dirty="0">
+                <a:highlight>
+                  <a:srgbClr val="FFFF00"/>
+                </a:highlight>
+                <a:latin typeface="Optima" panose="02000503060000020004" pitchFamily="2" charset="0"/>
+              </a:rPr>
+              <a:t>0.cpp</a:t>
+            </a:r>
+          </a:p>
+        </p:txBody>
+      </p:sp>
+      <p:sp>
+        <p:nvSpPr>
+          <p:cNvPr id="5" name="文本框 4">
+            <a:extLst>
+              <a:ext uri="{FF2B5EF4-FFF2-40B4-BE49-F238E27FC236}">
+                <a16:creationId xmlns:a16="http://schemas.microsoft.com/office/drawing/2014/main" id="{A953B5BC-5F33-D04D-8162-AD48438E093D}"/>
+              </a:ext>
+            </a:extLst>
+          </p:cNvPr>
+          <p:cNvSpPr txBox="1"/>
+          <p:nvPr/>
+        </p:nvSpPr>
+        <p:spPr>
+          <a:xfrm>
+            <a:off x="632298" y="845829"/>
+            <a:ext cx="6162472" cy="2031325"/>
+          </a:xfrm>
+          <a:prstGeom prst="rect">
+            <a:avLst/>
+          </a:prstGeom>
+          <a:noFill/>
+        </p:spPr>
+        <p:txBody>
+          <a:bodyPr wrap="square">
+            <a:spAutoFit/>
+          </a:bodyPr>
+          <a:lstStyle/>
+          <a:p>
+            <a:r>
+              <a:rPr lang="en" altLang="zh-CN" b="0" dirty="0">
+                <a:solidFill>
+                  <a:srgbClr val="267F99"/>
+                </a:solidFill>
+                <a:effectLst/>
+                <a:latin typeface="Menlo" panose="020B0609030804020204" pitchFamily="49" charset="0"/>
+              </a:rPr>
+              <a:t>Stock</a:t>
+            </a:r>
+            <a:r>
+              <a:rPr lang="en" altLang="zh-CN" b="0" dirty="0">
+                <a:solidFill>
+                  <a:srgbClr val="3B3B3B"/>
+                </a:solidFill>
+                <a:effectLst/>
+                <a:latin typeface="Menlo" panose="020B0609030804020204" pitchFamily="49" charset="0"/>
+              </a:rPr>
+              <a:t> </a:t>
+            </a:r>
+            <a:r>
+              <a:rPr lang="en" altLang="zh-CN" b="0" dirty="0">
+                <a:solidFill>
+                  <a:srgbClr val="001080"/>
+                </a:solidFill>
+                <a:effectLst/>
+                <a:latin typeface="Menlo" panose="020B0609030804020204" pitchFamily="49" charset="0"/>
+              </a:rPr>
+              <a:t>stocks</a:t>
+            </a:r>
+            <a:r>
+              <a:rPr lang="en" altLang="zh-CN" b="0" dirty="0">
+                <a:solidFill>
+                  <a:srgbClr val="3B3B3B"/>
+                </a:solidFill>
+                <a:effectLst/>
+                <a:latin typeface="Menlo" panose="020B0609030804020204" pitchFamily="49" charset="0"/>
+              </a:rPr>
+              <a:t>[</a:t>
+            </a:r>
+            <a:r>
+              <a:rPr lang="en-US" altLang="zh-CN" dirty="0">
+                <a:solidFill>
+                  <a:srgbClr val="001080"/>
+                </a:solidFill>
+                <a:latin typeface="Menlo" panose="020B0609030804020204" pitchFamily="49" charset="0"/>
+              </a:rPr>
+              <a:t>5</a:t>
+            </a:r>
+            <a:r>
+              <a:rPr lang="en" altLang="zh-CN" b="0" dirty="0">
+                <a:solidFill>
+                  <a:srgbClr val="3B3B3B"/>
+                </a:solidFill>
+                <a:effectLst/>
+                <a:latin typeface="Menlo" panose="020B0609030804020204" pitchFamily="49" charset="0"/>
+              </a:rPr>
+              <a:t>] </a:t>
+            </a:r>
+            <a:r>
+              <a:rPr lang="en" altLang="zh-CN" b="0" dirty="0">
+                <a:solidFill>
+                  <a:srgbClr val="000000"/>
+                </a:solidFill>
+                <a:effectLst/>
+                <a:latin typeface="Menlo" panose="020B0609030804020204" pitchFamily="49" charset="0"/>
+              </a:rPr>
+              <a:t>=</a:t>
+            </a:r>
+            <a:r>
+              <a:rPr lang="en" altLang="zh-CN" b="0" dirty="0">
+                <a:solidFill>
+                  <a:srgbClr val="3B3B3B"/>
+                </a:solidFill>
+                <a:effectLst/>
+                <a:latin typeface="Menlo" panose="020B0609030804020204" pitchFamily="49" charset="0"/>
+              </a:rPr>
+              <a:t> </a:t>
+            </a:r>
+          </a:p>
+          <a:p>
+            <a:r>
+              <a:rPr lang="en" altLang="zh-CN" b="0" dirty="0">
+                <a:solidFill>
+                  <a:srgbClr val="3B3B3B"/>
+                </a:solidFill>
+                <a:effectLst/>
+                <a:latin typeface="Menlo" panose="020B0609030804020204" pitchFamily="49" charset="0"/>
+              </a:rPr>
+              <a:t>{</a:t>
+            </a:r>
+          </a:p>
+          <a:p>
+            <a:r>
+              <a:rPr lang="en" altLang="zh-CN" b="0" dirty="0">
+                <a:solidFill>
+                  <a:srgbClr val="267F99"/>
+                </a:solidFill>
+                <a:effectLst/>
+                <a:latin typeface="Menlo" panose="020B0609030804020204" pitchFamily="49" charset="0"/>
+              </a:rPr>
+              <a:t>Stock</a:t>
+            </a:r>
+            <a:r>
+              <a:rPr lang="en" altLang="zh-CN" b="0" dirty="0">
+                <a:solidFill>
+                  <a:srgbClr val="3B3B3B"/>
+                </a:solidFill>
+                <a:effectLst/>
+                <a:latin typeface="Menlo" panose="020B0609030804020204" pitchFamily="49" charset="0"/>
+              </a:rPr>
+              <a:t>(</a:t>
+            </a:r>
+            <a:r>
+              <a:rPr lang="en" altLang="zh-CN" b="0" dirty="0">
+                <a:solidFill>
+                  <a:srgbClr val="A31515"/>
+                </a:solidFill>
+                <a:effectLst/>
+                <a:latin typeface="Menlo" panose="020B0609030804020204" pitchFamily="49" charset="0"/>
+              </a:rPr>
+              <a:t>"</a:t>
+            </a:r>
+            <a:r>
+              <a:rPr lang="en" altLang="zh-CN" b="0" dirty="0" err="1">
+                <a:solidFill>
+                  <a:srgbClr val="A31515"/>
+                </a:solidFill>
+                <a:effectLst/>
+                <a:latin typeface="Menlo" panose="020B0609030804020204" pitchFamily="49" charset="0"/>
+              </a:rPr>
+              <a:t>NanoSmart</a:t>
+            </a:r>
+            <a:r>
+              <a:rPr lang="en" altLang="zh-CN" b="0" dirty="0">
+                <a:solidFill>
+                  <a:srgbClr val="A31515"/>
+                </a:solidFill>
+                <a:effectLst/>
+                <a:latin typeface="Menlo" panose="020B0609030804020204" pitchFamily="49" charset="0"/>
+              </a:rPr>
+              <a:t>"</a:t>
+            </a:r>
+            <a:r>
+              <a:rPr lang="en" altLang="zh-CN" b="0" dirty="0">
+                <a:solidFill>
+                  <a:srgbClr val="3B3B3B"/>
+                </a:solidFill>
+                <a:effectLst/>
+                <a:latin typeface="Menlo" panose="020B0609030804020204" pitchFamily="49" charset="0"/>
+              </a:rPr>
+              <a:t>, </a:t>
+            </a:r>
+            <a:r>
+              <a:rPr lang="en" altLang="zh-CN" b="0" dirty="0">
+                <a:solidFill>
+                  <a:srgbClr val="098658"/>
+                </a:solidFill>
+                <a:effectLst/>
+                <a:latin typeface="Menlo" panose="020B0609030804020204" pitchFamily="49" charset="0"/>
+              </a:rPr>
+              <a:t>12</a:t>
+            </a:r>
+            <a:r>
+              <a:rPr lang="en" altLang="zh-CN" b="0" dirty="0">
+                <a:solidFill>
+                  <a:srgbClr val="3B3B3B"/>
+                </a:solidFill>
+                <a:effectLst/>
+                <a:latin typeface="Menlo" panose="020B0609030804020204" pitchFamily="49" charset="0"/>
+              </a:rPr>
+              <a:t>, </a:t>
+            </a:r>
+            <a:r>
+              <a:rPr lang="en" altLang="zh-CN" b="0" dirty="0">
+                <a:solidFill>
+                  <a:srgbClr val="098658"/>
+                </a:solidFill>
+                <a:effectLst/>
+                <a:latin typeface="Menlo" panose="020B0609030804020204" pitchFamily="49" charset="0"/>
+              </a:rPr>
+              <a:t>20.0</a:t>
+            </a:r>
+            <a:r>
+              <a:rPr lang="en" altLang="zh-CN" b="0" dirty="0">
+                <a:solidFill>
+                  <a:srgbClr val="3B3B3B"/>
+                </a:solidFill>
+                <a:effectLst/>
+                <a:latin typeface="Menlo" panose="020B0609030804020204" pitchFamily="49" charset="0"/>
+              </a:rPr>
+              <a:t>),</a:t>
+            </a:r>
+          </a:p>
+          <a:p>
+            <a:r>
+              <a:rPr lang="en" altLang="zh-CN" b="0" dirty="0">
+                <a:solidFill>
+                  <a:srgbClr val="267F99"/>
+                </a:solidFill>
+                <a:effectLst/>
+                <a:latin typeface="Menlo" panose="020B0609030804020204" pitchFamily="49" charset="0"/>
+              </a:rPr>
+              <a:t>Stock</a:t>
+            </a:r>
+            <a:r>
+              <a:rPr lang="en" altLang="zh-CN" b="0" dirty="0">
+                <a:solidFill>
+                  <a:srgbClr val="3B3B3B"/>
+                </a:solidFill>
+                <a:effectLst/>
+                <a:latin typeface="Menlo" panose="020B0609030804020204" pitchFamily="49" charset="0"/>
+              </a:rPr>
+              <a:t>(</a:t>
+            </a:r>
+            <a:r>
+              <a:rPr lang="en" altLang="zh-CN" b="0" dirty="0">
+                <a:solidFill>
+                  <a:srgbClr val="A31515"/>
+                </a:solidFill>
+                <a:effectLst/>
+                <a:latin typeface="Menlo" panose="020B0609030804020204" pitchFamily="49" charset="0"/>
+              </a:rPr>
+              <a:t>"Boffo Objects"</a:t>
+            </a:r>
+            <a:r>
+              <a:rPr lang="en" altLang="zh-CN" b="0" dirty="0">
+                <a:solidFill>
+                  <a:srgbClr val="3B3B3B"/>
+                </a:solidFill>
+                <a:effectLst/>
+                <a:latin typeface="Menlo" panose="020B0609030804020204" pitchFamily="49" charset="0"/>
+              </a:rPr>
+              <a:t>, </a:t>
+            </a:r>
+            <a:r>
+              <a:rPr lang="en" altLang="zh-CN" b="0" dirty="0">
+                <a:solidFill>
+                  <a:srgbClr val="098658"/>
+                </a:solidFill>
+                <a:effectLst/>
+                <a:latin typeface="Menlo" panose="020B0609030804020204" pitchFamily="49" charset="0"/>
+              </a:rPr>
+              <a:t>200</a:t>
+            </a:r>
+            <a:r>
+              <a:rPr lang="en" altLang="zh-CN" b="0" dirty="0">
+                <a:solidFill>
+                  <a:srgbClr val="3B3B3B"/>
+                </a:solidFill>
+                <a:effectLst/>
+                <a:latin typeface="Menlo" panose="020B0609030804020204" pitchFamily="49" charset="0"/>
+              </a:rPr>
+              <a:t>, </a:t>
+            </a:r>
+            <a:r>
+              <a:rPr lang="en" altLang="zh-CN" b="0" dirty="0">
+                <a:solidFill>
+                  <a:srgbClr val="098658"/>
+                </a:solidFill>
+                <a:effectLst/>
+                <a:latin typeface="Menlo" panose="020B0609030804020204" pitchFamily="49" charset="0"/>
+              </a:rPr>
+              <a:t>2.0</a:t>
+            </a:r>
+            <a:r>
+              <a:rPr lang="en" altLang="zh-CN" b="0" dirty="0">
+                <a:solidFill>
+                  <a:srgbClr val="3B3B3B"/>
+                </a:solidFill>
+                <a:effectLst/>
+                <a:latin typeface="Menlo" panose="020B0609030804020204" pitchFamily="49" charset="0"/>
+              </a:rPr>
+              <a:t>),</a:t>
+            </a:r>
+          </a:p>
+          <a:p>
+            <a:r>
+              <a:rPr lang="en" altLang="zh-CN" b="0" dirty="0">
+                <a:solidFill>
+                  <a:srgbClr val="267F99"/>
+                </a:solidFill>
+                <a:effectLst/>
+                <a:latin typeface="Menlo" panose="020B0609030804020204" pitchFamily="49" charset="0"/>
+              </a:rPr>
+              <a:t>Stock</a:t>
+            </a:r>
+            <a:r>
+              <a:rPr lang="en-US" altLang="zh-CN" b="0" dirty="0">
+                <a:solidFill>
+                  <a:srgbClr val="3B3B3B"/>
+                </a:solidFill>
+                <a:effectLst/>
+                <a:latin typeface="Menlo" panose="020B0609030804020204" pitchFamily="49" charset="0"/>
+              </a:rPr>
+              <a:t>{</a:t>
+            </a:r>
+            <a:r>
+              <a:rPr lang="en" altLang="zh-CN" b="0" dirty="0">
+                <a:solidFill>
+                  <a:srgbClr val="A31515"/>
+                </a:solidFill>
+                <a:effectLst/>
+                <a:latin typeface="Menlo" panose="020B0609030804020204" pitchFamily="49" charset="0"/>
+              </a:rPr>
+              <a:t>"Monolithic Obelisks"</a:t>
+            </a:r>
+            <a:r>
+              <a:rPr lang="en" altLang="zh-CN" b="0" dirty="0">
+                <a:solidFill>
+                  <a:srgbClr val="3B3B3B"/>
+                </a:solidFill>
+                <a:effectLst/>
+                <a:latin typeface="Menlo" panose="020B0609030804020204" pitchFamily="49" charset="0"/>
+              </a:rPr>
+              <a:t>, </a:t>
+            </a:r>
+            <a:r>
+              <a:rPr lang="en" altLang="zh-CN" b="0" dirty="0">
+                <a:solidFill>
+                  <a:srgbClr val="098658"/>
+                </a:solidFill>
+                <a:effectLst/>
+                <a:latin typeface="Menlo" panose="020B0609030804020204" pitchFamily="49" charset="0"/>
+              </a:rPr>
+              <a:t>130</a:t>
+            </a:r>
+            <a:r>
+              <a:rPr lang="en" altLang="zh-CN" b="0" dirty="0">
+                <a:solidFill>
+                  <a:srgbClr val="3B3B3B"/>
+                </a:solidFill>
+                <a:effectLst/>
+                <a:latin typeface="Menlo" panose="020B0609030804020204" pitchFamily="49" charset="0"/>
+              </a:rPr>
+              <a:t>, </a:t>
+            </a:r>
+            <a:r>
+              <a:rPr lang="en" altLang="zh-CN" b="0" dirty="0">
+                <a:solidFill>
+                  <a:srgbClr val="098658"/>
+                </a:solidFill>
+                <a:effectLst/>
+                <a:latin typeface="Menlo" panose="020B0609030804020204" pitchFamily="49" charset="0"/>
+              </a:rPr>
+              <a:t>3.25</a:t>
+            </a:r>
+            <a:r>
+              <a:rPr lang="en-US" altLang="zh-CN" dirty="0">
+                <a:solidFill>
+                  <a:srgbClr val="3B3B3B"/>
+                </a:solidFill>
+                <a:latin typeface="Menlo" panose="020B0609030804020204" pitchFamily="49" charset="0"/>
+              </a:rPr>
+              <a:t>}</a:t>
+            </a:r>
+            <a:r>
+              <a:rPr lang="en" altLang="zh-CN" b="0" dirty="0">
+                <a:solidFill>
+                  <a:srgbClr val="3B3B3B"/>
+                </a:solidFill>
+                <a:effectLst/>
+                <a:latin typeface="Menlo" panose="020B0609030804020204" pitchFamily="49" charset="0"/>
+              </a:rPr>
+              <a:t>,</a:t>
+            </a:r>
+          </a:p>
+          <a:p>
+            <a:r>
+              <a:rPr lang="en" altLang="zh-CN" b="0" dirty="0">
+                <a:solidFill>
+                  <a:srgbClr val="267F99"/>
+                </a:solidFill>
+                <a:effectLst/>
+                <a:latin typeface="Menlo" panose="020B0609030804020204" pitchFamily="49" charset="0"/>
+              </a:rPr>
+              <a:t>Stock</a:t>
+            </a:r>
+            <a:r>
+              <a:rPr lang="en" altLang="zh-CN" b="0" dirty="0">
+                <a:solidFill>
+                  <a:srgbClr val="3B3B3B"/>
+                </a:solidFill>
+                <a:effectLst/>
+                <a:latin typeface="Menlo" panose="020B0609030804020204" pitchFamily="49" charset="0"/>
+              </a:rPr>
+              <a:t>(</a:t>
+            </a:r>
+            <a:r>
+              <a:rPr lang="en" altLang="zh-CN" b="0" dirty="0">
+                <a:solidFill>
+                  <a:srgbClr val="A31515"/>
+                </a:solidFill>
+                <a:effectLst/>
+                <a:latin typeface="Menlo" panose="020B0609030804020204" pitchFamily="49" charset="0"/>
+              </a:rPr>
+              <a:t>"</a:t>
+            </a:r>
+            <a:r>
+              <a:rPr lang="en" altLang="zh-CN" b="0" dirty="0" err="1">
+                <a:solidFill>
+                  <a:srgbClr val="A31515"/>
+                </a:solidFill>
+                <a:effectLst/>
+                <a:latin typeface="Menlo" panose="020B0609030804020204" pitchFamily="49" charset="0"/>
+              </a:rPr>
+              <a:t>Fleep</a:t>
+            </a:r>
+            <a:r>
+              <a:rPr lang="en" altLang="zh-CN" b="0" dirty="0">
+                <a:solidFill>
+                  <a:srgbClr val="A31515"/>
+                </a:solidFill>
+                <a:effectLst/>
+                <a:latin typeface="Menlo" panose="020B0609030804020204" pitchFamily="49" charset="0"/>
+              </a:rPr>
+              <a:t> Enterprises"</a:t>
+            </a:r>
+            <a:r>
+              <a:rPr lang="en" altLang="zh-CN" b="0" dirty="0">
+                <a:solidFill>
+                  <a:srgbClr val="3B3B3B"/>
+                </a:solidFill>
+                <a:effectLst/>
+                <a:latin typeface="Menlo" panose="020B0609030804020204" pitchFamily="49" charset="0"/>
+              </a:rPr>
+              <a:t>, </a:t>
+            </a:r>
+            <a:r>
+              <a:rPr lang="en" altLang="zh-CN" b="0" dirty="0">
+                <a:solidFill>
+                  <a:srgbClr val="098658"/>
+                </a:solidFill>
+                <a:effectLst/>
+                <a:latin typeface="Menlo" panose="020B0609030804020204" pitchFamily="49" charset="0"/>
+              </a:rPr>
+              <a:t>60</a:t>
+            </a:r>
+            <a:r>
+              <a:rPr lang="en" altLang="zh-CN" b="0" dirty="0">
+                <a:solidFill>
+                  <a:srgbClr val="3B3B3B"/>
+                </a:solidFill>
+                <a:effectLst/>
+                <a:latin typeface="Menlo" panose="020B0609030804020204" pitchFamily="49" charset="0"/>
+              </a:rPr>
+              <a:t>, </a:t>
+            </a:r>
+            <a:r>
+              <a:rPr lang="en" altLang="zh-CN" b="0" dirty="0">
+                <a:solidFill>
+                  <a:srgbClr val="098658"/>
+                </a:solidFill>
+                <a:effectLst/>
+                <a:latin typeface="Menlo" panose="020B0609030804020204" pitchFamily="49" charset="0"/>
+              </a:rPr>
+              <a:t>6.5</a:t>
+            </a:r>
+            <a:r>
+              <a:rPr lang="en" altLang="zh-CN" b="0" dirty="0">
+                <a:solidFill>
+                  <a:srgbClr val="3B3B3B"/>
+                </a:solidFill>
+                <a:effectLst/>
+                <a:latin typeface="Menlo" panose="020B0609030804020204" pitchFamily="49" charset="0"/>
+              </a:rPr>
+              <a:t>)</a:t>
+            </a:r>
+          </a:p>
+          <a:p>
+            <a:r>
+              <a:rPr lang="en" altLang="zh-CN" b="0" dirty="0">
+                <a:solidFill>
+                  <a:srgbClr val="3B3B3B"/>
+                </a:solidFill>
+                <a:effectLst/>
+                <a:latin typeface="Menlo" panose="020B0609030804020204" pitchFamily="49" charset="0"/>
+              </a:rPr>
+              <a:t>};</a:t>
+            </a:r>
+          </a:p>
+        </p:txBody>
+      </p:sp>
+      <p:sp>
+        <p:nvSpPr>
+          <p:cNvPr id="6" name="文本框 5">
+            <a:extLst>
+              <a:ext uri="{FF2B5EF4-FFF2-40B4-BE49-F238E27FC236}">
+                <a16:creationId xmlns:a16="http://schemas.microsoft.com/office/drawing/2014/main" id="{CB8DB13E-32BB-8B4A-9A8D-5B00F70A9CF3}"/>
+              </a:ext>
+            </a:extLst>
+          </p:cNvPr>
+          <p:cNvSpPr txBox="1"/>
+          <p:nvPr/>
+        </p:nvSpPr>
+        <p:spPr>
+          <a:xfrm>
+            <a:off x="632298" y="3065727"/>
+            <a:ext cx="5660524" cy="400110"/>
+          </a:xfrm>
+          <a:prstGeom prst="rect">
+            <a:avLst/>
+          </a:prstGeom>
+          <a:noFill/>
+        </p:spPr>
+        <p:txBody>
+          <a:bodyPr wrap="none" rtlCol="0">
+            <a:spAutoFit/>
+          </a:bodyPr>
+          <a:lstStyle/>
+          <a:p>
+            <a:pPr marL="342900" indent="-342900">
+              <a:buFont typeface="Wingdings" pitchFamily="2" charset="2"/>
+              <a:buChar char="Ø"/>
+            </a:pPr>
+            <a:r>
+              <a:rPr kumimoji="1" lang="zh-CN" altLang="en-US" sz="2000" dirty="0">
+                <a:latin typeface="KaiTi" panose="02010609060101010101" pitchFamily="49" charset="-122"/>
+                <a:ea typeface="KaiTi" panose="02010609060101010101" pitchFamily="49" charset="-122"/>
+              </a:rPr>
+              <a:t>会调用构造函数，剩余元素调用默认构造函数</a:t>
+            </a:r>
+          </a:p>
+        </p:txBody>
+      </p:sp>
+      <p:sp>
+        <p:nvSpPr>
+          <p:cNvPr id="7" name="文本框 6">
+            <a:extLst>
+              <a:ext uri="{FF2B5EF4-FFF2-40B4-BE49-F238E27FC236}">
+                <a16:creationId xmlns:a16="http://schemas.microsoft.com/office/drawing/2014/main" id="{ED9606A5-2AF9-BE46-A345-59853234F4FB}"/>
+              </a:ext>
+            </a:extLst>
+          </p:cNvPr>
+          <p:cNvSpPr txBox="1"/>
+          <p:nvPr/>
+        </p:nvSpPr>
+        <p:spPr>
+          <a:xfrm>
+            <a:off x="6439710" y="1935805"/>
+            <a:ext cx="2092239" cy="369332"/>
+          </a:xfrm>
+          <a:prstGeom prst="rect">
+            <a:avLst/>
+          </a:prstGeom>
+          <a:noFill/>
+        </p:spPr>
+        <p:txBody>
+          <a:bodyPr wrap="none" rtlCol="0">
+            <a:spAutoFit/>
+          </a:bodyPr>
+          <a:lstStyle/>
+          <a:p>
+            <a:r>
+              <a:rPr kumimoji="1" lang="en-US" altLang="zh-CN" dirty="0">
+                <a:latin typeface="Optima" panose="02000503060000020004" pitchFamily="2" charset="0"/>
+                <a:ea typeface="KaiTi" panose="02010609060101010101" pitchFamily="49" charset="-122"/>
+              </a:rPr>
+              <a:t>C++11</a:t>
+            </a:r>
+            <a:r>
+              <a:rPr kumimoji="1" lang="zh-CN" altLang="en-US" dirty="0">
+                <a:latin typeface="Optima" panose="02000503060000020004" pitchFamily="2" charset="0"/>
+                <a:ea typeface="KaiTi" panose="02010609060101010101" pitchFamily="49" charset="-122"/>
+              </a:rPr>
+              <a:t> 列表初始化</a:t>
+            </a:r>
+          </a:p>
+        </p:txBody>
+      </p:sp>
     </p:spTree>
     <p:extLst>
       <p:ext uri="{BB962C8B-B14F-4D97-AF65-F5344CB8AC3E}">
-        <p14:creationId xmlns:p14="http://schemas.microsoft.com/office/powerpoint/2010/main" val="2366373760"/>
+        <p14:creationId xmlns:p14="http://schemas.microsoft.com/office/powerpoint/2010/main" val="3028168054"/>
       </p:ext>
     </p:extLst>
   </p:cSld>
@@ -31745,10 +34632,3328 @@
           <a:chExt cx="0" cy="0"/>
         </a:xfrm>
       </p:grpSpPr>
+      <p:sp>
+        <p:nvSpPr>
+          <p:cNvPr id="2" name="文本框 1">
+            <a:extLst>
+              <a:ext uri="{FF2B5EF4-FFF2-40B4-BE49-F238E27FC236}">
+                <a16:creationId xmlns:a16="http://schemas.microsoft.com/office/drawing/2014/main" id="{A77A604A-9537-9745-95E7-3B8C4DFF1B90}"/>
+              </a:ext>
+            </a:extLst>
+          </p:cNvPr>
+          <p:cNvSpPr txBox="1"/>
+          <p:nvPr/>
+        </p:nvSpPr>
+        <p:spPr>
+          <a:xfrm>
+            <a:off x="0" y="0"/>
+            <a:ext cx="1620957" cy="523220"/>
+          </a:xfrm>
+          <a:prstGeom prst="rect">
+            <a:avLst/>
+          </a:prstGeom>
+          <a:noFill/>
+        </p:spPr>
+        <p:txBody>
+          <a:bodyPr wrap="none" rtlCol="0">
+            <a:spAutoFit/>
+          </a:bodyPr>
+          <a:lstStyle/>
+          <a:p>
+            <a:r>
+              <a:rPr kumimoji="1" lang="zh-CN" altLang="en-US" sz="2800" dirty="0">
+                <a:latin typeface="Optima" panose="02000503060000020004" pitchFamily="2" charset="0"/>
+                <a:ea typeface="KaiTi" panose="02010609060101010101" pitchFamily="49" charset="-122"/>
+              </a:rPr>
+              <a:t>类作用域</a:t>
+            </a:r>
+          </a:p>
+        </p:txBody>
+      </p:sp>
+      <p:sp>
+        <p:nvSpPr>
+          <p:cNvPr id="5" name="文本框 4">
+            <a:extLst>
+              <a:ext uri="{FF2B5EF4-FFF2-40B4-BE49-F238E27FC236}">
+                <a16:creationId xmlns:a16="http://schemas.microsoft.com/office/drawing/2014/main" id="{E37BE999-19C1-B545-B2E1-16971E19F473}"/>
+              </a:ext>
+            </a:extLst>
+          </p:cNvPr>
+          <p:cNvSpPr txBox="1"/>
+          <p:nvPr/>
+        </p:nvSpPr>
+        <p:spPr>
+          <a:xfrm>
+            <a:off x="1916349" y="76944"/>
+            <a:ext cx="1831233" cy="369332"/>
+          </a:xfrm>
+          <a:prstGeom prst="rect">
+            <a:avLst/>
+          </a:prstGeom>
+          <a:noFill/>
+        </p:spPr>
+        <p:txBody>
+          <a:bodyPr wrap="square">
+            <a:spAutoFit/>
+          </a:bodyPr>
+          <a:lstStyle/>
+          <a:p>
+            <a:r>
+              <a:rPr lang="en-US" altLang="zh-CN" b="1" dirty="0" err="1">
+                <a:highlight>
+                  <a:srgbClr val="FFFF00"/>
+                </a:highlight>
+                <a:latin typeface="Optima" panose="02000503060000020004" pitchFamily="2" charset="0"/>
+              </a:rPr>
+              <a:t>classconst.cpp</a:t>
+            </a:r>
+            <a:endParaRPr lang="zh-CN" altLang="en-US" b="1" dirty="0">
+              <a:highlight>
+                <a:srgbClr val="FFFF00"/>
+              </a:highlight>
+              <a:latin typeface="Optima" panose="02000503060000020004" pitchFamily="2" charset="0"/>
+            </a:endParaRPr>
+          </a:p>
+        </p:txBody>
+      </p:sp>
+      <p:sp>
+        <p:nvSpPr>
+          <p:cNvPr id="8" name="文本框 7">
+            <a:extLst>
+              <a:ext uri="{FF2B5EF4-FFF2-40B4-BE49-F238E27FC236}">
+                <a16:creationId xmlns:a16="http://schemas.microsoft.com/office/drawing/2014/main" id="{D7AACCA9-A857-4741-8848-F0A182A65D5A}"/>
+              </a:ext>
+            </a:extLst>
+          </p:cNvPr>
+          <p:cNvSpPr txBox="1"/>
+          <p:nvPr/>
+        </p:nvSpPr>
+        <p:spPr>
+          <a:xfrm>
+            <a:off x="632298" y="518755"/>
+            <a:ext cx="3356042" cy="1754326"/>
+          </a:xfrm>
+          <a:prstGeom prst="rect">
+            <a:avLst/>
+          </a:prstGeom>
+          <a:noFill/>
+        </p:spPr>
+        <p:txBody>
+          <a:bodyPr wrap="square">
+            <a:spAutoFit/>
+          </a:bodyPr>
+          <a:lstStyle/>
+          <a:p>
+            <a:r>
+              <a:rPr lang="en" altLang="zh-CN" b="0" dirty="0">
+                <a:solidFill>
+                  <a:srgbClr val="0000FF"/>
+                </a:solidFill>
+                <a:effectLst/>
+                <a:latin typeface="Menlo" panose="020B0609030804020204" pitchFamily="49" charset="0"/>
+              </a:rPr>
+              <a:t>class</a:t>
+            </a:r>
+            <a:r>
+              <a:rPr lang="en" altLang="zh-CN" b="0" dirty="0">
+                <a:solidFill>
+                  <a:srgbClr val="3B3B3B"/>
+                </a:solidFill>
+                <a:effectLst/>
+                <a:latin typeface="Menlo" panose="020B0609030804020204" pitchFamily="49" charset="0"/>
+              </a:rPr>
+              <a:t> </a:t>
+            </a:r>
+            <a:r>
+              <a:rPr lang="en" altLang="zh-CN" b="0" dirty="0">
+                <a:solidFill>
+                  <a:srgbClr val="267F99"/>
+                </a:solidFill>
+                <a:effectLst/>
+                <a:latin typeface="Menlo" panose="020B0609030804020204" pitchFamily="49" charset="0"/>
+              </a:rPr>
+              <a:t>Bakery</a:t>
+            </a:r>
+            <a:endParaRPr lang="en" altLang="zh-CN" b="0" dirty="0">
+              <a:solidFill>
+                <a:srgbClr val="3B3B3B"/>
+              </a:solidFill>
+              <a:effectLst/>
+              <a:latin typeface="Menlo" panose="020B0609030804020204" pitchFamily="49" charset="0"/>
+            </a:endParaRPr>
+          </a:p>
+          <a:p>
+            <a:r>
+              <a:rPr lang="en" altLang="zh-CN" b="0" dirty="0">
+                <a:solidFill>
+                  <a:srgbClr val="3B3B3B"/>
+                </a:solidFill>
+                <a:effectLst/>
+                <a:latin typeface="Menlo" panose="020B0609030804020204" pitchFamily="49" charset="0"/>
+              </a:rPr>
+              <a:t>{</a:t>
+            </a:r>
+          </a:p>
+          <a:p>
+            <a:r>
+              <a:rPr lang="en" altLang="zh-CN" b="0" dirty="0">
+                <a:solidFill>
+                  <a:srgbClr val="0000FF"/>
+                </a:solidFill>
+                <a:effectLst/>
+                <a:latin typeface="Menlo" panose="020B0609030804020204" pitchFamily="49" charset="0"/>
+              </a:rPr>
+              <a:t>private:</a:t>
+            </a:r>
+            <a:endParaRPr lang="en" altLang="zh-CN" b="0" dirty="0">
+              <a:solidFill>
+                <a:srgbClr val="3B3B3B"/>
+              </a:solidFill>
+              <a:effectLst/>
+              <a:latin typeface="Menlo" panose="020B0609030804020204" pitchFamily="49" charset="0"/>
+            </a:endParaRPr>
+          </a:p>
+          <a:p>
+            <a:r>
+              <a:rPr lang="en" altLang="zh-CN" b="0" dirty="0">
+                <a:solidFill>
+                  <a:srgbClr val="0000FF"/>
+                </a:solidFill>
+                <a:effectLst/>
+                <a:latin typeface="Menlo" panose="020B0609030804020204" pitchFamily="49" charset="0"/>
+              </a:rPr>
+              <a:t>const</a:t>
+            </a:r>
+            <a:r>
+              <a:rPr lang="en" altLang="zh-CN" b="0" dirty="0">
+                <a:solidFill>
+                  <a:srgbClr val="3B3B3B"/>
+                </a:solidFill>
+                <a:effectLst/>
+                <a:latin typeface="Menlo" panose="020B0609030804020204" pitchFamily="49" charset="0"/>
+              </a:rPr>
+              <a:t> </a:t>
+            </a:r>
+            <a:r>
+              <a:rPr lang="en" altLang="zh-CN" b="0" dirty="0">
+                <a:solidFill>
+                  <a:srgbClr val="0000FF"/>
+                </a:solidFill>
+                <a:effectLst/>
+                <a:latin typeface="Menlo" panose="020B0609030804020204" pitchFamily="49" charset="0"/>
+              </a:rPr>
+              <a:t>int</a:t>
+            </a:r>
+            <a:r>
+              <a:rPr lang="en" altLang="zh-CN" b="0" dirty="0">
+                <a:solidFill>
+                  <a:srgbClr val="3B3B3B"/>
+                </a:solidFill>
+                <a:effectLst/>
+                <a:latin typeface="Menlo" panose="020B0609030804020204" pitchFamily="49" charset="0"/>
+              </a:rPr>
+              <a:t> Months </a:t>
+            </a:r>
+            <a:r>
+              <a:rPr lang="en" altLang="zh-CN" b="0" dirty="0">
+                <a:solidFill>
+                  <a:srgbClr val="000000"/>
+                </a:solidFill>
+                <a:effectLst/>
+                <a:latin typeface="Menlo" panose="020B0609030804020204" pitchFamily="49" charset="0"/>
+              </a:rPr>
+              <a:t>=</a:t>
+            </a:r>
+            <a:r>
+              <a:rPr lang="en" altLang="zh-CN" b="0" dirty="0">
+                <a:solidFill>
+                  <a:srgbClr val="3B3B3B"/>
+                </a:solidFill>
+                <a:effectLst/>
+                <a:latin typeface="Menlo" panose="020B0609030804020204" pitchFamily="49" charset="0"/>
+              </a:rPr>
+              <a:t> </a:t>
+            </a:r>
+            <a:r>
+              <a:rPr lang="en" altLang="zh-CN" b="0" dirty="0">
+                <a:solidFill>
+                  <a:srgbClr val="098658"/>
+                </a:solidFill>
+                <a:effectLst/>
+                <a:latin typeface="Menlo" panose="020B0609030804020204" pitchFamily="49" charset="0"/>
+              </a:rPr>
+              <a:t>12</a:t>
+            </a:r>
+            <a:r>
+              <a:rPr lang="en" altLang="zh-CN" b="0" dirty="0">
+                <a:solidFill>
+                  <a:srgbClr val="3B3B3B"/>
+                </a:solidFill>
+                <a:effectLst/>
+                <a:latin typeface="Menlo" panose="020B0609030804020204" pitchFamily="49" charset="0"/>
+              </a:rPr>
+              <a:t>;</a:t>
+            </a:r>
+          </a:p>
+          <a:p>
+            <a:r>
+              <a:rPr lang="en" altLang="zh-CN" b="0" dirty="0">
+                <a:solidFill>
+                  <a:srgbClr val="0000FF"/>
+                </a:solidFill>
+                <a:effectLst/>
+                <a:latin typeface="Menlo" panose="020B0609030804020204" pitchFamily="49" charset="0"/>
+              </a:rPr>
+              <a:t>double</a:t>
+            </a:r>
+            <a:r>
+              <a:rPr lang="en" altLang="zh-CN" b="0" dirty="0">
+                <a:solidFill>
+                  <a:srgbClr val="3B3B3B"/>
+                </a:solidFill>
+                <a:effectLst/>
+                <a:latin typeface="Menlo" panose="020B0609030804020204" pitchFamily="49" charset="0"/>
+              </a:rPr>
+              <a:t> </a:t>
+            </a:r>
+            <a:r>
+              <a:rPr lang="en" altLang="zh-CN" b="0" dirty="0">
+                <a:solidFill>
+                  <a:srgbClr val="001080"/>
+                </a:solidFill>
+                <a:effectLst/>
+                <a:latin typeface="Menlo" panose="020B0609030804020204" pitchFamily="49" charset="0"/>
+              </a:rPr>
+              <a:t>costs</a:t>
+            </a:r>
+            <a:r>
+              <a:rPr lang="en" altLang="zh-CN" b="0" dirty="0">
+                <a:solidFill>
+                  <a:srgbClr val="3B3B3B"/>
+                </a:solidFill>
+                <a:effectLst/>
+                <a:latin typeface="Menlo" panose="020B0609030804020204" pitchFamily="49" charset="0"/>
+              </a:rPr>
+              <a:t>[Months];</a:t>
+            </a:r>
+          </a:p>
+          <a:p>
+            <a:r>
+              <a:rPr lang="en" altLang="zh-CN" b="0" dirty="0">
+                <a:solidFill>
+                  <a:srgbClr val="3B3B3B"/>
+                </a:solidFill>
+                <a:effectLst/>
+                <a:latin typeface="Menlo" panose="020B0609030804020204" pitchFamily="49" charset="0"/>
+              </a:rPr>
+              <a:t>};</a:t>
+            </a:r>
+          </a:p>
+        </p:txBody>
+      </p:sp>
+      <p:sp>
+        <p:nvSpPr>
+          <p:cNvPr id="9" name="文本框 8">
+            <a:extLst>
+              <a:ext uri="{FF2B5EF4-FFF2-40B4-BE49-F238E27FC236}">
+                <a16:creationId xmlns:a16="http://schemas.microsoft.com/office/drawing/2014/main" id="{1151B5C4-0CA7-6B48-902F-AFAC419D6571}"/>
+              </a:ext>
+            </a:extLst>
+          </p:cNvPr>
+          <p:cNvSpPr txBox="1"/>
+          <p:nvPr/>
+        </p:nvSpPr>
+        <p:spPr>
+          <a:xfrm>
+            <a:off x="4580109" y="1031131"/>
+            <a:ext cx="5857670" cy="707886"/>
+          </a:xfrm>
+          <a:prstGeom prst="rect">
+            <a:avLst/>
+          </a:prstGeom>
+          <a:noFill/>
+        </p:spPr>
+        <p:txBody>
+          <a:bodyPr wrap="square" rtlCol="0">
+            <a:spAutoFit/>
+          </a:bodyPr>
+          <a:lstStyle/>
+          <a:p>
+            <a:r>
+              <a:rPr kumimoji="1" lang="zh-CN" altLang="en-US" sz="2000" dirty="0">
+                <a:latin typeface="KaiTi" panose="02010609060101010101" pitchFamily="49" charset="-122"/>
+                <a:ea typeface="KaiTi" panose="02010609060101010101" pitchFamily="49" charset="-122"/>
+              </a:rPr>
+              <a:t>会产生</a:t>
+            </a:r>
+            <a:r>
+              <a:rPr kumimoji="1" lang="zh-CN" altLang="en-US" sz="2000" b="1" dirty="0">
+                <a:solidFill>
+                  <a:srgbClr val="C00000"/>
+                </a:solidFill>
+                <a:latin typeface="KaiTi" panose="02010609060101010101" pitchFamily="49" charset="-122"/>
+                <a:ea typeface="KaiTi" panose="02010609060101010101" pitchFamily="49" charset="-122"/>
+              </a:rPr>
+              <a:t>错误</a:t>
+            </a:r>
+            <a:r>
+              <a:rPr kumimoji="1" lang="zh-CN" altLang="en-US" sz="2000" dirty="0">
+                <a:latin typeface="KaiTi" panose="02010609060101010101" pitchFamily="49" charset="-122"/>
+                <a:ea typeface="KaiTi" panose="02010609060101010101" pitchFamily="49" charset="-122"/>
+              </a:rPr>
+              <a:t>，类的声明只是描述了对象的形式，并没有实际创建对象，所以没有用于存储值的空间</a:t>
+            </a:r>
+          </a:p>
+        </p:txBody>
+      </p:sp>
+      <p:sp>
+        <p:nvSpPr>
+          <p:cNvPr id="10" name="文本框 9">
+            <a:extLst>
+              <a:ext uri="{FF2B5EF4-FFF2-40B4-BE49-F238E27FC236}">
+                <a16:creationId xmlns:a16="http://schemas.microsoft.com/office/drawing/2014/main" id="{43B42AD3-5986-D84D-965E-5334B79BE27A}"/>
+              </a:ext>
+            </a:extLst>
+          </p:cNvPr>
+          <p:cNvSpPr txBox="1"/>
+          <p:nvPr/>
+        </p:nvSpPr>
+        <p:spPr>
+          <a:xfrm>
+            <a:off x="632298" y="2428366"/>
+            <a:ext cx="4772460" cy="461665"/>
+          </a:xfrm>
+          <a:prstGeom prst="rect">
+            <a:avLst/>
+          </a:prstGeom>
+          <a:noFill/>
+        </p:spPr>
+        <p:txBody>
+          <a:bodyPr wrap="none" rtlCol="0">
+            <a:spAutoFit/>
+          </a:bodyPr>
+          <a:lstStyle/>
+          <a:p>
+            <a:r>
+              <a:rPr kumimoji="1" lang="zh-CN" altLang="en-US" sz="2400" b="1" dirty="0">
+                <a:solidFill>
+                  <a:srgbClr val="C00000"/>
+                </a:solidFill>
+                <a:latin typeface="Optima" panose="02000503060000020004" pitchFamily="2" charset="0"/>
+                <a:ea typeface="KaiTi" panose="02010609060101010101" pitchFamily="49" charset="-122"/>
+              </a:rPr>
+              <a:t>两种方法</a:t>
+            </a:r>
+            <a:r>
+              <a:rPr kumimoji="1" lang="zh-CN" altLang="en-US" sz="2400" dirty="0">
+                <a:latin typeface="Optima" panose="02000503060000020004" pitchFamily="2" charset="0"/>
+                <a:ea typeface="KaiTi" panose="02010609060101010101" pitchFamily="49" charset="-122"/>
+              </a:rPr>
+              <a:t>实现：</a:t>
+            </a:r>
+            <a:r>
+              <a:rPr kumimoji="1" lang="en-US" altLang="zh-CN" sz="2400" dirty="0">
+                <a:latin typeface="Optima" panose="02000503060000020004" pitchFamily="2" charset="0"/>
+                <a:ea typeface="KaiTi" panose="02010609060101010101" pitchFamily="49" charset="-122"/>
+              </a:rPr>
+              <a:t>1.</a:t>
+            </a:r>
+            <a:r>
+              <a:rPr kumimoji="1" lang="zh-CN" altLang="en-US" sz="2400" dirty="0">
+                <a:latin typeface="Optima" panose="02000503060000020004" pitchFamily="2" charset="0"/>
+                <a:ea typeface="KaiTi" panose="02010609060101010101" pitchFamily="49" charset="-122"/>
+              </a:rPr>
+              <a:t> </a:t>
+            </a:r>
+            <a:r>
+              <a:rPr kumimoji="1" lang="en-US" altLang="zh-CN" sz="2400" dirty="0">
+                <a:latin typeface="Optima" panose="02000503060000020004" pitchFamily="2" charset="0"/>
+                <a:ea typeface="KaiTi" panose="02010609060101010101" pitchFamily="49" charset="-122"/>
+              </a:rPr>
+              <a:t>static</a:t>
+            </a:r>
+            <a:r>
+              <a:rPr kumimoji="1" lang="zh-CN" altLang="en-US" sz="2400" dirty="0">
+                <a:latin typeface="Optima" panose="02000503060000020004" pitchFamily="2" charset="0"/>
+                <a:ea typeface="KaiTi" panose="02010609060101010101" pitchFamily="49" charset="-122"/>
+              </a:rPr>
+              <a:t>；</a:t>
+            </a:r>
+            <a:r>
+              <a:rPr kumimoji="1" lang="en-US" altLang="zh-CN" sz="2400" dirty="0">
+                <a:latin typeface="Optima" panose="02000503060000020004" pitchFamily="2" charset="0"/>
+                <a:ea typeface="KaiTi" panose="02010609060101010101" pitchFamily="49" charset="-122"/>
+              </a:rPr>
+              <a:t>2.</a:t>
+            </a:r>
+            <a:r>
+              <a:rPr kumimoji="1" lang="zh-CN" altLang="en-US" sz="2400" dirty="0">
+                <a:latin typeface="Optima" panose="02000503060000020004" pitchFamily="2" charset="0"/>
+                <a:ea typeface="KaiTi" panose="02010609060101010101" pitchFamily="49" charset="-122"/>
+              </a:rPr>
+              <a:t> </a:t>
+            </a:r>
+            <a:r>
+              <a:rPr kumimoji="1" lang="en-US" altLang="zh-CN" sz="2400" dirty="0" err="1">
+                <a:latin typeface="Optima" panose="02000503060000020004" pitchFamily="2" charset="0"/>
+                <a:ea typeface="KaiTi" panose="02010609060101010101" pitchFamily="49" charset="-122"/>
+              </a:rPr>
+              <a:t>enum</a:t>
+            </a:r>
+            <a:endParaRPr kumimoji="1" lang="zh-CN" altLang="en-US" sz="2400" dirty="0">
+              <a:latin typeface="Optima" panose="02000503060000020004" pitchFamily="2" charset="0"/>
+              <a:ea typeface="KaiTi" panose="02010609060101010101" pitchFamily="49" charset="-122"/>
+            </a:endParaRPr>
+          </a:p>
+        </p:txBody>
+      </p:sp>
+      <p:sp>
+        <p:nvSpPr>
+          <p:cNvPr id="12" name="文本框 11">
+            <a:extLst>
+              <a:ext uri="{FF2B5EF4-FFF2-40B4-BE49-F238E27FC236}">
+                <a16:creationId xmlns:a16="http://schemas.microsoft.com/office/drawing/2014/main" id="{658DC67C-42D3-1741-9367-D69B4250C591}"/>
+              </a:ext>
+            </a:extLst>
+          </p:cNvPr>
+          <p:cNvSpPr txBox="1"/>
+          <p:nvPr/>
+        </p:nvSpPr>
+        <p:spPr>
+          <a:xfrm>
+            <a:off x="632298" y="3110064"/>
+            <a:ext cx="4357991" cy="1754326"/>
+          </a:xfrm>
+          <a:prstGeom prst="rect">
+            <a:avLst/>
+          </a:prstGeom>
+          <a:noFill/>
+        </p:spPr>
+        <p:txBody>
+          <a:bodyPr wrap="square">
+            <a:spAutoFit/>
+          </a:bodyPr>
+          <a:lstStyle/>
+          <a:p>
+            <a:r>
+              <a:rPr lang="en" altLang="zh-CN" b="0" dirty="0">
+                <a:solidFill>
+                  <a:srgbClr val="0000FF"/>
+                </a:solidFill>
+                <a:effectLst/>
+                <a:latin typeface="Menlo" panose="020B0609030804020204" pitchFamily="49" charset="0"/>
+              </a:rPr>
+              <a:t>class</a:t>
+            </a:r>
+            <a:r>
+              <a:rPr lang="en" altLang="zh-CN" b="0" dirty="0">
+                <a:solidFill>
+                  <a:srgbClr val="3B3B3B"/>
+                </a:solidFill>
+                <a:effectLst/>
+                <a:latin typeface="Menlo" panose="020B0609030804020204" pitchFamily="49" charset="0"/>
+              </a:rPr>
+              <a:t> </a:t>
+            </a:r>
+            <a:r>
+              <a:rPr lang="en" altLang="zh-CN" b="0" dirty="0">
+                <a:solidFill>
+                  <a:srgbClr val="267F99"/>
+                </a:solidFill>
+                <a:effectLst/>
+                <a:latin typeface="Menlo" panose="020B0609030804020204" pitchFamily="49" charset="0"/>
+              </a:rPr>
+              <a:t>Bakery</a:t>
+            </a:r>
+            <a:endParaRPr lang="en" altLang="zh-CN" b="0" dirty="0">
+              <a:solidFill>
+                <a:srgbClr val="3B3B3B"/>
+              </a:solidFill>
+              <a:effectLst/>
+              <a:latin typeface="Menlo" panose="020B0609030804020204" pitchFamily="49" charset="0"/>
+            </a:endParaRPr>
+          </a:p>
+          <a:p>
+            <a:r>
+              <a:rPr lang="en" altLang="zh-CN" b="0" dirty="0">
+                <a:solidFill>
+                  <a:srgbClr val="3B3B3B"/>
+                </a:solidFill>
+                <a:effectLst/>
+                <a:latin typeface="Menlo" panose="020B0609030804020204" pitchFamily="49" charset="0"/>
+              </a:rPr>
+              <a:t>{</a:t>
+            </a:r>
+          </a:p>
+          <a:p>
+            <a:r>
+              <a:rPr lang="en" altLang="zh-CN" b="0" dirty="0">
+                <a:solidFill>
+                  <a:srgbClr val="0000FF"/>
+                </a:solidFill>
+                <a:effectLst/>
+                <a:latin typeface="Menlo" panose="020B0609030804020204" pitchFamily="49" charset="0"/>
+              </a:rPr>
+              <a:t>private:</a:t>
+            </a:r>
+            <a:endParaRPr lang="en" altLang="zh-CN" b="0" dirty="0">
+              <a:solidFill>
+                <a:srgbClr val="3B3B3B"/>
+              </a:solidFill>
+              <a:effectLst/>
+              <a:latin typeface="Menlo" panose="020B0609030804020204" pitchFamily="49" charset="0"/>
+            </a:endParaRPr>
+          </a:p>
+          <a:p>
+            <a:r>
+              <a:rPr lang="en" altLang="zh-CN" b="0" dirty="0">
+                <a:solidFill>
+                  <a:srgbClr val="0000FF"/>
+                </a:solidFill>
+                <a:effectLst/>
+                <a:latin typeface="Menlo" panose="020B0609030804020204" pitchFamily="49" charset="0"/>
+              </a:rPr>
+              <a:t>static</a:t>
+            </a:r>
+            <a:r>
+              <a:rPr lang="en" altLang="zh-CN" b="0" dirty="0">
+                <a:solidFill>
+                  <a:srgbClr val="3B3B3B"/>
+                </a:solidFill>
+                <a:effectLst/>
+                <a:latin typeface="Menlo" panose="020B0609030804020204" pitchFamily="49" charset="0"/>
+              </a:rPr>
+              <a:t> </a:t>
+            </a:r>
+            <a:r>
+              <a:rPr lang="en" altLang="zh-CN" b="0" dirty="0">
+                <a:solidFill>
+                  <a:srgbClr val="0000FF"/>
+                </a:solidFill>
+                <a:effectLst/>
+                <a:latin typeface="Menlo" panose="020B0609030804020204" pitchFamily="49" charset="0"/>
+              </a:rPr>
+              <a:t>const</a:t>
+            </a:r>
+            <a:r>
+              <a:rPr lang="en" altLang="zh-CN" b="0" dirty="0">
+                <a:solidFill>
+                  <a:srgbClr val="3B3B3B"/>
+                </a:solidFill>
+                <a:effectLst/>
+                <a:latin typeface="Menlo" panose="020B0609030804020204" pitchFamily="49" charset="0"/>
+              </a:rPr>
+              <a:t> </a:t>
+            </a:r>
+            <a:r>
+              <a:rPr lang="en" altLang="zh-CN" b="0" dirty="0">
+                <a:solidFill>
+                  <a:srgbClr val="0000FF"/>
+                </a:solidFill>
+                <a:effectLst/>
+                <a:latin typeface="Menlo" panose="020B0609030804020204" pitchFamily="49" charset="0"/>
+              </a:rPr>
+              <a:t>int</a:t>
+            </a:r>
+            <a:r>
+              <a:rPr lang="en" altLang="zh-CN" b="0" dirty="0">
+                <a:solidFill>
+                  <a:srgbClr val="3B3B3B"/>
+                </a:solidFill>
+                <a:effectLst/>
+                <a:latin typeface="Menlo" panose="020B0609030804020204" pitchFamily="49" charset="0"/>
+              </a:rPr>
+              <a:t> Months </a:t>
+            </a:r>
+            <a:r>
+              <a:rPr lang="en" altLang="zh-CN" b="0" dirty="0">
+                <a:solidFill>
+                  <a:srgbClr val="000000"/>
+                </a:solidFill>
+                <a:effectLst/>
+                <a:latin typeface="Menlo" panose="020B0609030804020204" pitchFamily="49" charset="0"/>
+              </a:rPr>
+              <a:t>=</a:t>
+            </a:r>
+            <a:r>
+              <a:rPr lang="en" altLang="zh-CN" b="0" dirty="0">
+                <a:solidFill>
+                  <a:srgbClr val="3B3B3B"/>
+                </a:solidFill>
+                <a:effectLst/>
+                <a:latin typeface="Menlo" panose="020B0609030804020204" pitchFamily="49" charset="0"/>
+              </a:rPr>
+              <a:t> </a:t>
+            </a:r>
+            <a:r>
+              <a:rPr lang="en" altLang="zh-CN" b="0" dirty="0">
+                <a:solidFill>
+                  <a:srgbClr val="098658"/>
+                </a:solidFill>
+                <a:effectLst/>
+                <a:latin typeface="Menlo" panose="020B0609030804020204" pitchFamily="49" charset="0"/>
+              </a:rPr>
+              <a:t>12</a:t>
+            </a:r>
+            <a:r>
+              <a:rPr lang="en" altLang="zh-CN" b="0" dirty="0">
+                <a:solidFill>
+                  <a:srgbClr val="3B3B3B"/>
+                </a:solidFill>
+                <a:effectLst/>
+                <a:latin typeface="Menlo" panose="020B0609030804020204" pitchFamily="49" charset="0"/>
+              </a:rPr>
+              <a:t>;</a:t>
+            </a:r>
+          </a:p>
+          <a:p>
+            <a:r>
+              <a:rPr lang="en" altLang="zh-CN" b="0" dirty="0">
+                <a:solidFill>
+                  <a:srgbClr val="0000FF"/>
+                </a:solidFill>
+                <a:effectLst/>
+                <a:latin typeface="Menlo" panose="020B0609030804020204" pitchFamily="49" charset="0"/>
+              </a:rPr>
+              <a:t>double</a:t>
+            </a:r>
+            <a:r>
+              <a:rPr lang="en" altLang="zh-CN" b="0" dirty="0">
+                <a:solidFill>
+                  <a:srgbClr val="3B3B3B"/>
+                </a:solidFill>
+                <a:effectLst/>
+                <a:latin typeface="Menlo" panose="020B0609030804020204" pitchFamily="49" charset="0"/>
+              </a:rPr>
+              <a:t> </a:t>
+            </a:r>
+            <a:r>
+              <a:rPr lang="en" altLang="zh-CN" b="0" dirty="0">
+                <a:solidFill>
+                  <a:srgbClr val="001080"/>
+                </a:solidFill>
+                <a:effectLst/>
+                <a:latin typeface="Menlo" panose="020B0609030804020204" pitchFamily="49" charset="0"/>
+              </a:rPr>
+              <a:t>costs</a:t>
+            </a:r>
+            <a:r>
+              <a:rPr lang="en" altLang="zh-CN" b="0" dirty="0">
+                <a:solidFill>
+                  <a:srgbClr val="3B3B3B"/>
+                </a:solidFill>
+                <a:effectLst/>
+                <a:latin typeface="Menlo" panose="020B0609030804020204" pitchFamily="49" charset="0"/>
+              </a:rPr>
+              <a:t>[Months];</a:t>
+            </a:r>
+          </a:p>
+          <a:p>
+            <a:r>
+              <a:rPr lang="en" altLang="zh-CN" b="0" dirty="0">
+                <a:solidFill>
+                  <a:srgbClr val="3B3B3B"/>
+                </a:solidFill>
+                <a:effectLst/>
+                <a:latin typeface="Menlo" panose="020B0609030804020204" pitchFamily="49" charset="0"/>
+              </a:rPr>
+              <a:t>};</a:t>
+            </a:r>
+          </a:p>
+        </p:txBody>
+      </p:sp>
+      <p:sp>
+        <p:nvSpPr>
+          <p:cNvPr id="14" name="文本框 13">
+            <a:extLst>
+              <a:ext uri="{FF2B5EF4-FFF2-40B4-BE49-F238E27FC236}">
+                <a16:creationId xmlns:a16="http://schemas.microsoft.com/office/drawing/2014/main" id="{0F6149C2-9949-0B41-BDA4-7E92DE230CA2}"/>
+              </a:ext>
+            </a:extLst>
+          </p:cNvPr>
+          <p:cNvSpPr txBox="1"/>
+          <p:nvPr/>
+        </p:nvSpPr>
+        <p:spPr>
+          <a:xfrm>
+            <a:off x="7156316" y="3110064"/>
+            <a:ext cx="3356042" cy="1754326"/>
+          </a:xfrm>
+          <a:prstGeom prst="rect">
+            <a:avLst/>
+          </a:prstGeom>
+          <a:noFill/>
+        </p:spPr>
+        <p:txBody>
+          <a:bodyPr wrap="square">
+            <a:spAutoFit/>
+          </a:bodyPr>
+          <a:lstStyle/>
+          <a:p>
+            <a:r>
+              <a:rPr lang="en" altLang="zh-CN" b="0" dirty="0">
+                <a:solidFill>
+                  <a:srgbClr val="0000FF"/>
+                </a:solidFill>
+                <a:effectLst/>
+                <a:latin typeface="Menlo" panose="020B0609030804020204" pitchFamily="49" charset="0"/>
+              </a:rPr>
+              <a:t>class</a:t>
+            </a:r>
+            <a:r>
+              <a:rPr lang="en" altLang="zh-CN" b="0" dirty="0">
+                <a:solidFill>
+                  <a:srgbClr val="3B3B3B"/>
+                </a:solidFill>
+                <a:effectLst/>
+                <a:latin typeface="Menlo" panose="020B0609030804020204" pitchFamily="49" charset="0"/>
+              </a:rPr>
+              <a:t> </a:t>
+            </a:r>
+            <a:r>
+              <a:rPr lang="en" altLang="zh-CN" b="0" dirty="0">
+                <a:solidFill>
+                  <a:srgbClr val="267F99"/>
+                </a:solidFill>
+                <a:effectLst/>
+                <a:latin typeface="Menlo" panose="020B0609030804020204" pitchFamily="49" charset="0"/>
+              </a:rPr>
+              <a:t>Bakery</a:t>
+            </a:r>
+            <a:endParaRPr lang="en" altLang="zh-CN" b="0" dirty="0">
+              <a:solidFill>
+                <a:srgbClr val="3B3B3B"/>
+              </a:solidFill>
+              <a:effectLst/>
+              <a:latin typeface="Menlo" panose="020B0609030804020204" pitchFamily="49" charset="0"/>
+            </a:endParaRPr>
+          </a:p>
+          <a:p>
+            <a:r>
+              <a:rPr lang="en" altLang="zh-CN" b="0" dirty="0">
+                <a:solidFill>
+                  <a:srgbClr val="3B3B3B"/>
+                </a:solidFill>
+                <a:effectLst/>
+                <a:latin typeface="Menlo" panose="020B0609030804020204" pitchFamily="49" charset="0"/>
+              </a:rPr>
+              <a:t>{</a:t>
+            </a:r>
+          </a:p>
+          <a:p>
+            <a:r>
+              <a:rPr lang="en" altLang="zh-CN" b="0" dirty="0">
+                <a:solidFill>
+                  <a:srgbClr val="0000FF"/>
+                </a:solidFill>
+                <a:effectLst/>
+                <a:latin typeface="Menlo" panose="020B0609030804020204" pitchFamily="49" charset="0"/>
+              </a:rPr>
+              <a:t>private:</a:t>
+            </a:r>
+            <a:endParaRPr lang="en" altLang="zh-CN" b="0" dirty="0">
+              <a:solidFill>
+                <a:srgbClr val="3B3B3B"/>
+              </a:solidFill>
+              <a:effectLst/>
+              <a:latin typeface="Menlo" panose="020B0609030804020204" pitchFamily="49" charset="0"/>
+            </a:endParaRPr>
+          </a:p>
+          <a:p>
+            <a:r>
+              <a:rPr lang="en" altLang="zh-CN" b="0" dirty="0" err="1">
+                <a:solidFill>
+                  <a:srgbClr val="0000FF"/>
+                </a:solidFill>
+                <a:effectLst/>
+                <a:latin typeface="Menlo" panose="020B0609030804020204" pitchFamily="49" charset="0"/>
+              </a:rPr>
+              <a:t>enum</a:t>
+            </a:r>
+            <a:r>
+              <a:rPr lang="en" altLang="zh-CN" b="0" dirty="0">
+                <a:solidFill>
+                  <a:srgbClr val="3B3B3B"/>
+                </a:solidFill>
+                <a:effectLst/>
+                <a:latin typeface="Menlo" panose="020B0609030804020204" pitchFamily="49" charset="0"/>
+              </a:rPr>
+              <a:t> {</a:t>
+            </a:r>
+            <a:r>
+              <a:rPr lang="en" altLang="zh-CN" b="0" dirty="0">
+                <a:solidFill>
+                  <a:srgbClr val="0070C1"/>
+                </a:solidFill>
+                <a:effectLst/>
+                <a:latin typeface="Menlo" panose="020B0609030804020204" pitchFamily="49" charset="0"/>
+              </a:rPr>
+              <a:t>Months</a:t>
+            </a:r>
+            <a:r>
+              <a:rPr lang="en" altLang="zh-CN" b="0" dirty="0">
+                <a:solidFill>
+                  <a:srgbClr val="3B3B3B"/>
+                </a:solidFill>
+                <a:effectLst/>
+                <a:latin typeface="Menlo" panose="020B0609030804020204" pitchFamily="49" charset="0"/>
+              </a:rPr>
+              <a:t> </a:t>
+            </a:r>
+            <a:r>
+              <a:rPr lang="en" altLang="zh-CN" b="0" dirty="0">
+                <a:solidFill>
+                  <a:srgbClr val="000000"/>
+                </a:solidFill>
+                <a:effectLst/>
+                <a:latin typeface="Menlo" panose="020B0609030804020204" pitchFamily="49" charset="0"/>
+              </a:rPr>
+              <a:t>=</a:t>
+            </a:r>
+            <a:r>
+              <a:rPr lang="en" altLang="zh-CN" b="0" dirty="0">
+                <a:solidFill>
+                  <a:srgbClr val="3B3B3B"/>
+                </a:solidFill>
+                <a:effectLst/>
+                <a:latin typeface="Menlo" panose="020B0609030804020204" pitchFamily="49" charset="0"/>
+              </a:rPr>
+              <a:t> </a:t>
+            </a:r>
+            <a:r>
+              <a:rPr lang="en" altLang="zh-CN" b="0" dirty="0">
+                <a:solidFill>
+                  <a:srgbClr val="098658"/>
+                </a:solidFill>
+                <a:effectLst/>
+                <a:latin typeface="Menlo" panose="020B0609030804020204" pitchFamily="49" charset="0"/>
+              </a:rPr>
+              <a:t>12</a:t>
+            </a:r>
+            <a:r>
+              <a:rPr lang="en" altLang="zh-CN" b="0" dirty="0">
+                <a:solidFill>
+                  <a:srgbClr val="3B3B3B"/>
+                </a:solidFill>
+                <a:effectLst/>
+                <a:latin typeface="Menlo" panose="020B0609030804020204" pitchFamily="49" charset="0"/>
+              </a:rPr>
+              <a:t>};</a:t>
+            </a:r>
+          </a:p>
+          <a:p>
+            <a:r>
+              <a:rPr lang="en" altLang="zh-CN" b="0" dirty="0">
+                <a:solidFill>
+                  <a:srgbClr val="0000FF"/>
+                </a:solidFill>
+                <a:effectLst/>
+                <a:latin typeface="Menlo" panose="020B0609030804020204" pitchFamily="49" charset="0"/>
+              </a:rPr>
+              <a:t>double</a:t>
+            </a:r>
+            <a:r>
+              <a:rPr lang="en" altLang="zh-CN" b="0" dirty="0">
+                <a:solidFill>
+                  <a:srgbClr val="3B3B3B"/>
+                </a:solidFill>
+                <a:effectLst/>
+                <a:latin typeface="Menlo" panose="020B0609030804020204" pitchFamily="49" charset="0"/>
+              </a:rPr>
+              <a:t> </a:t>
+            </a:r>
+            <a:r>
+              <a:rPr lang="en" altLang="zh-CN" b="0" dirty="0">
+                <a:solidFill>
+                  <a:srgbClr val="001080"/>
+                </a:solidFill>
+                <a:effectLst/>
+                <a:latin typeface="Menlo" panose="020B0609030804020204" pitchFamily="49" charset="0"/>
+              </a:rPr>
+              <a:t>costs</a:t>
+            </a:r>
+            <a:r>
+              <a:rPr lang="en" altLang="zh-CN" b="0" dirty="0">
+                <a:solidFill>
+                  <a:srgbClr val="3B3B3B"/>
+                </a:solidFill>
+                <a:effectLst/>
+                <a:latin typeface="Menlo" panose="020B0609030804020204" pitchFamily="49" charset="0"/>
+              </a:rPr>
+              <a:t>[Months];</a:t>
+            </a:r>
+          </a:p>
+          <a:p>
+            <a:r>
+              <a:rPr lang="en" altLang="zh-CN" b="0" dirty="0">
+                <a:solidFill>
+                  <a:srgbClr val="3B3B3B"/>
+                </a:solidFill>
+                <a:effectLst/>
+                <a:latin typeface="Menlo" panose="020B0609030804020204" pitchFamily="49" charset="0"/>
+              </a:rPr>
+              <a:t>};</a:t>
+            </a:r>
+          </a:p>
+        </p:txBody>
+      </p:sp>
+      <p:sp>
+        <p:nvSpPr>
+          <p:cNvPr id="15" name="文本框 14">
+            <a:extLst>
+              <a:ext uri="{FF2B5EF4-FFF2-40B4-BE49-F238E27FC236}">
+                <a16:creationId xmlns:a16="http://schemas.microsoft.com/office/drawing/2014/main" id="{EFCAE01F-50FE-D349-B474-23C46BD99166}"/>
+              </a:ext>
+            </a:extLst>
+          </p:cNvPr>
+          <p:cNvSpPr txBox="1"/>
+          <p:nvPr/>
+        </p:nvSpPr>
+        <p:spPr>
+          <a:xfrm>
+            <a:off x="632298" y="5084423"/>
+            <a:ext cx="5231603" cy="1015663"/>
+          </a:xfrm>
+          <a:prstGeom prst="rect">
+            <a:avLst/>
+          </a:prstGeom>
+          <a:noFill/>
+        </p:spPr>
+        <p:txBody>
+          <a:bodyPr wrap="square" rtlCol="0">
+            <a:spAutoFit/>
+          </a:bodyPr>
+          <a:lstStyle/>
+          <a:p>
+            <a:r>
+              <a:rPr kumimoji="1" lang="en-US" altLang="zh-CN" sz="2000" dirty="0">
+                <a:latin typeface="Optima" panose="02000503060000020004" pitchFamily="2" charset="0"/>
+                <a:ea typeface="KaiTi" panose="02010609060101010101" pitchFamily="49" charset="-122"/>
+              </a:rPr>
+              <a:t>static </a:t>
+            </a:r>
+            <a:r>
+              <a:rPr kumimoji="1" lang="zh-CN" altLang="en-US" sz="2000" dirty="0">
+                <a:latin typeface="Optima" panose="02000503060000020004" pitchFamily="2" charset="0"/>
+                <a:ea typeface="KaiTi" panose="02010609060101010101" pitchFamily="49" charset="-122"/>
+              </a:rPr>
+              <a:t>会创建一个名为 </a:t>
+            </a:r>
+            <a:r>
+              <a:rPr kumimoji="1" lang="en-US" altLang="zh-CN" sz="2000" dirty="0">
+                <a:latin typeface="Optima" panose="02000503060000020004" pitchFamily="2" charset="0"/>
+                <a:ea typeface="KaiTi" panose="02010609060101010101" pitchFamily="49" charset="-122"/>
+              </a:rPr>
+              <a:t>Months </a:t>
+            </a:r>
+            <a:r>
+              <a:rPr kumimoji="1" lang="zh-CN" altLang="en-US" sz="2000" dirty="0">
+                <a:latin typeface="Optima" panose="02000503060000020004" pitchFamily="2" charset="0"/>
+                <a:ea typeface="KaiTi" panose="02010609060101010101" pitchFamily="49" charset="-122"/>
+              </a:rPr>
+              <a:t>的常量与其它静态变量存储在一起，而不是存储的对象中，从而可以被</a:t>
+            </a:r>
+            <a:r>
+              <a:rPr kumimoji="1" lang="en-US" altLang="zh-CN" sz="2000" dirty="0">
+                <a:latin typeface="Optima" panose="02000503060000020004" pitchFamily="2" charset="0"/>
+                <a:ea typeface="KaiTi" panose="02010609060101010101" pitchFamily="49" charset="-122"/>
+              </a:rPr>
+              <a:t> Bakery </a:t>
+            </a:r>
+            <a:r>
+              <a:rPr kumimoji="1" lang="zh-CN" altLang="en-US" sz="2000" dirty="0">
+                <a:latin typeface="Optima" panose="02000503060000020004" pitchFamily="2" charset="0"/>
+                <a:ea typeface="KaiTi" panose="02010609060101010101" pitchFamily="49" charset="-122"/>
+              </a:rPr>
+              <a:t>对象共享</a:t>
+            </a:r>
+          </a:p>
+        </p:txBody>
+      </p:sp>
+      <p:sp>
+        <p:nvSpPr>
+          <p:cNvPr id="16" name="文本框 15">
+            <a:extLst>
+              <a:ext uri="{FF2B5EF4-FFF2-40B4-BE49-F238E27FC236}">
+                <a16:creationId xmlns:a16="http://schemas.microsoft.com/office/drawing/2014/main" id="{BC410336-E23F-A144-9863-FFFED1F67BAD}"/>
+              </a:ext>
+            </a:extLst>
+          </p:cNvPr>
+          <p:cNvSpPr txBox="1"/>
+          <p:nvPr/>
+        </p:nvSpPr>
+        <p:spPr>
+          <a:xfrm>
+            <a:off x="7156316" y="5084423"/>
+            <a:ext cx="3748390" cy="707886"/>
+          </a:xfrm>
+          <a:prstGeom prst="rect">
+            <a:avLst/>
+          </a:prstGeom>
+          <a:noFill/>
+        </p:spPr>
+        <p:txBody>
+          <a:bodyPr wrap="square" rtlCol="0">
+            <a:spAutoFit/>
+          </a:bodyPr>
+          <a:lstStyle/>
+          <a:p>
+            <a:r>
+              <a:rPr kumimoji="1" lang="zh-CN" altLang="en-US" sz="2000" dirty="0">
+                <a:latin typeface="Optima" panose="02000503060000020004" pitchFamily="2" charset="0"/>
+                <a:ea typeface="KaiTi" panose="02010609060101010101" pitchFamily="49" charset="-122"/>
+              </a:rPr>
+              <a:t>这里的枚举只是为了创建常量，不需要枚举名</a:t>
+            </a:r>
+          </a:p>
+        </p:txBody>
+      </p:sp>
+      <p:sp>
+        <p:nvSpPr>
+          <p:cNvPr id="17" name="文本框 16">
+            <a:extLst>
+              <a:ext uri="{FF2B5EF4-FFF2-40B4-BE49-F238E27FC236}">
+                <a16:creationId xmlns:a16="http://schemas.microsoft.com/office/drawing/2014/main" id="{3C87D894-14FD-C840-98F3-EDD039DBD800}"/>
+              </a:ext>
+            </a:extLst>
+          </p:cNvPr>
+          <p:cNvSpPr txBox="1"/>
+          <p:nvPr/>
+        </p:nvSpPr>
+        <p:spPr>
+          <a:xfrm>
+            <a:off x="1011677" y="6488668"/>
+            <a:ext cx="10456709" cy="369332"/>
+          </a:xfrm>
+          <a:prstGeom prst="rect">
+            <a:avLst/>
+          </a:prstGeom>
+          <a:noFill/>
+        </p:spPr>
+        <p:txBody>
+          <a:bodyPr wrap="none" rtlCol="0">
+            <a:spAutoFit/>
+          </a:bodyPr>
+          <a:lstStyle/>
+          <a:p>
+            <a:r>
+              <a:rPr kumimoji="1" lang="en-US" altLang="zh-CN" dirty="0">
+                <a:highlight>
+                  <a:srgbClr val="C0C0C0"/>
+                </a:highlight>
+                <a:latin typeface="Optima" panose="02000503060000020004" pitchFamily="2" charset="0"/>
+                <a:ea typeface="KaiTi" panose="02010609060101010101" pitchFamily="49" charset="-122"/>
+              </a:rPr>
+              <a:t>C++98</a:t>
+            </a:r>
+            <a:r>
+              <a:rPr kumimoji="1" lang="zh-CN" altLang="en-US" dirty="0">
+                <a:highlight>
+                  <a:srgbClr val="C0C0C0"/>
+                </a:highlight>
+                <a:latin typeface="Optima" panose="02000503060000020004" pitchFamily="2" charset="0"/>
+                <a:ea typeface="KaiTi" panose="02010609060101010101" pitchFamily="49" charset="-122"/>
+              </a:rPr>
+              <a:t> 只能使用这种技术声明值为</a:t>
+            </a:r>
+            <a:r>
+              <a:rPr kumimoji="1" lang="en-US" altLang="zh-CN" dirty="0">
+                <a:highlight>
+                  <a:srgbClr val="C0C0C0"/>
+                </a:highlight>
+                <a:latin typeface="Optima" panose="02000503060000020004" pitchFamily="2" charset="0"/>
+                <a:ea typeface="KaiTi" panose="02010609060101010101" pitchFamily="49" charset="-122"/>
+              </a:rPr>
+              <a:t> int </a:t>
+            </a:r>
+            <a:r>
+              <a:rPr kumimoji="1" lang="zh-CN" altLang="en-US" dirty="0">
+                <a:highlight>
+                  <a:srgbClr val="C0C0C0"/>
+                </a:highlight>
+                <a:latin typeface="Optima" panose="02000503060000020004" pitchFamily="2" charset="0"/>
+                <a:ea typeface="KaiTi" panose="02010609060101010101" pitchFamily="49" charset="-122"/>
+              </a:rPr>
+              <a:t>或枚举的静态常量，而不可以存储</a:t>
+            </a:r>
+            <a:r>
+              <a:rPr kumimoji="1" lang="en-US" altLang="zh-CN" dirty="0">
+                <a:highlight>
+                  <a:srgbClr val="C0C0C0"/>
+                </a:highlight>
+                <a:latin typeface="Optima" panose="02000503060000020004" pitchFamily="2" charset="0"/>
+                <a:ea typeface="KaiTi" panose="02010609060101010101" pitchFamily="49" charset="-122"/>
+              </a:rPr>
+              <a:t> double </a:t>
+            </a:r>
+            <a:r>
+              <a:rPr kumimoji="1" lang="zh-CN" altLang="en-US" dirty="0">
+                <a:highlight>
+                  <a:srgbClr val="C0C0C0"/>
+                </a:highlight>
+                <a:latin typeface="Optima" panose="02000503060000020004" pitchFamily="2" charset="0"/>
+                <a:ea typeface="KaiTi" panose="02010609060101010101" pitchFamily="49" charset="-122"/>
+              </a:rPr>
+              <a:t>常量；</a:t>
+            </a:r>
+            <a:r>
+              <a:rPr kumimoji="1" lang="en-US" altLang="zh-CN" dirty="0">
+                <a:highlight>
+                  <a:srgbClr val="C0C0C0"/>
+                </a:highlight>
+                <a:latin typeface="Optima" panose="02000503060000020004" pitchFamily="2" charset="0"/>
+                <a:ea typeface="KaiTi" panose="02010609060101010101" pitchFamily="49" charset="-122"/>
+              </a:rPr>
+              <a:t>C++11 </a:t>
+            </a:r>
+            <a:r>
+              <a:rPr kumimoji="1" lang="zh-CN" altLang="en-US" dirty="0">
+                <a:highlight>
+                  <a:srgbClr val="C0C0C0"/>
+                </a:highlight>
+                <a:latin typeface="Optima" panose="02000503060000020004" pitchFamily="2" charset="0"/>
+                <a:ea typeface="KaiTi" panose="02010609060101010101" pitchFamily="49" charset="-122"/>
+              </a:rPr>
+              <a:t>可以</a:t>
+            </a:r>
+          </a:p>
+        </p:txBody>
+      </p:sp>
+      <p:sp>
+        <p:nvSpPr>
+          <p:cNvPr id="18" name="文本框 17">
+            <a:extLst>
+              <a:ext uri="{FF2B5EF4-FFF2-40B4-BE49-F238E27FC236}">
+                <a16:creationId xmlns:a16="http://schemas.microsoft.com/office/drawing/2014/main" id="{3CFDAD1F-7EFF-5940-B4CE-112B0D8EE0C6}"/>
+              </a:ext>
+            </a:extLst>
+          </p:cNvPr>
+          <p:cNvSpPr txBox="1"/>
+          <p:nvPr/>
+        </p:nvSpPr>
+        <p:spPr>
+          <a:xfrm>
+            <a:off x="743071" y="6476070"/>
+            <a:ext cx="405880" cy="369332"/>
+          </a:xfrm>
+          <a:prstGeom prst="rect">
+            <a:avLst/>
+          </a:prstGeom>
+          <a:noFill/>
+        </p:spPr>
+        <p:txBody>
+          <a:bodyPr wrap="none" rtlCol="0">
+            <a:spAutoFit/>
+          </a:bodyPr>
+          <a:lstStyle/>
+          <a:p>
+            <a:r>
+              <a:rPr kumimoji="1" lang="en-US" altLang="zh-CN" b="1" dirty="0">
+                <a:solidFill>
+                  <a:srgbClr val="C00000"/>
+                </a:solidFill>
+              </a:rPr>
+              <a:t>|&gt;</a:t>
+            </a:r>
+            <a:endParaRPr kumimoji="1" lang="zh-CN" altLang="en-US" b="1" dirty="0">
+              <a:solidFill>
+                <a:srgbClr val="C00000"/>
+              </a:solidFill>
+            </a:endParaRPr>
+          </a:p>
+        </p:txBody>
+      </p:sp>
+    </p:spTree>
+    <p:extLst>
+      <p:ext uri="{BB962C8B-B14F-4D97-AF65-F5344CB8AC3E}">
+        <p14:creationId xmlns:p14="http://schemas.microsoft.com/office/powerpoint/2010/main" val="2366373760"/>
+      </p:ext>
+    </p:extLst>
+  </p:cSld>
+  <p:clrMapOvr>
+    <a:masterClrMapping/>
+  </p:clrMapOvr>
+</p:sld>
+</file>
+
+<file path=ppt/slides/slide54.xml><?xml version="1.0" encoding="utf-8"?>
+<p:sld xmlns:a="http://schemas.openxmlformats.org/drawingml/2006/main" xmlns:r="http://schemas.openxmlformats.org/officeDocument/2006/relationships" xmlns:p="http://schemas.openxmlformats.org/presentationml/2006/main">
+  <p:cSld>
+    <p:spTree>
+      <p:nvGrpSpPr>
+        <p:cNvPr id="1" name=""/>
+        <p:cNvGrpSpPr/>
+        <p:nvPr/>
+      </p:nvGrpSpPr>
+      <p:grpSpPr>
+        <a:xfrm>
+          <a:off x="0" y="0"/>
+          <a:ext cx="0" cy="0"/>
+          <a:chOff x="0" y="0"/>
+          <a:chExt cx="0" cy="0"/>
+        </a:xfrm>
+      </p:grpSpPr>
+      <p:sp>
+        <p:nvSpPr>
+          <p:cNvPr id="5" name="文本框 4">
+            <a:extLst>
+              <a:ext uri="{FF2B5EF4-FFF2-40B4-BE49-F238E27FC236}">
+                <a16:creationId xmlns:a16="http://schemas.microsoft.com/office/drawing/2014/main" id="{4FF8B40E-273D-4342-8139-F66DA8DE42CA}"/>
+              </a:ext>
+            </a:extLst>
+          </p:cNvPr>
+          <p:cNvSpPr txBox="1"/>
+          <p:nvPr/>
+        </p:nvSpPr>
+        <p:spPr>
+          <a:xfrm>
+            <a:off x="0" y="0"/>
+            <a:ext cx="1620957" cy="523220"/>
+          </a:xfrm>
+          <a:prstGeom prst="rect">
+            <a:avLst/>
+          </a:prstGeom>
+          <a:noFill/>
+        </p:spPr>
+        <p:txBody>
+          <a:bodyPr wrap="none" rtlCol="0">
+            <a:spAutoFit/>
+          </a:bodyPr>
+          <a:lstStyle/>
+          <a:p>
+            <a:r>
+              <a:rPr kumimoji="1" lang="zh-CN" altLang="en-US" sz="2800" dirty="0">
+                <a:latin typeface="Optima" panose="02000503060000020004" pitchFamily="2" charset="0"/>
+                <a:ea typeface="KaiTi" panose="02010609060101010101" pitchFamily="49" charset="-122"/>
+              </a:rPr>
+              <a:t>类作用域</a:t>
+            </a:r>
+          </a:p>
+        </p:txBody>
+      </p:sp>
+      <p:sp>
+        <p:nvSpPr>
+          <p:cNvPr id="6" name="文本框 5">
+            <a:extLst>
+              <a:ext uri="{FF2B5EF4-FFF2-40B4-BE49-F238E27FC236}">
+                <a16:creationId xmlns:a16="http://schemas.microsoft.com/office/drawing/2014/main" id="{BC4AD712-12E5-6344-9012-1AB1C0F08407}"/>
+              </a:ext>
+            </a:extLst>
+          </p:cNvPr>
+          <p:cNvSpPr txBox="1"/>
+          <p:nvPr/>
+        </p:nvSpPr>
+        <p:spPr>
+          <a:xfrm>
+            <a:off x="1916349" y="76944"/>
+            <a:ext cx="2101174" cy="369332"/>
+          </a:xfrm>
+          <a:prstGeom prst="rect">
+            <a:avLst/>
+          </a:prstGeom>
+          <a:noFill/>
+        </p:spPr>
+        <p:txBody>
+          <a:bodyPr wrap="square">
+            <a:spAutoFit/>
+          </a:bodyPr>
+          <a:lstStyle/>
+          <a:p>
+            <a:r>
+              <a:rPr lang="en-US" altLang="zh-CN" b="1" dirty="0" err="1">
+                <a:highlight>
+                  <a:srgbClr val="FFFF00"/>
+                </a:highlight>
+                <a:latin typeface="Optima" panose="02000503060000020004" pitchFamily="2" charset="0"/>
+              </a:rPr>
+              <a:t>enumscoped.cpp</a:t>
+            </a:r>
+            <a:endParaRPr lang="zh-CN" altLang="en-US" b="1" dirty="0">
+              <a:highlight>
+                <a:srgbClr val="FFFF00"/>
+              </a:highlight>
+              <a:latin typeface="Optima" panose="02000503060000020004" pitchFamily="2" charset="0"/>
+            </a:endParaRPr>
+          </a:p>
+        </p:txBody>
+      </p:sp>
+      <p:sp>
+        <p:nvSpPr>
+          <p:cNvPr id="8" name="文本框 7">
+            <a:extLst>
+              <a:ext uri="{FF2B5EF4-FFF2-40B4-BE49-F238E27FC236}">
+                <a16:creationId xmlns:a16="http://schemas.microsoft.com/office/drawing/2014/main" id="{D511EBC6-7485-F242-A583-B9D715BA5AAB}"/>
+              </a:ext>
+            </a:extLst>
+          </p:cNvPr>
+          <p:cNvSpPr txBox="1"/>
+          <p:nvPr/>
+        </p:nvSpPr>
+        <p:spPr>
+          <a:xfrm>
+            <a:off x="1620957" y="912168"/>
+            <a:ext cx="6162472" cy="646331"/>
+          </a:xfrm>
+          <a:prstGeom prst="rect">
+            <a:avLst/>
+          </a:prstGeom>
+          <a:noFill/>
+        </p:spPr>
+        <p:txBody>
+          <a:bodyPr wrap="square">
+            <a:spAutoFit/>
+          </a:bodyPr>
+          <a:lstStyle/>
+          <a:p>
+            <a:r>
+              <a:rPr lang="en" altLang="zh-CN" b="0" dirty="0" err="1">
+                <a:solidFill>
+                  <a:srgbClr val="0000FF"/>
+                </a:solidFill>
+                <a:effectLst/>
+                <a:latin typeface="Menlo" panose="020B0609030804020204" pitchFamily="49" charset="0"/>
+              </a:rPr>
+              <a:t>enum</a:t>
+            </a:r>
+            <a:r>
+              <a:rPr lang="en" altLang="zh-CN" b="0" dirty="0">
+                <a:solidFill>
+                  <a:srgbClr val="3B3B3B"/>
+                </a:solidFill>
+                <a:effectLst/>
+                <a:latin typeface="Menlo" panose="020B0609030804020204" pitchFamily="49" charset="0"/>
+              </a:rPr>
+              <a:t> </a:t>
+            </a:r>
+            <a:r>
+              <a:rPr lang="en" altLang="zh-CN" b="0" dirty="0">
+                <a:solidFill>
+                  <a:srgbClr val="267F99"/>
+                </a:solidFill>
+                <a:effectLst/>
+                <a:latin typeface="Menlo" panose="020B0609030804020204" pitchFamily="49" charset="0"/>
+              </a:rPr>
+              <a:t>egg</a:t>
+            </a:r>
+            <a:r>
+              <a:rPr lang="en" altLang="zh-CN" b="0" dirty="0">
+                <a:solidFill>
+                  <a:srgbClr val="3B3B3B"/>
+                </a:solidFill>
+                <a:effectLst/>
+                <a:latin typeface="Menlo" panose="020B0609030804020204" pitchFamily="49" charset="0"/>
+              </a:rPr>
+              <a:t> {</a:t>
+            </a:r>
+            <a:r>
+              <a:rPr lang="en" altLang="zh-CN" b="0" dirty="0">
+                <a:solidFill>
+                  <a:srgbClr val="0070C1"/>
+                </a:solidFill>
+                <a:effectLst/>
+                <a:latin typeface="Menlo" panose="020B0609030804020204" pitchFamily="49" charset="0"/>
+              </a:rPr>
+              <a:t>Small</a:t>
+            </a:r>
+            <a:r>
+              <a:rPr lang="en" altLang="zh-CN" b="0" dirty="0">
+                <a:solidFill>
+                  <a:srgbClr val="3B3B3B"/>
+                </a:solidFill>
+                <a:effectLst/>
+                <a:latin typeface="Menlo" panose="020B0609030804020204" pitchFamily="49" charset="0"/>
+              </a:rPr>
+              <a:t>, </a:t>
+            </a:r>
+            <a:r>
+              <a:rPr lang="en" altLang="zh-CN" b="0" dirty="0">
+                <a:solidFill>
+                  <a:srgbClr val="0070C1"/>
+                </a:solidFill>
+                <a:effectLst/>
+                <a:latin typeface="Menlo" panose="020B0609030804020204" pitchFamily="49" charset="0"/>
+              </a:rPr>
+              <a:t>Medium</a:t>
+            </a:r>
+            <a:r>
+              <a:rPr lang="en" altLang="zh-CN" b="0" dirty="0">
+                <a:solidFill>
+                  <a:srgbClr val="3B3B3B"/>
+                </a:solidFill>
+                <a:effectLst/>
+                <a:latin typeface="Menlo" panose="020B0609030804020204" pitchFamily="49" charset="0"/>
+              </a:rPr>
+              <a:t>, </a:t>
+            </a:r>
+            <a:r>
+              <a:rPr lang="en" altLang="zh-CN" b="0" dirty="0">
+                <a:solidFill>
+                  <a:srgbClr val="0070C1"/>
+                </a:solidFill>
+                <a:effectLst/>
+                <a:latin typeface="Menlo" panose="020B0609030804020204" pitchFamily="49" charset="0"/>
+              </a:rPr>
+              <a:t>Large</a:t>
+            </a:r>
+            <a:r>
+              <a:rPr lang="en" altLang="zh-CN" b="0" dirty="0">
+                <a:solidFill>
+                  <a:srgbClr val="3B3B3B"/>
+                </a:solidFill>
+                <a:effectLst/>
+                <a:latin typeface="Menlo" panose="020B0609030804020204" pitchFamily="49" charset="0"/>
+              </a:rPr>
+              <a:t>, </a:t>
+            </a:r>
+            <a:r>
+              <a:rPr lang="en" altLang="zh-CN" b="0" dirty="0">
+                <a:solidFill>
+                  <a:srgbClr val="0070C1"/>
+                </a:solidFill>
+                <a:effectLst/>
+                <a:latin typeface="Menlo" panose="020B0609030804020204" pitchFamily="49" charset="0"/>
+              </a:rPr>
+              <a:t>Jumbo</a:t>
+            </a:r>
+            <a:r>
+              <a:rPr lang="en" altLang="zh-CN" b="0" dirty="0">
+                <a:solidFill>
+                  <a:srgbClr val="3B3B3B"/>
+                </a:solidFill>
+                <a:effectLst/>
+                <a:latin typeface="Menlo" panose="020B0609030804020204" pitchFamily="49" charset="0"/>
+              </a:rPr>
+              <a:t>};</a:t>
+            </a:r>
+          </a:p>
+          <a:p>
+            <a:r>
+              <a:rPr lang="en" altLang="zh-CN" b="0" dirty="0" err="1">
+                <a:solidFill>
+                  <a:srgbClr val="0000FF"/>
+                </a:solidFill>
+                <a:effectLst/>
+                <a:latin typeface="Menlo" panose="020B0609030804020204" pitchFamily="49" charset="0"/>
+              </a:rPr>
+              <a:t>enum</a:t>
+            </a:r>
+            <a:r>
+              <a:rPr lang="en" altLang="zh-CN" b="0" dirty="0">
+                <a:solidFill>
+                  <a:srgbClr val="3B3B3B"/>
+                </a:solidFill>
+                <a:effectLst/>
+                <a:latin typeface="Menlo" panose="020B0609030804020204" pitchFamily="49" charset="0"/>
+              </a:rPr>
+              <a:t> </a:t>
+            </a:r>
+            <a:r>
+              <a:rPr lang="en" altLang="zh-CN" b="0" dirty="0" err="1">
+                <a:solidFill>
+                  <a:srgbClr val="267F99"/>
+                </a:solidFill>
+                <a:effectLst/>
+                <a:latin typeface="Menlo" panose="020B0609030804020204" pitchFamily="49" charset="0"/>
+              </a:rPr>
+              <a:t>t_shirt</a:t>
+            </a:r>
+            <a:r>
+              <a:rPr lang="en" altLang="zh-CN" b="0" dirty="0">
+                <a:solidFill>
+                  <a:srgbClr val="3B3B3B"/>
+                </a:solidFill>
+                <a:effectLst/>
+                <a:latin typeface="Menlo" panose="020B0609030804020204" pitchFamily="49" charset="0"/>
+              </a:rPr>
+              <a:t>{</a:t>
+            </a:r>
+            <a:r>
+              <a:rPr lang="en" altLang="zh-CN" b="0" dirty="0">
+                <a:solidFill>
+                  <a:srgbClr val="0070C1"/>
+                </a:solidFill>
+                <a:effectLst/>
+                <a:latin typeface="Menlo" panose="020B0609030804020204" pitchFamily="49" charset="0"/>
+              </a:rPr>
+              <a:t>Small</a:t>
+            </a:r>
+            <a:r>
+              <a:rPr lang="en" altLang="zh-CN" b="0" dirty="0">
+                <a:solidFill>
+                  <a:srgbClr val="3B3B3B"/>
+                </a:solidFill>
+                <a:effectLst/>
+                <a:latin typeface="Menlo" panose="020B0609030804020204" pitchFamily="49" charset="0"/>
+              </a:rPr>
+              <a:t>, </a:t>
+            </a:r>
+            <a:r>
+              <a:rPr lang="en" altLang="zh-CN" b="0" dirty="0">
+                <a:solidFill>
+                  <a:srgbClr val="0070C1"/>
+                </a:solidFill>
+                <a:effectLst/>
+                <a:latin typeface="Menlo" panose="020B0609030804020204" pitchFamily="49" charset="0"/>
+              </a:rPr>
+              <a:t>Medium</a:t>
+            </a:r>
+            <a:r>
+              <a:rPr lang="en" altLang="zh-CN" b="0" dirty="0">
+                <a:solidFill>
+                  <a:srgbClr val="3B3B3B"/>
+                </a:solidFill>
+                <a:effectLst/>
+                <a:latin typeface="Menlo" panose="020B0609030804020204" pitchFamily="49" charset="0"/>
+              </a:rPr>
+              <a:t>, </a:t>
+            </a:r>
+            <a:r>
+              <a:rPr lang="en" altLang="zh-CN" b="0" dirty="0">
+                <a:solidFill>
+                  <a:srgbClr val="0070C1"/>
+                </a:solidFill>
+                <a:effectLst/>
+                <a:latin typeface="Menlo" panose="020B0609030804020204" pitchFamily="49" charset="0"/>
+              </a:rPr>
+              <a:t>Large</a:t>
+            </a:r>
+            <a:r>
+              <a:rPr lang="en" altLang="zh-CN" b="0" dirty="0">
+                <a:solidFill>
+                  <a:srgbClr val="3B3B3B"/>
+                </a:solidFill>
+                <a:effectLst/>
+                <a:latin typeface="Menlo" panose="020B0609030804020204" pitchFamily="49" charset="0"/>
+              </a:rPr>
+              <a:t>, </a:t>
+            </a:r>
+            <a:r>
+              <a:rPr lang="en" altLang="zh-CN" b="0" dirty="0" err="1">
+                <a:solidFill>
+                  <a:srgbClr val="0070C1"/>
+                </a:solidFill>
+                <a:effectLst/>
+                <a:latin typeface="Menlo" panose="020B0609030804020204" pitchFamily="49" charset="0"/>
+              </a:rPr>
+              <a:t>XLarge</a:t>
+            </a:r>
+            <a:r>
+              <a:rPr lang="en" altLang="zh-CN" b="0" dirty="0">
+                <a:solidFill>
+                  <a:srgbClr val="3B3B3B"/>
+                </a:solidFill>
+                <a:effectLst/>
+                <a:latin typeface="Menlo" panose="020B0609030804020204" pitchFamily="49" charset="0"/>
+              </a:rPr>
+              <a:t>};</a:t>
+            </a:r>
+          </a:p>
+        </p:txBody>
+      </p:sp>
+      <p:sp>
+        <p:nvSpPr>
+          <p:cNvPr id="10" name="文本框 9">
+            <a:extLst>
+              <a:ext uri="{FF2B5EF4-FFF2-40B4-BE49-F238E27FC236}">
+                <a16:creationId xmlns:a16="http://schemas.microsoft.com/office/drawing/2014/main" id="{176B0950-A353-2746-B108-B7859EBC96EA}"/>
+              </a:ext>
+            </a:extLst>
+          </p:cNvPr>
+          <p:cNvSpPr txBox="1"/>
+          <p:nvPr/>
+        </p:nvSpPr>
+        <p:spPr>
+          <a:xfrm>
+            <a:off x="1620956" y="2022077"/>
+            <a:ext cx="8163939" cy="1200329"/>
+          </a:xfrm>
+          <a:prstGeom prst="rect">
+            <a:avLst/>
+          </a:prstGeom>
+          <a:noFill/>
+        </p:spPr>
+        <p:txBody>
+          <a:bodyPr wrap="square">
+            <a:spAutoFit/>
+          </a:bodyPr>
+          <a:lstStyle/>
+          <a:p>
+            <a:r>
+              <a:rPr lang="en" altLang="zh-CN" b="0" dirty="0" err="1">
+                <a:solidFill>
+                  <a:srgbClr val="0000FF"/>
+                </a:solidFill>
+                <a:effectLst/>
+                <a:latin typeface="Menlo" panose="020B0609030804020204" pitchFamily="49" charset="0"/>
+              </a:rPr>
+              <a:t>enum</a:t>
+            </a:r>
+            <a:r>
+              <a:rPr lang="en" altLang="zh-CN" b="0" dirty="0">
+                <a:solidFill>
+                  <a:srgbClr val="3B3B3B"/>
+                </a:solidFill>
+                <a:effectLst/>
+                <a:latin typeface="Menlo" panose="020B0609030804020204" pitchFamily="49" charset="0"/>
+              </a:rPr>
+              <a:t> </a:t>
+            </a:r>
+            <a:r>
+              <a:rPr lang="en" altLang="zh-CN" b="0" dirty="0">
+                <a:solidFill>
+                  <a:srgbClr val="0000FF"/>
+                </a:solidFill>
+                <a:effectLst/>
+                <a:latin typeface="Menlo" panose="020B0609030804020204" pitchFamily="49" charset="0"/>
+              </a:rPr>
+              <a:t>class</a:t>
+            </a:r>
+            <a:r>
+              <a:rPr lang="en" altLang="zh-CN" b="0" dirty="0">
+                <a:solidFill>
+                  <a:srgbClr val="3B3B3B"/>
+                </a:solidFill>
+                <a:effectLst/>
+                <a:latin typeface="Menlo" panose="020B0609030804020204" pitchFamily="49" charset="0"/>
+              </a:rPr>
+              <a:t> </a:t>
+            </a:r>
+            <a:r>
+              <a:rPr lang="en" altLang="zh-CN" b="0" dirty="0">
+                <a:solidFill>
+                  <a:srgbClr val="267F99"/>
+                </a:solidFill>
+                <a:effectLst/>
+                <a:latin typeface="Menlo" panose="020B0609030804020204" pitchFamily="49" charset="0"/>
+              </a:rPr>
+              <a:t>egg</a:t>
+            </a:r>
+            <a:r>
+              <a:rPr lang="en" altLang="zh-CN" b="0" dirty="0">
+                <a:solidFill>
+                  <a:srgbClr val="3B3B3B"/>
+                </a:solidFill>
+                <a:effectLst/>
+                <a:latin typeface="Menlo" panose="020B0609030804020204" pitchFamily="49" charset="0"/>
+              </a:rPr>
+              <a:t> {</a:t>
+            </a:r>
+            <a:r>
+              <a:rPr lang="en" altLang="zh-CN" b="0" dirty="0">
+                <a:solidFill>
+                  <a:srgbClr val="0070C1"/>
+                </a:solidFill>
+                <a:effectLst/>
+                <a:latin typeface="Menlo" panose="020B0609030804020204" pitchFamily="49" charset="0"/>
+              </a:rPr>
+              <a:t>Small</a:t>
+            </a:r>
+            <a:r>
+              <a:rPr lang="en" altLang="zh-CN" b="0" dirty="0">
+                <a:solidFill>
+                  <a:srgbClr val="3B3B3B"/>
+                </a:solidFill>
+                <a:effectLst/>
+                <a:latin typeface="Menlo" panose="020B0609030804020204" pitchFamily="49" charset="0"/>
+              </a:rPr>
+              <a:t>, </a:t>
+            </a:r>
+            <a:r>
+              <a:rPr lang="en" altLang="zh-CN" b="0" dirty="0">
+                <a:solidFill>
+                  <a:srgbClr val="0070C1"/>
+                </a:solidFill>
+                <a:effectLst/>
+                <a:latin typeface="Menlo" panose="020B0609030804020204" pitchFamily="49" charset="0"/>
+              </a:rPr>
+              <a:t>Medium</a:t>
+            </a:r>
+            <a:r>
+              <a:rPr lang="en" altLang="zh-CN" b="0" dirty="0">
+                <a:solidFill>
+                  <a:srgbClr val="3B3B3B"/>
+                </a:solidFill>
+                <a:effectLst/>
+                <a:latin typeface="Menlo" panose="020B0609030804020204" pitchFamily="49" charset="0"/>
+              </a:rPr>
+              <a:t>, </a:t>
+            </a:r>
+            <a:r>
+              <a:rPr lang="en" altLang="zh-CN" b="0" dirty="0">
+                <a:solidFill>
+                  <a:srgbClr val="0070C1"/>
+                </a:solidFill>
+                <a:effectLst/>
+                <a:latin typeface="Menlo" panose="020B0609030804020204" pitchFamily="49" charset="0"/>
+              </a:rPr>
+              <a:t>Large</a:t>
+            </a:r>
+            <a:r>
+              <a:rPr lang="en" altLang="zh-CN" b="0" dirty="0">
+                <a:solidFill>
+                  <a:srgbClr val="3B3B3B"/>
+                </a:solidFill>
+                <a:effectLst/>
+                <a:latin typeface="Menlo" panose="020B0609030804020204" pitchFamily="49" charset="0"/>
+              </a:rPr>
+              <a:t>, </a:t>
+            </a:r>
+            <a:r>
+              <a:rPr lang="en" altLang="zh-CN" b="0" dirty="0">
+                <a:solidFill>
+                  <a:srgbClr val="0070C1"/>
+                </a:solidFill>
+                <a:effectLst/>
+                <a:latin typeface="Menlo" panose="020B0609030804020204" pitchFamily="49" charset="0"/>
+              </a:rPr>
+              <a:t>Jumbo</a:t>
+            </a:r>
+            <a:r>
+              <a:rPr lang="en" altLang="zh-CN" b="0" dirty="0">
+                <a:solidFill>
+                  <a:srgbClr val="3B3B3B"/>
+                </a:solidFill>
+                <a:effectLst/>
+                <a:latin typeface="Menlo" panose="020B0609030804020204" pitchFamily="49" charset="0"/>
+              </a:rPr>
+              <a:t>};</a:t>
+            </a:r>
+          </a:p>
+          <a:p>
+            <a:r>
+              <a:rPr lang="en" altLang="zh-CN" b="0" dirty="0" err="1">
+                <a:solidFill>
+                  <a:srgbClr val="0000FF"/>
+                </a:solidFill>
+                <a:effectLst/>
+                <a:latin typeface="Menlo" panose="020B0609030804020204" pitchFamily="49" charset="0"/>
+              </a:rPr>
+              <a:t>enum</a:t>
+            </a:r>
+            <a:r>
+              <a:rPr lang="en" altLang="zh-CN" b="0" dirty="0">
+                <a:solidFill>
+                  <a:srgbClr val="3B3B3B"/>
+                </a:solidFill>
+                <a:effectLst/>
+                <a:latin typeface="Menlo" panose="020B0609030804020204" pitchFamily="49" charset="0"/>
+              </a:rPr>
+              <a:t> </a:t>
+            </a:r>
+            <a:r>
+              <a:rPr lang="en" altLang="zh-CN" b="0" dirty="0">
+                <a:solidFill>
+                  <a:srgbClr val="0000FF"/>
+                </a:solidFill>
+                <a:effectLst/>
+                <a:latin typeface="Menlo" panose="020B0609030804020204" pitchFamily="49" charset="0"/>
+              </a:rPr>
+              <a:t>struct</a:t>
+            </a:r>
+            <a:r>
+              <a:rPr lang="en" altLang="zh-CN" b="0" dirty="0">
+                <a:solidFill>
+                  <a:srgbClr val="3B3B3B"/>
+                </a:solidFill>
+                <a:effectLst/>
+                <a:latin typeface="Menlo" panose="020B0609030804020204" pitchFamily="49" charset="0"/>
+              </a:rPr>
+              <a:t> </a:t>
+            </a:r>
+            <a:r>
+              <a:rPr lang="en" altLang="zh-CN" b="0" dirty="0" err="1">
+                <a:solidFill>
+                  <a:srgbClr val="267F99"/>
+                </a:solidFill>
+                <a:effectLst/>
+                <a:latin typeface="Menlo" panose="020B0609030804020204" pitchFamily="49" charset="0"/>
+              </a:rPr>
+              <a:t>t_shirt</a:t>
+            </a:r>
+            <a:r>
+              <a:rPr lang="en" altLang="zh-CN" b="0" dirty="0">
+                <a:solidFill>
+                  <a:srgbClr val="3B3B3B"/>
+                </a:solidFill>
+                <a:effectLst/>
+                <a:latin typeface="Menlo" panose="020B0609030804020204" pitchFamily="49" charset="0"/>
+              </a:rPr>
+              <a:t>{</a:t>
+            </a:r>
+            <a:r>
+              <a:rPr lang="en" altLang="zh-CN" b="0" dirty="0">
+                <a:solidFill>
+                  <a:srgbClr val="0070C1"/>
+                </a:solidFill>
+                <a:effectLst/>
+                <a:latin typeface="Menlo" panose="020B0609030804020204" pitchFamily="49" charset="0"/>
+              </a:rPr>
+              <a:t>Small</a:t>
+            </a:r>
+            <a:r>
+              <a:rPr lang="en" altLang="zh-CN" b="0" dirty="0">
+                <a:solidFill>
+                  <a:srgbClr val="3B3B3B"/>
+                </a:solidFill>
+                <a:effectLst/>
+                <a:latin typeface="Menlo" panose="020B0609030804020204" pitchFamily="49" charset="0"/>
+              </a:rPr>
+              <a:t>, </a:t>
+            </a:r>
+            <a:r>
+              <a:rPr lang="en" altLang="zh-CN" b="0" dirty="0">
+                <a:solidFill>
+                  <a:srgbClr val="0070C1"/>
+                </a:solidFill>
+                <a:effectLst/>
+                <a:latin typeface="Menlo" panose="020B0609030804020204" pitchFamily="49" charset="0"/>
+              </a:rPr>
+              <a:t>Medium</a:t>
+            </a:r>
+            <a:r>
+              <a:rPr lang="en" altLang="zh-CN" b="0" dirty="0">
+                <a:solidFill>
+                  <a:srgbClr val="3B3B3B"/>
+                </a:solidFill>
+                <a:effectLst/>
+                <a:latin typeface="Menlo" panose="020B0609030804020204" pitchFamily="49" charset="0"/>
+              </a:rPr>
+              <a:t>, </a:t>
+            </a:r>
+            <a:r>
+              <a:rPr lang="en" altLang="zh-CN" b="0" dirty="0">
+                <a:solidFill>
+                  <a:srgbClr val="0070C1"/>
+                </a:solidFill>
+                <a:effectLst/>
+                <a:latin typeface="Menlo" panose="020B0609030804020204" pitchFamily="49" charset="0"/>
+              </a:rPr>
+              <a:t>Large</a:t>
+            </a:r>
+            <a:r>
+              <a:rPr lang="en" altLang="zh-CN" b="0" dirty="0">
+                <a:solidFill>
+                  <a:srgbClr val="3B3B3B"/>
+                </a:solidFill>
+                <a:effectLst/>
+                <a:latin typeface="Menlo" panose="020B0609030804020204" pitchFamily="49" charset="0"/>
+              </a:rPr>
+              <a:t>, </a:t>
+            </a:r>
+            <a:r>
+              <a:rPr lang="en" altLang="zh-CN" b="0" dirty="0" err="1">
+                <a:solidFill>
+                  <a:srgbClr val="0070C1"/>
+                </a:solidFill>
+                <a:effectLst/>
+                <a:latin typeface="Menlo" panose="020B0609030804020204" pitchFamily="49" charset="0"/>
+              </a:rPr>
+              <a:t>XLarge</a:t>
+            </a:r>
+            <a:r>
+              <a:rPr lang="en" altLang="zh-CN" b="0" dirty="0">
+                <a:solidFill>
+                  <a:srgbClr val="3B3B3B"/>
+                </a:solidFill>
+                <a:effectLst/>
+                <a:latin typeface="Menlo" panose="020B0609030804020204" pitchFamily="49" charset="0"/>
+              </a:rPr>
+              <a:t>};</a:t>
+            </a:r>
+          </a:p>
+          <a:p>
+            <a:r>
+              <a:rPr lang="en" altLang="zh-CN" b="0" dirty="0">
+                <a:solidFill>
+                  <a:srgbClr val="3B3B3B"/>
+                </a:solidFill>
+                <a:effectLst/>
+                <a:latin typeface="Menlo" panose="020B0609030804020204" pitchFamily="49" charset="0"/>
+              </a:rPr>
+              <a:t>egg </a:t>
+            </a:r>
+            <a:r>
+              <a:rPr lang="en" altLang="zh-CN" b="0" dirty="0" err="1">
+                <a:solidFill>
+                  <a:srgbClr val="3B3B3B"/>
+                </a:solidFill>
+                <a:effectLst/>
+                <a:latin typeface="Menlo" panose="020B0609030804020204" pitchFamily="49" charset="0"/>
+              </a:rPr>
+              <a:t>choic</a:t>
+            </a:r>
+            <a:r>
+              <a:rPr lang="en" altLang="zh-CN" b="0" dirty="0">
+                <a:solidFill>
+                  <a:srgbClr val="3B3B3B"/>
+                </a:solidFill>
+                <a:effectLst/>
+                <a:latin typeface="Menlo" panose="020B0609030804020204" pitchFamily="49" charset="0"/>
+              </a:rPr>
+              <a:t> </a:t>
+            </a:r>
+            <a:r>
+              <a:rPr lang="en" altLang="zh-CN" b="0" dirty="0">
+                <a:solidFill>
+                  <a:srgbClr val="000000"/>
+                </a:solidFill>
+                <a:effectLst/>
+                <a:latin typeface="Menlo" panose="020B0609030804020204" pitchFamily="49" charset="0"/>
+              </a:rPr>
+              <a:t>=</a:t>
+            </a:r>
+            <a:r>
+              <a:rPr lang="en" altLang="zh-CN" b="0" dirty="0">
+                <a:solidFill>
+                  <a:srgbClr val="3B3B3B"/>
+                </a:solidFill>
+                <a:effectLst/>
+                <a:latin typeface="Menlo" panose="020B0609030804020204" pitchFamily="49" charset="0"/>
+              </a:rPr>
+              <a:t> </a:t>
+            </a:r>
+            <a:r>
+              <a:rPr lang="en" altLang="zh-CN" b="0" dirty="0">
+                <a:solidFill>
+                  <a:srgbClr val="267F99"/>
+                </a:solidFill>
+                <a:effectLst/>
+                <a:latin typeface="Menlo" panose="020B0609030804020204" pitchFamily="49" charset="0"/>
+              </a:rPr>
+              <a:t>egg</a:t>
+            </a:r>
+            <a:r>
+              <a:rPr lang="en" altLang="zh-CN" b="0" dirty="0">
+                <a:solidFill>
+                  <a:srgbClr val="3B3B3B"/>
+                </a:solidFill>
+                <a:effectLst/>
+                <a:latin typeface="Menlo" panose="020B0609030804020204" pitchFamily="49" charset="0"/>
+              </a:rPr>
+              <a:t>::Large;</a:t>
+            </a:r>
+          </a:p>
+          <a:p>
+            <a:r>
+              <a:rPr lang="en" altLang="zh-CN" b="0" dirty="0" err="1">
+                <a:solidFill>
+                  <a:srgbClr val="3B3B3B"/>
+                </a:solidFill>
+                <a:effectLst/>
+                <a:latin typeface="Menlo" panose="020B0609030804020204" pitchFamily="49" charset="0"/>
+              </a:rPr>
+              <a:t>t_shirt</a:t>
+            </a:r>
+            <a:r>
+              <a:rPr lang="en" altLang="zh-CN" b="0" dirty="0">
+                <a:solidFill>
+                  <a:srgbClr val="3B3B3B"/>
+                </a:solidFill>
+                <a:effectLst/>
+                <a:latin typeface="Menlo" panose="020B0609030804020204" pitchFamily="49" charset="0"/>
+              </a:rPr>
+              <a:t> Floyd </a:t>
+            </a:r>
+            <a:r>
+              <a:rPr lang="en" altLang="zh-CN" b="0" dirty="0">
+                <a:solidFill>
+                  <a:srgbClr val="000000"/>
+                </a:solidFill>
+                <a:effectLst/>
+                <a:latin typeface="Menlo" panose="020B0609030804020204" pitchFamily="49" charset="0"/>
+              </a:rPr>
+              <a:t>=</a:t>
+            </a:r>
+            <a:r>
+              <a:rPr lang="en" altLang="zh-CN" b="0" dirty="0">
+                <a:solidFill>
+                  <a:srgbClr val="3B3B3B"/>
+                </a:solidFill>
+                <a:effectLst/>
+                <a:latin typeface="Menlo" panose="020B0609030804020204" pitchFamily="49" charset="0"/>
+              </a:rPr>
+              <a:t> </a:t>
+            </a:r>
+            <a:r>
+              <a:rPr lang="en" altLang="zh-CN" b="0" dirty="0" err="1">
+                <a:solidFill>
+                  <a:srgbClr val="267F99"/>
+                </a:solidFill>
+                <a:effectLst/>
+                <a:latin typeface="Menlo" panose="020B0609030804020204" pitchFamily="49" charset="0"/>
+              </a:rPr>
+              <a:t>t_shirt</a:t>
+            </a:r>
+            <a:r>
+              <a:rPr lang="en" altLang="zh-CN" b="0" dirty="0">
+                <a:solidFill>
+                  <a:srgbClr val="3B3B3B"/>
+                </a:solidFill>
+                <a:effectLst/>
+                <a:latin typeface="Menlo" panose="020B0609030804020204" pitchFamily="49" charset="0"/>
+              </a:rPr>
+              <a:t>::Medium;</a:t>
+            </a:r>
+          </a:p>
+        </p:txBody>
+      </p:sp>
+      <p:sp>
+        <p:nvSpPr>
+          <p:cNvPr id="12" name="文本框 11">
+            <a:extLst>
+              <a:ext uri="{FF2B5EF4-FFF2-40B4-BE49-F238E27FC236}">
+                <a16:creationId xmlns:a16="http://schemas.microsoft.com/office/drawing/2014/main" id="{A9E80F81-5BA6-6241-917E-8F7859026270}"/>
+              </a:ext>
+            </a:extLst>
+          </p:cNvPr>
+          <p:cNvSpPr txBox="1"/>
+          <p:nvPr/>
+        </p:nvSpPr>
+        <p:spPr>
+          <a:xfrm>
+            <a:off x="1620956" y="3737533"/>
+            <a:ext cx="8163938" cy="2308324"/>
+          </a:xfrm>
+          <a:prstGeom prst="rect">
+            <a:avLst/>
+          </a:prstGeom>
+          <a:noFill/>
+        </p:spPr>
+        <p:txBody>
+          <a:bodyPr wrap="square">
+            <a:spAutoFit/>
+          </a:bodyPr>
+          <a:lstStyle/>
+          <a:p>
+            <a:r>
+              <a:rPr lang="en" altLang="zh-CN" b="0" dirty="0" err="1">
+                <a:solidFill>
+                  <a:srgbClr val="0000FF"/>
+                </a:solidFill>
+                <a:effectLst/>
+                <a:latin typeface="Menlo" panose="020B0609030804020204" pitchFamily="49" charset="0"/>
+              </a:rPr>
+              <a:t>enum</a:t>
+            </a:r>
+            <a:r>
+              <a:rPr lang="en" altLang="zh-CN" b="0" dirty="0">
+                <a:solidFill>
+                  <a:srgbClr val="3B3B3B"/>
+                </a:solidFill>
+                <a:effectLst/>
+                <a:latin typeface="Menlo" panose="020B0609030804020204" pitchFamily="49" charset="0"/>
+              </a:rPr>
+              <a:t> </a:t>
+            </a:r>
+            <a:r>
+              <a:rPr lang="en" altLang="zh-CN" b="0" dirty="0" err="1">
+                <a:solidFill>
+                  <a:srgbClr val="267F99"/>
+                </a:solidFill>
+                <a:effectLst/>
+                <a:latin typeface="Menlo" panose="020B0609030804020204" pitchFamily="49" charset="0"/>
+              </a:rPr>
+              <a:t>egg_old</a:t>
+            </a:r>
+            <a:r>
+              <a:rPr lang="en" altLang="zh-CN" b="0" dirty="0">
+                <a:solidFill>
+                  <a:srgbClr val="3B3B3B"/>
+                </a:solidFill>
+                <a:effectLst/>
+                <a:latin typeface="Menlo" panose="020B0609030804020204" pitchFamily="49" charset="0"/>
+              </a:rPr>
+              <a:t> {</a:t>
+            </a:r>
+            <a:r>
+              <a:rPr lang="en" altLang="zh-CN" b="0" dirty="0">
+                <a:solidFill>
+                  <a:srgbClr val="0070C1"/>
+                </a:solidFill>
+                <a:effectLst/>
+                <a:latin typeface="Menlo" panose="020B0609030804020204" pitchFamily="49" charset="0"/>
+              </a:rPr>
+              <a:t>Small</a:t>
+            </a:r>
+            <a:r>
+              <a:rPr lang="en" altLang="zh-CN" b="0" dirty="0">
+                <a:solidFill>
+                  <a:srgbClr val="3B3B3B"/>
+                </a:solidFill>
+                <a:effectLst/>
+                <a:latin typeface="Menlo" panose="020B0609030804020204" pitchFamily="49" charset="0"/>
+              </a:rPr>
+              <a:t>, </a:t>
+            </a:r>
+            <a:r>
+              <a:rPr lang="en" altLang="zh-CN" b="0" dirty="0">
+                <a:solidFill>
+                  <a:srgbClr val="0070C1"/>
+                </a:solidFill>
+                <a:effectLst/>
+                <a:latin typeface="Menlo" panose="020B0609030804020204" pitchFamily="49" charset="0"/>
+              </a:rPr>
+              <a:t>Medium</a:t>
+            </a:r>
+            <a:r>
+              <a:rPr lang="en" altLang="zh-CN" b="0" dirty="0">
+                <a:solidFill>
+                  <a:srgbClr val="3B3B3B"/>
+                </a:solidFill>
+                <a:effectLst/>
+                <a:latin typeface="Menlo" panose="020B0609030804020204" pitchFamily="49" charset="0"/>
+              </a:rPr>
+              <a:t>, </a:t>
+            </a:r>
+            <a:r>
+              <a:rPr lang="en" altLang="zh-CN" b="0" dirty="0">
+                <a:solidFill>
+                  <a:srgbClr val="0070C1"/>
+                </a:solidFill>
+                <a:effectLst/>
+                <a:latin typeface="Menlo" panose="020B0609030804020204" pitchFamily="49" charset="0"/>
+              </a:rPr>
+              <a:t>Large</a:t>
+            </a:r>
+            <a:r>
+              <a:rPr lang="en" altLang="zh-CN" b="0" dirty="0">
+                <a:solidFill>
+                  <a:srgbClr val="3B3B3B"/>
+                </a:solidFill>
+                <a:effectLst/>
+                <a:latin typeface="Menlo" panose="020B0609030804020204" pitchFamily="49" charset="0"/>
+              </a:rPr>
+              <a:t>, </a:t>
+            </a:r>
+            <a:r>
+              <a:rPr lang="en" altLang="zh-CN" b="0" dirty="0">
+                <a:solidFill>
+                  <a:srgbClr val="0070C1"/>
+                </a:solidFill>
+                <a:effectLst/>
+                <a:latin typeface="Menlo" panose="020B0609030804020204" pitchFamily="49" charset="0"/>
+              </a:rPr>
+              <a:t>Jumbo</a:t>
+            </a:r>
+            <a:r>
+              <a:rPr lang="en" altLang="zh-CN" b="0" dirty="0">
+                <a:solidFill>
+                  <a:srgbClr val="3B3B3B"/>
+                </a:solidFill>
+                <a:effectLst/>
+                <a:latin typeface="Menlo" panose="020B0609030804020204" pitchFamily="49" charset="0"/>
+              </a:rPr>
+              <a:t>};</a:t>
+            </a:r>
+          </a:p>
+          <a:p>
+            <a:r>
+              <a:rPr lang="en" altLang="zh-CN" b="0" dirty="0" err="1">
+                <a:solidFill>
+                  <a:srgbClr val="0000FF"/>
+                </a:solidFill>
+                <a:effectLst/>
+                <a:latin typeface="Menlo" panose="020B0609030804020204" pitchFamily="49" charset="0"/>
+              </a:rPr>
+              <a:t>enum</a:t>
+            </a:r>
+            <a:r>
+              <a:rPr lang="en" altLang="zh-CN" b="0" dirty="0">
+                <a:solidFill>
+                  <a:srgbClr val="3B3B3B"/>
+                </a:solidFill>
+                <a:effectLst/>
+                <a:latin typeface="Menlo" panose="020B0609030804020204" pitchFamily="49" charset="0"/>
+              </a:rPr>
+              <a:t> </a:t>
+            </a:r>
+            <a:r>
+              <a:rPr lang="en" altLang="zh-CN" b="0" dirty="0">
+                <a:solidFill>
+                  <a:srgbClr val="0000FF"/>
+                </a:solidFill>
+                <a:effectLst/>
+                <a:latin typeface="Menlo" panose="020B0609030804020204" pitchFamily="49" charset="0"/>
+              </a:rPr>
+              <a:t>class</a:t>
+            </a:r>
+            <a:r>
+              <a:rPr lang="en" altLang="zh-CN" b="0" dirty="0">
+                <a:solidFill>
+                  <a:srgbClr val="3B3B3B"/>
+                </a:solidFill>
+                <a:effectLst/>
+                <a:latin typeface="Menlo" panose="020B0609030804020204" pitchFamily="49" charset="0"/>
+              </a:rPr>
+              <a:t> </a:t>
+            </a:r>
+            <a:r>
+              <a:rPr lang="en" altLang="zh-CN" b="0" dirty="0" err="1">
+                <a:solidFill>
+                  <a:srgbClr val="267F99"/>
+                </a:solidFill>
+                <a:effectLst/>
+                <a:latin typeface="Menlo" panose="020B0609030804020204" pitchFamily="49" charset="0"/>
+              </a:rPr>
+              <a:t>t_shirt</a:t>
+            </a:r>
+            <a:r>
+              <a:rPr lang="en" altLang="zh-CN" b="0" dirty="0">
+                <a:solidFill>
+                  <a:srgbClr val="3B3B3B"/>
+                </a:solidFill>
+                <a:effectLst/>
+                <a:latin typeface="Menlo" panose="020B0609030804020204" pitchFamily="49" charset="0"/>
+              </a:rPr>
+              <a:t>{</a:t>
+            </a:r>
+            <a:r>
+              <a:rPr lang="en" altLang="zh-CN" b="0" dirty="0">
+                <a:solidFill>
+                  <a:srgbClr val="0070C1"/>
+                </a:solidFill>
+                <a:effectLst/>
+                <a:latin typeface="Menlo" panose="020B0609030804020204" pitchFamily="49" charset="0"/>
+              </a:rPr>
+              <a:t>Small</a:t>
+            </a:r>
+            <a:r>
+              <a:rPr lang="en" altLang="zh-CN" b="0" dirty="0">
+                <a:solidFill>
+                  <a:srgbClr val="3B3B3B"/>
+                </a:solidFill>
+                <a:effectLst/>
+                <a:latin typeface="Menlo" panose="020B0609030804020204" pitchFamily="49" charset="0"/>
+              </a:rPr>
+              <a:t>, </a:t>
+            </a:r>
+            <a:r>
+              <a:rPr lang="en" altLang="zh-CN" b="0" dirty="0">
+                <a:solidFill>
+                  <a:srgbClr val="0070C1"/>
+                </a:solidFill>
+                <a:effectLst/>
+                <a:latin typeface="Menlo" panose="020B0609030804020204" pitchFamily="49" charset="0"/>
+              </a:rPr>
+              <a:t>Medium</a:t>
+            </a:r>
+            <a:r>
+              <a:rPr lang="en" altLang="zh-CN" b="0" dirty="0">
+                <a:solidFill>
+                  <a:srgbClr val="3B3B3B"/>
+                </a:solidFill>
+                <a:effectLst/>
+                <a:latin typeface="Menlo" panose="020B0609030804020204" pitchFamily="49" charset="0"/>
+              </a:rPr>
+              <a:t>, </a:t>
+            </a:r>
+            <a:r>
+              <a:rPr lang="en" altLang="zh-CN" b="0" dirty="0">
+                <a:solidFill>
+                  <a:srgbClr val="0070C1"/>
+                </a:solidFill>
+                <a:effectLst/>
+                <a:latin typeface="Menlo" panose="020B0609030804020204" pitchFamily="49" charset="0"/>
+              </a:rPr>
+              <a:t>Large</a:t>
+            </a:r>
+            <a:r>
+              <a:rPr lang="en" altLang="zh-CN" b="0" dirty="0">
+                <a:solidFill>
+                  <a:srgbClr val="3B3B3B"/>
+                </a:solidFill>
+                <a:effectLst/>
+                <a:latin typeface="Menlo" panose="020B0609030804020204" pitchFamily="49" charset="0"/>
+              </a:rPr>
+              <a:t>, </a:t>
+            </a:r>
+            <a:r>
+              <a:rPr lang="en" altLang="zh-CN" b="0" dirty="0" err="1">
+                <a:solidFill>
+                  <a:srgbClr val="0070C1"/>
+                </a:solidFill>
+                <a:effectLst/>
+                <a:latin typeface="Menlo" panose="020B0609030804020204" pitchFamily="49" charset="0"/>
+              </a:rPr>
+              <a:t>XLarge</a:t>
+            </a:r>
+            <a:r>
+              <a:rPr lang="en" altLang="zh-CN" b="0" dirty="0">
+                <a:solidFill>
+                  <a:srgbClr val="3B3B3B"/>
+                </a:solidFill>
+                <a:effectLst/>
+                <a:latin typeface="Menlo" panose="020B0609030804020204" pitchFamily="49" charset="0"/>
+              </a:rPr>
+              <a:t>};</a:t>
+            </a:r>
+          </a:p>
+          <a:p>
+            <a:r>
+              <a:rPr lang="en" altLang="zh-CN" b="0" dirty="0" err="1">
+                <a:solidFill>
+                  <a:srgbClr val="3B3B3B"/>
+                </a:solidFill>
+                <a:effectLst/>
+                <a:latin typeface="Menlo" panose="020B0609030804020204" pitchFamily="49" charset="0"/>
+              </a:rPr>
+              <a:t>egg_old</a:t>
+            </a:r>
+            <a:r>
+              <a:rPr lang="en" altLang="zh-CN" b="0" dirty="0">
+                <a:solidFill>
+                  <a:srgbClr val="3B3B3B"/>
+                </a:solidFill>
+                <a:effectLst/>
+                <a:latin typeface="Menlo" panose="020B0609030804020204" pitchFamily="49" charset="0"/>
+              </a:rPr>
+              <a:t> one </a:t>
+            </a:r>
+            <a:r>
+              <a:rPr lang="en" altLang="zh-CN" b="0" dirty="0">
+                <a:solidFill>
+                  <a:srgbClr val="000000"/>
+                </a:solidFill>
+                <a:effectLst/>
+                <a:latin typeface="Menlo" panose="020B0609030804020204" pitchFamily="49" charset="0"/>
+              </a:rPr>
+              <a:t>=</a:t>
+            </a:r>
+            <a:r>
+              <a:rPr lang="en" altLang="zh-CN" b="0" dirty="0">
+                <a:solidFill>
+                  <a:srgbClr val="3B3B3B"/>
+                </a:solidFill>
+                <a:effectLst/>
+                <a:latin typeface="Menlo" panose="020B0609030804020204" pitchFamily="49" charset="0"/>
+              </a:rPr>
+              <a:t> Medium;</a:t>
+            </a:r>
+          </a:p>
+          <a:p>
+            <a:r>
+              <a:rPr lang="en" altLang="zh-CN" b="0" dirty="0" err="1">
+                <a:solidFill>
+                  <a:srgbClr val="3B3B3B"/>
+                </a:solidFill>
+                <a:effectLst/>
+                <a:latin typeface="Menlo" panose="020B0609030804020204" pitchFamily="49" charset="0"/>
+              </a:rPr>
+              <a:t>t_shirt</a:t>
+            </a:r>
+            <a:r>
+              <a:rPr lang="en" altLang="zh-CN" b="0" dirty="0">
+                <a:solidFill>
+                  <a:srgbClr val="3B3B3B"/>
+                </a:solidFill>
+                <a:effectLst/>
+                <a:latin typeface="Menlo" panose="020B0609030804020204" pitchFamily="49" charset="0"/>
+              </a:rPr>
+              <a:t> </a:t>
+            </a:r>
+            <a:r>
+              <a:rPr lang="en" altLang="zh-CN" b="0" dirty="0" err="1">
+                <a:solidFill>
+                  <a:srgbClr val="3B3B3B"/>
+                </a:solidFill>
+                <a:effectLst/>
+                <a:latin typeface="Menlo" panose="020B0609030804020204" pitchFamily="49" charset="0"/>
+              </a:rPr>
+              <a:t>rolf</a:t>
+            </a:r>
+            <a:r>
+              <a:rPr lang="en" altLang="zh-CN" b="0" dirty="0">
+                <a:solidFill>
+                  <a:srgbClr val="3B3B3B"/>
+                </a:solidFill>
+                <a:effectLst/>
+                <a:latin typeface="Menlo" panose="020B0609030804020204" pitchFamily="49" charset="0"/>
+              </a:rPr>
+              <a:t> </a:t>
+            </a:r>
+            <a:r>
+              <a:rPr lang="en" altLang="zh-CN" b="0" dirty="0">
+                <a:solidFill>
+                  <a:srgbClr val="000000"/>
+                </a:solidFill>
+                <a:effectLst/>
+                <a:latin typeface="Menlo" panose="020B0609030804020204" pitchFamily="49" charset="0"/>
+              </a:rPr>
+              <a:t>=</a:t>
+            </a:r>
+            <a:r>
+              <a:rPr lang="en" altLang="zh-CN" b="0" dirty="0">
+                <a:solidFill>
+                  <a:srgbClr val="3B3B3B"/>
+                </a:solidFill>
+                <a:effectLst/>
+                <a:latin typeface="Menlo" panose="020B0609030804020204" pitchFamily="49" charset="0"/>
+              </a:rPr>
+              <a:t> </a:t>
+            </a:r>
+            <a:r>
+              <a:rPr lang="en" altLang="zh-CN" b="0" dirty="0" err="1">
+                <a:solidFill>
+                  <a:srgbClr val="267F99"/>
+                </a:solidFill>
+                <a:effectLst/>
+                <a:latin typeface="Menlo" panose="020B0609030804020204" pitchFamily="49" charset="0"/>
+              </a:rPr>
+              <a:t>t_shirt</a:t>
+            </a:r>
+            <a:r>
+              <a:rPr lang="en" altLang="zh-CN" b="0" dirty="0">
+                <a:solidFill>
+                  <a:srgbClr val="3B3B3B"/>
+                </a:solidFill>
+                <a:effectLst/>
+                <a:latin typeface="Menlo" panose="020B0609030804020204" pitchFamily="49" charset="0"/>
+              </a:rPr>
+              <a:t>::Large;</a:t>
+            </a:r>
+          </a:p>
+          <a:p>
+            <a:br>
+              <a:rPr lang="en" altLang="zh-CN" b="0" dirty="0">
+                <a:solidFill>
+                  <a:srgbClr val="3B3B3B"/>
+                </a:solidFill>
+                <a:effectLst/>
+                <a:latin typeface="Menlo" panose="020B0609030804020204" pitchFamily="49" charset="0"/>
+              </a:rPr>
+            </a:br>
+            <a:r>
+              <a:rPr lang="en" altLang="zh-CN" b="0" dirty="0">
+                <a:solidFill>
+                  <a:srgbClr val="0000FF"/>
+                </a:solidFill>
+                <a:effectLst/>
+                <a:latin typeface="Menlo" panose="020B0609030804020204" pitchFamily="49" charset="0"/>
+              </a:rPr>
+              <a:t>int</a:t>
+            </a:r>
+            <a:r>
+              <a:rPr lang="en" altLang="zh-CN" b="0" dirty="0">
+                <a:solidFill>
+                  <a:srgbClr val="3B3B3B"/>
+                </a:solidFill>
+                <a:effectLst/>
+                <a:latin typeface="Menlo" panose="020B0609030804020204" pitchFamily="49" charset="0"/>
+              </a:rPr>
+              <a:t> king </a:t>
+            </a:r>
+            <a:r>
+              <a:rPr lang="en" altLang="zh-CN" b="0" dirty="0">
+                <a:solidFill>
+                  <a:srgbClr val="000000"/>
+                </a:solidFill>
+                <a:effectLst/>
+                <a:latin typeface="Menlo" panose="020B0609030804020204" pitchFamily="49" charset="0"/>
+              </a:rPr>
+              <a:t>=</a:t>
+            </a:r>
+            <a:r>
+              <a:rPr lang="en" altLang="zh-CN" b="0" dirty="0">
+                <a:solidFill>
+                  <a:srgbClr val="3B3B3B"/>
+                </a:solidFill>
+                <a:effectLst/>
+                <a:latin typeface="Menlo" panose="020B0609030804020204" pitchFamily="49" charset="0"/>
+              </a:rPr>
+              <a:t> one;</a:t>
+            </a:r>
+          </a:p>
+          <a:p>
+            <a:r>
+              <a:rPr lang="en" altLang="zh-CN" b="0" dirty="0">
+                <a:solidFill>
+                  <a:srgbClr val="0000FF"/>
+                </a:solidFill>
+                <a:effectLst/>
+                <a:latin typeface="Menlo" panose="020B0609030804020204" pitchFamily="49" charset="0"/>
+              </a:rPr>
+              <a:t>int</a:t>
+            </a:r>
+            <a:r>
+              <a:rPr lang="en" altLang="zh-CN" b="0" dirty="0">
+                <a:solidFill>
+                  <a:srgbClr val="3B3B3B"/>
+                </a:solidFill>
+                <a:effectLst/>
+                <a:latin typeface="Menlo" panose="020B0609030804020204" pitchFamily="49" charset="0"/>
+              </a:rPr>
+              <a:t> ring </a:t>
+            </a:r>
+            <a:r>
+              <a:rPr lang="en" altLang="zh-CN" b="0" dirty="0">
+                <a:solidFill>
+                  <a:srgbClr val="000000"/>
+                </a:solidFill>
+                <a:effectLst/>
+                <a:latin typeface="Menlo" panose="020B0609030804020204" pitchFamily="49" charset="0"/>
+              </a:rPr>
+              <a:t>=</a:t>
+            </a:r>
+            <a:r>
+              <a:rPr lang="en" altLang="zh-CN" b="0" dirty="0">
+                <a:solidFill>
+                  <a:srgbClr val="3B3B3B"/>
+                </a:solidFill>
+                <a:effectLst/>
+                <a:latin typeface="Menlo" panose="020B0609030804020204" pitchFamily="49" charset="0"/>
+              </a:rPr>
+              <a:t> </a:t>
+            </a:r>
+            <a:r>
+              <a:rPr lang="en" altLang="zh-CN" b="0" dirty="0" err="1">
+                <a:solidFill>
+                  <a:srgbClr val="3B3B3B"/>
+                </a:solidFill>
+                <a:effectLst/>
+                <a:latin typeface="Menlo" panose="020B0609030804020204" pitchFamily="49" charset="0"/>
+              </a:rPr>
+              <a:t>rolf</a:t>
+            </a:r>
+            <a:r>
+              <a:rPr lang="en" altLang="zh-CN" b="0" dirty="0">
+                <a:solidFill>
+                  <a:srgbClr val="3B3B3B"/>
+                </a:solidFill>
+                <a:effectLst/>
+                <a:latin typeface="Menlo" panose="020B0609030804020204" pitchFamily="49" charset="0"/>
+              </a:rPr>
+              <a:t>;</a:t>
+            </a:r>
+          </a:p>
+          <a:p>
+            <a:r>
+              <a:rPr lang="en" altLang="zh-CN" b="0" dirty="0">
+                <a:solidFill>
+                  <a:srgbClr val="0000FF"/>
+                </a:solidFill>
+                <a:effectLst/>
+                <a:latin typeface="Menlo" panose="020B0609030804020204" pitchFamily="49" charset="0"/>
+              </a:rPr>
+              <a:t>int</a:t>
+            </a:r>
+            <a:r>
+              <a:rPr lang="en" altLang="zh-CN" b="0" dirty="0">
+                <a:solidFill>
+                  <a:srgbClr val="3B3B3B"/>
+                </a:solidFill>
+                <a:effectLst/>
+                <a:latin typeface="Menlo" panose="020B0609030804020204" pitchFamily="49" charset="0"/>
+              </a:rPr>
+              <a:t> Frodo </a:t>
+            </a:r>
+            <a:r>
+              <a:rPr lang="en" altLang="zh-CN" b="0" dirty="0">
+                <a:solidFill>
+                  <a:srgbClr val="000000"/>
+                </a:solidFill>
+                <a:effectLst/>
+                <a:latin typeface="Menlo" panose="020B0609030804020204" pitchFamily="49" charset="0"/>
+              </a:rPr>
+              <a:t>=</a:t>
+            </a:r>
+            <a:r>
+              <a:rPr lang="en" altLang="zh-CN" b="0" dirty="0">
+                <a:solidFill>
+                  <a:srgbClr val="3B3B3B"/>
+                </a:solidFill>
+                <a:effectLst/>
+                <a:latin typeface="Menlo" panose="020B0609030804020204" pitchFamily="49" charset="0"/>
+              </a:rPr>
+              <a:t> </a:t>
+            </a:r>
+            <a:r>
+              <a:rPr lang="en" altLang="zh-CN" b="0" dirty="0">
+                <a:solidFill>
+                  <a:srgbClr val="0000FF"/>
+                </a:solidFill>
+                <a:effectLst/>
+                <a:latin typeface="Menlo" panose="020B0609030804020204" pitchFamily="49" charset="0"/>
+              </a:rPr>
+              <a:t>int</a:t>
+            </a:r>
+            <a:r>
+              <a:rPr lang="en" altLang="zh-CN" b="0" dirty="0">
+                <a:solidFill>
+                  <a:srgbClr val="3B3B3B"/>
+                </a:solidFill>
+                <a:effectLst/>
+                <a:latin typeface="Menlo" panose="020B0609030804020204" pitchFamily="49" charset="0"/>
+              </a:rPr>
+              <a:t>(</a:t>
+            </a:r>
+            <a:r>
+              <a:rPr lang="en" altLang="zh-CN" b="0" dirty="0" err="1">
+                <a:solidFill>
+                  <a:srgbClr val="3B3B3B"/>
+                </a:solidFill>
+                <a:effectLst/>
+                <a:latin typeface="Menlo" panose="020B0609030804020204" pitchFamily="49" charset="0"/>
+              </a:rPr>
+              <a:t>rolf</a:t>
+            </a:r>
+            <a:r>
+              <a:rPr lang="en" altLang="zh-CN" b="0" dirty="0">
+                <a:solidFill>
+                  <a:srgbClr val="3B3B3B"/>
+                </a:solidFill>
+                <a:effectLst/>
+                <a:latin typeface="Menlo" panose="020B0609030804020204" pitchFamily="49" charset="0"/>
+              </a:rPr>
+              <a:t>);</a:t>
+            </a:r>
+          </a:p>
+        </p:txBody>
+      </p:sp>
+      <p:sp>
+        <p:nvSpPr>
+          <p:cNvPr id="14" name="文本框 13">
+            <a:extLst>
+              <a:ext uri="{FF2B5EF4-FFF2-40B4-BE49-F238E27FC236}">
+                <a16:creationId xmlns:a16="http://schemas.microsoft.com/office/drawing/2014/main" id="{18B1771A-3745-B24F-8D9C-BCFB5D7D8985}"/>
+              </a:ext>
+            </a:extLst>
+          </p:cNvPr>
+          <p:cNvSpPr txBox="1"/>
+          <p:nvPr/>
+        </p:nvSpPr>
+        <p:spPr>
+          <a:xfrm>
+            <a:off x="1620956" y="6376318"/>
+            <a:ext cx="8844875" cy="369332"/>
+          </a:xfrm>
+          <a:prstGeom prst="rect">
+            <a:avLst/>
+          </a:prstGeom>
+          <a:noFill/>
+        </p:spPr>
+        <p:txBody>
+          <a:bodyPr wrap="square">
+            <a:spAutoFit/>
+          </a:bodyPr>
+          <a:lstStyle/>
+          <a:p>
+            <a:r>
+              <a:rPr lang="en" altLang="zh-CN" b="0" dirty="0" err="1">
+                <a:solidFill>
+                  <a:srgbClr val="0000FF"/>
+                </a:solidFill>
+                <a:effectLst/>
+                <a:latin typeface="Menlo" panose="020B0609030804020204" pitchFamily="49" charset="0"/>
+              </a:rPr>
+              <a:t>enum</a:t>
+            </a:r>
+            <a:r>
+              <a:rPr lang="en" altLang="zh-CN" b="0" dirty="0">
+                <a:solidFill>
+                  <a:srgbClr val="3B3B3B"/>
+                </a:solidFill>
+                <a:effectLst/>
+                <a:latin typeface="Menlo" panose="020B0609030804020204" pitchFamily="49" charset="0"/>
+              </a:rPr>
+              <a:t> </a:t>
+            </a:r>
+            <a:r>
+              <a:rPr lang="en" altLang="zh-CN" b="0" dirty="0">
+                <a:solidFill>
+                  <a:srgbClr val="0000FF"/>
+                </a:solidFill>
+                <a:effectLst/>
+                <a:latin typeface="Menlo" panose="020B0609030804020204" pitchFamily="49" charset="0"/>
+              </a:rPr>
+              <a:t>class</a:t>
+            </a:r>
+            <a:r>
+              <a:rPr lang="en" altLang="zh-CN" b="0" dirty="0">
+                <a:solidFill>
+                  <a:srgbClr val="3B3B3B"/>
+                </a:solidFill>
+                <a:effectLst/>
+                <a:latin typeface="Menlo" panose="020B0609030804020204" pitchFamily="49" charset="0"/>
+              </a:rPr>
+              <a:t> </a:t>
+            </a:r>
+            <a:r>
+              <a:rPr lang="en" altLang="zh-CN" b="0" dirty="0">
+                <a:solidFill>
+                  <a:srgbClr val="267F99"/>
+                </a:solidFill>
+                <a:effectLst/>
+                <a:latin typeface="Menlo" panose="020B0609030804020204" pitchFamily="49" charset="0"/>
+              </a:rPr>
+              <a:t>pizza</a:t>
+            </a:r>
+            <a:r>
+              <a:rPr lang="en" altLang="zh-CN" b="0" dirty="0">
+                <a:solidFill>
+                  <a:srgbClr val="3B3B3B"/>
+                </a:solidFill>
+                <a:effectLst/>
+                <a:latin typeface="Menlo" panose="020B0609030804020204" pitchFamily="49" charset="0"/>
+              </a:rPr>
+              <a:t>: </a:t>
+            </a:r>
+            <a:r>
+              <a:rPr lang="en" altLang="zh-CN" b="0" dirty="0">
+                <a:solidFill>
+                  <a:srgbClr val="0000FF"/>
+                </a:solidFill>
+                <a:effectLst/>
+                <a:latin typeface="Menlo" panose="020B0609030804020204" pitchFamily="49" charset="0"/>
+              </a:rPr>
+              <a:t>short</a:t>
+            </a:r>
+            <a:r>
+              <a:rPr lang="en" altLang="zh-CN" b="0" dirty="0">
+                <a:solidFill>
+                  <a:srgbClr val="3B3B3B"/>
+                </a:solidFill>
+                <a:effectLst/>
+                <a:latin typeface="Menlo" panose="020B0609030804020204" pitchFamily="49" charset="0"/>
+              </a:rPr>
+              <a:t> {</a:t>
+            </a:r>
+            <a:r>
+              <a:rPr lang="en" altLang="zh-CN" b="0" dirty="0">
+                <a:solidFill>
+                  <a:srgbClr val="0070C1"/>
+                </a:solidFill>
+                <a:effectLst/>
+                <a:latin typeface="Menlo" panose="020B0609030804020204" pitchFamily="49" charset="0"/>
+              </a:rPr>
+              <a:t>Small</a:t>
+            </a:r>
+            <a:r>
+              <a:rPr lang="en" altLang="zh-CN" b="0" dirty="0">
+                <a:solidFill>
+                  <a:srgbClr val="3B3B3B"/>
+                </a:solidFill>
+                <a:effectLst/>
+                <a:latin typeface="Menlo" panose="020B0609030804020204" pitchFamily="49" charset="0"/>
+              </a:rPr>
+              <a:t>, </a:t>
+            </a:r>
+            <a:r>
+              <a:rPr lang="en" altLang="zh-CN" b="0" dirty="0">
+                <a:solidFill>
+                  <a:srgbClr val="0070C1"/>
+                </a:solidFill>
+                <a:effectLst/>
+                <a:latin typeface="Menlo" panose="020B0609030804020204" pitchFamily="49" charset="0"/>
+              </a:rPr>
+              <a:t>Medium</a:t>
+            </a:r>
+            <a:r>
+              <a:rPr lang="en" altLang="zh-CN" b="0" dirty="0">
+                <a:solidFill>
+                  <a:srgbClr val="3B3B3B"/>
+                </a:solidFill>
+                <a:effectLst/>
+                <a:latin typeface="Menlo" panose="020B0609030804020204" pitchFamily="49" charset="0"/>
+              </a:rPr>
+              <a:t>, </a:t>
+            </a:r>
+            <a:r>
+              <a:rPr lang="en" altLang="zh-CN" b="0" dirty="0">
+                <a:solidFill>
+                  <a:srgbClr val="0070C1"/>
+                </a:solidFill>
+                <a:effectLst/>
+                <a:latin typeface="Menlo" panose="020B0609030804020204" pitchFamily="49" charset="0"/>
+              </a:rPr>
+              <a:t>Large</a:t>
+            </a:r>
+            <a:r>
+              <a:rPr lang="en" altLang="zh-CN" b="0" dirty="0">
+                <a:solidFill>
+                  <a:srgbClr val="3B3B3B"/>
+                </a:solidFill>
+                <a:effectLst/>
+                <a:latin typeface="Menlo" panose="020B0609030804020204" pitchFamily="49" charset="0"/>
+              </a:rPr>
+              <a:t>};</a:t>
+            </a:r>
+          </a:p>
+        </p:txBody>
+      </p:sp>
+      <p:sp>
+        <p:nvSpPr>
+          <p:cNvPr id="15" name="文本框 14">
+            <a:extLst>
+              <a:ext uri="{FF2B5EF4-FFF2-40B4-BE49-F238E27FC236}">
+                <a16:creationId xmlns:a16="http://schemas.microsoft.com/office/drawing/2014/main" id="{7B751646-44ED-7F46-9544-842CC5A17DB2}"/>
+              </a:ext>
+            </a:extLst>
+          </p:cNvPr>
+          <p:cNvSpPr txBox="1"/>
+          <p:nvPr/>
+        </p:nvSpPr>
+        <p:spPr>
+          <a:xfrm>
+            <a:off x="374462" y="562451"/>
+            <a:ext cx="2781531" cy="369332"/>
+          </a:xfrm>
+          <a:prstGeom prst="rect">
+            <a:avLst/>
+          </a:prstGeom>
+          <a:noFill/>
+        </p:spPr>
+        <p:txBody>
+          <a:bodyPr wrap="none" rtlCol="0">
+            <a:spAutoFit/>
+          </a:bodyPr>
+          <a:lstStyle/>
+          <a:p>
+            <a:pPr marL="285750" indent="-285750">
+              <a:buFont typeface="Wingdings" pitchFamily="2" charset="2"/>
+              <a:buChar char="Ø"/>
+            </a:pPr>
+            <a:r>
+              <a:rPr kumimoji="1" lang="zh-CN" altLang="en-US" dirty="0">
+                <a:latin typeface="Optima" panose="02000503060000020004" pitchFamily="2" charset="0"/>
+                <a:ea typeface="KaiTi" panose="02010609060101010101" pitchFamily="49" charset="-122"/>
+              </a:rPr>
+              <a:t>相同枚举量，产生冲突</a:t>
+            </a:r>
+          </a:p>
+        </p:txBody>
+      </p:sp>
+      <p:sp>
+        <p:nvSpPr>
+          <p:cNvPr id="16" name="文本框 15">
+            <a:extLst>
+              <a:ext uri="{FF2B5EF4-FFF2-40B4-BE49-F238E27FC236}">
+                <a16:creationId xmlns:a16="http://schemas.microsoft.com/office/drawing/2014/main" id="{92789800-210E-8646-9C09-73D1AD9197A8}"/>
+              </a:ext>
+            </a:extLst>
+          </p:cNvPr>
+          <p:cNvSpPr txBox="1"/>
+          <p:nvPr/>
+        </p:nvSpPr>
+        <p:spPr>
+          <a:xfrm>
+            <a:off x="374461" y="1688147"/>
+            <a:ext cx="5538696" cy="369332"/>
+          </a:xfrm>
+          <a:prstGeom prst="rect">
+            <a:avLst/>
+          </a:prstGeom>
+          <a:noFill/>
+        </p:spPr>
+        <p:txBody>
+          <a:bodyPr wrap="none" rtlCol="0">
+            <a:spAutoFit/>
+          </a:bodyPr>
+          <a:lstStyle/>
+          <a:p>
+            <a:pPr marL="285750" indent="-285750">
+              <a:buFont typeface="Wingdings" pitchFamily="2" charset="2"/>
+              <a:buChar char="Ø"/>
+            </a:pPr>
+            <a:r>
+              <a:rPr kumimoji="1" lang="zh-CN" altLang="en-US" dirty="0">
+                <a:latin typeface="Optima" panose="02000503060000020004" pitchFamily="2" charset="0"/>
+                <a:ea typeface="KaiTi" panose="02010609060101010101" pitchFamily="49" charset="-122"/>
+              </a:rPr>
+              <a:t>类作用域枚举，解决冲突，</a:t>
+            </a:r>
+            <a:r>
+              <a:rPr kumimoji="1" lang="en-US" altLang="zh-CN" dirty="0">
+                <a:latin typeface="Optima" panose="02000503060000020004" pitchFamily="2" charset="0"/>
+                <a:ea typeface="KaiTi" panose="02010609060101010101" pitchFamily="49" charset="-122"/>
+              </a:rPr>
+              <a:t>struct </a:t>
+            </a:r>
+            <a:r>
+              <a:rPr kumimoji="1" lang="zh-CN" altLang="en-US" dirty="0">
+                <a:latin typeface="Optima" panose="02000503060000020004" pitchFamily="2" charset="0"/>
+                <a:ea typeface="KaiTi" panose="02010609060101010101" pitchFamily="49" charset="-122"/>
+              </a:rPr>
+              <a:t>和</a:t>
+            </a:r>
+            <a:r>
+              <a:rPr kumimoji="1" lang="en-US" altLang="zh-CN" dirty="0">
+                <a:latin typeface="Optima" panose="02000503060000020004" pitchFamily="2" charset="0"/>
+                <a:ea typeface="KaiTi" panose="02010609060101010101" pitchFamily="49" charset="-122"/>
+              </a:rPr>
+              <a:t> class </a:t>
+            </a:r>
+            <a:r>
+              <a:rPr kumimoji="1" lang="zh-CN" altLang="en-US" dirty="0">
+                <a:latin typeface="Optima" panose="02000503060000020004" pitchFamily="2" charset="0"/>
+                <a:ea typeface="KaiTi" panose="02010609060101010101" pitchFamily="49" charset="-122"/>
+              </a:rPr>
+              <a:t>都可以</a:t>
+            </a:r>
+          </a:p>
+        </p:txBody>
+      </p:sp>
+      <p:sp>
+        <p:nvSpPr>
+          <p:cNvPr id="17" name="文本框 16">
+            <a:extLst>
+              <a:ext uri="{FF2B5EF4-FFF2-40B4-BE49-F238E27FC236}">
+                <a16:creationId xmlns:a16="http://schemas.microsoft.com/office/drawing/2014/main" id="{A0993595-87D0-6240-B03E-1326146F795D}"/>
+              </a:ext>
+            </a:extLst>
+          </p:cNvPr>
+          <p:cNvSpPr txBox="1"/>
+          <p:nvPr/>
+        </p:nvSpPr>
+        <p:spPr>
+          <a:xfrm>
+            <a:off x="374461" y="3351736"/>
+            <a:ext cx="8321509" cy="369332"/>
+          </a:xfrm>
+          <a:prstGeom prst="rect">
+            <a:avLst/>
+          </a:prstGeom>
+          <a:noFill/>
+        </p:spPr>
+        <p:txBody>
+          <a:bodyPr wrap="none" rtlCol="0">
+            <a:spAutoFit/>
+          </a:bodyPr>
+          <a:lstStyle/>
+          <a:p>
+            <a:pPr marL="285750" indent="-285750">
+              <a:buFont typeface="Wingdings" pitchFamily="2" charset="2"/>
+              <a:buChar char="Ø"/>
+            </a:pPr>
+            <a:r>
+              <a:rPr kumimoji="1" lang="zh-CN" altLang="en-US" dirty="0">
+                <a:latin typeface="Optima" panose="02000503060000020004" pitchFamily="2" charset="0"/>
+                <a:ea typeface="KaiTi" panose="02010609060101010101" pitchFamily="49" charset="-122"/>
+              </a:rPr>
+              <a:t>常规枚举会自动类型转换，而类作用域枚举不会隐式转换类型，必须显示转换</a:t>
+            </a:r>
+          </a:p>
+        </p:txBody>
+      </p:sp>
+      <p:sp>
+        <p:nvSpPr>
+          <p:cNvPr id="18" name="文本框 17">
+            <a:extLst>
+              <a:ext uri="{FF2B5EF4-FFF2-40B4-BE49-F238E27FC236}">
+                <a16:creationId xmlns:a16="http://schemas.microsoft.com/office/drawing/2014/main" id="{39869622-D2A6-2E45-9D3D-1BAB224BB551}"/>
+              </a:ext>
+            </a:extLst>
+          </p:cNvPr>
+          <p:cNvSpPr txBox="1"/>
+          <p:nvPr/>
+        </p:nvSpPr>
+        <p:spPr>
+          <a:xfrm>
+            <a:off x="374461" y="6062322"/>
+            <a:ext cx="1858201" cy="369332"/>
+          </a:xfrm>
+          <a:prstGeom prst="rect">
+            <a:avLst/>
+          </a:prstGeom>
+          <a:noFill/>
+        </p:spPr>
+        <p:txBody>
+          <a:bodyPr wrap="none" rtlCol="0">
+            <a:spAutoFit/>
+          </a:bodyPr>
+          <a:lstStyle/>
+          <a:p>
+            <a:pPr marL="285750" indent="-285750">
+              <a:buFont typeface="Wingdings" pitchFamily="2" charset="2"/>
+              <a:buChar char="Ø"/>
+            </a:pPr>
+            <a:r>
+              <a:rPr kumimoji="1" lang="zh-CN" altLang="en-US" dirty="0">
+                <a:latin typeface="Optima" panose="02000503060000020004" pitchFamily="2" charset="0"/>
+                <a:ea typeface="KaiTi" panose="02010609060101010101" pitchFamily="49" charset="-122"/>
+              </a:rPr>
+              <a:t>指定底层类型</a:t>
+            </a:r>
+          </a:p>
+        </p:txBody>
+      </p:sp>
     </p:spTree>
     <p:extLst>
       <p:ext uri="{BB962C8B-B14F-4D97-AF65-F5344CB8AC3E}">
         <p14:creationId xmlns:p14="http://schemas.microsoft.com/office/powerpoint/2010/main" val="1784006431"/>
+      </p:ext>
+    </p:extLst>
+  </p:cSld>
+  <p:clrMapOvr>
+    <a:masterClrMapping/>
+  </p:clrMapOvr>
+</p:sld>
+</file>
+
+<file path=ppt/slides/slide55.xml><?xml version="1.0" encoding="utf-8"?>
+<p:sld xmlns:a="http://schemas.openxmlformats.org/drawingml/2006/main" xmlns:r="http://schemas.openxmlformats.org/officeDocument/2006/relationships" xmlns:p="http://schemas.openxmlformats.org/presentationml/2006/main">
+  <p:cSld>
+    <p:spTree>
+      <p:nvGrpSpPr>
+        <p:cNvPr id="1" name=""/>
+        <p:cNvGrpSpPr/>
+        <p:nvPr/>
+      </p:nvGrpSpPr>
+      <p:grpSpPr>
+        <a:xfrm>
+          <a:off x="0" y="0"/>
+          <a:ext cx="0" cy="0"/>
+          <a:chOff x="0" y="0"/>
+          <a:chExt cx="0" cy="0"/>
+        </a:xfrm>
+      </p:grpSpPr>
+      <p:sp>
+        <p:nvSpPr>
+          <p:cNvPr id="4" name="文本框 3">
+            <a:extLst>
+              <a:ext uri="{FF2B5EF4-FFF2-40B4-BE49-F238E27FC236}">
+                <a16:creationId xmlns:a16="http://schemas.microsoft.com/office/drawing/2014/main" id="{7A898054-C248-9F48-A485-2703C392A371}"/>
+              </a:ext>
+            </a:extLst>
+          </p:cNvPr>
+          <p:cNvSpPr txBox="1"/>
+          <p:nvPr/>
+        </p:nvSpPr>
+        <p:spPr>
+          <a:xfrm>
+            <a:off x="0" y="0"/>
+            <a:ext cx="1794209" cy="523220"/>
+          </a:xfrm>
+          <a:prstGeom prst="rect">
+            <a:avLst/>
+          </a:prstGeom>
+          <a:noFill/>
+        </p:spPr>
+        <p:txBody>
+          <a:bodyPr wrap="none" rtlCol="0">
+            <a:spAutoFit/>
+          </a:bodyPr>
+          <a:lstStyle/>
+          <a:p>
+            <a:r>
+              <a:rPr kumimoji="1" lang="en-US" altLang="zh-CN" sz="2800" dirty="0">
+                <a:latin typeface="Optima" panose="02000503060000020004" pitchFamily="2" charset="0"/>
+                <a:ea typeface="KaiTi" panose="02010609060101010101" pitchFamily="49" charset="-122"/>
+              </a:rPr>
+              <a:t>ADT-Stack</a:t>
+            </a:r>
+            <a:endParaRPr kumimoji="1" lang="zh-CN" altLang="en-US" sz="2800" dirty="0">
+              <a:latin typeface="Optima" panose="02000503060000020004" pitchFamily="2" charset="0"/>
+              <a:ea typeface="KaiTi" panose="02010609060101010101" pitchFamily="49" charset="-122"/>
+            </a:endParaRPr>
+          </a:p>
+        </p:txBody>
+      </p:sp>
+      <p:sp>
+        <p:nvSpPr>
+          <p:cNvPr id="5" name="文本框 4">
+            <a:extLst>
+              <a:ext uri="{FF2B5EF4-FFF2-40B4-BE49-F238E27FC236}">
+                <a16:creationId xmlns:a16="http://schemas.microsoft.com/office/drawing/2014/main" id="{5E8D55CF-2245-684E-9DD5-80A37F3363D2}"/>
+              </a:ext>
+            </a:extLst>
+          </p:cNvPr>
+          <p:cNvSpPr txBox="1"/>
+          <p:nvPr/>
+        </p:nvSpPr>
+        <p:spPr>
+          <a:xfrm>
+            <a:off x="1916349" y="76944"/>
+            <a:ext cx="5875506" cy="369332"/>
+          </a:xfrm>
+          <a:prstGeom prst="rect">
+            <a:avLst/>
+          </a:prstGeom>
+          <a:noFill/>
+        </p:spPr>
+        <p:txBody>
+          <a:bodyPr wrap="square">
+            <a:spAutoFit/>
+          </a:bodyPr>
+          <a:lstStyle/>
+          <a:p>
+            <a:r>
+              <a:rPr lang="en-US" altLang="zh-CN" b="1" dirty="0" err="1">
+                <a:highlight>
+                  <a:srgbClr val="FFFF00"/>
+                </a:highlight>
+                <a:latin typeface="Optima" panose="02000503060000020004" pitchFamily="2" charset="0"/>
+              </a:rPr>
+              <a:t>mystack.h</a:t>
+            </a:r>
+            <a:r>
+              <a:rPr lang="zh-CN" altLang="en-US" b="1" dirty="0">
+                <a:latin typeface="Optima" panose="02000503060000020004" pitchFamily="2" charset="0"/>
+              </a:rPr>
+              <a:t> </a:t>
+            </a:r>
+            <a:r>
+              <a:rPr lang="en-US" altLang="zh-CN" b="1" dirty="0">
+                <a:latin typeface="Optima" panose="02000503060000020004" pitchFamily="2" charset="0"/>
+              </a:rPr>
+              <a:t>	</a:t>
+            </a:r>
+            <a:r>
+              <a:rPr lang="en-US" altLang="zh-CN" b="1" dirty="0" err="1">
+                <a:highlight>
+                  <a:srgbClr val="FFFF00"/>
+                </a:highlight>
+                <a:latin typeface="Optima" panose="02000503060000020004" pitchFamily="2" charset="0"/>
+              </a:rPr>
+              <a:t>mystack.cpp</a:t>
+            </a:r>
+            <a:r>
+              <a:rPr lang="en-US" altLang="zh-CN" b="1" dirty="0">
+                <a:latin typeface="Optima" panose="02000503060000020004" pitchFamily="2" charset="0"/>
+              </a:rPr>
+              <a:t>	</a:t>
+            </a:r>
+            <a:r>
+              <a:rPr lang="en-US" altLang="zh-CN" b="1" dirty="0" err="1">
+                <a:highlight>
+                  <a:srgbClr val="FFFF00"/>
+                </a:highlight>
+                <a:latin typeface="Optima" panose="02000503060000020004" pitchFamily="2" charset="0"/>
+              </a:rPr>
+              <a:t>stacker.cpp</a:t>
+            </a:r>
+            <a:endParaRPr lang="zh-CN" altLang="en-US" b="1" dirty="0">
+              <a:highlight>
+                <a:srgbClr val="FFFF00"/>
+              </a:highlight>
+              <a:latin typeface="Optima" panose="02000503060000020004" pitchFamily="2" charset="0"/>
+            </a:endParaRPr>
+          </a:p>
+        </p:txBody>
+      </p:sp>
+    </p:spTree>
+    <p:extLst>
+      <p:ext uri="{BB962C8B-B14F-4D97-AF65-F5344CB8AC3E}">
+        <p14:creationId xmlns:p14="http://schemas.microsoft.com/office/powerpoint/2010/main" val="2644704207"/>
+      </p:ext>
+    </p:extLst>
+  </p:cSld>
+  <p:clrMapOvr>
+    <a:masterClrMapping/>
+  </p:clrMapOvr>
+</p:sld>
+</file>
+
+<file path=ppt/slides/slide56.xml><?xml version="1.0" encoding="utf-8"?>
+<p:sld xmlns:a="http://schemas.openxmlformats.org/drawingml/2006/main" xmlns:r="http://schemas.openxmlformats.org/officeDocument/2006/relationships" xmlns:p="http://schemas.openxmlformats.org/presentationml/2006/main">
+  <p:cSld>
+    <p:spTree>
+      <p:nvGrpSpPr>
+        <p:cNvPr id="1" name=""/>
+        <p:cNvGrpSpPr/>
+        <p:nvPr/>
+      </p:nvGrpSpPr>
+      <p:grpSpPr>
+        <a:xfrm>
+          <a:off x="0" y="0"/>
+          <a:ext cx="0" cy="0"/>
+          <a:chOff x="0" y="0"/>
+          <a:chExt cx="0" cy="0"/>
+        </a:xfrm>
+      </p:grpSpPr>
+    </p:spTree>
+    <p:extLst>
+      <p:ext uri="{BB962C8B-B14F-4D97-AF65-F5344CB8AC3E}">
+        <p14:creationId xmlns:p14="http://schemas.microsoft.com/office/powerpoint/2010/main" val="1174580560"/>
+      </p:ext>
+    </p:extLst>
+  </p:cSld>
+  <p:clrMapOvr>
+    <a:masterClrMapping/>
+  </p:clrMapOvr>
+</p:sld>
+</file>
+
+<file path=ppt/slides/slide57.xml><?xml version="1.0" encoding="utf-8"?>
+<p:sld xmlns:a="http://schemas.openxmlformats.org/drawingml/2006/main" xmlns:r="http://schemas.openxmlformats.org/officeDocument/2006/relationships" xmlns:p="http://schemas.openxmlformats.org/presentationml/2006/main">
+  <p:cSld>
+    <p:spTree>
+      <p:nvGrpSpPr>
+        <p:cNvPr id="1" name=""/>
+        <p:cNvGrpSpPr/>
+        <p:nvPr/>
+      </p:nvGrpSpPr>
+      <p:grpSpPr>
+        <a:xfrm>
+          <a:off x="0" y="0"/>
+          <a:ext cx="0" cy="0"/>
+          <a:chOff x="0" y="0"/>
+          <a:chExt cx="0" cy="0"/>
+        </a:xfrm>
+      </p:grpSpPr>
+    </p:spTree>
+    <p:extLst>
+      <p:ext uri="{BB962C8B-B14F-4D97-AF65-F5344CB8AC3E}">
+        <p14:creationId xmlns:p14="http://schemas.microsoft.com/office/powerpoint/2010/main" val="2186669801"/>
+      </p:ext>
+    </p:extLst>
+  </p:cSld>
+  <p:clrMapOvr>
+    <a:masterClrMapping/>
+  </p:clrMapOvr>
+</p:sld>
+</file>
+
+<file path=ppt/slides/slide58.xml><?xml version="1.0" encoding="utf-8"?>
+<p:sld xmlns:a="http://schemas.openxmlformats.org/drawingml/2006/main" xmlns:r="http://schemas.openxmlformats.org/officeDocument/2006/relationships" xmlns:p="http://schemas.openxmlformats.org/presentationml/2006/main">
+  <p:cSld>
+    <p:spTree>
+      <p:nvGrpSpPr>
+        <p:cNvPr id="1" name=""/>
+        <p:cNvGrpSpPr/>
+        <p:nvPr/>
+      </p:nvGrpSpPr>
+      <p:grpSpPr>
+        <a:xfrm>
+          <a:off x="0" y="0"/>
+          <a:ext cx="0" cy="0"/>
+          <a:chOff x="0" y="0"/>
+          <a:chExt cx="0" cy="0"/>
+        </a:xfrm>
+      </p:grpSpPr>
+    </p:spTree>
+    <p:extLst>
+      <p:ext uri="{BB962C8B-B14F-4D97-AF65-F5344CB8AC3E}">
+        <p14:creationId xmlns:p14="http://schemas.microsoft.com/office/powerpoint/2010/main" val="567384514"/>
+      </p:ext>
+    </p:extLst>
+  </p:cSld>
+  <p:clrMapOvr>
+    <a:masterClrMapping/>
+  </p:clrMapOvr>
+</p:sld>
+</file>
+
+<file path=ppt/slides/slide59.xml><?xml version="1.0" encoding="utf-8"?>
+<p:sld xmlns:a="http://schemas.openxmlformats.org/drawingml/2006/main" xmlns:r="http://schemas.openxmlformats.org/officeDocument/2006/relationships" xmlns:p="http://schemas.openxmlformats.org/presentationml/2006/main">
+  <p:cSld>
+    <p:spTree>
+      <p:nvGrpSpPr>
+        <p:cNvPr id="1" name=""/>
+        <p:cNvGrpSpPr/>
+        <p:nvPr/>
+      </p:nvGrpSpPr>
+      <p:grpSpPr>
+        <a:xfrm>
+          <a:off x="0" y="0"/>
+          <a:ext cx="0" cy="0"/>
+          <a:chOff x="0" y="0"/>
+          <a:chExt cx="0" cy="0"/>
+        </a:xfrm>
+      </p:grpSpPr>
+    </p:spTree>
+    <p:extLst>
+      <p:ext uri="{BB962C8B-B14F-4D97-AF65-F5344CB8AC3E}">
+        <p14:creationId xmlns:p14="http://schemas.microsoft.com/office/powerpoint/2010/main" val="548743912"/>
       </p:ext>
     </p:extLst>
   </p:cSld>
@@ -33383,6 +39588,96 @@
 </p:sld>
 </file>
 
+<file path=ppt/slides/slide60.xml><?xml version="1.0" encoding="utf-8"?>
+<p:sld xmlns:a="http://schemas.openxmlformats.org/drawingml/2006/main" xmlns:r="http://schemas.openxmlformats.org/officeDocument/2006/relationships" xmlns:p="http://schemas.openxmlformats.org/presentationml/2006/main">
+  <p:cSld>
+    <p:spTree>
+      <p:nvGrpSpPr>
+        <p:cNvPr id="1" name=""/>
+        <p:cNvGrpSpPr/>
+        <p:nvPr/>
+      </p:nvGrpSpPr>
+      <p:grpSpPr>
+        <a:xfrm>
+          <a:off x="0" y="0"/>
+          <a:ext cx="0" cy="0"/>
+          <a:chOff x="0" y="0"/>
+          <a:chExt cx="0" cy="0"/>
+        </a:xfrm>
+      </p:grpSpPr>
+    </p:spTree>
+    <p:extLst>
+      <p:ext uri="{BB962C8B-B14F-4D97-AF65-F5344CB8AC3E}">
+        <p14:creationId xmlns:p14="http://schemas.microsoft.com/office/powerpoint/2010/main" val="3793991163"/>
+      </p:ext>
+    </p:extLst>
+  </p:cSld>
+  <p:clrMapOvr>
+    <a:masterClrMapping/>
+  </p:clrMapOvr>
+</p:sld>
+</file>
+
+<file path=ppt/slides/slide61.xml><?xml version="1.0" encoding="utf-8"?>
+<p:sld xmlns:a="http://schemas.openxmlformats.org/drawingml/2006/main" xmlns:r="http://schemas.openxmlformats.org/officeDocument/2006/relationships" xmlns:p="http://schemas.openxmlformats.org/presentationml/2006/main">
+  <p:cSld>
+    <p:spTree>
+      <p:nvGrpSpPr>
+        <p:cNvPr id="1" name=""/>
+        <p:cNvGrpSpPr/>
+        <p:nvPr/>
+      </p:nvGrpSpPr>
+      <p:grpSpPr>
+        <a:xfrm>
+          <a:off x="0" y="0"/>
+          <a:ext cx="0" cy="0"/>
+          <a:chOff x="0" y="0"/>
+          <a:chExt cx="0" cy="0"/>
+        </a:xfrm>
+      </p:grpSpPr>
+    </p:spTree>
+    <p:extLst>
+      <p:ext uri="{BB962C8B-B14F-4D97-AF65-F5344CB8AC3E}">
+        <p14:creationId xmlns:p14="http://schemas.microsoft.com/office/powerpoint/2010/main" val="1441556771"/>
+      </p:ext>
+    </p:extLst>
+  </p:cSld>
+  <p:clrMapOvr>
+    <a:masterClrMapping/>
+  </p:clrMapOvr>
+</p:sld>
+</file>
+
+<file path=ppt/slides/slide62.xml><?xml version="1.0" encoding="utf-8"?>
+<p:sld xmlns:a="http://schemas.openxmlformats.org/drawingml/2006/main" xmlns:r="http://schemas.openxmlformats.org/officeDocument/2006/relationships" xmlns:p="http://schemas.openxmlformats.org/presentationml/2006/main">
+  <p:cSld>
+    <p:spTree>
+      <p:nvGrpSpPr>
+        <p:cNvPr id="1" name=""/>
+        <p:cNvGrpSpPr/>
+        <p:nvPr/>
+      </p:nvGrpSpPr>
+      <p:grpSpPr>
+        <a:xfrm>
+          <a:off x="0" y="0"/>
+          <a:ext cx="0" cy="0"/>
+          <a:chOff x="0" y="0"/>
+          <a:chExt cx="0" cy="0"/>
+        </a:xfrm>
+      </p:grpSpPr>
+    </p:spTree>
+    <p:extLst>
+      <p:ext uri="{BB962C8B-B14F-4D97-AF65-F5344CB8AC3E}">
+        <p14:creationId xmlns:p14="http://schemas.microsoft.com/office/powerpoint/2010/main" val="3160057662"/>
+      </p:ext>
+    </p:extLst>
+  </p:cSld>
+  <p:clrMapOvr>
+    <a:masterClrMapping/>
+  </p:clrMapOvr>
+</p:sld>
+</file>
+
 <file path=ppt/slides/slide7.xml><?xml version="1.0" encoding="utf-8"?>
 <p:sld xmlns:a="http://schemas.openxmlformats.org/drawingml/2006/main" xmlns:r="http://schemas.openxmlformats.org/officeDocument/2006/relationships" xmlns:p="http://schemas.openxmlformats.org/presentationml/2006/main">
   <p:cSld>

--- a/C++ Primer Plus.pptx
+++ b/C++ Primer Plus.pptx
@@ -31270,7 +31270,7 @@
         <p:spPr>
           <a:xfrm>
             <a:off x="515566" y="1050587"/>
-            <a:ext cx="11430000" cy="3477875"/>
+            <a:ext cx="11430000" cy="4093428"/>
           </a:xfrm>
           <a:prstGeom prst="rect">
             <a:avLst/>
@@ -31490,6 +31490,44 @@
               </a:rPr>
               <a:t>可以将内联定义放在定义类的头文件中</a:t>
             </a:r>
+            <a:endParaRPr kumimoji="1" lang="en-US" altLang="zh-CN" sz="2000" dirty="0">
+              <a:latin typeface="Optima" panose="02000503060000020004" pitchFamily="2" charset="0"/>
+              <a:ea typeface="KaiTi" panose="02010609060101010101" pitchFamily="49" charset="-122"/>
+            </a:endParaRPr>
+          </a:p>
+          <a:p>
+            <a:pPr marL="342900" indent="-342900">
+              <a:buFont typeface="Wingdings" pitchFamily="2" charset="2"/>
+              <a:buChar char="Ø"/>
+            </a:pPr>
+            <a:endParaRPr kumimoji="1" lang="en-US" altLang="zh-CN" sz="2000" dirty="0">
+              <a:latin typeface="Optima" panose="02000503060000020004" pitchFamily="2" charset="0"/>
+              <a:ea typeface="KaiTi" panose="02010609060101010101" pitchFamily="49" charset="-122"/>
+            </a:endParaRPr>
+          </a:p>
+          <a:p>
+            <a:pPr marL="342900" indent="-342900">
+              <a:buFont typeface="Wingdings" pitchFamily="2" charset="2"/>
+              <a:buChar char="Ø"/>
+            </a:pPr>
+            <a:r>
+              <a:rPr kumimoji="1" lang="zh-CN" altLang="en-US" sz="2000" dirty="0">
+                <a:latin typeface="Optima" panose="02000503060000020004" pitchFamily="2" charset="0"/>
+                <a:ea typeface="KaiTi" panose="02010609060101010101" pitchFamily="49" charset="-122"/>
+              </a:rPr>
+              <a:t>如果声明中有默认参数，在定义中不</a:t>
+            </a:r>
+            <a:r>
+              <a:rPr kumimoji="1" lang="zh-CN" altLang="en-US" sz="2000">
+                <a:latin typeface="Optima" panose="02000503060000020004" pitchFamily="2" charset="0"/>
+                <a:ea typeface="KaiTi" panose="02010609060101010101" pitchFamily="49" charset="-122"/>
+              </a:rPr>
+              <a:t>需要写默认参数</a:t>
+            </a:r>
+            <a:endParaRPr kumimoji="1" lang="zh-CN" altLang="en-US" sz="2000" dirty="0">
+              <a:latin typeface="Optima" panose="02000503060000020004" pitchFamily="2" charset="0"/>
+              <a:ea typeface="KaiTi" panose="02010609060101010101" pitchFamily="49" charset="-122"/>
+            </a:endParaRPr>
           </a:p>
         </p:txBody>
       </p:sp>

--- a/C++ Primer Plus.pptx
+++ b/C++ Primer Plus.pptx
@@ -62,11 +62,26 @@
     <p:sldId id="311" r:id="rId56"/>
     <p:sldId id="312" r:id="rId57"/>
     <p:sldId id="313" r:id="rId58"/>
-    <p:sldId id="314" r:id="rId59"/>
-    <p:sldId id="315" r:id="rId60"/>
-    <p:sldId id="316" r:id="rId61"/>
-    <p:sldId id="317" r:id="rId62"/>
-    <p:sldId id="318" r:id="rId63"/>
+    <p:sldId id="319" r:id="rId59"/>
+    <p:sldId id="314" r:id="rId60"/>
+    <p:sldId id="320" r:id="rId61"/>
+    <p:sldId id="321" r:id="rId62"/>
+    <p:sldId id="322" r:id="rId63"/>
+    <p:sldId id="323" r:id="rId64"/>
+    <p:sldId id="324" r:id="rId65"/>
+    <p:sldId id="325" r:id="rId66"/>
+    <p:sldId id="326" r:id="rId67"/>
+    <p:sldId id="327" r:id="rId68"/>
+    <p:sldId id="328" r:id="rId69"/>
+    <p:sldId id="329" r:id="rId70"/>
+    <p:sldId id="330" r:id="rId71"/>
+    <p:sldId id="331" r:id="rId72"/>
+    <p:sldId id="332" r:id="rId73"/>
+    <p:sldId id="333" r:id="rId74"/>
+    <p:sldId id="315" r:id="rId75"/>
+    <p:sldId id="316" r:id="rId76"/>
+    <p:sldId id="317" r:id="rId77"/>
+    <p:sldId id="318" r:id="rId78"/>
   </p:sldIdLst>
   <p:sldSz cx="12192000" cy="6858000"/>
   <p:notesSz cx="6858000" cy="9144000"/>
@@ -304,7 +319,7 @@
           <a:p>
             <a:fld id="{846CE7D5-CF57-46EF-B807-FDD0502418D4}" type="datetimeFigureOut">
               <a:rPr lang="en-US" smtClean="0"/>
-              <a:t>8/11/23</a:t>
+              <a:t>8/12/23</a:t>
             </a:fld>
             <a:endParaRPr lang="en-US"/>
           </a:p>
@@ -474,7 +489,7 @@
           <a:p>
             <a:fld id="{846CE7D5-CF57-46EF-B807-FDD0502418D4}" type="datetimeFigureOut">
               <a:rPr lang="en-US" smtClean="0"/>
-              <a:t>8/11/23</a:t>
+              <a:t>8/12/23</a:t>
             </a:fld>
             <a:endParaRPr lang="en-US"/>
           </a:p>
@@ -654,7 +669,7 @@
           <a:p>
             <a:fld id="{846CE7D5-CF57-46EF-B807-FDD0502418D4}" type="datetimeFigureOut">
               <a:rPr lang="en-US" smtClean="0"/>
-              <a:t>8/11/23</a:t>
+              <a:t>8/12/23</a:t>
             </a:fld>
             <a:endParaRPr lang="en-US"/>
           </a:p>
@@ -824,7 +839,7 @@
           <a:p>
             <a:fld id="{846CE7D5-CF57-46EF-B807-FDD0502418D4}" type="datetimeFigureOut">
               <a:rPr lang="en-US" smtClean="0"/>
-              <a:t>8/11/23</a:t>
+              <a:t>8/12/23</a:t>
             </a:fld>
             <a:endParaRPr lang="en-US"/>
           </a:p>
@@ -1070,7 +1085,7 @@
           <a:p>
             <a:fld id="{846CE7D5-CF57-46EF-B807-FDD0502418D4}" type="datetimeFigureOut">
               <a:rPr lang="en-US" smtClean="0"/>
-              <a:t>8/11/23</a:t>
+              <a:t>8/12/23</a:t>
             </a:fld>
             <a:endParaRPr lang="en-US"/>
           </a:p>
@@ -1302,7 +1317,7 @@
           <a:p>
             <a:fld id="{846CE7D5-CF57-46EF-B807-FDD0502418D4}" type="datetimeFigureOut">
               <a:rPr lang="en-US" smtClean="0"/>
-              <a:t>8/11/23</a:t>
+              <a:t>8/12/23</a:t>
             </a:fld>
             <a:endParaRPr lang="en-US"/>
           </a:p>
@@ -1669,7 +1684,7 @@
           <a:p>
             <a:fld id="{846CE7D5-CF57-46EF-B807-FDD0502418D4}" type="datetimeFigureOut">
               <a:rPr lang="en-US" smtClean="0"/>
-              <a:t>8/11/23</a:t>
+              <a:t>8/12/23</a:t>
             </a:fld>
             <a:endParaRPr lang="en-US"/>
           </a:p>
@@ -1787,7 +1802,7 @@
           <a:p>
             <a:fld id="{846CE7D5-CF57-46EF-B807-FDD0502418D4}" type="datetimeFigureOut">
               <a:rPr lang="en-US" smtClean="0"/>
-              <a:t>8/11/23</a:t>
+              <a:t>8/12/23</a:t>
             </a:fld>
             <a:endParaRPr lang="en-US"/>
           </a:p>
@@ -1882,7 +1897,7 @@
           <a:p>
             <a:fld id="{846CE7D5-CF57-46EF-B807-FDD0502418D4}" type="datetimeFigureOut">
               <a:rPr lang="en-US" smtClean="0"/>
-              <a:t>8/11/23</a:t>
+              <a:t>8/12/23</a:t>
             </a:fld>
             <a:endParaRPr lang="en-US"/>
           </a:p>
@@ -2159,7 +2174,7 @@
           <a:p>
             <a:fld id="{846CE7D5-CF57-46EF-B807-FDD0502418D4}" type="datetimeFigureOut">
               <a:rPr lang="en-US" smtClean="0"/>
-              <a:t>8/11/23</a:t>
+              <a:t>8/12/23</a:t>
             </a:fld>
             <a:endParaRPr lang="en-US"/>
           </a:p>
@@ -2416,7 +2431,7 @@
           <a:p>
             <a:fld id="{846CE7D5-CF57-46EF-B807-FDD0502418D4}" type="datetimeFigureOut">
               <a:rPr lang="en-US" smtClean="0"/>
-              <a:t>8/11/23</a:t>
+              <a:t>8/12/23</a:t>
             </a:fld>
             <a:endParaRPr lang="en-US"/>
           </a:p>
@@ -2629,7 +2644,7 @@
           <a:p>
             <a:fld id="{846CE7D5-CF57-46EF-B807-FDD0502418D4}" type="datetimeFigureOut">
               <a:rPr lang="en-US" smtClean="0"/>
-              <a:t>8/11/23</a:t>
+              <a:t>8/12/23</a:t>
             </a:fld>
             <a:endParaRPr lang="en-US"/>
           </a:p>
@@ -37958,10 +37973,63 @@
           <a:chExt cx="0" cy="0"/>
         </a:xfrm>
       </p:grpSpPr>
+      <p:sp>
+        <p:nvSpPr>
+          <p:cNvPr id="2" name="文本框 1">
+            <a:extLst>
+              <a:ext uri="{FF2B5EF4-FFF2-40B4-BE49-F238E27FC236}">
+                <a16:creationId xmlns:a16="http://schemas.microsoft.com/office/drawing/2014/main" id="{CE2A75C9-8DCD-494D-9B2E-8A9B6C3E20A6}"/>
+              </a:ext>
+            </a:extLst>
+          </p:cNvPr>
+          <p:cNvSpPr txBox="1"/>
+          <p:nvPr/>
+        </p:nvSpPr>
+        <p:spPr>
+          <a:xfrm>
+            <a:off x="3942205" y="2151727"/>
+            <a:ext cx="4307589" cy="2554545"/>
+          </a:xfrm>
+          <a:prstGeom prst="rect">
+            <a:avLst/>
+          </a:prstGeom>
+          <a:noFill/>
+        </p:spPr>
+        <p:txBody>
+          <a:bodyPr wrap="none" rtlCol="0">
+            <a:spAutoFit/>
+          </a:bodyPr>
+          <a:lstStyle/>
+          <a:p>
+            <a:pPr algn="ctr"/>
+            <a:r>
+              <a:rPr kumimoji="1" lang="zh-CN" altLang="en-US" sz="8000" b="1" dirty="0">
+                <a:latin typeface="KaiTi" panose="02010609060101010101" pitchFamily="49" charset="-122"/>
+                <a:ea typeface="KaiTi" panose="02010609060101010101" pitchFamily="49" charset="-122"/>
+              </a:rPr>
+              <a:t>第十一章</a:t>
+            </a:r>
+            <a:endParaRPr kumimoji="1" lang="en-US" altLang="zh-CN" sz="8000" b="1" dirty="0">
+              <a:latin typeface="KaiTi" panose="02010609060101010101" pitchFamily="49" charset="-122"/>
+              <a:ea typeface="KaiTi" panose="02010609060101010101" pitchFamily="49" charset="-122"/>
+            </a:endParaRPr>
+          </a:p>
+          <a:p>
+            <a:pPr algn="ctr"/>
+            <a:r>
+              <a:rPr kumimoji="1" lang="zh-CN" altLang="en-US" sz="8000" b="1" dirty="0">
+                <a:latin typeface="KaiTi" panose="02010609060101010101" pitchFamily="49" charset="-122"/>
+                <a:ea typeface="KaiTi" panose="02010609060101010101" pitchFamily="49" charset="-122"/>
+              </a:rPr>
+              <a:t>使用类</a:t>
+            </a:r>
+          </a:p>
+        </p:txBody>
+      </p:sp>
     </p:spTree>
     <p:extLst>
       <p:ext uri="{BB962C8B-B14F-4D97-AF65-F5344CB8AC3E}">
-        <p14:creationId xmlns:p14="http://schemas.microsoft.com/office/powerpoint/2010/main" val="567384514"/>
+        <p14:creationId xmlns:p14="http://schemas.microsoft.com/office/powerpoint/2010/main" val="2454386175"/>
       </p:ext>
     </p:extLst>
   </p:cSld>
@@ -37988,10 +38056,129 @@
           <a:chExt cx="0" cy="0"/>
         </a:xfrm>
       </p:grpSpPr>
+      <p:sp>
+        <p:nvSpPr>
+          <p:cNvPr id="2" name="文本框 1">
+            <a:extLst>
+              <a:ext uri="{FF2B5EF4-FFF2-40B4-BE49-F238E27FC236}">
+                <a16:creationId xmlns:a16="http://schemas.microsoft.com/office/drawing/2014/main" id="{50A23D6A-516E-0349-87FE-E92891701C3E}"/>
+              </a:ext>
+            </a:extLst>
+          </p:cNvPr>
+          <p:cNvSpPr txBox="1"/>
+          <p:nvPr/>
+        </p:nvSpPr>
+        <p:spPr>
+          <a:xfrm>
+            <a:off x="0" y="0"/>
+            <a:ext cx="1261884" cy="523220"/>
+          </a:xfrm>
+          <a:prstGeom prst="rect">
+            <a:avLst/>
+          </a:prstGeom>
+          <a:noFill/>
+        </p:spPr>
+        <p:txBody>
+          <a:bodyPr wrap="none" rtlCol="0">
+            <a:spAutoFit/>
+          </a:bodyPr>
+          <a:lstStyle/>
+          <a:p>
+            <a:r>
+              <a:rPr kumimoji="1" lang="zh-CN" altLang="en-US" sz="2800" dirty="0">
+                <a:latin typeface="Optima" panose="02000503060000020004" pitchFamily="2" charset="0"/>
+                <a:ea typeface="KaiTi" panose="02010609060101010101" pitchFamily="49" charset="-122"/>
+              </a:rPr>
+              <a:t>返回值</a:t>
+            </a:r>
+          </a:p>
+        </p:txBody>
+      </p:sp>
+      <p:sp>
+        <p:nvSpPr>
+          <p:cNvPr id="3" name="文本框 2">
+            <a:extLst>
+              <a:ext uri="{FF2B5EF4-FFF2-40B4-BE49-F238E27FC236}">
+                <a16:creationId xmlns:a16="http://schemas.microsoft.com/office/drawing/2014/main" id="{C0BEF613-7736-2A4B-9C18-C1DA2699BF60}"/>
+              </a:ext>
+            </a:extLst>
+          </p:cNvPr>
+          <p:cNvSpPr txBox="1"/>
+          <p:nvPr/>
+        </p:nvSpPr>
+        <p:spPr>
+          <a:xfrm>
+            <a:off x="1916349" y="76944"/>
+            <a:ext cx="2101174" cy="369332"/>
+          </a:xfrm>
+          <a:prstGeom prst="rect">
+            <a:avLst/>
+          </a:prstGeom>
+          <a:noFill/>
+        </p:spPr>
+        <p:txBody>
+          <a:bodyPr wrap="square">
+            <a:spAutoFit/>
+          </a:bodyPr>
+          <a:lstStyle/>
+          <a:p>
+            <a:r>
+              <a:rPr lang="en-US" altLang="zh-CN" b="1" dirty="0">
+                <a:highlight>
+                  <a:srgbClr val="FFFF00"/>
+                </a:highlight>
+                <a:latin typeface="Optima" panose="02000503060000020004" pitchFamily="2" charset="0"/>
+              </a:rPr>
+              <a:t>mytime0.h</a:t>
+            </a:r>
+            <a:endParaRPr lang="zh-CN" altLang="en-US" b="1" dirty="0">
+              <a:highlight>
+                <a:srgbClr val="FFFF00"/>
+              </a:highlight>
+              <a:latin typeface="Optima" panose="02000503060000020004" pitchFamily="2" charset="0"/>
+            </a:endParaRPr>
+          </a:p>
+        </p:txBody>
+      </p:sp>
+      <p:sp>
+        <p:nvSpPr>
+          <p:cNvPr id="4" name="文本框 3">
+            <a:extLst>
+              <a:ext uri="{FF2B5EF4-FFF2-40B4-BE49-F238E27FC236}">
+                <a16:creationId xmlns:a16="http://schemas.microsoft.com/office/drawing/2014/main" id="{D0C25E18-C60A-4A4C-9BA4-FAD7D3EFB63E}"/>
+              </a:ext>
+            </a:extLst>
+          </p:cNvPr>
+          <p:cNvSpPr txBox="1"/>
+          <p:nvPr/>
+        </p:nvSpPr>
+        <p:spPr>
+          <a:xfrm>
+            <a:off x="1429966" y="1381328"/>
+            <a:ext cx="4312399" cy="369332"/>
+          </a:xfrm>
+          <a:prstGeom prst="rect">
+            <a:avLst/>
+          </a:prstGeom>
+          <a:noFill/>
+        </p:spPr>
+        <p:txBody>
+          <a:bodyPr wrap="none" rtlCol="0">
+            <a:spAutoFit/>
+          </a:bodyPr>
+          <a:lstStyle/>
+          <a:p>
+            <a:r>
+              <a:rPr kumimoji="1" lang="zh-CN" altLang="en-US" dirty="0"/>
+              <a:t>不要返回指向局部变量或临时对象的引用</a:t>
+            </a:r>
+          </a:p>
+        </p:txBody>
+      </p:sp>
     </p:spTree>
     <p:extLst>
       <p:ext uri="{BB962C8B-B14F-4D97-AF65-F5344CB8AC3E}">
-        <p14:creationId xmlns:p14="http://schemas.microsoft.com/office/powerpoint/2010/main" val="548743912"/>
+        <p14:creationId xmlns:p14="http://schemas.microsoft.com/office/powerpoint/2010/main" val="567384514"/>
       </p:ext>
     </p:extLst>
   </p:cSld>
@@ -39643,10 +39830,319 @@
           <a:chExt cx="0" cy="0"/>
         </a:xfrm>
       </p:grpSpPr>
+      <p:sp>
+        <p:nvSpPr>
+          <p:cNvPr id="2" name="文本框 1">
+            <a:extLst>
+              <a:ext uri="{FF2B5EF4-FFF2-40B4-BE49-F238E27FC236}">
+                <a16:creationId xmlns:a16="http://schemas.microsoft.com/office/drawing/2014/main" id="{2DA7DC5D-2BA5-4D43-A460-1853D28B5F92}"/>
+              </a:ext>
+            </a:extLst>
+          </p:cNvPr>
+          <p:cNvSpPr txBox="1"/>
+          <p:nvPr/>
+        </p:nvSpPr>
+        <p:spPr>
+          <a:xfrm>
+            <a:off x="0" y="0"/>
+            <a:ext cx="1620957" cy="523220"/>
+          </a:xfrm>
+          <a:prstGeom prst="rect">
+            <a:avLst/>
+          </a:prstGeom>
+          <a:noFill/>
+        </p:spPr>
+        <p:txBody>
+          <a:bodyPr wrap="none" rtlCol="0">
+            <a:spAutoFit/>
+          </a:bodyPr>
+          <a:lstStyle/>
+          <a:p>
+            <a:r>
+              <a:rPr kumimoji="1" lang="zh-CN" altLang="en-US" sz="2800" dirty="0">
+                <a:latin typeface="Optima" panose="02000503060000020004" pitchFamily="2" charset="0"/>
+                <a:ea typeface="KaiTi" panose="02010609060101010101" pitchFamily="49" charset="-122"/>
+              </a:rPr>
+              <a:t>重载限制</a:t>
+            </a:r>
+          </a:p>
+        </p:txBody>
+      </p:sp>
+      <p:sp>
+        <p:nvSpPr>
+          <p:cNvPr id="3" name="文本框 2">
+            <a:extLst>
+              <a:ext uri="{FF2B5EF4-FFF2-40B4-BE49-F238E27FC236}">
+                <a16:creationId xmlns:a16="http://schemas.microsoft.com/office/drawing/2014/main" id="{A47B4FD2-06A2-A644-8102-3A0A6C7A8049}"/>
+              </a:ext>
+            </a:extLst>
+          </p:cNvPr>
+          <p:cNvSpPr txBox="1"/>
+          <p:nvPr/>
+        </p:nvSpPr>
+        <p:spPr>
+          <a:xfrm>
+            <a:off x="810478" y="612842"/>
+            <a:ext cx="9586535" cy="5124736"/>
+          </a:xfrm>
+          <a:prstGeom prst="rect">
+            <a:avLst/>
+          </a:prstGeom>
+          <a:noFill/>
+        </p:spPr>
+        <p:txBody>
+          <a:bodyPr wrap="none" rtlCol="0">
+            <a:spAutoFit/>
+          </a:bodyPr>
+          <a:lstStyle/>
+          <a:p>
+            <a:pPr marL="285750" indent="-285750">
+              <a:lnSpc>
+                <a:spcPct val="150000"/>
+              </a:lnSpc>
+              <a:buFont typeface="Wingdings" pitchFamily="2" charset="2"/>
+              <a:buChar char="Ø"/>
+            </a:pPr>
+            <a:r>
+              <a:rPr kumimoji="1" lang="zh-CN" altLang="en-US" sz="2000" dirty="0">
+                <a:latin typeface="Optima" panose="02000503060000020004" pitchFamily="2" charset="0"/>
+                <a:ea typeface="KaiTi" panose="02010609060101010101" pitchFamily="49" charset="-122"/>
+              </a:rPr>
+              <a:t>重载后的运算符至少有一个操作数是用户定义的类型</a:t>
+            </a:r>
+            <a:endParaRPr kumimoji="1" lang="en-US" altLang="zh-CN" sz="2000" dirty="0">
+              <a:latin typeface="Optima" panose="02000503060000020004" pitchFamily="2" charset="0"/>
+              <a:ea typeface="KaiTi" panose="02010609060101010101" pitchFamily="49" charset="-122"/>
+            </a:endParaRPr>
+          </a:p>
+          <a:p>
+            <a:pPr marL="285750" indent="-285750">
+              <a:lnSpc>
+                <a:spcPct val="150000"/>
+              </a:lnSpc>
+              <a:buFont typeface="Wingdings" pitchFamily="2" charset="2"/>
+              <a:buChar char="Ø"/>
+            </a:pPr>
+            <a:r>
+              <a:rPr kumimoji="1" lang="zh-CN" altLang="en-US" sz="2000" dirty="0">
+                <a:latin typeface="Optima" panose="02000503060000020004" pitchFamily="2" charset="0"/>
+                <a:ea typeface="KaiTi" panose="02010609060101010101" pitchFamily="49" charset="-122"/>
+              </a:rPr>
+              <a:t>不能违反运算符原来的规则、优先级</a:t>
+            </a:r>
+            <a:endParaRPr kumimoji="1" lang="en-US" altLang="zh-CN" sz="2000" dirty="0">
+              <a:latin typeface="Optima" panose="02000503060000020004" pitchFamily="2" charset="0"/>
+              <a:ea typeface="KaiTi" panose="02010609060101010101" pitchFamily="49" charset="-122"/>
+            </a:endParaRPr>
+          </a:p>
+          <a:p>
+            <a:pPr marL="285750" indent="-285750">
+              <a:lnSpc>
+                <a:spcPct val="150000"/>
+              </a:lnSpc>
+              <a:buFont typeface="Wingdings" pitchFamily="2" charset="2"/>
+              <a:buChar char="Ø"/>
+            </a:pPr>
+            <a:r>
+              <a:rPr kumimoji="1" lang="zh-CN" altLang="en-US" sz="2000" dirty="0">
+                <a:latin typeface="Optima" panose="02000503060000020004" pitchFamily="2" charset="0"/>
+                <a:ea typeface="KaiTi" panose="02010609060101010101" pitchFamily="49" charset="-122"/>
+              </a:rPr>
+              <a:t>不能创建新运算符</a:t>
+            </a:r>
+            <a:endParaRPr kumimoji="1" lang="en-US" altLang="zh-CN" sz="2000" dirty="0">
+              <a:latin typeface="Optima" panose="02000503060000020004" pitchFamily="2" charset="0"/>
+              <a:ea typeface="KaiTi" panose="02010609060101010101" pitchFamily="49" charset="-122"/>
+            </a:endParaRPr>
+          </a:p>
+          <a:p>
+            <a:pPr marL="285750" indent="-285750">
+              <a:lnSpc>
+                <a:spcPct val="150000"/>
+              </a:lnSpc>
+              <a:buFont typeface="Wingdings" pitchFamily="2" charset="2"/>
+              <a:buChar char="Ø"/>
+            </a:pPr>
+            <a:r>
+              <a:rPr kumimoji="1" lang="zh-CN" altLang="en-US" sz="2000" dirty="0">
+                <a:latin typeface="Optima" panose="02000503060000020004" pitchFamily="2" charset="0"/>
+                <a:ea typeface="KaiTi" panose="02010609060101010101" pitchFamily="49" charset="-122"/>
+              </a:rPr>
+              <a:t>不能重载下面的运算符</a:t>
+            </a:r>
+            <a:endParaRPr kumimoji="1" lang="en-US" altLang="zh-CN" sz="2000" dirty="0">
+              <a:latin typeface="Optima" panose="02000503060000020004" pitchFamily="2" charset="0"/>
+              <a:ea typeface="KaiTi" panose="02010609060101010101" pitchFamily="49" charset="-122"/>
+            </a:endParaRPr>
+          </a:p>
+          <a:p>
+            <a:pPr marL="742950" lvl="1" indent="-285750">
+              <a:lnSpc>
+                <a:spcPct val="150000"/>
+              </a:lnSpc>
+              <a:buFont typeface="Wingdings" pitchFamily="2" charset="2"/>
+              <a:buChar char="ü"/>
+            </a:pPr>
+            <a:r>
+              <a:rPr kumimoji="1" lang="en-US" altLang="zh-CN" sz="2000" dirty="0" err="1">
+                <a:latin typeface="Optima" panose="02000503060000020004" pitchFamily="2" charset="0"/>
+                <a:ea typeface="KaiTi" panose="02010609060101010101" pitchFamily="49" charset="-122"/>
+              </a:rPr>
+              <a:t>sizeof</a:t>
+            </a:r>
+            <a:r>
+              <a:rPr kumimoji="1" lang="en-US" altLang="zh-CN" sz="2000" dirty="0">
+                <a:latin typeface="Optima" panose="02000503060000020004" pitchFamily="2" charset="0"/>
+                <a:ea typeface="KaiTi" panose="02010609060101010101" pitchFamily="49" charset="-122"/>
+              </a:rPr>
+              <a:t>	.	::	?:	</a:t>
+            </a:r>
+            <a:r>
+              <a:rPr kumimoji="1" lang="en-US" altLang="zh-CN" sz="2000" dirty="0" err="1">
+                <a:latin typeface="Optima" panose="02000503060000020004" pitchFamily="2" charset="0"/>
+                <a:ea typeface="KaiTi" panose="02010609060101010101" pitchFamily="49" charset="-122"/>
+              </a:rPr>
+              <a:t>typeid</a:t>
+            </a:r>
+            <a:r>
+              <a:rPr kumimoji="1" lang="en-US" altLang="zh-CN" sz="2000" dirty="0">
+                <a:latin typeface="Optima" panose="02000503060000020004" pitchFamily="2" charset="0"/>
+                <a:ea typeface="KaiTi" panose="02010609060101010101" pitchFamily="49" charset="-122"/>
+              </a:rPr>
+              <a:t>	</a:t>
+            </a:r>
+            <a:r>
+              <a:rPr kumimoji="1" lang="en-US" altLang="zh-CN" sz="2000" dirty="0" err="1">
+                <a:latin typeface="Optima" panose="02000503060000020004" pitchFamily="2" charset="0"/>
+                <a:ea typeface="KaiTi" panose="02010609060101010101" pitchFamily="49" charset="-122"/>
+              </a:rPr>
+              <a:t>const_cast</a:t>
+            </a:r>
+            <a:r>
+              <a:rPr kumimoji="1" lang="en-US" altLang="zh-CN" sz="2000" dirty="0">
+                <a:latin typeface="Optima" panose="02000503060000020004" pitchFamily="2" charset="0"/>
+                <a:ea typeface="KaiTi" panose="02010609060101010101" pitchFamily="49" charset="-122"/>
+              </a:rPr>
+              <a:t>	</a:t>
+            </a:r>
+            <a:r>
+              <a:rPr kumimoji="1" lang="en-US" altLang="zh-CN" sz="2000" dirty="0" err="1">
+                <a:latin typeface="Optima" panose="02000503060000020004" pitchFamily="2" charset="0"/>
+                <a:ea typeface="KaiTi" panose="02010609060101010101" pitchFamily="49" charset="-122"/>
+              </a:rPr>
+              <a:t>dynamic_cast</a:t>
+            </a:r>
+            <a:r>
+              <a:rPr kumimoji="1" lang="en-US" altLang="zh-CN" sz="2000" dirty="0">
+                <a:latin typeface="Optima" panose="02000503060000020004" pitchFamily="2" charset="0"/>
+                <a:ea typeface="KaiTi" panose="02010609060101010101" pitchFamily="49" charset="-122"/>
+              </a:rPr>
+              <a:t>……</a:t>
+            </a:r>
+          </a:p>
+          <a:p>
+            <a:pPr marL="285750" indent="-285750">
+              <a:lnSpc>
+                <a:spcPct val="150000"/>
+              </a:lnSpc>
+              <a:buFont typeface="Wingdings" pitchFamily="2" charset="2"/>
+              <a:buChar char="Ø"/>
+            </a:pPr>
+            <a:r>
+              <a:rPr kumimoji="1" lang="zh-CN" altLang="en-US" sz="2000" dirty="0">
+                <a:latin typeface="Optima" panose="02000503060000020004" pitchFamily="2" charset="0"/>
+                <a:ea typeface="KaiTi" panose="02010609060101010101" pitchFamily="49" charset="-122"/>
+              </a:rPr>
+              <a:t>大多数运算符既可以是成员也可以是非成员函数，但是下面的只能是成员函数</a:t>
+            </a:r>
+            <a:endParaRPr kumimoji="1" lang="en-US" altLang="zh-CN" sz="2000" dirty="0">
+              <a:latin typeface="Optima" panose="02000503060000020004" pitchFamily="2" charset="0"/>
+              <a:ea typeface="KaiTi" panose="02010609060101010101" pitchFamily="49" charset="-122"/>
+            </a:endParaRPr>
+          </a:p>
+          <a:p>
+            <a:pPr marL="742950" lvl="1" indent="-285750">
+              <a:lnSpc>
+                <a:spcPct val="150000"/>
+              </a:lnSpc>
+              <a:buFont typeface="Wingdings" pitchFamily="2" charset="2"/>
+              <a:buChar char="ü"/>
+            </a:pPr>
+            <a:r>
+              <a:rPr kumimoji="1" lang="en-US" altLang="zh-CN" sz="2000" dirty="0">
+                <a:latin typeface="Optima" panose="02000503060000020004" pitchFamily="2" charset="0"/>
+                <a:ea typeface="KaiTi" panose="02010609060101010101" pitchFamily="49" charset="-122"/>
+              </a:rPr>
+              <a:t>=</a:t>
+            </a:r>
+          </a:p>
+          <a:p>
+            <a:pPr marL="742950" lvl="1" indent="-285750">
+              <a:lnSpc>
+                <a:spcPct val="150000"/>
+              </a:lnSpc>
+              <a:buFont typeface="Wingdings" pitchFamily="2" charset="2"/>
+              <a:buChar char="ü"/>
+            </a:pPr>
+            <a:r>
+              <a:rPr kumimoji="1" lang="en-US" altLang="zh-CN" sz="2000" dirty="0">
+                <a:latin typeface="Optima" panose="02000503060000020004" pitchFamily="2" charset="0"/>
+                <a:ea typeface="KaiTi" panose="02010609060101010101" pitchFamily="49" charset="-122"/>
+              </a:rPr>
+              <a:t>()</a:t>
+            </a:r>
+          </a:p>
+          <a:p>
+            <a:pPr marL="742950" lvl="1" indent="-285750">
+              <a:lnSpc>
+                <a:spcPct val="150000"/>
+              </a:lnSpc>
+              <a:buFont typeface="Wingdings" pitchFamily="2" charset="2"/>
+              <a:buChar char="ü"/>
+            </a:pPr>
+            <a:r>
+              <a:rPr kumimoji="1" lang="en-US" altLang="zh-CN" sz="2000" dirty="0">
+                <a:latin typeface="Optima" panose="02000503060000020004" pitchFamily="2" charset="0"/>
+                <a:ea typeface="KaiTi" panose="02010609060101010101" pitchFamily="49" charset="-122"/>
+              </a:rPr>
+              <a:t>[]</a:t>
+            </a:r>
+          </a:p>
+          <a:p>
+            <a:pPr marL="742950" lvl="1" indent="-285750">
+              <a:lnSpc>
+                <a:spcPct val="150000"/>
+              </a:lnSpc>
+              <a:buFont typeface="Wingdings" pitchFamily="2" charset="2"/>
+              <a:buChar char="ü"/>
+            </a:pPr>
+            <a:r>
+              <a:rPr kumimoji="1" lang="en-US" altLang="zh-CN" sz="2000" dirty="0">
+                <a:latin typeface="Optima" panose="02000503060000020004" pitchFamily="2" charset="0"/>
+                <a:ea typeface="KaiTi" panose="02010609060101010101" pitchFamily="49" charset="-122"/>
+              </a:rPr>
+              <a:t>-&gt;</a:t>
+            </a:r>
+          </a:p>
+          <a:p>
+            <a:pPr marL="285750" indent="-285750">
+              <a:lnSpc>
+                <a:spcPct val="150000"/>
+              </a:lnSpc>
+              <a:buFont typeface="Wingdings" pitchFamily="2" charset="2"/>
+              <a:buChar char="Ø"/>
+            </a:pPr>
+            <a:endParaRPr kumimoji="1" lang="en-US" altLang="zh-CN" sz="2000" dirty="0">
+              <a:latin typeface="Optima" panose="02000503060000020004" pitchFamily="2" charset="0"/>
+              <a:ea typeface="KaiTi" panose="02010609060101010101" pitchFamily="49" charset="-122"/>
+            </a:endParaRPr>
+          </a:p>
+        </p:txBody>
+      </p:sp>
     </p:spTree>
     <p:extLst>
       <p:ext uri="{BB962C8B-B14F-4D97-AF65-F5344CB8AC3E}">
-        <p14:creationId xmlns:p14="http://schemas.microsoft.com/office/powerpoint/2010/main" val="3793991163"/>
+        <p14:creationId xmlns:p14="http://schemas.microsoft.com/office/powerpoint/2010/main" val="4017830778"/>
       </p:ext>
     </p:extLst>
   </p:cSld>
@@ -39676,7 +40172,7 @@
     </p:spTree>
     <p:extLst>
       <p:ext uri="{BB962C8B-B14F-4D97-AF65-F5344CB8AC3E}">
-        <p14:creationId xmlns:p14="http://schemas.microsoft.com/office/powerpoint/2010/main" val="1441556771"/>
+        <p14:creationId xmlns:p14="http://schemas.microsoft.com/office/powerpoint/2010/main" val="3520123161"/>
       </p:ext>
     </p:extLst>
   </p:cSld>
@@ -39706,7 +40202,217 @@
     </p:spTree>
     <p:extLst>
       <p:ext uri="{BB962C8B-B14F-4D97-AF65-F5344CB8AC3E}">
-        <p14:creationId xmlns:p14="http://schemas.microsoft.com/office/powerpoint/2010/main" val="3160057662"/>
+        <p14:creationId xmlns:p14="http://schemas.microsoft.com/office/powerpoint/2010/main" val="1400157210"/>
+      </p:ext>
+    </p:extLst>
+  </p:cSld>
+  <p:clrMapOvr>
+    <a:masterClrMapping/>
+  </p:clrMapOvr>
+</p:sld>
+</file>
+
+<file path=ppt/slides/slide63.xml><?xml version="1.0" encoding="utf-8"?>
+<p:sld xmlns:a="http://schemas.openxmlformats.org/drawingml/2006/main" xmlns:r="http://schemas.openxmlformats.org/officeDocument/2006/relationships" xmlns:p="http://schemas.openxmlformats.org/presentationml/2006/main">
+  <p:cSld>
+    <p:spTree>
+      <p:nvGrpSpPr>
+        <p:cNvPr id="1" name=""/>
+        <p:cNvGrpSpPr/>
+        <p:nvPr/>
+      </p:nvGrpSpPr>
+      <p:grpSpPr>
+        <a:xfrm>
+          <a:off x="0" y="0"/>
+          <a:ext cx="0" cy="0"/>
+          <a:chOff x="0" y="0"/>
+          <a:chExt cx="0" cy="0"/>
+        </a:xfrm>
+      </p:grpSpPr>
+    </p:spTree>
+    <p:extLst>
+      <p:ext uri="{BB962C8B-B14F-4D97-AF65-F5344CB8AC3E}">
+        <p14:creationId xmlns:p14="http://schemas.microsoft.com/office/powerpoint/2010/main" val="2167378347"/>
+      </p:ext>
+    </p:extLst>
+  </p:cSld>
+  <p:clrMapOvr>
+    <a:masterClrMapping/>
+  </p:clrMapOvr>
+</p:sld>
+</file>
+
+<file path=ppt/slides/slide64.xml><?xml version="1.0" encoding="utf-8"?>
+<p:sld xmlns:a="http://schemas.openxmlformats.org/drawingml/2006/main" xmlns:r="http://schemas.openxmlformats.org/officeDocument/2006/relationships" xmlns:p="http://schemas.openxmlformats.org/presentationml/2006/main">
+  <p:cSld>
+    <p:spTree>
+      <p:nvGrpSpPr>
+        <p:cNvPr id="1" name=""/>
+        <p:cNvGrpSpPr/>
+        <p:nvPr/>
+      </p:nvGrpSpPr>
+      <p:grpSpPr>
+        <a:xfrm>
+          <a:off x="0" y="0"/>
+          <a:ext cx="0" cy="0"/>
+          <a:chOff x="0" y="0"/>
+          <a:chExt cx="0" cy="0"/>
+        </a:xfrm>
+      </p:grpSpPr>
+    </p:spTree>
+    <p:extLst>
+      <p:ext uri="{BB962C8B-B14F-4D97-AF65-F5344CB8AC3E}">
+        <p14:creationId xmlns:p14="http://schemas.microsoft.com/office/powerpoint/2010/main" val="2853564646"/>
+      </p:ext>
+    </p:extLst>
+  </p:cSld>
+  <p:clrMapOvr>
+    <a:masterClrMapping/>
+  </p:clrMapOvr>
+</p:sld>
+</file>
+
+<file path=ppt/slides/slide65.xml><?xml version="1.0" encoding="utf-8"?>
+<p:sld xmlns:a="http://schemas.openxmlformats.org/drawingml/2006/main" xmlns:r="http://schemas.openxmlformats.org/officeDocument/2006/relationships" xmlns:p="http://schemas.openxmlformats.org/presentationml/2006/main">
+  <p:cSld>
+    <p:spTree>
+      <p:nvGrpSpPr>
+        <p:cNvPr id="1" name=""/>
+        <p:cNvGrpSpPr/>
+        <p:nvPr/>
+      </p:nvGrpSpPr>
+      <p:grpSpPr>
+        <a:xfrm>
+          <a:off x="0" y="0"/>
+          <a:ext cx="0" cy="0"/>
+          <a:chOff x="0" y="0"/>
+          <a:chExt cx="0" cy="0"/>
+        </a:xfrm>
+      </p:grpSpPr>
+    </p:spTree>
+    <p:extLst>
+      <p:ext uri="{BB962C8B-B14F-4D97-AF65-F5344CB8AC3E}">
+        <p14:creationId xmlns:p14="http://schemas.microsoft.com/office/powerpoint/2010/main" val="3581446105"/>
+      </p:ext>
+    </p:extLst>
+  </p:cSld>
+  <p:clrMapOvr>
+    <a:masterClrMapping/>
+  </p:clrMapOvr>
+</p:sld>
+</file>
+
+<file path=ppt/slides/slide66.xml><?xml version="1.0" encoding="utf-8"?>
+<p:sld xmlns:a="http://schemas.openxmlformats.org/drawingml/2006/main" xmlns:r="http://schemas.openxmlformats.org/officeDocument/2006/relationships" xmlns:p="http://schemas.openxmlformats.org/presentationml/2006/main">
+  <p:cSld>
+    <p:spTree>
+      <p:nvGrpSpPr>
+        <p:cNvPr id="1" name=""/>
+        <p:cNvGrpSpPr/>
+        <p:nvPr/>
+      </p:nvGrpSpPr>
+      <p:grpSpPr>
+        <a:xfrm>
+          <a:off x="0" y="0"/>
+          <a:ext cx="0" cy="0"/>
+          <a:chOff x="0" y="0"/>
+          <a:chExt cx="0" cy="0"/>
+        </a:xfrm>
+      </p:grpSpPr>
+    </p:spTree>
+    <p:extLst>
+      <p:ext uri="{BB962C8B-B14F-4D97-AF65-F5344CB8AC3E}">
+        <p14:creationId xmlns:p14="http://schemas.microsoft.com/office/powerpoint/2010/main" val="1274200148"/>
+      </p:ext>
+    </p:extLst>
+  </p:cSld>
+  <p:clrMapOvr>
+    <a:masterClrMapping/>
+  </p:clrMapOvr>
+</p:sld>
+</file>
+
+<file path=ppt/slides/slide67.xml><?xml version="1.0" encoding="utf-8"?>
+<p:sld xmlns:a="http://schemas.openxmlformats.org/drawingml/2006/main" xmlns:r="http://schemas.openxmlformats.org/officeDocument/2006/relationships" xmlns:p="http://schemas.openxmlformats.org/presentationml/2006/main">
+  <p:cSld>
+    <p:spTree>
+      <p:nvGrpSpPr>
+        <p:cNvPr id="1" name=""/>
+        <p:cNvGrpSpPr/>
+        <p:nvPr/>
+      </p:nvGrpSpPr>
+      <p:grpSpPr>
+        <a:xfrm>
+          <a:off x="0" y="0"/>
+          <a:ext cx="0" cy="0"/>
+          <a:chOff x="0" y="0"/>
+          <a:chExt cx="0" cy="0"/>
+        </a:xfrm>
+      </p:grpSpPr>
+    </p:spTree>
+    <p:extLst>
+      <p:ext uri="{BB962C8B-B14F-4D97-AF65-F5344CB8AC3E}">
+        <p14:creationId xmlns:p14="http://schemas.microsoft.com/office/powerpoint/2010/main" val="301296839"/>
+      </p:ext>
+    </p:extLst>
+  </p:cSld>
+  <p:clrMapOvr>
+    <a:masterClrMapping/>
+  </p:clrMapOvr>
+</p:sld>
+</file>
+
+<file path=ppt/slides/slide68.xml><?xml version="1.0" encoding="utf-8"?>
+<p:sld xmlns:a="http://schemas.openxmlformats.org/drawingml/2006/main" xmlns:r="http://schemas.openxmlformats.org/officeDocument/2006/relationships" xmlns:p="http://schemas.openxmlformats.org/presentationml/2006/main">
+  <p:cSld>
+    <p:spTree>
+      <p:nvGrpSpPr>
+        <p:cNvPr id="1" name=""/>
+        <p:cNvGrpSpPr/>
+        <p:nvPr/>
+      </p:nvGrpSpPr>
+      <p:grpSpPr>
+        <a:xfrm>
+          <a:off x="0" y="0"/>
+          <a:ext cx="0" cy="0"/>
+          <a:chOff x="0" y="0"/>
+          <a:chExt cx="0" cy="0"/>
+        </a:xfrm>
+      </p:grpSpPr>
+    </p:spTree>
+    <p:extLst>
+      <p:ext uri="{BB962C8B-B14F-4D97-AF65-F5344CB8AC3E}">
+        <p14:creationId xmlns:p14="http://schemas.microsoft.com/office/powerpoint/2010/main" val="3837668320"/>
+      </p:ext>
+    </p:extLst>
+  </p:cSld>
+  <p:clrMapOvr>
+    <a:masterClrMapping/>
+  </p:clrMapOvr>
+</p:sld>
+</file>
+
+<file path=ppt/slides/slide69.xml><?xml version="1.0" encoding="utf-8"?>
+<p:sld xmlns:a="http://schemas.openxmlformats.org/drawingml/2006/main" xmlns:r="http://schemas.openxmlformats.org/officeDocument/2006/relationships" xmlns:p="http://schemas.openxmlformats.org/presentationml/2006/main">
+  <p:cSld>
+    <p:spTree>
+      <p:nvGrpSpPr>
+        <p:cNvPr id="1" name=""/>
+        <p:cNvGrpSpPr/>
+        <p:nvPr/>
+      </p:nvGrpSpPr>
+      <p:grpSpPr>
+        <a:xfrm>
+          <a:off x="0" y="0"/>
+          <a:ext cx="0" cy="0"/>
+          <a:chOff x="0" y="0"/>
+          <a:chExt cx="0" cy="0"/>
+        </a:xfrm>
+      </p:grpSpPr>
+    </p:spTree>
+    <p:extLst>
+      <p:ext uri="{BB962C8B-B14F-4D97-AF65-F5344CB8AC3E}">
+        <p14:creationId xmlns:p14="http://schemas.microsoft.com/office/powerpoint/2010/main" val="2395450734"/>
       </p:ext>
     </p:extLst>
   </p:cSld>
@@ -42466,6 +43172,246 @@
     <p:extLst>
       <p:ext uri="{BB962C8B-B14F-4D97-AF65-F5344CB8AC3E}">
         <p14:creationId xmlns:p14="http://schemas.microsoft.com/office/powerpoint/2010/main" val="2686449843"/>
+      </p:ext>
+    </p:extLst>
+  </p:cSld>
+  <p:clrMapOvr>
+    <a:masterClrMapping/>
+  </p:clrMapOvr>
+</p:sld>
+</file>
+
+<file path=ppt/slides/slide70.xml><?xml version="1.0" encoding="utf-8"?>
+<p:sld xmlns:a="http://schemas.openxmlformats.org/drawingml/2006/main" xmlns:r="http://schemas.openxmlformats.org/officeDocument/2006/relationships" xmlns:p="http://schemas.openxmlformats.org/presentationml/2006/main">
+  <p:cSld>
+    <p:spTree>
+      <p:nvGrpSpPr>
+        <p:cNvPr id="1" name=""/>
+        <p:cNvGrpSpPr/>
+        <p:nvPr/>
+      </p:nvGrpSpPr>
+      <p:grpSpPr>
+        <a:xfrm>
+          <a:off x="0" y="0"/>
+          <a:ext cx="0" cy="0"/>
+          <a:chOff x="0" y="0"/>
+          <a:chExt cx="0" cy="0"/>
+        </a:xfrm>
+      </p:grpSpPr>
+    </p:spTree>
+    <p:extLst>
+      <p:ext uri="{BB962C8B-B14F-4D97-AF65-F5344CB8AC3E}">
+        <p14:creationId xmlns:p14="http://schemas.microsoft.com/office/powerpoint/2010/main" val="3423975865"/>
+      </p:ext>
+    </p:extLst>
+  </p:cSld>
+  <p:clrMapOvr>
+    <a:masterClrMapping/>
+  </p:clrMapOvr>
+</p:sld>
+</file>
+
+<file path=ppt/slides/slide71.xml><?xml version="1.0" encoding="utf-8"?>
+<p:sld xmlns:a="http://schemas.openxmlformats.org/drawingml/2006/main" xmlns:r="http://schemas.openxmlformats.org/officeDocument/2006/relationships" xmlns:p="http://schemas.openxmlformats.org/presentationml/2006/main">
+  <p:cSld>
+    <p:spTree>
+      <p:nvGrpSpPr>
+        <p:cNvPr id="1" name=""/>
+        <p:cNvGrpSpPr/>
+        <p:nvPr/>
+      </p:nvGrpSpPr>
+      <p:grpSpPr>
+        <a:xfrm>
+          <a:off x="0" y="0"/>
+          <a:ext cx="0" cy="0"/>
+          <a:chOff x="0" y="0"/>
+          <a:chExt cx="0" cy="0"/>
+        </a:xfrm>
+      </p:grpSpPr>
+    </p:spTree>
+    <p:extLst>
+      <p:ext uri="{BB962C8B-B14F-4D97-AF65-F5344CB8AC3E}">
+        <p14:creationId xmlns:p14="http://schemas.microsoft.com/office/powerpoint/2010/main" val="3059866743"/>
+      </p:ext>
+    </p:extLst>
+  </p:cSld>
+  <p:clrMapOvr>
+    <a:masterClrMapping/>
+  </p:clrMapOvr>
+</p:sld>
+</file>
+
+<file path=ppt/slides/slide72.xml><?xml version="1.0" encoding="utf-8"?>
+<p:sld xmlns:a="http://schemas.openxmlformats.org/drawingml/2006/main" xmlns:r="http://schemas.openxmlformats.org/officeDocument/2006/relationships" xmlns:p="http://schemas.openxmlformats.org/presentationml/2006/main">
+  <p:cSld>
+    <p:spTree>
+      <p:nvGrpSpPr>
+        <p:cNvPr id="1" name=""/>
+        <p:cNvGrpSpPr/>
+        <p:nvPr/>
+      </p:nvGrpSpPr>
+      <p:grpSpPr>
+        <a:xfrm>
+          <a:off x="0" y="0"/>
+          <a:ext cx="0" cy="0"/>
+          <a:chOff x="0" y="0"/>
+          <a:chExt cx="0" cy="0"/>
+        </a:xfrm>
+      </p:grpSpPr>
+    </p:spTree>
+    <p:extLst>
+      <p:ext uri="{BB962C8B-B14F-4D97-AF65-F5344CB8AC3E}">
+        <p14:creationId xmlns:p14="http://schemas.microsoft.com/office/powerpoint/2010/main" val="2494030977"/>
+      </p:ext>
+    </p:extLst>
+  </p:cSld>
+  <p:clrMapOvr>
+    <a:masterClrMapping/>
+  </p:clrMapOvr>
+</p:sld>
+</file>
+
+<file path=ppt/slides/slide73.xml><?xml version="1.0" encoding="utf-8"?>
+<p:sld xmlns:a="http://schemas.openxmlformats.org/drawingml/2006/main" xmlns:r="http://schemas.openxmlformats.org/officeDocument/2006/relationships" xmlns:p="http://schemas.openxmlformats.org/presentationml/2006/main">
+  <p:cSld>
+    <p:spTree>
+      <p:nvGrpSpPr>
+        <p:cNvPr id="1" name=""/>
+        <p:cNvGrpSpPr/>
+        <p:nvPr/>
+      </p:nvGrpSpPr>
+      <p:grpSpPr>
+        <a:xfrm>
+          <a:off x="0" y="0"/>
+          <a:ext cx="0" cy="0"/>
+          <a:chOff x="0" y="0"/>
+          <a:chExt cx="0" cy="0"/>
+        </a:xfrm>
+      </p:grpSpPr>
+    </p:spTree>
+    <p:extLst>
+      <p:ext uri="{BB962C8B-B14F-4D97-AF65-F5344CB8AC3E}">
+        <p14:creationId xmlns:p14="http://schemas.microsoft.com/office/powerpoint/2010/main" val="1108333836"/>
+      </p:ext>
+    </p:extLst>
+  </p:cSld>
+  <p:clrMapOvr>
+    <a:masterClrMapping/>
+  </p:clrMapOvr>
+</p:sld>
+</file>
+
+<file path=ppt/slides/slide74.xml><?xml version="1.0" encoding="utf-8"?>
+<p:sld xmlns:a="http://schemas.openxmlformats.org/drawingml/2006/main" xmlns:r="http://schemas.openxmlformats.org/officeDocument/2006/relationships" xmlns:p="http://schemas.openxmlformats.org/presentationml/2006/main">
+  <p:cSld>
+    <p:spTree>
+      <p:nvGrpSpPr>
+        <p:cNvPr id="1" name=""/>
+        <p:cNvGrpSpPr/>
+        <p:nvPr/>
+      </p:nvGrpSpPr>
+      <p:grpSpPr>
+        <a:xfrm>
+          <a:off x="0" y="0"/>
+          <a:ext cx="0" cy="0"/>
+          <a:chOff x="0" y="0"/>
+          <a:chExt cx="0" cy="0"/>
+        </a:xfrm>
+      </p:grpSpPr>
+    </p:spTree>
+    <p:extLst>
+      <p:ext uri="{BB962C8B-B14F-4D97-AF65-F5344CB8AC3E}">
+        <p14:creationId xmlns:p14="http://schemas.microsoft.com/office/powerpoint/2010/main" val="548743912"/>
+      </p:ext>
+    </p:extLst>
+  </p:cSld>
+  <p:clrMapOvr>
+    <a:masterClrMapping/>
+  </p:clrMapOvr>
+</p:sld>
+</file>
+
+<file path=ppt/slides/slide75.xml><?xml version="1.0" encoding="utf-8"?>
+<p:sld xmlns:a="http://schemas.openxmlformats.org/drawingml/2006/main" xmlns:r="http://schemas.openxmlformats.org/officeDocument/2006/relationships" xmlns:p="http://schemas.openxmlformats.org/presentationml/2006/main">
+  <p:cSld>
+    <p:spTree>
+      <p:nvGrpSpPr>
+        <p:cNvPr id="1" name=""/>
+        <p:cNvGrpSpPr/>
+        <p:nvPr/>
+      </p:nvGrpSpPr>
+      <p:grpSpPr>
+        <a:xfrm>
+          <a:off x="0" y="0"/>
+          <a:ext cx="0" cy="0"/>
+          <a:chOff x="0" y="0"/>
+          <a:chExt cx="0" cy="0"/>
+        </a:xfrm>
+      </p:grpSpPr>
+    </p:spTree>
+    <p:extLst>
+      <p:ext uri="{BB962C8B-B14F-4D97-AF65-F5344CB8AC3E}">
+        <p14:creationId xmlns:p14="http://schemas.microsoft.com/office/powerpoint/2010/main" val="3793991163"/>
+      </p:ext>
+    </p:extLst>
+  </p:cSld>
+  <p:clrMapOvr>
+    <a:masterClrMapping/>
+  </p:clrMapOvr>
+</p:sld>
+</file>
+
+<file path=ppt/slides/slide76.xml><?xml version="1.0" encoding="utf-8"?>
+<p:sld xmlns:a="http://schemas.openxmlformats.org/drawingml/2006/main" xmlns:r="http://schemas.openxmlformats.org/officeDocument/2006/relationships" xmlns:p="http://schemas.openxmlformats.org/presentationml/2006/main">
+  <p:cSld>
+    <p:spTree>
+      <p:nvGrpSpPr>
+        <p:cNvPr id="1" name=""/>
+        <p:cNvGrpSpPr/>
+        <p:nvPr/>
+      </p:nvGrpSpPr>
+      <p:grpSpPr>
+        <a:xfrm>
+          <a:off x="0" y="0"/>
+          <a:ext cx="0" cy="0"/>
+          <a:chOff x="0" y="0"/>
+          <a:chExt cx="0" cy="0"/>
+        </a:xfrm>
+      </p:grpSpPr>
+    </p:spTree>
+    <p:extLst>
+      <p:ext uri="{BB962C8B-B14F-4D97-AF65-F5344CB8AC3E}">
+        <p14:creationId xmlns:p14="http://schemas.microsoft.com/office/powerpoint/2010/main" val="1441556771"/>
+      </p:ext>
+    </p:extLst>
+  </p:cSld>
+  <p:clrMapOvr>
+    <a:masterClrMapping/>
+  </p:clrMapOvr>
+</p:sld>
+</file>
+
+<file path=ppt/slides/slide77.xml><?xml version="1.0" encoding="utf-8"?>
+<p:sld xmlns:a="http://schemas.openxmlformats.org/drawingml/2006/main" xmlns:r="http://schemas.openxmlformats.org/officeDocument/2006/relationships" xmlns:p="http://schemas.openxmlformats.org/presentationml/2006/main">
+  <p:cSld>
+    <p:spTree>
+      <p:nvGrpSpPr>
+        <p:cNvPr id="1" name=""/>
+        <p:cNvGrpSpPr/>
+        <p:nvPr/>
+      </p:nvGrpSpPr>
+      <p:grpSpPr>
+        <a:xfrm>
+          <a:off x="0" y="0"/>
+          <a:ext cx="0" cy="0"/>
+          <a:chOff x="0" y="0"/>
+          <a:chExt cx="0" cy="0"/>
+        </a:xfrm>
+      </p:grpSpPr>
+    </p:spTree>
+    <p:extLst>
+      <p:ext uri="{BB962C8B-B14F-4D97-AF65-F5344CB8AC3E}">
+        <p14:creationId xmlns:p14="http://schemas.microsoft.com/office/powerpoint/2010/main" val="3160057662"/>
       </p:ext>
     </p:extLst>
   </p:cSld>

--- a/C++ Primer Plus.pptx
+++ b/C++ Primer Plus.pptx
@@ -70,18 +70,35 @@
     <p:sldId id="323" r:id="rId64"/>
     <p:sldId id="324" r:id="rId65"/>
     <p:sldId id="325" r:id="rId66"/>
-    <p:sldId id="326" r:id="rId67"/>
-    <p:sldId id="327" r:id="rId68"/>
-    <p:sldId id="328" r:id="rId69"/>
-    <p:sldId id="329" r:id="rId70"/>
-    <p:sldId id="330" r:id="rId71"/>
-    <p:sldId id="331" r:id="rId72"/>
-    <p:sldId id="332" r:id="rId73"/>
-    <p:sldId id="333" r:id="rId74"/>
-    <p:sldId id="315" r:id="rId75"/>
-    <p:sldId id="316" r:id="rId76"/>
-    <p:sldId id="317" r:id="rId77"/>
-    <p:sldId id="318" r:id="rId78"/>
+    <p:sldId id="334" r:id="rId67"/>
+    <p:sldId id="326" r:id="rId68"/>
+    <p:sldId id="335" r:id="rId69"/>
+    <p:sldId id="336" r:id="rId70"/>
+    <p:sldId id="337" r:id="rId71"/>
+    <p:sldId id="338" r:id="rId72"/>
+    <p:sldId id="339" r:id="rId73"/>
+    <p:sldId id="340" r:id="rId74"/>
+    <p:sldId id="341" r:id="rId75"/>
+    <p:sldId id="342" r:id="rId76"/>
+    <p:sldId id="343" r:id="rId77"/>
+    <p:sldId id="344" r:id="rId78"/>
+    <p:sldId id="345" r:id="rId79"/>
+    <p:sldId id="346" r:id="rId80"/>
+    <p:sldId id="347" r:id="rId81"/>
+    <p:sldId id="348" r:id="rId82"/>
+    <p:sldId id="349" r:id="rId83"/>
+    <p:sldId id="350" r:id="rId84"/>
+    <p:sldId id="327" r:id="rId85"/>
+    <p:sldId id="328" r:id="rId86"/>
+    <p:sldId id="329" r:id="rId87"/>
+    <p:sldId id="330" r:id="rId88"/>
+    <p:sldId id="331" r:id="rId89"/>
+    <p:sldId id="332" r:id="rId90"/>
+    <p:sldId id="333" r:id="rId91"/>
+    <p:sldId id="315" r:id="rId92"/>
+    <p:sldId id="316" r:id="rId93"/>
+    <p:sldId id="317" r:id="rId94"/>
+    <p:sldId id="318" r:id="rId95"/>
   </p:sldIdLst>
   <p:sldSz cx="12192000" cy="6858000"/>
   <p:notesSz cx="6858000" cy="9144000"/>
@@ -319,7 +336,7 @@
           <a:p>
             <a:fld id="{846CE7D5-CF57-46EF-B807-FDD0502418D4}" type="datetimeFigureOut">
               <a:rPr lang="en-US" smtClean="0"/>
-              <a:t>8/12/23</a:t>
+              <a:t>8/13/23</a:t>
             </a:fld>
             <a:endParaRPr lang="en-US"/>
           </a:p>
@@ -489,7 +506,7 @@
           <a:p>
             <a:fld id="{846CE7D5-CF57-46EF-B807-FDD0502418D4}" type="datetimeFigureOut">
               <a:rPr lang="en-US" smtClean="0"/>
-              <a:t>8/12/23</a:t>
+              <a:t>8/13/23</a:t>
             </a:fld>
             <a:endParaRPr lang="en-US"/>
           </a:p>
@@ -669,7 +686,7 @@
           <a:p>
             <a:fld id="{846CE7D5-CF57-46EF-B807-FDD0502418D4}" type="datetimeFigureOut">
               <a:rPr lang="en-US" smtClean="0"/>
-              <a:t>8/12/23</a:t>
+              <a:t>8/13/23</a:t>
             </a:fld>
             <a:endParaRPr lang="en-US"/>
           </a:p>
@@ -839,7 +856,7 @@
           <a:p>
             <a:fld id="{846CE7D5-CF57-46EF-B807-FDD0502418D4}" type="datetimeFigureOut">
               <a:rPr lang="en-US" smtClean="0"/>
-              <a:t>8/12/23</a:t>
+              <a:t>8/13/23</a:t>
             </a:fld>
             <a:endParaRPr lang="en-US"/>
           </a:p>
@@ -1085,7 +1102,7 @@
           <a:p>
             <a:fld id="{846CE7D5-CF57-46EF-B807-FDD0502418D4}" type="datetimeFigureOut">
               <a:rPr lang="en-US" smtClean="0"/>
-              <a:t>8/12/23</a:t>
+              <a:t>8/13/23</a:t>
             </a:fld>
             <a:endParaRPr lang="en-US"/>
           </a:p>
@@ -1317,7 +1334,7 @@
           <a:p>
             <a:fld id="{846CE7D5-CF57-46EF-B807-FDD0502418D4}" type="datetimeFigureOut">
               <a:rPr lang="en-US" smtClean="0"/>
-              <a:t>8/12/23</a:t>
+              <a:t>8/13/23</a:t>
             </a:fld>
             <a:endParaRPr lang="en-US"/>
           </a:p>
@@ -1684,7 +1701,7 @@
           <a:p>
             <a:fld id="{846CE7D5-CF57-46EF-B807-FDD0502418D4}" type="datetimeFigureOut">
               <a:rPr lang="en-US" smtClean="0"/>
-              <a:t>8/12/23</a:t>
+              <a:t>8/13/23</a:t>
             </a:fld>
             <a:endParaRPr lang="en-US"/>
           </a:p>
@@ -1802,7 +1819,7 @@
           <a:p>
             <a:fld id="{846CE7D5-CF57-46EF-B807-FDD0502418D4}" type="datetimeFigureOut">
               <a:rPr lang="en-US" smtClean="0"/>
-              <a:t>8/12/23</a:t>
+              <a:t>8/13/23</a:t>
             </a:fld>
             <a:endParaRPr lang="en-US"/>
           </a:p>
@@ -1897,7 +1914,7 @@
           <a:p>
             <a:fld id="{846CE7D5-CF57-46EF-B807-FDD0502418D4}" type="datetimeFigureOut">
               <a:rPr lang="en-US" smtClean="0"/>
-              <a:t>8/12/23</a:t>
+              <a:t>8/13/23</a:t>
             </a:fld>
             <a:endParaRPr lang="en-US"/>
           </a:p>
@@ -2174,7 +2191,7 @@
           <a:p>
             <a:fld id="{846CE7D5-CF57-46EF-B807-FDD0502418D4}" type="datetimeFigureOut">
               <a:rPr lang="en-US" smtClean="0"/>
-              <a:t>8/12/23</a:t>
+              <a:t>8/13/23</a:t>
             </a:fld>
             <a:endParaRPr lang="en-US"/>
           </a:p>
@@ -2431,7 +2448,7 @@
           <a:p>
             <a:fld id="{846CE7D5-CF57-46EF-B807-FDD0502418D4}" type="datetimeFigureOut">
               <a:rPr lang="en-US" smtClean="0"/>
-              <a:t>8/12/23</a:t>
+              <a:t>8/13/23</a:t>
             </a:fld>
             <a:endParaRPr lang="en-US"/>
           </a:p>
@@ -2644,7 +2661,7 @@
           <a:p>
             <a:fld id="{846CE7D5-CF57-46EF-B807-FDD0502418D4}" type="datetimeFigureOut">
               <a:rPr lang="en-US" smtClean="0"/>
-              <a:t>8/12/23</a:t>
+              <a:t>8/13/23</a:t>
             </a:fld>
             <a:endParaRPr lang="en-US"/>
           </a:p>
@@ -38155,7 +38172,7 @@
         <p:spPr>
           <a:xfrm>
             <a:off x="1429966" y="1381328"/>
-            <a:ext cx="4312399" cy="369332"/>
+            <a:ext cx="4801314" cy="400110"/>
           </a:xfrm>
           <a:prstGeom prst="rect">
             <a:avLst/>
@@ -38169,7 +38186,10 @@
           <a:lstStyle/>
           <a:p>
             <a:r>
-              <a:rPr kumimoji="1" lang="zh-CN" altLang="en-US" dirty="0"/>
+              <a:rPr kumimoji="1" lang="zh-CN" altLang="en-US" sz="2000" dirty="0">
+                <a:latin typeface="KaiTi" panose="02010609060101010101" pitchFamily="49" charset="-122"/>
+                <a:ea typeface="KaiTi" panose="02010609060101010101" pitchFamily="49" charset="-122"/>
+              </a:rPr>
               <a:t>不要返回指向局部变量或临时对象的引用</a:t>
             </a:r>
           </a:p>
@@ -40169,6 +40189,1072 @@
           <a:chExt cx="0" cy="0"/>
         </a:xfrm>
       </p:grpSpPr>
+      <p:sp>
+        <p:nvSpPr>
+          <p:cNvPr id="2" name="文本框 1">
+            <a:extLst>
+              <a:ext uri="{FF2B5EF4-FFF2-40B4-BE49-F238E27FC236}">
+                <a16:creationId xmlns:a16="http://schemas.microsoft.com/office/drawing/2014/main" id="{78DE9881-1B45-CA49-8C23-BC0C7FA76FEE}"/>
+              </a:ext>
+            </a:extLst>
+          </p:cNvPr>
+          <p:cNvSpPr txBox="1"/>
+          <p:nvPr/>
+        </p:nvSpPr>
+        <p:spPr>
+          <a:xfrm>
+            <a:off x="0" y="0"/>
+            <a:ext cx="1620957" cy="523220"/>
+          </a:xfrm>
+          <a:prstGeom prst="rect">
+            <a:avLst/>
+          </a:prstGeom>
+          <a:noFill/>
+        </p:spPr>
+        <p:txBody>
+          <a:bodyPr wrap="none" rtlCol="0">
+            <a:spAutoFit/>
+          </a:bodyPr>
+          <a:lstStyle/>
+          <a:p>
+            <a:r>
+              <a:rPr kumimoji="1" lang="zh-CN" altLang="en-US" sz="2800" dirty="0">
+                <a:latin typeface="Optima" panose="02000503060000020004" pitchFamily="2" charset="0"/>
+                <a:ea typeface="KaiTi" panose="02010609060101010101" pitchFamily="49" charset="-122"/>
+              </a:rPr>
+              <a:t>友元函数</a:t>
+            </a:r>
+          </a:p>
+        </p:txBody>
+      </p:sp>
+      <p:sp>
+        <p:nvSpPr>
+          <p:cNvPr id="3" name="文本框 2">
+            <a:extLst>
+              <a:ext uri="{FF2B5EF4-FFF2-40B4-BE49-F238E27FC236}">
+                <a16:creationId xmlns:a16="http://schemas.microsoft.com/office/drawing/2014/main" id="{23D79150-49F5-FC44-BF1E-45F965761790}"/>
+              </a:ext>
+            </a:extLst>
+          </p:cNvPr>
+          <p:cNvSpPr txBox="1"/>
+          <p:nvPr/>
+        </p:nvSpPr>
+        <p:spPr>
+          <a:xfrm>
+            <a:off x="810478" y="819197"/>
+            <a:ext cx="11381522" cy="1631216"/>
+          </a:xfrm>
+          <a:prstGeom prst="rect">
+            <a:avLst/>
+          </a:prstGeom>
+          <a:noFill/>
+        </p:spPr>
+        <p:txBody>
+          <a:bodyPr wrap="square" rtlCol="0">
+            <a:spAutoFit/>
+          </a:bodyPr>
+          <a:lstStyle/>
+          <a:p>
+            <a:pPr marL="285750" indent="-285750">
+              <a:buFont typeface="Wingdings" pitchFamily="2" charset="2"/>
+              <a:buChar char="Ø"/>
+            </a:pPr>
+            <a:r>
+              <a:rPr kumimoji="1" lang="zh-CN" altLang="en-US" sz="2000" dirty="0">
+                <a:latin typeface="Optima" panose="02000503060000020004" pitchFamily="2" charset="0"/>
+                <a:ea typeface="KaiTi" panose="02010609060101010101" pitchFamily="49" charset="-122"/>
+              </a:rPr>
+              <a:t>友元函数将其原型放在类声明中，并加上</a:t>
+            </a:r>
+            <a:r>
+              <a:rPr kumimoji="1" lang="en-US" altLang="zh-CN" sz="2000" dirty="0">
+                <a:latin typeface="Optima" panose="02000503060000020004" pitchFamily="2" charset="0"/>
+                <a:ea typeface="KaiTi" panose="02010609060101010101" pitchFamily="49" charset="-122"/>
+              </a:rPr>
+              <a:t> friend</a:t>
+            </a:r>
+          </a:p>
+          <a:p>
+            <a:pPr marL="285750" indent="-285750">
+              <a:buFont typeface="Wingdings" pitchFamily="2" charset="2"/>
+              <a:buChar char="Ø"/>
+            </a:pPr>
+            <a:endParaRPr kumimoji="1" lang="en-US" altLang="zh-CN" sz="2000" dirty="0">
+              <a:latin typeface="Optima" panose="02000503060000020004" pitchFamily="2" charset="0"/>
+              <a:ea typeface="KaiTi" panose="02010609060101010101" pitchFamily="49" charset="-122"/>
+            </a:endParaRPr>
+          </a:p>
+          <a:p>
+            <a:pPr marL="285750" indent="-285750">
+              <a:buFont typeface="Wingdings" pitchFamily="2" charset="2"/>
+              <a:buChar char="Ø"/>
+            </a:pPr>
+            <a:r>
+              <a:rPr kumimoji="1" lang="zh-CN" altLang="en-US" sz="2000" dirty="0">
+                <a:latin typeface="Optima" panose="02000503060000020004" pitchFamily="2" charset="0"/>
+                <a:ea typeface="KaiTi" panose="02010609060101010101" pitchFamily="49" charset="-122"/>
+              </a:rPr>
+              <a:t>只有在类声明中的原型可以加</a:t>
+            </a:r>
+            <a:r>
+              <a:rPr kumimoji="1" lang="en-US" altLang="zh-CN" sz="2000" dirty="0">
+                <a:latin typeface="Optima" panose="02000503060000020004" pitchFamily="2" charset="0"/>
+                <a:ea typeface="KaiTi" panose="02010609060101010101" pitchFamily="49" charset="-122"/>
+              </a:rPr>
+              <a:t> friend</a:t>
+            </a:r>
+            <a:r>
+              <a:rPr kumimoji="1" lang="zh-CN" altLang="en-US" sz="2000" dirty="0">
+                <a:latin typeface="Optima" panose="02000503060000020004" pitchFamily="2" charset="0"/>
+                <a:ea typeface="KaiTi" panose="02010609060101010101" pitchFamily="49" charset="-122"/>
+              </a:rPr>
+              <a:t>，除非函数定义也是原型，否则不可以在函数定义使用</a:t>
+            </a:r>
+            <a:r>
+              <a:rPr kumimoji="1" lang="en-US" altLang="zh-CN" sz="2000" dirty="0">
+                <a:latin typeface="Optima" panose="02000503060000020004" pitchFamily="2" charset="0"/>
+                <a:ea typeface="KaiTi" panose="02010609060101010101" pitchFamily="49" charset="-122"/>
+              </a:rPr>
+              <a:t> friend</a:t>
+            </a:r>
+          </a:p>
+          <a:p>
+            <a:pPr marL="285750" indent="-285750">
+              <a:buFont typeface="Wingdings" pitchFamily="2" charset="2"/>
+              <a:buChar char="Ø"/>
+            </a:pPr>
+            <a:endParaRPr kumimoji="1" lang="en-US" altLang="zh-CN" sz="2000" dirty="0">
+              <a:latin typeface="Optima" panose="02000503060000020004" pitchFamily="2" charset="0"/>
+              <a:ea typeface="KaiTi" panose="02010609060101010101" pitchFamily="49" charset="-122"/>
+            </a:endParaRPr>
+          </a:p>
+          <a:p>
+            <a:pPr marL="285750" indent="-285750">
+              <a:buFont typeface="Wingdings" pitchFamily="2" charset="2"/>
+              <a:buChar char="Ø"/>
+            </a:pPr>
+            <a:r>
+              <a:rPr kumimoji="1" lang="zh-CN" altLang="en-US" sz="2000" dirty="0">
+                <a:latin typeface="Optima" panose="02000503060000020004" pitchFamily="2" charset="0"/>
+                <a:ea typeface="KaiTi" panose="02010609060101010101" pitchFamily="49" charset="-122"/>
+              </a:rPr>
+              <a:t>友元函数是非成员函数，但是访问权限与成员函数相同</a:t>
+            </a:r>
+            <a:endParaRPr kumimoji="1" lang="en-US" altLang="zh-CN" sz="2000" dirty="0">
+              <a:latin typeface="Optima" panose="02000503060000020004" pitchFamily="2" charset="0"/>
+              <a:ea typeface="KaiTi" panose="02010609060101010101" pitchFamily="49" charset="-122"/>
+            </a:endParaRPr>
+          </a:p>
+        </p:txBody>
+      </p:sp>
+      <p:sp>
+        <p:nvSpPr>
+          <p:cNvPr id="5" name="文本框 4">
+            <a:extLst>
+              <a:ext uri="{FF2B5EF4-FFF2-40B4-BE49-F238E27FC236}">
+                <a16:creationId xmlns:a16="http://schemas.microsoft.com/office/drawing/2014/main" id="{E6C3F5DB-9B0E-8340-854D-6DC38034DD94}"/>
+              </a:ext>
+            </a:extLst>
+          </p:cNvPr>
+          <p:cNvSpPr txBox="1"/>
+          <p:nvPr/>
+        </p:nvSpPr>
+        <p:spPr>
+          <a:xfrm>
+            <a:off x="457198" y="2913357"/>
+            <a:ext cx="9824937" cy="1631216"/>
+          </a:xfrm>
+          <a:prstGeom prst="rect">
+            <a:avLst/>
+          </a:prstGeom>
+          <a:noFill/>
+        </p:spPr>
+        <p:txBody>
+          <a:bodyPr wrap="square">
+            <a:spAutoFit/>
+          </a:bodyPr>
+          <a:lstStyle/>
+          <a:p>
+            <a:pPr marL="285750" indent="-285750">
+              <a:buFont typeface="Wingdings" pitchFamily="2" charset="2"/>
+              <a:buChar char="Ø"/>
+            </a:pPr>
+            <a:r>
+              <a:rPr kumimoji="1" lang="zh-CN" altLang="en-US" sz="2000" dirty="0">
+                <a:latin typeface="Optima" panose="02000503060000020004" pitchFamily="2" charset="0"/>
+                <a:ea typeface="KaiTi" panose="02010609060101010101" pitchFamily="49" charset="-122"/>
+              </a:rPr>
+              <a:t>如果要对类</a:t>
+            </a:r>
+            <a:r>
+              <a:rPr kumimoji="1" lang="zh-CN" altLang="en-US" sz="2000" b="1" dirty="0">
+                <a:solidFill>
+                  <a:srgbClr val="C00000"/>
+                </a:solidFill>
+                <a:highlight>
+                  <a:srgbClr val="FFFF00"/>
+                </a:highlight>
+                <a:latin typeface="Optima" panose="02000503060000020004" pitchFamily="2" charset="0"/>
+                <a:ea typeface="KaiTi" panose="02010609060101010101" pitchFamily="49" charset="-122"/>
+              </a:rPr>
+              <a:t>重载运算符</a:t>
+            </a:r>
+            <a:r>
+              <a:rPr kumimoji="1" lang="zh-CN" altLang="en-US" sz="2000" dirty="0">
+                <a:latin typeface="Optima" panose="02000503060000020004" pitchFamily="2" charset="0"/>
+                <a:ea typeface="KaiTi" panose="02010609060101010101" pitchFamily="49" charset="-122"/>
+              </a:rPr>
+              <a:t>，并且第一个操作数是非类的，就可以使用友元函数</a:t>
+            </a:r>
+            <a:r>
+              <a:rPr kumimoji="1" lang="zh-CN" altLang="en-US" sz="2000" b="1" dirty="0">
+                <a:solidFill>
+                  <a:srgbClr val="C00000"/>
+                </a:solidFill>
+                <a:latin typeface="Optima" panose="02000503060000020004" pitchFamily="2" charset="0"/>
+                <a:ea typeface="KaiTi" panose="02010609060101010101" pitchFamily="49" charset="-122"/>
+              </a:rPr>
+              <a:t>反转</a:t>
+            </a:r>
+            <a:r>
+              <a:rPr kumimoji="1" lang="zh-CN" altLang="en-US" sz="2000" dirty="0">
+                <a:latin typeface="Optima" panose="02000503060000020004" pitchFamily="2" charset="0"/>
+                <a:ea typeface="KaiTi" panose="02010609060101010101" pitchFamily="49" charset="-122"/>
+              </a:rPr>
+              <a:t>操作数</a:t>
+            </a:r>
+            <a:endParaRPr kumimoji="1" lang="en-US" altLang="zh-CN" sz="2000" dirty="0">
+              <a:latin typeface="Optima" panose="02000503060000020004" pitchFamily="2" charset="0"/>
+              <a:ea typeface="KaiTi" panose="02010609060101010101" pitchFamily="49" charset="-122"/>
+            </a:endParaRPr>
+          </a:p>
+          <a:p>
+            <a:pPr marL="285750" indent="-285750">
+              <a:buFont typeface="Wingdings" pitchFamily="2" charset="2"/>
+              <a:buChar char="Ø"/>
+            </a:pPr>
+            <a:endParaRPr kumimoji="1" lang="en-US" altLang="zh-CN" sz="2000" dirty="0">
+              <a:latin typeface="Optima" panose="02000503060000020004" pitchFamily="2" charset="0"/>
+              <a:ea typeface="KaiTi" panose="02010609060101010101" pitchFamily="49" charset="-122"/>
+            </a:endParaRPr>
+          </a:p>
+          <a:p>
+            <a:r>
+              <a:rPr lang="en" altLang="zh-CN" sz="2000" b="0" dirty="0">
+                <a:solidFill>
+                  <a:srgbClr val="267F99"/>
+                </a:solidFill>
+                <a:effectLst/>
+                <a:latin typeface="Optima" panose="02000503060000020004" pitchFamily="2" charset="0"/>
+                <a:ea typeface="KaiTi" panose="02010609060101010101" pitchFamily="49" charset="-122"/>
+              </a:rPr>
+              <a:t>	Time</a:t>
+            </a:r>
+            <a:r>
+              <a:rPr lang="en" altLang="zh-CN" sz="2000" b="0" dirty="0">
+                <a:solidFill>
+                  <a:srgbClr val="3B3B3B"/>
+                </a:solidFill>
+                <a:effectLst/>
+                <a:latin typeface="Optima" panose="02000503060000020004" pitchFamily="2" charset="0"/>
+                <a:ea typeface="KaiTi" panose="02010609060101010101" pitchFamily="49" charset="-122"/>
+              </a:rPr>
+              <a:t> </a:t>
+            </a:r>
+            <a:r>
+              <a:rPr lang="en" altLang="zh-CN" sz="2000" b="0" dirty="0">
+                <a:solidFill>
+                  <a:srgbClr val="795E26"/>
+                </a:solidFill>
+                <a:effectLst/>
+                <a:latin typeface="Optima" panose="02000503060000020004" pitchFamily="2" charset="0"/>
+                <a:ea typeface="KaiTi" panose="02010609060101010101" pitchFamily="49" charset="-122"/>
+              </a:rPr>
+              <a:t>operator*</a:t>
+            </a:r>
+            <a:r>
+              <a:rPr lang="en" altLang="zh-CN" sz="2000" b="0" dirty="0">
+                <a:solidFill>
+                  <a:srgbClr val="3B3B3B"/>
+                </a:solidFill>
+                <a:effectLst/>
+                <a:latin typeface="Optima" panose="02000503060000020004" pitchFamily="2" charset="0"/>
+                <a:ea typeface="KaiTi" panose="02010609060101010101" pitchFamily="49" charset="-122"/>
+              </a:rPr>
+              <a:t>(</a:t>
+            </a:r>
+            <a:r>
+              <a:rPr lang="en" altLang="zh-CN" sz="2000" b="0" dirty="0">
+                <a:solidFill>
+                  <a:srgbClr val="0000FF"/>
+                </a:solidFill>
+                <a:effectLst/>
+                <a:latin typeface="Optima" panose="02000503060000020004" pitchFamily="2" charset="0"/>
+                <a:ea typeface="KaiTi" panose="02010609060101010101" pitchFamily="49" charset="-122"/>
+              </a:rPr>
+              <a:t>double</a:t>
+            </a:r>
+            <a:r>
+              <a:rPr lang="en" altLang="zh-CN" sz="2000" b="0" dirty="0">
+                <a:solidFill>
+                  <a:srgbClr val="3B3B3B"/>
+                </a:solidFill>
+                <a:effectLst/>
+                <a:latin typeface="Optima" panose="02000503060000020004" pitchFamily="2" charset="0"/>
+                <a:ea typeface="KaiTi" panose="02010609060101010101" pitchFamily="49" charset="-122"/>
+              </a:rPr>
+              <a:t> </a:t>
+            </a:r>
+            <a:r>
+              <a:rPr lang="en" altLang="zh-CN" sz="2000" b="0" dirty="0">
+                <a:solidFill>
+                  <a:srgbClr val="001080"/>
+                </a:solidFill>
+                <a:effectLst/>
+                <a:latin typeface="Optima" panose="02000503060000020004" pitchFamily="2" charset="0"/>
+                <a:ea typeface="KaiTi" panose="02010609060101010101" pitchFamily="49" charset="-122"/>
+              </a:rPr>
+              <a:t>n</a:t>
+            </a:r>
+            <a:r>
+              <a:rPr lang="en" altLang="zh-CN" sz="2000" b="0" dirty="0">
+                <a:solidFill>
+                  <a:srgbClr val="3B3B3B"/>
+                </a:solidFill>
+                <a:effectLst/>
+                <a:latin typeface="Optima" panose="02000503060000020004" pitchFamily="2" charset="0"/>
+                <a:ea typeface="KaiTi" panose="02010609060101010101" pitchFamily="49" charset="-122"/>
+              </a:rPr>
+              <a:t>) </a:t>
+            </a:r>
+            <a:r>
+              <a:rPr lang="en" altLang="zh-CN" sz="2000" b="0" dirty="0">
+                <a:solidFill>
+                  <a:srgbClr val="0000FF"/>
+                </a:solidFill>
+                <a:effectLst/>
+                <a:latin typeface="Optima" panose="02000503060000020004" pitchFamily="2" charset="0"/>
+                <a:ea typeface="KaiTi" panose="02010609060101010101" pitchFamily="49" charset="-122"/>
+              </a:rPr>
+              <a:t>const</a:t>
+            </a:r>
+            <a:r>
+              <a:rPr lang="en" altLang="zh-CN" sz="2000" b="0" dirty="0">
+                <a:solidFill>
+                  <a:srgbClr val="3B3B3B"/>
+                </a:solidFill>
+                <a:effectLst/>
+                <a:latin typeface="Optima" panose="02000503060000020004" pitchFamily="2" charset="0"/>
+                <a:ea typeface="KaiTi" panose="02010609060101010101" pitchFamily="49" charset="-122"/>
+              </a:rPr>
+              <a:t>;</a:t>
+            </a:r>
+          </a:p>
+          <a:p>
+            <a:r>
+              <a:rPr lang="en" altLang="zh-CN" sz="2000" b="0" dirty="0">
+                <a:solidFill>
+                  <a:srgbClr val="0000FF"/>
+                </a:solidFill>
+                <a:effectLst/>
+                <a:latin typeface="Optima" panose="02000503060000020004" pitchFamily="2" charset="0"/>
+                <a:ea typeface="KaiTi" panose="02010609060101010101" pitchFamily="49" charset="-122"/>
+              </a:rPr>
+              <a:t>	friend</a:t>
+            </a:r>
+            <a:r>
+              <a:rPr lang="en" altLang="zh-CN" sz="2000" b="0" dirty="0">
+                <a:solidFill>
+                  <a:srgbClr val="3B3B3B"/>
+                </a:solidFill>
+                <a:effectLst/>
+                <a:latin typeface="Optima" panose="02000503060000020004" pitchFamily="2" charset="0"/>
+                <a:ea typeface="KaiTi" panose="02010609060101010101" pitchFamily="49" charset="-122"/>
+              </a:rPr>
+              <a:t> </a:t>
+            </a:r>
+            <a:r>
+              <a:rPr lang="en" altLang="zh-CN" sz="2000" b="0" dirty="0">
+                <a:solidFill>
+                  <a:srgbClr val="267F99"/>
+                </a:solidFill>
+                <a:effectLst/>
+                <a:latin typeface="Optima" panose="02000503060000020004" pitchFamily="2" charset="0"/>
+                <a:ea typeface="KaiTi" panose="02010609060101010101" pitchFamily="49" charset="-122"/>
+              </a:rPr>
+              <a:t>Time</a:t>
+            </a:r>
+            <a:r>
+              <a:rPr lang="en" altLang="zh-CN" sz="2000" b="0" dirty="0">
+                <a:solidFill>
+                  <a:srgbClr val="3B3B3B"/>
+                </a:solidFill>
+                <a:effectLst/>
+                <a:latin typeface="Optima" panose="02000503060000020004" pitchFamily="2" charset="0"/>
+                <a:ea typeface="KaiTi" panose="02010609060101010101" pitchFamily="49" charset="-122"/>
+              </a:rPr>
+              <a:t> </a:t>
+            </a:r>
+            <a:r>
+              <a:rPr lang="en" altLang="zh-CN" sz="2000" b="0" dirty="0">
+                <a:solidFill>
+                  <a:srgbClr val="795E26"/>
+                </a:solidFill>
+                <a:effectLst/>
+                <a:latin typeface="Optima" panose="02000503060000020004" pitchFamily="2" charset="0"/>
+                <a:ea typeface="KaiTi" panose="02010609060101010101" pitchFamily="49" charset="-122"/>
+              </a:rPr>
+              <a:t>operator*</a:t>
+            </a:r>
+            <a:r>
+              <a:rPr lang="en" altLang="zh-CN" sz="2000" b="0" dirty="0">
+                <a:solidFill>
+                  <a:srgbClr val="3B3B3B"/>
+                </a:solidFill>
+                <a:effectLst/>
+                <a:latin typeface="Optima" panose="02000503060000020004" pitchFamily="2" charset="0"/>
+                <a:ea typeface="KaiTi" panose="02010609060101010101" pitchFamily="49" charset="-122"/>
+              </a:rPr>
+              <a:t>(</a:t>
+            </a:r>
+            <a:r>
+              <a:rPr lang="en" altLang="zh-CN" sz="2000" b="0" dirty="0">
+                <a:solidFill>
+                  <a:srgbClr val="0000FF"/>
+                </a:solidFill>
+                <a:effectLst/>
+                <a:latin typeface="Optima" panose="02000503060000020004" pitchFamily="2" charset="0"/>
+                <a:ea typeface="KaiTi" panose="02010609060101010101" pitchFamily="49" charset="-122"/>
+              </a:rPr>
+              <a:t>double</a:t>
+            </a:r>
+            <a:r>
+              <a:rPr lang="en" altLang="zh-CN" sz="2000" b="0" dirty="0">
+                <a:solidFill>
+                  <a:srgbClr val="3B3B3B"/>
+                </a:solidFill>
+                <a:effectLst/>
+                <a:latin typeface="Optima" panose="02000503060000020004" pitchFamily="2" charset="0"/>
+                <a:ea typeface="KaiTi" panose="02010609060101010101" pitchFamily="49" charset="-122"/>
+              </a:rPr>
+              <a:t> </a:t>
+            </a:r>
+            <a:r>
+              <a:rPr lang="en" altLang="zh-CN" sz="2000" b="0" dirty="0">
+                <a:solidFill>
+                  <a:srgbClr val="001080"/>
+                </a:solidFill>
+                <a:effectLst/>
+                <a:latin typeface="Optima" panose="02000503060000020004" pitchFamily="2" charset="0"/>
+                <a:ea typeface="KaiTi" panose="02010609060101010101" pitchFamily="49" charset="-122"/>
+              </a:rPr>
+              <a:t>n</a:t>
+            </a:r>
+            <a:r>
+              <a:rPr lang="en" altLang="zh-CN" sz="2000" b="0" dirty="0">
+                <a:solidFill>
+                  <a:srgbClr val="3B3B3B"/>
+                </a:solidFill>
+                <a:effectLst/>
+                <a:latin typeface="Optima" panose="02000503060000020004" pitchFamily="2" charset="0"/>
+                <a:ea typeface="KaiTi" panose="02010609060101010101" pitchFamily="49" charset="-122"/>
+              </a:rPr>
+              <a:t>, </a:t>
+            </a:r>
+            <a:r>
+              <a:rPr lang="en" altLang="zh-CN" sz="2000" b="0" dirty="0">
+                <a:solidFill>
+                  <a:srgbClr val="0000FF"/>
+                </a:solidFill>
+                <a:effectLst/>
+                <a:latin typeface="Optima" panose="02000503060000020004" pitchFamily="2" charset="0"/>
+                <a:ea typeface="KaiTi" panose="02010609060101010101" pitchFamily="49" charset="-122"/>
+              </a:rPr>
+              <a:t>const</a:t>
+            </a:r>
+            <a:r>
+              <a:rPr lang="en" altLang="zh-CN" sz="2000" b="0" dirty="0">
+                <a:solidFill>
+                  <a:srgbClr val="3B3B3B"/>
+                </a:solidFill>
+                <a:effectLst/>
+                <a:latin typeface="Optima" panose="02000503060000020004" pitchFamily="2" charset="0"/>
+                <a:ea typeface="KaiTi" panose="02010609060101010101" pitchFamily="49" charset="-122"/>
+              </a:rPr>
+              <a:t> </a:t>
+            </a:r>
+            <a:r>
+              <a:rPr lang="en" altLang="zh-CN" sz="2000" b="0" dirty="0">
+                <a:solidFill>
+                  <a:srgbClr val="267F99"/>
+                </a:solidFill>
+                <a:effectLst/>
+                <a:latin typeface="Optima" panose="02000503060000020004" pitchFamily="2" charset="0"/>
+                <a:ea typeface="KaiTi" panose="02010609060101010101" pitchFamily="49" charset="-122"/>
+              </a:rPr>
+              <a:t>Time</a:t>
+            </a:r>
+            <a:r>
+              <a:rPr lang="en" altLang="zh-CN" sz="2000" b="0" dirty="0">
+                <a:solidFill>
+                  <a:srgbClr val="0000FF"/>
+                </a:solidFill>
+                <a:effectLst/>
+                <a:latin typeface="Optima" panose="02000503060000020004" pitchFamily="2" charset="0"/>
+                <a:ea typeface="KaiTi" panose="02010609060101010101" pitchFamily="49" charset="-122"/>
+              </a:rPr>
+              <a:t>&amp;</a:t>
+            </a:r>
+            <a:r>
+              <a:rPr lang="en" altLang="zh-CN" sz="2000" b="0" dirty="0">
+                <a:solidFill>
+                  <a:srgbClr val="3B3B3B"/>
+                </a:solidFill>
+                <a:effectLst/>
+                <a:latin typeface="Optima" panose="02000503060000020004" pitchFamily="2" charset="0"/>
+                <a:ea typeface="KaiTi" panose="02010609060101010101" pitchFamily="49" charset="-122"/>
+              </a:rPr>
+              <a:t> </a:t>
+            </a:r>
+            <a:r>
+              <a:rPr lang="en" altLang="zh-CN" sz="2000" b="0" dirty="0">
+                <a:solidFill>
+                  <a:srgbClr val="001080"/>
+                </a:solidFill>
+                <a:effectLst/>
+                <a:latin typeface="Optima" panose="02000503060000020004" pitchFamily="2" charset="0"/>
+                <a:ea typeface="KaiTi" panose="02010609060101010101" pitchFamily="49" charset="-122"/>
+              </a:rPr>
+              <a:t>t</a:t>
+            </a:r>
+            <a:r>
+              <a:rPr lang="en" altLang="zh-CN" sz="2000" b="0" dirty="0">
+                <a:solidFill>
+                  <a:srgbClr val="3B3B3B"/>
+                </a:solidFill>
+                <a:effectLst/>
+                <a:latin typeface="Optima" panose="02000503060000020004" pitchFamily="2" charset="0"/>
+                <a:ea typeface="KaiTi" panose="02010609060101010101" pitchFamily="49" charset="-122"/>
+              </a:rPr>
+              <a:t>) {</a:t>
+            </a:r>
+            <a:r>
+              <a:rPr lang="en" altLang="zh-CN" sz="2000" b="0" dirty="0">
+                <a:solidFill>
+                  <a:srgbClr val="AF00DB"/>
+                </a:solidFill>
+                <a:effectLst/>
+                <a:latin typeface="Optima" panose="02000503060000020004" pitchFamily="2" charset="0"/>
+                <a:ea typeface="KaiTi" panose="02010609060101010101" pitchFamily="49" charset="-122"/>
+              </a:rPr>
+              <a:t>return</a:t>
+            </a:r>
+            <a:r>
+              <a:rPr lang="en" altLang="zh-CN" sz="2000" b="0" dirty="0">
+                <a:solidFill>
+                  <a:srgbClr val="3B3B3B"/>
+                </a:solidFill>
+                <a:effectLst/>
+                <a:latin typeface="Optima" panose="02000503060000020004" pitchFamily="2" charset="0"/>
+                <a:ea typeface="KaiTi" panose="02010609060101010101" pitchFamily="49" charset="-122"/>
+              </a:rPr>
+              <a:t> </a:t>
+            </a:r>
+            <a:r>
+              <a:rPr lang="en" altLang="zh-CN" sz="2000" b="0" dirty="0">
+                <a:solidFill>
+                  <a:srgbClr val="001080"/>
+                </a:solidFill>
+                <a:effectLst/>
+                <a:latin typeface="Optima" panose="02000503060000020004" pitchFamily="2" charset="0"/>
+                <a:ea typeface="KaiTi" panose="02010609060101010101" pitchFamily="49" charset="-122"/>
+              </a:rPr>
+              <a:t>t</a:t>
+            </a:r>
+            <a:r>
+              <a:rPr lang="en" altLang="zh-CN" sz="2000" b="0" dirty="0">
+                <a:solidFill>
+                  <a:srgbClr val="3B3B3B"/>
+                </a:solidFill>
+                <a:effectLst/>
+                <a:latin typeface="Optima" panose="02000503060000020004" pitchFamily="2" charset="0"/>
+                <a:ea typeface="KaiTi" panose="02010609060101010101" pitchFamily="49" charset="-122"/>
+              </a:rPr>
+              <a:t> </a:t>
+            </a:r>
+            <a:r>
+              <a:rPr lang="en" altLang="zh-CN" sz="2000" b="0" dirty="0">
+                <a:solidFill>
+                  <a:srgbClr val="795E26"/>
+                </a:solidFill>
+                <a:effectLst/>
+                <a:latin typeface="Optima" panose="02000503060000020004" pitchFamily="2" charset="0"/>
+                <a:ea typeface="KaiTi" panose="02010609060101010101" pitchFamily="49" charset="-122"/>
+              </a:rPr>
+              <a:t>*</a:t>
+            </a:r>
+            <a:r>
+              <a:rPr lang="en" altLang="zh-CN" sz="2000" b="0" dirty="0">
+                <a:solidFill>
+                  <a:srgbClr val="3B3B3B"/>
+                </a:solidFill>
+                <a:effectLst/>
+                <a:latin typeface="Optima" panose="02000503060000020004" pitchFamily="2" charset="0"/>
+                <a:ea typeface="KaiTi" panose="02010609060101010101" pitchFamily="49" charset="-122"/>
+              </a:rPr>
+              <a:t> </a:t>
+            </a:r>
+            <a:r>
+              <a:rPr lang="en" altLang="zh-CN" sz="2000" b="0" dirty="0">
+                <a:solidFill>
+                  <a:srgbClr val="001080"/>
+                </a:solidFill>
+                <a:effectLst/>
+                <a:latin typeface="Optima" panose="02000503060000020004" pitchFamily="2" charset="0"/>
+                <a:ea typeface="KaiTi" panose="02010609060101010101" pitchFamily="49" charset="-122"/>
+              </a:rPr>
+              <a:t>n</a:t>
+            </a:r>
+            <a:r>
+              <a:rPr lang="en" altLang="zh-CN" sz="2000" b="0" dirty="0">
+                <a:solidFill>
+                  <a:srgbClr val="3B3B3B"/>
+                </a:solidFill>
+                <a:effectLst/>
+                <a:latin typeface="Optima" panose="02000503060000020004" pitchFamily="2" charset="0"/>
+                <a:ea typeface="KaiTi" panose="02010609060101010101" pitchFamily="49" charset="-122"/>
+              </a:rPr>
+              <a:t>;}</a:t>
+            </a:r>
+            <a:endParaRPr lang="zh-CN" altLang="en-US" sz="2000" dirty="0">
+              <a:latin typeface="Optima" panose="02000503060000020004" pitchFamily="2" charset="0"/>
+              <a:ea typeface="KaiTi" panose="02010609060101010101" pitchFamily="49" charset="-122"/>
+            </a:endParaRPr>
+          </a:p>
+        </p:txBody>
+      </p:sp>
+      <p:sp>
+        <p:nvSpPr>
+          <p:cNvPr id="6" name="文本框 5">
+            <a:extLst>
+              <a:ext uri="{FF2B5EF4-FFF2-40B4-BE49-F238E27FC236}">
+                <a16:creationId xmlns:a16="http://schemas.microsoft.com/office/drawing/2014/main" id="{70D0BFB1-0D1D-F948-B7A4-E0CC525E1B90}"/>
+              </a:ext>
+            </a:extLst>
+          </p:cNvPr>
+          <p:cNvSpPr txBox="1"/>
+          <p:nvPr/>
+        </p:nvSpPr>
+        <p:spPr>
+          <a:xfrm>
+            <a:off x="457198" y="5007517"/>
+            <a:ext cx="10204316" cy="1631216"/>
+          </a:xfrm>
+          <a:prstGeom prst="rect">
+            <a:avLst/>
+          </a:prstGeom>
+          <a:noFill/>
+        </p:spPr>
+        <p:txBody>
+          <a:bodyPr wrap="square" rtlCol="0">
+            <a:spAutoFit/>
+          </a:bodyPr>
+          <a:lstStyle/>
+          <a:p>
+            <a:pPr marL="285750" indent="-285750">
+              <a:buFont typeface="Wingdings" pitchFamily="2" charset="2"/>
+              <a:buChar char="Ø"/>
+            </a:pPr>
+            <a:r>
+              <a:rPr kumimoji="1" lang="zh-CN" altLang="en-US" sz="2000" b="1" dirty="0">
+                <a:solidFill>
+                  <a:srgbClr val="C00000"/>
+                </a:solidFill>
+                <a:highlight>
+                  <a:srgbClr val="FFFF00"/>
+                </a:highlight>
+                <a:latin typeface="Optima" panose="02000503060000020004" pitchFamily="2" charset="0"/>
+                <a:ea typeface="KaiTi" panose="02010609060101010101" pitchFamily="49" charset="-122"/>
+              </a:rPr>
+              <a:t>重载 </a:t>
+            </a:r>
+            <a:r>
+              <a:rPr kumimoji="1" lang="en-US" altLang="zh-CN" sz="2000" b="1" dirty="0">
+                <a:solidFill>
+                  <a:srgbClr val="C00000"/>
+                </a:solidFill>
+                <a:highlight>
+                  <a:srgbClr val="FFFF00"/>
+                </a:highlight>
+                <a:latin typeface="Optima" panose="02000503060000020004" pitchFamily="2" charset="0"/>
+                <a:ea typeface="KaiTi" panose="02010609060101010101" pitchFamily="49" charset="-122"/>
+              </a:rPr>
+              <a:t>&lt;&lt;</a:t>
+            </a:r>
+            <a:r>
+              <a:rPr kumimoji="1" lang="zh-CN" altLang="en-US" sz="2000" b="1" dirty="0">
+                <a:solidFill>
+                  <a:srgbClr val="C00000"/>
+                </a:solidFill>
+                <a:highlight>
+                  <a:srgbClr val="FFFF00"/>
+                </a:highlight>
+                <a:latin typeface="Optima" panose="02000503060000020004" pitchFamily="2" charset="0"/>
+                <a:ea typeface="KaiTi" panose="02010609060101010101" pitchFamily="49" charset="-122"/>
+              </a:rPr>
+              <a:t> 运算符</a:t>
+            </a:r>
+            <a:endParaRPr kumimoji="1" lang="en-US" altLang="zh-CN" sz="2000" b="1" dirty="0">
+              <a:solidFill>
+                <a:srgbClr val="C00000"/>
+              </a:solidFill>
+              <a:highlight>
+                <a:srgbClr val="FFFF00"/>
+              </a:highlight>
+              <a:latin typeface="Optima" panose="02000503060000020004" pitchFamily="2" charset="0"/>
+              <a:ea typeface="KaiTi" panose="02010609060101010101" pitchFamily="49" charset="-122"/>
+            </a:endParaRPr>
+          </a:p>
+          <a:p>
+            <a:pPr marL="742950" lvl="1" indent="-285750">
+              <a:buFont typeface="Wingdings" pitchFamily="2" charset="2"/>
+              <a:buChar char="ü"/>
+            </a:pPr>
+            <a:r>
+              <a:rPr kumimoji="1" lang="zh-CN" altLang="en-US" sz="2000" dirty="0">
+                <a:latin typeface="Optima" panose="02000503060000020004" pitchFamily="2" charset="0"/>
+                <a:ea typeface="KaiTi" panose="02010609060101010101" pitchFamily="49" charset="-122"/>
+              </a:rPr>
+              <a:t>必须使用友元函数，因为 </a:t>
+            </a:r>
+            <a:r>
+              <a:rPr kumimoji="1" lang="en-US" altLang="zh-CN" sz="2000" dirty="0">
+                <a:latin typeface="Optima" panose="02000503060000020004" pitchFamily="2" charset="0"/>
+                <a:ea typeface="KaiTi" panose="02010609060101010101" pitchFamily="49" charset="-122"/>
+              </a:rPr>
+              <a:t>operator&lt;&lt;()</a:t>
+            </a:r>
+            <a:r>
+              <a:rPr kumimoji="1" lang="zh-CN" altLang="en-US" sz="2000" dirty="0">
+                <a:latin typeface="Optima" panose="02000503060000020004" pitchFamily="2" charset="0"/>
+                <a:ea typeface="KaiTi" panose="02010609060101010101" pitchFamily="49" charset="-122"/>
+              </a:rPr>
+              <a:t> 运算符的第一个操作数必须是 </a:t>
+            </a:r>
+            <a:r>
+              <a:rPr kumimoji="1" lang="en-US" altLang="zh-CN" sz="2000" dirty="0" err="1">
+                <a:latin typeface="Optima" panose="02000503060000020004" pitchFamily="2" charset="0"/>
+                <a:ea typeface="KaiTi" panose="02010609060101010101" pitchFamily="49" charset="-122"/>
+              </a:rPr>
+              <a:t>ostream</a:t>
+            </a:r>
+            <a:r>
+              <a:rPr kumimoji="1" lang="en-US" altLang="zh-CN" sz="2000" dirty="0">
+                <a:latin typeface="Optima" panose="02000503060000020004" pitchFamily="2" charset="0"/>
+                <a:ea typeface="KaiTi" panose="02010609060101010101" pitchFamily="49" charset="-122"/>
+              </a:rPr>
+              <a:t> </a:t>
+            </a:r>
+            <a:r>
+              <a:rPr kumimoji="1" lang="zh-CN" altLang="en-US" sz="2000" dirty="0">
+                <a:latin typeface="Optima" panose="02000503060000020004" pitchFamily="2" charset="0"/>
+                <a:ea typeface="KaiTi" panose="02010609060101010101" pitchFamily="49" charset="-122"/>
+              </a:rPr>
+              <a:t>类对象</a:t>
+            </a:r>
+            <a:r>
+              <a:rPr kumimoji="1" lang="en-US" altLang="zh-CN" sz="2000" dirty="0">
+                <a:latin typeface="Optima" panose="02000503060000020004" pitchFamily="2" charset="0"/>
+                <a:ea typeface="KaiTi" panose="02010609060101010101" pitchFamily="49" charset="-122"/>
+              </a:rPr>
+              <a:t>(</a:t>
+            </a:r>
+            <a:r>
+              <a:rPr kumimoji="1" lang="en-US" altLang="zh-CN" sz="2000" dirty="0" err="1">
+                <a:latin typeface="Optima" panose="02000503060000020004" pitchFamily="2" charset="0"/>
+                <a:ea typeface="KaiTi" panose="02010609060101010101" pitchFamily="49" charset="-122"/>
+              </a:rPr>
+              <a:t>cout</a:t>
+            </a:r>
+            <a:r>
+              <a:rPr kumimoji="1" lang="en-US" altLang="zh-CN" sz="2000" dirty="0">
+                <a:latin typeface="Optima" panose="02000503060000020004" pitchFamily="2" charset="0"/>
+                <a:ea typeface="KaiTi" panose="02010609060101010101" pitchFamily="49" charset="-122"/>
+              </a:rPr>
+              <a:t>)</a:t>
+            </a:r>
+          </a:p>
+          <a:p>
+            <a:pPr marL="742950" lvl="1" indent="-285750">
+              <a:buFont typeface="Wingdings" pitchFamily="2" charset="2"/>
+              <a:buChar char="ü"/>
+            </a:pPr>
+            <a:endParaRPr kumimoji="1" lang="en-US" altLang="zh-CN" sz="2000" dirty="0">
+              <a:latin typeface="Optima" panose="02000503060000020004" pitchFamily="2" charset="0"/>
+              <a:ea typeface="KaiTi" panose="02010609060101010101" pitchFamily="49" charset="-122"/>
+            </a:endParaRPr>
+          </a:p>
+          <a:p>
+            <a:pPr marL="742950" lvl="1" indent="-285750">
+              <a:buFont typeface="Wingdings" pitchFamily="2" charset="2"/>
+              <a:buChar char="ü"/>
+            </a:pPr>
+            <a:r>
+              <a:rPr lang="en" altLang="zh-CN" sz="2000" b="0" dirty="0">
+                <a:solidFill>
+                  <a:srgbClr val="0000FF"/>
+                </a:solidFill>
+                <a:effectLst/>
+                <a:latin typeface="Optima" panose="02000503060000020004" pitchFamily="2" charset="0"/>
+                <a:ea typeface="KaiTi" panose="02010609060101010101" pitchFamily="49" charset="-122"/>
+              </a:rPr>
+              <a:t>friend</a:t>
+            </a:r>
+            <a:r>
+              <a:rPr lang="en" altLang="zh-CN" sz="2000" b="0" dirty="0">
+                <a:solidFill>
+                  <a:srgbClr val="3B3B3B"/>
+                </a:solidFill>
+                <a:effectLst/>
+                <a:latin typeface="Optima" panose="02000503060000020004" pitchFamily="2" charset="0"/>
+                <a:ea typeface="KaiTi" panose="02010609060101010101" pitchFamily="49" charset="-122"/>
+              </a:rPr>
+              <a:t> </a:t>
+            </a:r>
+            <a:r>
+              <a:rPr lang="en" altLang="zh-CN" sz="2000" b="0" dirty="0">
+                <a:solidFill>
+                  <a:srgbClr val="267F99"/>
+                </a:solidFill>
+                <a:effectLst/>
+                <a:latin typeface="Optima" panose="02000503060000020004" pitchFamily="2" charset="0"/>
+                <a:ea typeface="KaiTi" panose="02010609060101010101" pitchFamily="49" charset="-122"/>
+              </a:rPr>
+              <a:t>std</a:t>
+            </a:r>
+            <a:r>
+              <a:rPr lang="en" altLang="zh-CN" sz="2000" b="0" dirty="0">
+                <a:solidFill>
+                  <a:srgbClr val="3B3B3B"/>
+                </a:solidFill>
+                <a:effectLst/>
+                <a:latin typeface="Optima" panose="02000503060000020004" pitchFamily="2" charset="0"/>
+                <a:ea typeface="KaiTi" panose="02010609060101010101" pitchFamily="49" charset="-122"/>
+              </a:rPr>
+              <a:t>::</a:t>
+            </a:r>
+            <a:r>
+              <a:rPr lang="en" altLang="zh-CN" sz="2000" b="0" dirty="0" err="1">
+                <a:solidFill>
+                  <a:srgbClr val="267F99"/>
+                </a:solidFill>
+                <a:effectLst/>
+                <a:latin typeface="Optima" panose="02000503060000020004" pitchFamily="2" charset="0"/>
+                <a:ea typeface="KaiTi" panose="02010609060101010101" pitchFamily="49" charset="-122"/>
+              </a:rPr>
+              <a:t>ostream</a:t>
+            </a:r>
+            <a:r>
+              <a:rPr lang="en" altLang="zh-CN" sz="2000" b="0" dirty="0">
+                <a:solidFill>
+                  <a:srgbClr val="0000FF"/>
+                </a:solidFill>
+                <a:effectLst/>
+                <a:latin typeface="Optima" panose="02000503060000020004" pitchFamily="2" charset="0"/>
+                <a:ea typeface="KaiTi" panose="02010609060101010101" pitchFamily="49" charset="-122"/>
+              </a:rPr>
+              <a:t>&amp;</a:t>
+            </a:r>
+            <a:r>
+              <a:rPr lang="en" altLang="zh-CN" sz="2000" b="0" dirty="0">
+                <a:solidFill>
+                  <a:srgbClr val="3B3B3B"/>
+                </a:solidFill>
+                <a:effectLst/>
+                <a:latin typeface="Optima" panose="02000503060000020004" pitchFamily="2" charset="0"/>
+                <a:ea typeface="KaiTi" panose="02010609060101010101" pitchFamily="49" charset="-122"/>
+              </a:rPr>
+              <a:t> </a:t>
+            </a:r>
+            <a:r>
+              <a:rPr lang="en" altLang="zh-CN" sz="2000" b="0" dirty="0">
+                <a:solidFill>
+                  <a:srgbClr val="795E26"/>
+                </a:solidFill>
+                <a:effectLst/>
+                <a:latin typeface="Optima" panose="02000503060000020004" pitchFamily="2" charset="0"/>
+                <a:ea typeface="KaiTi" panose="02010609060101010101" pitchFamily="49" charset="-122"/>
+              </a:rPr>
+              <a:t>operator&lt;&lt;</a:t>
+            </a:r>
+            <a:r>
+              <a:rPr lang="en" altLang="zh-CN" sz="2000" b="0" dirty="0">
+                <a:solidFill>
+                  <a:srgbClr val="3B3B3B"/>
+                </a:solidFill>
+                <a:effectLst/>
+                <a:latin typeface="Optima" panose="02000503060000020004" pitchFamily="2" charset="0"/>
+                <a:ea typeface="KaiTi" panose="02010609060101010101" pitchFamily="49" charset="-122"/>
+              </a:rPr>
+              <a:t>(</a:t>
+            </a:r>
+            <a:r>
+              <a:rPr lang="en" altLang="zh-CN" sz="2000" b="0" dirty="0">
+                <a:solidFill>
+                  <a:srgbClr val="267F99"/>
+                </a:solidFill>
+                <a:effectLst/>
+                <a:latin typeface="Optima" panose="02000503060000020004" pitchFamily="2" charset="0"/>
+                <a:ea typeface="KaiTi" panose="02010609060101010101" pitchFamily="49" charset="-122"/>
+              </a:rPr>
+              <a:t>std</a:t>
+            </a:r>
+            <a:r>
+              <a:rPr lang="en" altLang="zh-CN" sz="2000" b="0" dirty="0">
+                <a:solidFill>
+                  <a:srgbClr val="3B3B3B"/>
+                </a:solidFill>
+                <a:effectLst/>
+                <a:latin typeface="Optima" panose="02000503060000020004" pitchFamily="2" charset="0"/>
+                <a:ea typeface="KaiTi" panose="02010609060101010101" pitchFamily="49" charset="-122"/>
+              </a:rPr>
+              <a:t>::</a:t>
+            </a:r>
+            <a:r>
+              <a:rPr lang="en" altLang="zh-CN" sz="2000" b="0" dirty="0" err="1">
+                <a:solidFill>
+                  <a:srgbClr val="267F99"/>
+                </a:solidFill>
+                <a:effectLst/>
+                <a:latin typeface="Optima" panose="02000503060000020004" pitchFamily="2" charset="0"/>
+                <a:ea typeface="KaiTi" panose="02010609060101010101" pitchFamily="49" charset="-122"/>
+              </a:rPr>
+              <a:t>ostream</a:t>
+            </a:r>
+            <a:r>
+              <a:rPr lang="en" altLang="zh-CN" sz="2000" b="0" dirty="0">
+                <a:solidFill>
+                  <a:srgbClr val="0000FF"/>
+                </a:solidFill>
+                <a:effectLst/>
+                <a:latin typeface="Optima" panose="02000503060000020004" pitchFamily="2" charset="0"/>
+                <a:ea typeface="KaiTi" panose="02010609060101010101" pitchFamily="49" charset="-122"/>
+              </a:rPr>
+              <a:t>&amp;</a:t>
+            </a:r>
+            <a:r>
+              <a:rPr lang="en" altLang="zh-CN" sz="2000" b="0" dirty="0">
+                <a:solidFill>
+                  <a:srgbClr val="3B3B3B"/>
+                </a:solidFill>
+                <a:effectLst/>
+                <a:latin typeface="Optima" panose="02000503060000020004" pitchFamily="2" charset="0"/>
+                <a:ea typeface="KaiTi" panose="02010609060101010101" pitchFamily="49" charset="-122"/>
+              </a:rPr>
+              <a:t> </a:t>
+            </a:r>
+            <a:r>
+              <a:rPr lang="en" altLang="zh-CN" sz="2000" b="0" dirty="0" err="1">
+                <a:solidFill>
+                  <a:srgbClr val="001080"/>
+                </a:solidFill>
+                <a:effectLst/>
+                <a:latin typeface="Optima" panose="02000503060000020004" pitchFamily="2" charset="0"/>
+                <a:ea typeface="KaiTi" panose="02010609060101010101" pitchFamily="49" charset="-122"/>
+              </a:rPr>
+              <a:t>os</a:t>
+            </a:r>
+            <a:r>
+              <a:rPr lang="en" altLang="zh-CN" sz="2000" b="0" dirty="0">
+                <a:solidFill>
+                  <a:srgbClr val="3B3B3B"/>
+                </a:solidFill>
+                <a:effectLst/>
+                <a:latin typeface="Optima" panose="02000503060000020004" pitchFamily="2" charset="0"/>
+                <a:ea typeface="KaiTi" panose="02010609060101010101" pitchFamily="49" charset="-122"/>
+              </a:rPr>
+              <a:t>, </a:t>
+            </a:r>
+            <a:r>
+              <a:rPr lang="en" altLang="zh-CN" sz="2000" b="0" dirty="0">
+                <a:solidFill>
+                  <a:srgbClr val="0000FF"/>
+                </a:solidFill>
+                <a:effectLst/>
+                <a:latin typeface="Optima" panose="02000503060000020004" pitchFamily="2" charset="0"/>
+                <a:ea typeface="KaiTi" panose="02010609060101010101" pitchFamily="49" charset="-122"/>
+              </a:rPr>
+              <a:t>const</a:t>
+            </a:r>
+            <a:r>
+              <a:rPr lang="en" altLang="zh-CN" sz="2000" b="0" dirty="0">
+                <a:solidFill>
+                  <a:srgbClr val="3B3B3B"/>
+                </a:solidFill>
+                <a:effectLst/>
+                <a:latin typeface="Optima" panose="02000503060000020004" pitchFamily="2" charset="0"/>
+                <a:ea typeface="KaiTi" panose="02010609060101010101" pitchFamily="49" charset="-122"/>
+              </a:rPr>
+              <a:t> </a:t>
+            </a:r>
+            <a:r>
+              <a:rPr lang="en" altLang="zh-CN" sz="2000" b="0" dirty="0">
+                <a:solidFill>
+                  <a:srgbClr val="267F99"/>
+                </a:solidFill>
+                <a:effectLst/>
+                <a:latin typeface="Optima" panose="02000503060000020004" pitchFamily="2" charset="0"/>
+                <a:ea typeface="KaiTi" panose="02010609060101010101" pitchFamily="49" charset="-122"/>
+              </a:rPr>
+              <a:t>Time</a:t>
+            </a:r>
+            <a:r>
+              <a:rPr lang="en" altLang="zh-CN" sz="2000" b="0" dirty="0">
+                <a:solidFill>
+                  <a:srgbClr val="0000FF"/>
+                </a:solidFill>
+                <a:effectLst/>
+                <a:latin typeface="Optima" panose="02000503060000020004" pitchFamily="2" charset="0"/>
+                <a:ea typeface="KaiTi" panose="02010609060101010101" pitchFamily="49" charset="-122"/>
+              </a:rPr>
+              <a:t>&amp;</a:t>
+            </a:r>
+            <a:r>
+              <a:rPr lang="en" altLang="zh-CN" sz="2000" b="0" dirty="0">
+                <a:solidFill>
+                  <a:srgbClr val="3B3B3B"/>
+                </a:solidFill>
+                <a:effectLst/>
+                <a:latin typeface="Optima" panose="02000503060000020004" pitchFamily="2" charset="0"/>
+                <a:ea typeface="KaiTi" panose="02010609060101010101" pitchFamily="49" charset="-122"/>
+              </a:rPr>
+              <a:t> </a:t>
+            </a:r>
+            <a:r>
+              <a:rPr lang="en" altLang="zh-CN" sz="2000" b="0" dirty="0">
+                <a:solidFill>
+                  <a:srgbClr val="001080"/>
+                </a:solidFill>
+                <a:effectLst/>
+                <a:latin typeface="Optima" panose="02000503060000020004" pitchFamily="2" charset="0"/>
+                <a:ea typeface="KaiTi" panose="02010609060101010101" pitchFamily="49" charset="-122"/>
+              </a:rPr>
+              <a:t>t</a:t>
+            </a:r>
+            <a:r>
+              <a:rPr lang="en" altLang="zh-CN" sz="2000" b="0" dirty="0">
+                <a:solidFill>
+                  <a:srgbClr val="3B3B3B"/>
+                </a:solidFill>
+                <a:effectLst/>
+                <a:latin typeface="Optima" panose="02000503060000020004" pitchFamily="2" charset="0"/>
+                <a:ea typeface="KaiTi" panose="02010609060101010101" pitchFamily="49" charset="-122"/>
+              </a:rPr>
+              <a:t>);</a:t>
+            </a:r>
+          </a:p>
+        </p:txBody>
+      </p:sp>
     </p:spTree>
     <p:extLst>
       <p:ext uri="{BB962C8B-B14F-4D97-AF65-F5344CB8AC3E}">
@@ -40199,6 +41285,589 @@
           <a:chExt cx="0" cy="0"/>
         </a:xfrm>
       </p:grpSpPr>
+      <p:sp>
+        <p:nvSpPr>
+          <p:cNvPr id="2" name="文本框 1">
+            <a:extLst>
+              <a:ext uri="{FF2B5EF4-FFF2-40B4-BE49-F238E27FC236}">
+                <a16:creationId xmlns:a16="http://schemas.microsoft.com/office/drawing/2014/main" id="{6FBBD7BC-7530-2D41-B4E8-DBAD809B7D30}"/>
+              </a:ext>
+            </a:extLst>
+          </p:cNvPr>
+          <p:cNvSpPr txBox="1"/>
+          <p:nvPr/>
+        </p:nvSpPr>
+        <p:spPr>
+          <a:xfrm>
+            <a:off x="0" y="0"/>
+            <a:ext cx="2339102" cy="523220"/>
+          </a:xfrm>
+          <a:prstGeom prst="rect">
+            <a:avLst/>
+          </a:prstGeom>
+          <a:noFill/>
+        </p:spPr>
+        <p:txBody>
+          <a:bodyPr wrap="none" rtlCol="0">
+            <a:spAutoFit/>
+          </a:bodyPr>
+          <a:lstStyle/>
+          <a:p>
+            <a:r>
+              <a:rPr kumimoji="1" lang="zh-CN" altLang="en-US" sz="2800" dirty="0">
+                <a:latin typeface="Optima" panose="02000503060000020004" pitchFamily="2" charset="0"/>
+                <a:ea typeface="KaiTi" panose="02010609060101010101" pitchFamily="49" charset="-122"/>
+              </a:rPr>
+              <a:t>成员和非成员</a:t>
+            </a:r>
+          </a:p>
+        </p:txBody>
+      </p:sp>
+      <p:sp>
+        <p:nvSpPr>
+          <p:cNvPr id="5" name="文本框 4">
+            <a:extLst>
+              <a:ext uri="{FF2B5EF4-FFF2-40B4-BE49-F238E27FC236}">
+                <a16:creationId xmlns:a16="http://schemas.microsoft.com/office/drawing/2014/main" id="{A7190912-BAB9-A241-A437-36CD99BF6074}"/>
+              </a:ext>
+            </a:extLst>
+          </p:cNvPr>
+          <p:cNvSpPr txBox="1"/>
+          <p:nvPr/>
+        </p:nvSpPr>
+        <p:spPr>
+          <a:xfrm>
+            <a:off x="817124" y="1138136"/>
+            <a:ext cx="6942991" cy="3785652"/>
+          </a:xfrm>
+          <a:prstGeom prst="rect">
+            <a:avLst/>
+          </a:prstGeom>
+          <a:noFill/>
+        </p:spPr>
+        <p:txBody>
+          <a:bodyPr wrap="none" rtlCol="0">
+            <a:spAutoFit/>
+          </a:bodyPr>
+          <a:lstStyle/>
+          <a:p>
+            <a:pPr marL="285750" indent="-285750">
+              <a:buFont typeface="Wingdings" pitchFamily="2" charset="2"/>
+              <a:buChar char="Ø"/>
+            </a:pPr>
+            <a:r>
+              <a:rPr kumimoji="1" lang="zh-CN" altLang="en-US" sz="2000" dirty="0">
+                <a:latin typeface="Optima" panose="02000503060000020004" pitchFamily="2" charset="0"/>
+                <a:ea typeface="KaiTi" panose="02010609060101010101" pitchFamily="49" charset="-122"/>
+              </a:rPr>
+              <a:t>成员函数</a:t>
+            </a:r>
+            <a:endParaRPr kumimoji="1" lang="en-US" altLang="zh-CN" sz="2000" dirty="0">
+              <a:latin typeface="Optima" panose="02000503060000020004" pitchFamily="2" charset="0"/>
+              <a:ea typeface="KaiTi" panose="02010609060101010101" pitchFamily="49" charset="-122"/>
+            </a:endParaRPr>
+          </a:p>
+          <a:p>
+            <a:pPr marL="285750" indent="-285750">
+              <a:buFont typeface="Wingdings" pitchFamily="2" charset="2"/>
+              <a:buChar char="Ø"/>
+            </a:pPr>
+            <a:endParaRPr kumimoji="1" lang="en-US" altLang="zh-CN" sz="2000" dirty="0">
+              <a:latin typeface="Optima" panose="02000503060000020004" pitchFamily="2" charset="0"/>
+              <a:ea typeface="KaiTi" panose="02010609060101010101" pitchFamily="49" charset="-122"/>
+            </a:endParaRPr>
+          </a:p>
+          <a:p>
+            <a:pPr marL="742950" lvl="1" indent="-285750">
+              <a:buFont typeface="Wingdings" pitchFamily="2" charset="2"/>
+              <a:buChar char="Ø"/>
+            </a:pPr>
+            <a:r>
+              <a:rPr lang="en" altLang="zh-CN" sz="2000" b="0" dirty="0">
+                <a:solidFill>
+                  <a:srgbClr val="267F99"/>
+                </a:solidFill>
+                <a:effectLst/>
+                <a:latin typeface="Optima" panose="02000503060000020004" pitchFamily="2" charset="0"/>
+                <a:ea typeface="KaiTi" panose="02010609060101010101" pitchFamily="49" charset="-122"/>
+              </a:rPr>
+              <a:t>Time</a:t>
+            </a:r>
+            <a:r>
+              <a:rPr lang="en" altLang="zh-CN" sz="2000" b="0" dirty="0">
+                <a:solidFill>
+                  <a:srgbClr val="3B3B3B"/>
+                </a:solidFill>
+                <a:effectLst/>
+                <a:latin typeface="Optima" panose="02000503060000020004" pitchFamily="2" charset="0"/>
+                <a:ea typeface="KaiTi" panose="02010609060101010101" pitchFamily="49" charset="-122"/>
+              </a:rPr>
+              <a:t> </a:t>
+            </a:r>
+            <a:r>
+              <a:rPr lang="en" altLang="zh-CN" sz="2000" b="0" dirty="0">
+                <a:solidFill>
+                  <a:srgbClr val="795E26"/>
+                </a:solidFill>
+                <a:effectLst/>
+                <a:latin typeface="Optima" panose="02000503060000020004" pitchFamily="2" charset="0"/>
+                <a:ea typeface="KaiTi" panose="02010609060101010101" pitchFamily="49" charset="-122"/>
+              </a:rPr>
+              <a:t>operator+</a:t>
+            </a:r>
+            <a:r>
+              <a:rPr lang="en" altLang="zh-CN" sz="2000" b="0" dirty="0">
+                <a:solidFill>
+                  <a:srgbClr val="3B3B3B"/>
+                </a:solidFill>
+                <a:effectLst/>
+                <a:latin typeface="Optima" panose="02000503060000020004" pitchFamily="2" charset="0"/>
+                <a:ea typeface="KaiTi" panose="02010609060101010101" pitchFamily="49" charset="-122"/>
+              </a:rPr>
+              <a:t>(</a:t>
+            </a:r>
+            <a:r>
+              <a:rPr lang="en" altLang="zh-CN" sz="2000" b="0" dirty="0">
+                <a:solidFill>
+                  <a:srgbClr val="0000FF"/>
+                </a:solidFill>
+                <a:effectLst/>
+                <a:latin typeface="Optima" panose="02000503060000020004" pitchFamily="2" charset="0"/>
+                <a:ea typeface="KaiTi" panose="02010609060101010101" pitchFamily="49" charset="-122"/>
+              </a:rPr>
+              <a:t>const</a:t>
+            </a:r>
+            <a:r>
+              <a:rPr lang="en" altLang="zh-CN" sz="2000" b="0" dirty="0">
+                <a:solidFill>
+                  <a:srgbClr val="3B3B3B"/>
+                </a:solidFill>
+                <a:effectLst/>
+                <a:latin typeface="Optima" panose="02000503060000020004" pitchFamily="2" charset="0"/>
+                <a:ea typeface="KaiTi" panose="02010609060101010101" pitchFamily="49" charset="-122"/>
+              </a:rPr>
+              <a:t> </a:t>
+            </a:r>
+            <a:r>
+              <a:rPr lang="en" altLang="zh-CN" sz="2000" b="0" dirty="0">
+                <a:solidFill>
+                  <a:srgbClr val="267F99"/>
+                </a:solidFill>
+                <a:effectLst/>
+                <a:latin typeface="Optima" panose="02000503060000020004" pitchFamily="2" charset="0"/>
+                <a:ea typeface="KaiTi" panose="02010609060101010101" pitchFamily="49" charset="-122"/>
+              </a:rPr>
+              <a:t>Time</a:t>
+            </a:r>
+            <a:r>
+              <a:rPr lang="en" altLang="zh-CN" sz="2000" b="0" dirty="0">
+                <a:solidFill>
+                  <a:srgbClr val="0000FF"/>
+                </a:solidFill>
+                <a:effectLst/>
+                <a:latin typeface="Optima" panose="02000503060000020004" pitchFamily="2" charset="0"/>
+                <a:ea typeface="KaiTi" panose="02010609060101010101" pitchFamily="49" charset="-122"/>
+              </a:rPr>
+              <a:t>&amp;</a:t>
+            </a:r>
+            <a:r>
+              <a:rPr lang="en" altLang="zh-CN" sz="2000" b="0" dirty="0">
+                <a:solidFill>
+                  <a:srgbClr val="3B3B3B"/>
+                </a:solidFill>
+                <a:effectLst/>
+                <a:latin typeface="Optima" panose="02000503060000020004" pitchFamily="2" charset="0"/>
+                <a:ea typeface="KaiTi" panose="02010609060101010101" pitchFamily="49" charset="-122"/>
+              </a:rPr>
+              <a:t> </a:t>
+            </a:r>
+            <a:r>
+              <a:rPr lang="en" altLang="zh-CN" sz="2000" b="0" dirty="0">
+                <a:solidFill>
+                  <a:srgbClr val="001080"/>
+                </a:solidFill>
+                <a:effectLst/>
+                <a:latin typeface="Optima" panose="02000503060000020004" pitchFamily="2" charset="0"/>
+                <a:ea typeface="KaiTi" panose="02010609060101010101" pitchFamily="49" charset="-122"/>
+              </a:rPr>
+              <a:t>t</a:t>
+            </a:r>
+            <a:r>
+              <a:rPr lang="en" altLang="zh-CN" sz="2000" b="0" dirty="0">
+                <a:solidFill>
+                  <a:srgbClr val="3B3B3B"/>
+                </a:solidFill>
+                <a:effectLst/>
+                <a:latin typeface="Optima" panose="02000503060000020004" pitchFamily="2" charset="0"/>
+                <a:ea typeface="KaiTi" panose="02010609060101010101" pitchFamily="49" charset="-122"/>
+              </a:rPr>
+              <a:t>) </a:t>
+            </a:r>
+            <a:r>
+              <a:rPr lang="en" altLang="zh-CN" sz="2000" b="0" dirty="0">
+                <a:solidFill>
+                  <a:srgbClr val="0000FF"/>
+                </a:solidFill>
+                <a:effectLst/>
+                <a:latin typeface="Optima" panose="02000503060000020004" pitchFamily="2" charset="0"/>
+                <a:ea typeface="KaiTi" panose="02010609060101010101" pitchFamily="49" charset="-122"/>
+              </a:rPr>
+              <a:t>const</a:t>
+            </a:r>
+            <a:r>
+              <a:rPr lang="en" altLang="zh-CN" sz="2000" b="0" dirty="0">
+                <a:solidFill>
+                  <a:srgbClr val="3B3B3B"/>
+                </a:solidFill>
+                <a:effectLst/>
+                <a:latin typeface="Optima" panose="02000503060000020004" pitchFamily="2" charset="0"/>
+                <a:ea typeface="KaiTi" panose="02010609060101010101" pitchFamily="49" charset="-122"/>
+              </a:rPr>
+              <a:t>;</a:t>
+            </a:r>
+          </a:p>
+          <a:p>
+            <a:pPr marL="742950" lvl="1" indent="-285750">
+              <a:buFont typeface="Wingdings" pitchFamily="2" charset="2"/>
+              <a:buChar char="Ø"/>
+            </a:pPr>
+            <a:endParaRPr lang="en" altLang="zh-CN" sz="2000" dirty="0">
+              <a:solidFill>
+                <a:srgbClr val="3B3B3B"/>
+              </a:solidFill>
+              <a:latin typeface="Optima" panose="02000503060000020004" pitchFamily="2" charset="0"/>
+              <a:ea typeface="KaiTi" panose="02010609060101010101" pitchFamily="49" charset="-122"/>
+            </a:endParaRPr>
+          </a:p>
+          <a:p>
+            <a:pPr marL="742950" lvl="1" indent="-285750">
+              <a:buFont typeface="Wingdings" pitchFamily="2" charset="2"/>
+              <a:buChar char="Ø"/>
+            </a:pPr>
+            <a:r>
+              <a:rPr lang="en-US" altLang="zh-CN" sz="2000" dirty="0">
+                <a:solidFill>
+                  <a:srgbClr val="3B3B3B"/>
+                </a:solidFill>
+                <a:latin typeface="Optima" panose="02000503060000020004" pitchFamily="2" charset="0"/>
+                <a:ea typeface="KaiTi" panose="02010609060101010101" pitchFamily="49" charset="-122"/>
+              </a:rPr>
+              <a:t>this </a:t>
+            </a:r>
+            <a:r>
+              <a:rPr lang="zh-CN" altLang="en-US" sz="2000" dirty="0">
+                <a:solidFill>
+                  <a:srgbClr val="3B3B3B"/>
+                </a:solidFill>
+                <a:latin typeface="Optima" panose="02000503060000020004" pitchFamily="2" charset="0"/>
+                <a:ea typeface="KaiTi" panose="02010609060101010101" pitchFamily="49" charset="-122"/>
+              </a:rPr>
+              <a:t>指针隐式传递</a:t>
+            </a:r>
+            <a:endParaRPr lang="en" altLang="zh-CN" sz="2000" b="0" dirty="0">
+              <a:solidFill>
+                <a:srgbClr val="3B3B3B"/>
+              </a:solidFill>
+              <a:effectLst/>
+              <a:latin typeface="Optima" panose="02000503060000020004" pitchFamily="2" charset="0"/>
+              <a:ea typeface="KaiTi" panose="02010609060101010101" pitchFamily="49" charset="-122"/>
+            </a:endParaRPr>
+          </a:p>
+          <a:p>
+            <a:pPr marL="742950" lvl="1" indent="-285750">
+              <a:buFont typeface="Wingdings" pitchFamily="2" charset="2"/>
+              <a:buChar char="Ø"/>
+            </a:pPr>
+            <a:endParaRPr kumimoji="1" lang="en-US" altLang="zh-CN" sz="2000" dirty="0">
+              <a:latin typeface="Optima" panose="02000503060000020004" pitchFamily="2" charset="0"/>
+              <a:ea typeface="KaiTi" panose="02010609060101010101" pitchFamily="49" charset="-122"/>
+            </a:endParaRPr>
+          </a:p>
+          <a:p>
+            <a:pPr marL="285750" indent="-285750">
+              <a:buFont typeface="Wingdings" pitchFamily="2" charset="2"/>
+              <a:buChar char="Ø"/>
+            </a:pPr>
+            <a:endParaRPr kumimoji="1" lang="en-US" altLang="zh-CN" sz="2000" dirty="0">
+              <a:latin typeface="Optima" panose="02000503060000020004" pitchFamily="2" charset="0"/>
+              <a:ea typeface="KaiTi" panose="02010609060101010101" pitchFamily="49" charset="-122"/>
+            </a:endParaRPr>
+          </a:p>
+          <a:p>
+            <a:pPr marL="285750" indent="-285750">
+              <a:buFont typeface="Wingdings" pitchFamily="2" charset="2"/>
+              <a:buChar char="Ø"/>
+            </a:pPr>
+            <a:endParaRPr kumimoji="1" lang="en-US" altLang="zh-CN" sz="2000" dirty="0">
+              <a:latin typeface="Optima" panose="02000503060000020004" pitchFamily="2" charset="0"/>
+              <a:ea typeface="KaiTi" panose="02010609060101010101" pitchFamily="49" charset="-122"/>
+            </a:endParaRPr>
+          </a:p>
+          <a:p>
+            <a:pPr marL="285750" indent="-285750">
+              <a:buFont typeface="Wingdings" pitchFamily="2" charset="2"/>
+              <a:buChar char="Ø"/>
+            </a:pPr>
+            <a:r>
+              <a:rPr kumimoji="1" lang="zh-CN" altLang="en-US" sz="2000" dirty="0">
+                <a:latin typeface="Optima" panose="02000503060000020004" pitchFamily="2" charset="0"/>
+                <a:ea typeface="KaiTi" panose="02010609060101010101" pitchFamily="49" charset="-122"/>
+              </a:rPr>
+              <a:t>非成员函数</a:t>
+            </a:r>
+            <a:endParaRPr kumimoji="1" lang="en-US" altLang="zh-CN" sz="2000" dirty="0">
+              <a:latin typeface="Optima" panose="02000503060000020004" pitchFamily="2" charset="0"/>
+              <a:ea typeface="KaiTi" panose="02010609060101010101" pitchFamily="49" charset="-122"/>
+            </a:endParaRPr>
+          </a:p>
+          <a:p>
+            <a:pPr marL="285750" indent="-285750">
+              <a:buFont typeface="Wingdings" pitchFamily="2" charset="2"/>
+              <a:buChar char="Ø"/>
+            </a:pPr>
+            <a:endParaRPr kumimoji="1" lang="en-US" altLang="zh-CN" sz="2000" dirty="0">
+              <a:latin typeface="Optima" panose="02000503060000020004" pitchFamily="2" charset="0"/>
+              <a:ea typeface="KaiTi" panose="02010609060101010101" pitchFamily="49" charset="-122"/>
+            </a:endParaRPr>
+          </a:p>
+          <a:p>
+            <a:pPr marL="742950" lvl="1" indent="-285750">
+              <a:buFont typeface="Wingdings" pitchFamily="2" charset="2"/>
+              <a:buChar char="Ø"/>
+            </a:pPr>
+            <a:r>
+              <a:rPr lang="en" altLang="zh-CN" sz="2000" b="0" dirty="0">
+                <a:solidFill>
+                  <a:srgbClr val="0000FF"/>
+                </a:solidFill>
+                <a:effectLst/>
+                <a:latin typeface="Optima" panose="02000503060000020004" pitchFamily="2" charset="0"/>
+                <a:ea typeface="KaiTi" panose="02010609060101010101" pitchFamily="49" charset="-122"/>
+              </a:rPr>
+              <a:t>friend</a:t>
+            </a:r>
+            <a:r>
+              <a:rPr lang="en" altLang="zh-CN" sz="2000" b="0" dirty="0">
+                <a:solidFill>
+                  <a:srgbClr val="3B3B3B"/>
+                </a:solidFill>
+                <a:effectLst/>
+                <a:latin typeface="Optima" panose="02000503060000020004" pitchFamily="2" charset="0"/>
+                <a:ea typeface="KaiTi" panose="02010609060101010101" pitchFamily="49" charset="-122"/>
+              </a:rPr>
+              <a:t> </a:t>
+            </a:r>
+            <a:r>
+              <a:rPr lang="en" altLang="zh-CN" sz="2000" b="0" dirty="0">
+                <a:solidFill>
+                  <a:srgbClr val="267F99"/>
+                </a:solidFill>
+                <a:effectLst/>
+                <a:latin typeface="Optima" panose="02000503060000020004" pitchFamily="2" charset="0"/>
+                <a:ea typeface="KaiTi" panose="02010609060101010101" pitchFamily="49" charset="-122"/>
+              </a:rPr>
+              <a:t>Time</a:t>
+            </a:r>
+            <a:r>
+              <a:rPr lang="en" altLang="zh-CN" sz="2000" b="0" dirty="0">
+                <a:solidFill>
+                  <a:srgbClr val="3B3B3B"/>
+                </a:solidFill>
+                <a:effectLst/>
+                <a:latin typeface="Optima" panose="02000503060000020004" pitchFamily="2" charset="0"/>
+                <a:ea typeface="KaiTi" panose="02010609060101010101" pitchFamily="49" charset="-122"/>
+              </a:rPr>
+              <a:t> </a:t>
+            </a:r>
+            <a:r>
+              <a:rPr lang="en" altLang="zh-CN" sz="2000" b="0" dirty="0">
+                <a:solidFill>
+                  <a:srgbClr val="795E26"/>
+                </a:solidFill>
+                <a:effectLst/>
+                <a:latin typeface="Optima" panose="02000503060000020004" pitchFamily="2" charset="0"/>
+                <a:ea typeface="KaiTi" panose="02010609060101010101" pitchFamily="49" charset="-122"/>
+              </a:rPr>
+              <a:t>operator+</a:t>
+            </a:r>
+            <a:r>
+              <a:rPr lang="en" altLang="zh-CN" sz="2000" b="0" dirty="0">
+                <a:solidFill>
+                  <a:srgbClr val="3B3B3B"/>
+                </a:solidFill>
+                <a:effectLst/>
+                <a:latin typeface="Optima" panose="02000503060000020004" pitchFamily="2" charset="0"/>
+                <a:ea typeface="KaiTi" panose="02010609060101010101" pitchFamily="49" charset="-122"/>
+              </a:rPr>
+              <a:t>(</a:t>
+            </a:r>
+            <a:r>
+              <a:rPr lang="en" altLang="zh-CN" sz="2000" b="0" dirty="0">
+                <a:solidFill>
+                  <a:srgbClr val="0000FF"/>
+                </a:solidFill>
+                <a:effectLst/>
+                <a:latin typeface="Optima" panose="02000503060000020004" pitchFamily="2" charset="0"/>
+                <a:ea typeface="KaiTi" panose="02010609060101010101" pitchFamily="49" charset="-122"/>
+              </a:rPr>
+              <a:t>const</a:t>
+            </a:r>
+            <a:r>
+              <a:rPr lang="en" altLang="zh-CN" sz="2000" b="0" dirty="0">
+                <a:solidFill>
+                  <a:srgbClr val="3B3B3B"/>
+                </a:solidFill>
+                <a:effectLst/>
+                <a:latin typeface="Optima" panose="02000503060000020004" pitchFamily="2" charset="0"/>
+                <a:ea typeface="KaiTi" panose="02010609060101010101" pitchFamily="49" charset="-122"/>
+              </a:rPr>
+              <a:t> </a:t>
+            </a:r>
+            <a:r>
+              <a:rPr lang="en" altLang="zh-CN" sz="2000" b="0" dirty="0">
+                <a:solidFill>
+                  <a:srgbClr val="267F99"/>
+                </a:solidFill>
+                <a:effectLst/>
+                <a:latin typeface="Optima" panose="02000503060000020004" pitchFamily="2" charset="0"/>
+                <a:ea typeface="KaiTi" panose="02010609060101010101" pitchFamily="49" charset="-122"/>
+              </a:rPr>
+              <a:t>Time</a:t>
+            </a:r>
+            <a:r>
+              <a:rPr lang="en" altLang="zh-CN" sz="2000" b="0" dirty="0">
+                <a:solidFill>
+                  <a:srgbClr val="0000FF"/>
+                </a:solidFill>
+                <a:effectLst/>
+                <a:latin typeface="Optima" panose="02000503060000020004" pitchFamily="2" charset="0"/>
+                <a:ea typeface="KaiTi" panose="02010609060101010101" pitchFamily="49" charset="-122"/>
+              </a:rPr>
+              <a:t>&amp;</a:t>
+            </a:r>
+            <a:r>
+              <a:rPr lang="en" altLang="zh-CN" sz="2000" b="0" dirty="0">
+                <a:solidFill>
+                  <a:srgbClr val="3B3B3B"/>
+                </a:solidFill>
+                <a:effectLst/>
+                <a:latin typeface="Optima" panose="02000503060000020004" pitchFamily="2" charset="0"/>
+                <a:ea typeface="KaiTi" panose="02010609060101010101" pitchFamily="49" charset="-122"/>
+              </a:rPr>
+              <a:t> </a:t>
+            </a:r>
+            <a:r>
+              <a:rPr lang="en" altLang="zh-CN" sz="2000" b="0" dirty="0">
+                <a:solidFill>
+                  <a:srgbClr val="001080"/>
+                </a:solidFill>
+                <a:effectLst/>
+                <a:latin typeface="Optima" panose="02000503060000020004" pitchFamily="2" charset="0"/>
+                <a:ea typeface="KaiTi" panose="02010609060101010101" pitchFamily="49" charset="-122"/>
+              </a:rPr>
+              <a:t>t1</a:t>
+            </a:r>
+            <a:r>
+              <a:rPr lang="en" altLang="zh-CN" sz="2000" b="0" dirty="0">
+                <a:solidFill>
+                  <a:srgbClr val="3B3B3B"/>
+                </a:solidFill>
+                <a:effectLst/>
+                <a:latin typeface="Optima" panose="02000503060000020004" pitchFamily="2" charset="0"/>
+                <a:ea typeface="KaiTi" panose="02010609060101010101" pitchFamily="49" charset="-122"/>
+              </a:rPr>
+              <a:t>, </a:t>
+            </a:r>
+            <a:r>
+              <a:rPr lang="en" altLang="zh-CN" sz="2000" b="0" dirty="0">
+                <a:solidFill>
+                  <a:srgbClr val="0000FF"/>
+                </a:solidFill>
+                <a:effectLst/>
+                <a:latin typeface="Optima" panose="02000503060000020004" pitchFamily="2" charset="0"/>
+                <a:ea typeface="KaiTi" panose="02010609060101010101" pitchFamily="49" charset="-122"/>
+              </a:rPr>
+              <a:t>const</a:t>
+            </a:r>
+            <a:r>
+              <a:rPr lang="en" altLang="zh-CN" sz="2000" b="0" dirty="0">
+                <a:solidFill>
+                  <a:srgbClr val="3B3B3B"/>
+                </a:solidFill>
+                <a:effectLst/>
+                <a:latin typeface="Optima" panose="02000503060000020004" pitchFamily="2" charset="0"/>
+                <a:ea typeface="KaiTi" panose="02010609060101010101" pitchFamily="49" charset="-122"/>
+              </a:rPr>
+              <a:t> </a:t>
+            </a:r>
+            <a:r>
+              <a:rPr lang="en" altLang="zh-CN" sz="2000" b="0" dirty="0">
+                <a:solidFill>
+                  <a:srgbClr val="267F99"/>
+                </a:solidFill>
+                <a:effectLst/>
+                <a:latin typeface="Optima" panose="02000503060000020004" pitchFamily="2" charset="0"/>
+                <a:ea typeface="KaiTi" panose="02010609060101010101" pitchFamily="49" charset="-122"/>
+              </a:rPr>
+              <a:t>Time</a:t>
+            </a:r>
+            <a:r>
+              <a:rPr lang="en" altLang="zh-CN" sz="2000" b="0" dirty="0">
+                <a:solidFill>
+                  <a:srgbClr val="0000FF"/>
+                </a:solidFill>
+                <a:effectLst/>
+                <a:latin typeface="Optima" panose="02000503060000020004" pitchFamily="2" charset="0"/>
+                <a:ea typeface="KaiTi" panose="02010609060101010101" pitchFamily="49" charset="-122"/>
+              </a:rPr>
+              <a:t>&amp;</a:t>
+            </a:r>
+            <a:r>
+              <a:rPr lang="en" altLang="zh-CN" sz="2000" b="0" dirty="0">
+                <a:solidFill>
+                  <a:srgbClr val="3B3B3B"/>
+                </a:solidFill>
+                <a:effectLst/>
+                <a:latin typeface="Optima" panose="02000503060000020004" pitchFamily="2" charset="0"/>
+                <a:ea typeface="KaiTi" panose="02010609060101010101" pitchFamily="49" charset="-122"/>
+              </a:rPr>
+              <a:t> </a:t>
+            </a:r>
+            <a:r>
+              <a:rPr lang="en" altLang="zh-CN" sz="2000" b="0" dirty="0">
+                <a:solidFill>
+                  <a:srgbClr val="001080"/>
+                </a:solidFill>
+                <a:effectLst/>
+                <a:latin typeface="Optima" panose="02000503060000020004" pitchFamily="2" charset="0"/>
+                <a:ea typeface="KaiTi" panose="02010609060101010101" pitchFamily="49" charset="-122"/>
+              </a:rPr>
+              <a:t>t2</a:t>
+            </a:r>
+            <a:r>
+              <a:rPr lang="en" altLang="zh-CN" sz="2000" b="0" dirty="0">
+                <a:solidFill>
+                  <a:srgbClr val="3B3B3B"/>
+                </a:solidFill>
+                <a:effectLst/>
+                <a:latin typeface="Optima" panose="02000503060000020004" pitchFamily="2" charset="0"/>
+                <a:ea typeface="KaiTi" panose="02010609060101010101" pitchFamily="49" charset="-122"/>
+              </a:rPr>
+              <a:t>);</a:t>
+            </a:r>
+          </a:p>
+          <a:p>
+            <a:pPr marL="742950" lvl="1" indent="-285750">
+              <a:buFont typeface="Wingdings" pitchFamily="2" charset="2"/>
+              <a:buChar char="Ø"/>
+            </a:pPr>
+            <a:endParaRPr kumimoji="1" lang="zh-CN" altLang="en-US" sz="2000" dirty="0">
+              <a:latin typeface="Optima" panose="02000503060000020004" pitchFamily="2" charset="0"/>
+              <a:ea typeface="KaiTi" panose="02010609060101010101" pitchFamily="49" charset="-122"/>
+            </a:endParaRPr>
+          </a:p>
+        </p:txBody>
+      </p:sp>
     </p:spTree>
     <p:extLst>
       <p:ext uri="{BB962C8B-B14F-4D97-AF65-F5344CB8AC3E}">
@@ -40229,6 +41898,784 @@
           <a:chExt cx="0" cy="0"/>
         </a:xfrm>
       </p:grpSpPr>
+      <p:sp>
+        <p:nvSpPr>
+          <p:cNvPr id="2" name="文本框 1">
+            <a:extLst>
+              <a:ext uri="{FF2B5EF4-FFF2-40B4-BE49-F238E27FC236}">
+                <a16:creationId xmlns:a16="http://schemas.microsoft.com/office/drawing/2014/main" id="{93B91543-A28F-884D-B4B3-588949F9E291}"/>
+              </a:ext>
+            </a:extLst>
+          </p:cNvPr>
+          <p:cNvSpPr txBox="1"/>
+          <p:nvPr/>
+        </p:nvSpPr>
+        <p:spPr>
+          <a:xfrm>
+            <a:off x="0" y="0"/>
+            <a:ext cx="5211683" cy="523220"/>
+          </a:xfrm>
+          <a:prstGeom prst="rect">
+            <a:avLst/>
+          </a:prstGeom>
+          <a:noFill/>
+        </p:spPr>
+        <p:txBody>
+          <a:bodyPr wrap="none" rtlCol="0">
+            <a:spAutoFit/>
+          </a:bodyPr>
+          <a:lstStyle/>
+          <a:p>
+            <a:r>
+              <a:rPr kumimoji="1" lang="zh-CN" altLang="en-US" sz="2800" dirty="0">
+                <a:latin typeface="Optima" panose="02000503060000020004" pitchFamily="2" charset="0"/>
+                <a:ea typeface="KaiTi" panose="02010609060101010101" pitchFamily="49" charset="-122"/>
+              </a:rPr>
+              <a:t>类型的自动转换和强制类型转换</a:t>
+            </a:r>
+          </a:p>
+        </p:txBody>
+      </p:sp>
+      <p:sp>
+        <p:nvSpPr>
+          <p:cNvPr id="3" name="文本框 2">
+            <a:extLst>
+              <a:ext uri="{FF2B5EF4-FFF2-40B4-BE49-F238E27FC236}">
+                <a16:creationId xmlns:a16="http://schemas.microsoft.com/office/drawing/2014/main" id="{8D28DCD3-97F8-3344-86C6-D71A5C6A30D4}"/>
+              </a:ext>
+            </a:extLst>
+          </p:cNvPr>
+          <p:cNvSpPr txBox="1"/>
+          <p:nvPr/>
+        </p:nvSpPr>
+        <p:spPr>
+          <a:xfrm>
+            <a:off x="1001949" y="1265234"/>
+            <a:ext cx="8715984" cy="1323439"/>
+          </a:xfrm>
+          <a:prstGeom prst="rect">
+            <a:avLst/>
+          </a:prstGeom>
+          <a:noFill/>
+        </p:spPr>
+        <p:txBody>
+          <a:bodyPr wrap="square" rtlCol="0">
+            <a:spAutoFit/>
+          </a:bodyPr>
+          <a:lstStyle/>
+          <a:p>
+            <a:pPr marL="285750" indent="-285750">
+              <a:buFont typeface="Wingdings" pitchFamily="2" charset="2"/>
+              <a:buChar char="Ø"/>
+            </a:pPr>
+            <a:r>
+              <a:rPr kumimoji="1" lang="zh-CN" altLang="en-US" sz="2000" dirty="0">
+                <a:latin typeface="Optima" panose="02000503060000020004" pitchFamily="2" charset="0"/>
+                <a:ea typeface="KaiTi" panose="02010609060101010101" pitchFamily="49" charset="-122"/>
+              </a:rPr>
+              <a:t>只接受一个参数的构造函数定义了从</a:t>
+            </a:r>
+            <a:r>
+              <a:rPr kumimoji="1" lang="zh-CN" altLang="en-US" sz="2000" b="1" dirty="0">
+                <a:solidFill>
+                  <a:srgbClr val="C00000"/>
+                </a:solidFill>
+                <a:latin typeface="Optima" panose="02000503060000020004" pitchFamily="2" charset="0"/>
+                <a:ea typeface="KaiTi" panose="02010609060101010101" pitchFamily="49" charset="-122"/>
+              </a:rPr>
+              <a:t>参数类型</a:t>
+            </a:r>
+            <a:r>
+              <a:rPr kumimoji="1" lang="zh-CN" altLang="en-US" sz="2000" dirty="0">
+                <a:latin typeface="Optima" panose="02000503060000020004" pitchFamily="2" charset="0"/>
+                <a:ea typeface="KaiTi" panose="02010609060101010101" pitchFamily="49" charset="-122"/>
+              </a:rPr>
+              <a:t>到</a:t>
+            </a:r>
+            <a:r>
+              <a:rPr kumimoji="1" lang="zh-CN" altLang="en-US" sz="2000" b="1" dirty="0">
+                <a:solidFill>
+                  <a:srgbClr val="C00000"/>
+                </a:solidFill>
+                <a:latin typeface="Optima" panose="02000503060000020004" pitchFamily="2" charset="0"/>
+                <a:ea typeface="KaiTi" panose="02010609060101010101" pitchFamily="49" charset="-122"/>
+              </a:rPr>
+              <a:t>类类型</a:t>
+            </a:r>
+            <a:r>
+              <a:rPr kumimoji="1" lang="zh-CN" altLang="en-US" sz="2000" dirty="0">
+                <a:latin typeface="Optima" panose="02000503060000020004" pitchFamily="2" charset="0"/>
+                <a:ea typeface="KaiTi" panose="02010609060101010101" pitchFamily="49" charset="-122"/>
+              </a:rPr>
+              <a:t>的转换</a:t>
+            </a:r>
+            <a:endParaRPr kumimoji="1" lang="en-US" altLang="zh-CN" sz="2000" dirty="0">
+              <a:latin typeface="Optima" panose="02000503060000020004" pitchFamily="2" charset="0"/>
+              <a:ea typeface="KaiTi" panose="02010609060101010101" pitchFamily="49" charset="-122"/>
+            </a:endParaRPr>
+          </a:p>
+          <a:p>
+            <a:pPr marL="285750" indent="-285750">
+              <a:buFont typeface="Wingdings" pitchFamily="2" charset="2"/>
+              <a:buChar char="Ø"/>
+            </a:pPr>
+            <a:endParaRPr kumimoji="1" lang="en-US" altLang="zh-CN" sz="2000" dirty="0">
+              <a:latin typeface="Optima" panose="02000503060000020004" pitchFamily="2" charset="0"/>
+              <a:ea typeface="KaiTi" panose="02010609060101010101" pitchFamily="49" charset="-122"/>
+            </a:endParaRPr>
+          </a:p>
+          <a:p>
+            <a:pPr marL="285750" indent="-285750">
+              <a:buFont typeface="Wingdings" pitchFamily="2" charset="2"/>
+              <a:buChar char="Ø"/>
+            </a:pPr>
+            <a:r>
+              <a:rPr kumimoji="1" lang="zh-CN" altLang="en-US" sz="2000" dirty="0">
+                <a:latin typeface="Optima" panose="02000503060000020004" pitchFamily="2" charset="0"/>
+                <a:ea typeface="KaiTi" panose="02010609060101010101" pitchFamily="49" charset="-122"/>
+              </a:rPr>
+              <a:t>如果使用</a:t>
+            </a:r>
+            <a:r>
+              <a:rPr kumimoji="1" lang="en-US" altLang="zh-CN" sz="2000" dirty="0">
+                <a:latin typeface="Optima" panose="02000503060000020004" pitchFamily="2" charset="0"/>
+                <a:ea typeface="KaiTi" panose="02010609060101010101" pitchFamily="49" charset="-122"/>
+              </a:rPr>
+              <a:t>explicit </a:t>
+            </a:r>
+            <a:r>
+              <a:rPr kumimoji="1" lang="zh-CN" altLang="en-US" sz="2000" dirty="0">
+                <a:latin typeface="Optima" panose="02000503060000020004" pitchFamily="2" charset="0"/>
+                <a:ea typeface="KaiTi" panose="02010609060101010101" pitchFamily="49" charset="-122"/>
+              </a:rPr>
+              <a:t>关键字限定这种构造函数，则只能显示转换，不可以隐式转换</a:t>
+            </a:r>
+          </a:p>
+        </p:txBody>
+      </p:sp>
+      <p:sp>
+        <p:nvSpPr>
+          <p:cNvPr id="4" name="文本框 3">
+            <a:extLst>
+              <a:ext uri="{FF2B5EF4-FFF2-40B4-BE49-F238E27FC236}">
+                <a16:creationId xmlns:a16="http://schemas.microsoft.com/office/drawing/2014/main" id="{7414A87E-289F-2547-B9D4-8F3A0811D9A2}"/>
+              </a:ext>
+            </a:extLst>
+          </p:cNvPr>
+          <p:cNvSpPr txBox="1"/>
+          <p:nvPr/>
+        </p:nvSpPr>
+        <p:spPr>
+          <a:xfrm>
+            <a:off x="343683" y="787940"/>
+            <a:ext cx="2492990" cy="400110"/>
+          </a:xfrm>
+          <a:prstGeom prst="rect">
+            <a:avLst/>
+          </a:prstGeom>
+          <a:noFill/>
+        </p:spPr>
+        <p:txBody>
+          <a:bodyPr wrap="none" rtlCol="0">
+            <a:spAutoFit/>
+          </a:bodyPr>
+          <a:lstStyle/>
+          <a:p>
+            <a:r>
+              <a:rPr kumimoji="1" lang="zh-CN" altLang="en-US" sz="2000" dirty="0">
+                <a:latin typeface="Optima" panose="02000503060000020004" pitchFamily="2" charset="0"/>
+                <a:ea typeface="KaiTi" panose="02010609060101010101" pitchFamily="49" charset="-122"/>
+              </a:rPr>
+              <a:t>构造函数的类型转换</a:t>
+            </a:r>
+          </a:p>
+        </p:txBody>
+      </p:sp>
+      <p:sp>
+        <p:nvSpPr>
+          <p:cNvPr id="5" name="文本框 4">
+            <a:extLst>
+              <a:ext uri="{FF2B5EF4-FFF2-40B4-BE49-F238E27FC236}">
+                <a16:creationId xmlns:a16="http://schemas.microsoft.com/office/drawing/2014/main" id="{C5DE826E-67F4-1D49-AF52-5240E0CDC2CE}"/>
+              </a:ext>
+            </a:extLst>
+          </p:cNvPr>
+          <p:cNvSpPr txBox="1"/>
+          <p:nvPr/>
+        </p:nvSpPr>
+        <p:spPr>
+          <a:xfrm>
+            <a:off x="2762655" y="776937"/>
+            <a:ext cx="1831233" cy="400110"/>
+          </a:xfrm>
+          <a:prstGeom prst="rect">
+            <a:avLst/>
+          </a:prstGeom>
+          <a:noFill/>
+        </p:spPr>
+        <p:txBody>
+          <a:bodyPr wrap="square">
+            <a:spAutoFit/>
+          </a:bodyPr>
+          <a:lstStyle/>
+          <a:p>
+            <a:r>
+              <a:rPr lang="en-US" altLang="zh-CN" sz="2000" b="1" dirty="0" err="1">
+                <a:highlight>
+                  <a:srgbClr val="FFFF00"/>
+                </a:highlight>
+                <a:latin typeface="Optima" panose="02000503060000020004" pitchFamily="2" charset="0"/>
+                <a:ea typeface="KaiTi" panose="02010609060101010101" pitchFamily="49" charset="-122"/>
+              </a:rPr>
+              <a:t>stone.cpp</a:t>
+            </a:r>
+            <a:endParaRPr lang="zh-CN" altLang="en-US" sz="2000" b="1" dirty="0">
+              <a:highlight>
+                <a:srgbClr val="FFFF00"/>
+              </a:highlight>
+              <a:latin typeface="Optima" panose="02000503060000020004" pitchFamily="2" charset="0"/>
+              <a:ea typeface="KaiTi" panose="02010609060101010101" pitchFamily="49" charset="-122"/>
+            </a:endParaRPr>
+          </a:p>
+        </p:txBody>
+      </p:sp>
+      <p:sp>
+        <p:nvSpPr>
+          <p:cNvPr id="6" name="文本框 5">
+            <a:extLst>
+              <a:ext uri="{FF2B5EF4-FFF2-40B4-BE49-F238E27FC236}">
+                <a16:creationId xmlns:a16="http://schemas.microsoft.com/office/drawing/2014/main" id="{727CC543-AB88-9B47-B879-09D3DA2EB845}"/>
+              </a:ext>
+            </a:extLst>
+          </p:cNvPr>
+          <p:cNvSpPr txBox="1"/>
+          <p:nvPr/>
+        </p:nvSpPr>
+        <p:spPr>
+          <a:xfrm>
+            <a:off x="343683" y="2729007"/>
+            <a:ext cx="4682692" cy="400110"/>
+          </a:xfrm>
+          <a:prstGeom prst="rect">
+            <a:avLst/>
+          </a:prstGeom>
+          <a:noFill/>
+        </p:spPr>
+        <p:txBody>
+          <a:bodyPr wrap="none" rtlCol="0">
+            <a:spAutoFit/>
+          </a:bodyPr>
+          <a:lstStyle/>
+          <a:p>
+            <a:r>
+              <a:rPr kumimoji="1" lang="zh-CN" altLang="en-US" sz="2000" dirty="0">
+                <a:latin typeface="Optima" panose="02000503060000020004" pitchFamily="2" charset="0"/>
+                <a:ea typeface="KaiTi" panose="02010609060101010101" pitchFamily="49" charset="-122"/>
+              </a:rPr>
+              <a:t>隐式转换，如 </a:t>
+            </a:r>
+            <a:r>
+              <a:rPr kumimoji="1" lang="en-US" altLang="zh-CN" sz="2000" dirty="0" err="1">
+                <a:latin typeface="Optima" panose="02000503060000020004" pitchFamily="2" charset="0"/>
+                <a:ea typeface="KaiTi" panose="02010609060101010101" pitchFamily="49" charset="-122"/>
+              </a:rPr>
+              <a:t>Stonewt</a:t>
+            </a:r>
+            <a:r>
+              <a:rPr kumimoji="1" lang="en-US" altLang="zh-CN" sz="2000" dirty="0">
+                <a:latin typeface="Optima" panose="02000503060000020004" pitchFamily="2" charset="0"/>
+                <a:ea typeface="KaiTi" panose="02010609060101010101" pitchFamily="49" charset="-122"/>
+              </a:rPr>
+              <a:t>(double)</a:t>
+            </a:r>
+            <a:r>
+              <a:rPr kumimoji="1" lang="zh-CN" altLang="en-US" sz="2000" dirty="0">
+                <a:latin typeface="Optima" panose="02000503060000020004" pitchFamily="2" charset="0"/>
+                <a:ea typeface="KaiTi" panose="02010609060101010101" pitchFamily="49" charset="-122"/>
+              </a:rPr>
+              <a:t> 构造函数</a:t>
+            </a:r>
+            <a:endParaRPr kumimoji="1" lang="en-US" altLang="zh-CN" sz="2000" dirty="0">
+              <a:latin typeface="Optima" panose="02000503060000020004" pitchFamily="2" charset="0"/>
+              <a:ea typeface="KaiTi" panose="02010609060101010101" pitchFamily="49" charset="-122"/>
+            </a:endParaRPr>
+          </a:p>
+        </p:txBody>
+      </p:sp>
+      <p:sp>
+        <p:nvSpPr>
+          <p:cNvPr id="7" name="文本框 6">
+            <a:extLst>
+              <a:ext uri="{FF2B5EF4-FFF2-40B4-BE49-F238E27FC236}">
+                <a16:creationId xmlns:a16="http://schemas.microsoft.com/office/drawing/2014/main" id="{FFAAA518-2B78-304D-A28E-C40E622E94BA}"/>
+              </a:ext>
+            </a:extLst>
+          </p:cNvPr>
+          <p:cNvSpPr txBox="1"/>
+          <p:nvPr/>
+        </p:nvSpPr>
+        <p:spPr>
+          <a:xfrm>
+            <a:off x="1001949" y="3210048"/>
+            <a:ext cx="7823167" cy="2056910"/>
+          </a:xfrm>
+          <a:prstGeom prst="rect">
+            <a:avLst/>
+          </a:prstGeom>
+          <a:noFill/>
+        </p:spPr>
+        <p:txBody>
+          <a:bodyPr wrap="none" rtlCol="0">
+            <a:spAutoFit/>
+          </a:bodyPr>
+          <a:lstStyle/>
+          <a:p>
+            <a:pPr marL="285750" indent="-285750">
+              <a:lnSpc>
+                <a:spcPct val="130000"/>
+              </a:lnSpc>
+              <a:buFont typeface="Wingdings" pitchFamily="2" charset="2"/>
+              <a:buChar char="Ø"/>
+            </a:pPr>
+            <a:r>
+              <a:rPr kumimoji="1" lang="zh-CN" altLang="en-US" sz="2000" dirty="0">
+                <a:latin typeface="Optima" panose="02000503060000020004" pitchFamily="2" charset="0"/>
+                <a:ea typeface="KaiTi" panose="02010609060101010101" pitchFamily="49" charset="-122"/>
+              </a:rPr>
+              <a:t>将</a:t>
+            </a:r>
+            <a:r>
+              <a:rPr kumimoji="1" lang="en-US" altLang="zh-CN" sz="2000" dirty="0">
+                <a:latin typeface="Optima" panose="02000503060000020004" pitchFamily="2" charset="0"/>
+                <a:ea typeface="KaiTi" panose="02010609060101010101" pitchFamily="49" charset="-122"/>
+              </a:rPr>
+              <a:t> </a:t>
+            </a:r>
+            <a:r>
+              <a:rPr kumimoji="1" lang="en-US" altLang="zh-CN" sz="2000" dirty="0" err="1">
+                <a:latin typeface="Optima" panose="02000503060000020004" pitchFamily="2" charset="0"/>
+                <a:ea typeface="KaiTi" panose="02010609060101010101" pitchFamily="49" charset="-122"/>
+              </a:rPr>
+              <a:t>Stonewt</a:t>
+            </a:r>
+            <a:r>
+              <a:rPr kumimoji="1" lang="en-US" altLang="zh-CN" sz="2000" dirty="0">
+                <a:latin typeface="Optima" panose="02000503060000020004" pitchFamily="2" charset="0"/>
+                <a:ea typeface="KaiTi" panose="02010609060101010101" pitchFamily="49" charset="-122"/>
+              </a:rPr>
+              <a:t> </a:t>
+            </a:r>
+            <a:r>
+              <a:rPr kumimoji="1" lang="zh-CN" altLang="en-US" sz="2000" dirty="0">
+                <a:latin typeface="Optima" panose="02000503060000020004" pitchFamily="2" charset="0"/>
+                <a:ea typeface="KaiTi" panose="02010609060101010101" pitchFamily="49" charset="-122"/>
+              </a:rPr>
+              <a:t>对象初始化为</a:t>
+            </a:r>
+            <a:r>
+              <a:rPr kumimoji="1" lang="en-US" altLang="zh-CN" sz="2000" dirty="0">
+                <a:latin typeface="Optima" panose="02000503060000020004" pitchFamily="2" charset="0"/>
+                <a:ea typeface="KaiTi" panose="02010609060101010101" pitchFamily="49" charset="-122"/>
+              </a:rPr>
+              <a:t> double </a:t>
+            </a:r>
+            <a:r>
+              <a:rPr kumimoji="1" lang="zh-CN" altLang="en-US" sz="2000" dirty="0">
+                <a:latin typeface="Optima" panose="02000503060000020004" pitchFamily="2" charset="0"/>
+                <a:ea typeface="KaiTi" panose="02010609060101010101" pitchFamily="49" charset="-122"/>
+              </a:rPr>
+              <a:t>值，例如：</a:t>
+            </a:r>
+            <a:r>
+              <a:rPr kumimoji="1" lang="en-US" altLang="zh-CN" sz="2000" dirty="0" err="1">
+                <a:latin typeface="Optima" panose="02000503060000020004" pitchFamily="2" charset="0"/>
+                <a:ea typeface="KaiTi" panose="02010609060101010101" pitchFamily="49" charset="-122"/>
+              </a:rPr>
+              <a:t>Stonewt</a:t>
+            </a:r>
+            <a:r>
+              <a:rPr kumimoji="1" lang="zh-CN" altLang="en-US" sz="2000" dirty="0">
+                <a:latin typeface="Optima" panose="02000503060000020004" pitchFamily="2" charset="0"/>
+                <a:ea typeface="KaiTi" panose="02010609060101010101" pitchFamily="49" charset="-122"/>
+              </a:rPr>
+              <a:t> </a:t>
+            </a:r>
+            <a:r>
+              <a:rPr kumimoji="1" lang="en-US" altLang="zh-CN" sz="2000" dirty="0" err="1">
+                <a:latin typeface="Optima" panose="02000503060000020004" pitchFamily="2" charset="0"/>
+                <a:ea typeface="KaiTi" panose="02010609060101010101" pitchFamily="49" charset="-122"/>
+              </a:rPr>
+              <a:t>myCat</a:t>
+            </a:r>
+            <a:r>
+              <a:rPr kumimoji="1" lang="en-US" altLang="zh-CN" sz="2000" dirty="0">
+                <a:latin typeface="Optima" panose="02000503060000020004" pitchFamily="2" charset="0"/>
+                <a:ea typeface="KaiTi" panose="02010609060101010101" pitchFamily="49" charset="-122"/>
+              </a:rPr>
+              <a:t>(3.3);</a:t>
+            </a:r>
+          </a:p>
+          <a:p>
+            <a:pPr marL="285750" indent="-285750">
+              <a:lnSpc>
+                <a:spcPct val="130000"/>
+              </a:lnSpc>
+              <a:buFont typeface="Wingdings" pitchFamily="2" charset="2"/>
+              <a:buChar char="Ø"/>
+            </a:pPr>
+            <a:r>
+              <a:rPr kumimoji="1" lang="zh-CN" altLang="en-US" sz="2000" dirty="0">
+                <a:latin typeface="Optima" panose="02000503060000020004" pitchFamily="2" charset="0"/>
+                <a:ea typeface="KaiTi" panose="02010609060101010101" pitchFamily="49" charset="-122"/>
+              </a:rPr>
+              <a:t>将</a:t>
+            </a:r>
+            <a:r>
+              <a:rPr kumimoji="1" lang="en-US" altLang="zh-CN" sz="2000" dirty="0">
+                <a:latin typeface="Optima" panose="02000503060000020004" pitchFamily="2" charset="0"/>
+                <a:ea typeface="KaiTi" panose="02010609060101010101" pitchFamily="49" charset="-122"/>
+              </a:rPr>
+              <a:t> double </a:t>
+            </a:r>
+            <a:r>
+              <a:rPr kumimoji="1" lang="zh-CN" altLang="en-US" sz="2000" dirty="0">
+                <a:latin typeface="Optima" panose="02000503060000020004" pitchFamily="2" charset="0"/>
+                <a:ea typeface="KaiTi" panose="02010609060101010101" pitchFamily="49" charset="-122"/>
+              </a:rPr>
+              <a:t>值赋给</a:t>
+            </a:r>
+            <a:r>
+              <a:rPr kumimoji="1" lang="en-US" altLang="zh-CN" sz="2000" dirty="0">
+                <a:latin typeface="Optima" panose="02000503060000020004" pitchFamily="2" charset="0"/>
+                <a:ea typeface="KaiTi" panose="02010609060101010101" pitchFamily="49" charset="-122"/>
+              </a:rPr>
+              <a:t> </a:t>
+            </a:r>
+            <a:r>
+              <a:rPr kumimoji="1" lang="en-US" altLang="zh-CN" sz="2000" dirty="0" err="1">
+                <a:latin typeface="Optima" panose="02000503060000020004" pitchFamily="2" charset="0"/>
+                <a:ea typeface="KaiTi" panose="02010609060101010101" pitchFamily="49" charset="-122"/>
+              </a:rPr>
+              <a:t>Stonewt</a:t>
+            </a:r>
+            <a:r>
+              <a:rPr kumimoji="1" lang="zh-CN" altLang="en-US" sz="2000" dirty="0">
+                <a:latin typeface="Optima" panose="02000503060000020004" pitchFamily="2" charset="0"/>
+                <a:ea typeface="KaiTi" panose="02010609060101010101" pitchFamily="49" charset="-122"/>
+              </a:rPr>
+              <a:t>，例如：</a:t>
+            </a:r>
+            <a:r>
+              <a:rPr kumimoji="1" lang="en-US" altLang="zh-CN" sz="2000" dirty="0" err="1">
+                <a:latin typeface="Optima" panose="02000503060000020004" pitchFamily="2" charset="0"/>
+                <a:ea typeface="KaiTi" panose="02010609060101010101" pitchFamily="49" charset="-122"/>
+              </a:rPr>
+              <a:t>myCat</a:t>
+            </a:r>
+            <a:r>
+              <a:rPr kumimoji="1" lang="zh-CN" altLang="en-US" sz="2000" dirty="0">
+                <a:latin typeface="Optima" panose="02000503060000020004" pitchFamily="2" charset="0"/>
+                <a:ea typeface="KaiTi" panose="02010609060101010101" pitchFamily="49" charset="-122"/>
+              </a:rPr>
+              <a:t> </a:t>
+            </a:r>
+            <a:r>
+              <a:rPr kumimoji="1" lang="en-US" altLang="zh-CN" sz="2000" dirty="0">
+                <a:latin typeface="Optima" panose="02000503060000020004" pitchFamily="2" charset="0"/>
+                <a:ea typeface="KaiTi" panose="02010609060101010101" pitchFamily="49" charset="-122"/>
+              </a:rPr>
+              <a:t>=</a:t>
+            </a:r>
+            <a:r>
+              <a:rPr kumimoji="1" lang="zh-CN" altLang="en-US" sz="2000" dirty="0">
+                <a:latin typeface="Optima" panose="02000503060000020004" pitchFamily="2" charset="0"/>
+                <a:ea typeface="KaiTi" panose="02010609060101010101" pitchFamily="49" charset="-122"/>
+              </a:rPr>
+              <a:t> </a:t>
+            </a:r>
+            <a:r>
+              <a:rPr kumimoji="1" lang="en-US" altLang="zh-CN" sz="2000" dirty="0">
+                <a:latin typeface="Optima" panose="02000503060000020004" pitchFamily="2" charset="0"/>
+                <a:ea typeface="KaiTi" panose="02010609060101010101" pitchFamily="49" charset="-122"/>
+              </a:rPr>
+              <a:t>4.4;</a:t>
+            </a:r>
+          </a:p>
+          <a:p>
+            <a:pPr marL="285750" indent="-285750">
+              <a:lnSpc>
+                <a:spcPct val="130000"/>
+              </a:lnSpc>
+              <a:buFont typeface="Wingdings" pitchFamily="2" charset="2"/>
+              <a:buChar char="Ø"/>
+            </a:pPr>
+            <a:r>
+              <a:rPr kumimoji="1" lang="zh-CN" altLang="en-US" sz="2000" dirty="0">
+                <a:latin typeface="Optima" panose="02000503060000020004" pitchFamily="2" charset="0"/>
+                <a:ea typeface="KaiTi" panose="02010609060101010101" pitchFamily="49" charset="-122"/>
+              </a:rPr>
+              <a:t>将</a:t>
+            </a:r>
+            <a:r>
+              <a:rPr kumimoji="1" lang="en-US" altLang="zh-CN" sz="2000" dirty="0">
+                <a:latin typeface="Optima" panose="02000503060000020004" pitchFamily="2" charset="0"/>
+                <a:ea typeface="KaiTi" panose="02010609060101010101" pitchFamily="49" charset="-122"/>
+              </a:rPr>
+              <a:t> double </a:t>
+            </a:r>
+            <a:r>
+              <a:rPr kumimoji="1" lang="zh-CN" altLang="en-US" sz="2000" dirty="0">
+                <a:latin typeface="Optima" panose="02000503060000020004" pitchFamily="2" charset="0"/>
+                <a:ea typeface="KaiTi" panose="02010609060101010101" pitchFamily="49" charset="-122"/>
+              </a:rPr>
+              <a:t>值传递给接受 </a:t>
+            </a:r>
+            <a:r>
+              <a:rPr kumimoji="1" lang="en-US" altLang="zh-CN" sz="2000" dirty="0" err="1">
+                <a:latin typeface="Optima" panose="02000503060000020004" pitchFamily="2" charset="0"/>
+                <a:ea typeface="KaiTi" panose="02010609060101010101" pitchFamily="49" charset="-122"/>
+              </a:rPr>
+              <a:t>Stonewt</a:t>
+            </a:r>
+            <a:r>
+              <a:rPr kumimoji="1" lang="en-US" altLang="zh-CN" sz="2000" dirty="0">
+                <a:latin typeface="Optima" panose="02000503060000020004" pitchFamily="2" charset="0"/>
+                <a:ea typeface="KaiTi" panose="02010609060101010101" pitchFamily="49" charset="-122"/>
+              </a:rPr>
+              <a:t> </a:t>
+            </a:r>
+            <a:r>
+              <a:rPr kumimoji="1" lang="zh-CN" altLang="en-US" sz="2000" dirty="0">
+                <a:latin typeface="Optima" panose="02000503060000020004" pitchFamily="2" charset="0"/>
+                <a:ea typeface="KaiTi" panose="02010609060101010101" pitchFamily="49" charset="-122"/>
+              </a:rPr>
+              <a:t>参数的函数</a:t>
+            </a:r>
+            <a:endParaRPr kumimoji="1" lang="en-US" altLang="zh-CN" sz="2000" dirty="0">
+              <a:latin typeface="Optima" panose="02000503060000020004" pitchFamily="2" charset="0"/>
+              <a:ea typeface="KaiTi" panose="02010609060101010101" pitchFamily="49" charset="-122"/>
+            </a:endParaRPr>
+          </a:p>
+          <a:p>
+            <a:pPr marL="285750" indent="-285750">
+              <a:lnSpc>
+                <a:spcPct val="130000"/>
+              </a:lnSpc>
+              <a:buFont typeface="Wingdings" pitchFamily="2" charset="2"/>
+              <a:buChar char="Ø"/>
+            </a:pPr>
+            <a:r>
+              <a:rPr kumimoji="1" lang="zh-CN" altLang="en-US" sz="2000" dirty="0">
+                <a:latin typeface="Optima" panose="02000503060000020004" pitchFamily="2" charset="0"/>
+                <a:ea typeface="KaiTi" panose="02010609060101010101" pitchFamily="49" charset="-122"/>
+              </a:rPr>
+              <a:t>返回值被声明为 </a:t>
+            </a:r>
+            <a:r>
+              <a:rPr kumimoji="1" lang="en-US" altLang="zh-CN" sz="2000" dirty="0" err="1">
+                <a:latin typeface="Optima" panose="02000503060000020004" pitchFamily="2" charset="0"/>
+                <a:ea typeface="KaiTi" panose="02010609060101010101" pitchFamily="49" charset="-122"/>
+              </a:rPr>
+              <a:t>Stonewt</a:t>
+            </a:r>
+            <a:r>
+              <a:rPr kumimoji="1" lang="zh-CN" altLang="en-US" sz="2000" dirty="0">
+                <a:latin typeface="Optima" panose="02000503060000020004" pitchFamily="2" charset="0"/>
+                <a:ea typeface="KaiTi" panose="02010609060101010101" pitchFamily="49" charset="-122"/>
+              </a:rPr>
+              <a:t>，但是返回</a:t>
+            </a:r>
+            <a:r>
+              <a:rPr kumimoji="1" lang="en-US" altLang="zh-CN" sz="2000" dirty="0">
+                <a:latin typeface="Optima" panose="02000503060000020004" pitchFamily="2" charset="0"/>
+                <a:ea typeface="KaiTi" panose="02010609060101010101" pitchFamily="49" charset="-122"/>
+              </a:rPr>
+              <a:t> double </a:t>
+            </a:r>
+            <a:r>
+              <a:rPr kumimoji="1" lang="zh-CN" altLang="en-US" sz="2000" dirty="0">
+                <a:latin typeface="Optima" panose="02000503060000020004" pitchFamily="2" charset="0"/>
+                <a:ea typeface="KaiTi" panose="02010609060101010101" pitchFamily="49" charset="-122"/>
+              </a:rPr>
+              <a:t>值</a:t>
+            </a:r>
+            <a:endParaRPr kumimoji="1" lang="en-US" altLang="zh-CN" sz="2000" dirty="0">
+              <a:latin typeface="Optima" panose="02000503060000020004" pitchFamily="2" charset="0"/>
+              <a:ea typeface="KaiTi" panose="02010609060101010101" pitchFamily="49" charset="-122"/>
+            </a:endParaRPr>
+          </a:p>
+          <a:p>
+            <a:pPr marL="285750" indent="-285750">
+              <a:lnSpc>
+                <a:spcPct val="130000"/>
+              </a:lnSpc>
+              <a:buFont typeface="Wingdings" pitchFamily="2" charset="2"/>
+              <a:buChar char="Ø"/>
+            </a:pPr>
+            <a:r>
+              <a:rPr kumimoji="1" lang="en-US" altLang="zh-CN" sz="2000" dirty="0" err="1">
+                <a:latin typeface="Optima" panose="02000503060000020004" pitchFamily="2" charset="0"/>
+                <a:ea typeface="KaiTi" panose="02010609060101010101" pitchFamily="49" charset="-122"/>
+              </a:rPr>
+              <a:t>Stonewt</a:t>
+            </a:r>
+            <a:r>
+              <a:rPr kumimoji="1" lang="zh-CN" altLang="en-US" sz="2000" dirty="0">
+                <a:latin typeface="Optima" panose="02000503060000020004" pitchFamily="2" charset="0"/>
+                <a:ea typeface="KaiTi" panose="02010609060101010101" pitchFamily="49" charset="-122"/>
+              </a:rPr>
+              <a:t> </a:t>
+            </a:r>
+            <a:r>
+              <a:rPr kumimoji="1" lang="en-US" altLang="zh-CN" sz="2000" dirty="0">
+                <a:latin typeface="Optima" panose="02000503060000020004" pitchFamily="2" charset="0"/>
+                <a:ea typeface="KaiTi" panose="02010609060101010101" pitchFamily="49" charset="-122"/>
+              </a:rPr>
+              <a:t>Jumbo(600);</a:t>
+            </a:r>
+            <a:r>
+              <a:rPr kumimoji="1" lang="zh-CN" altLang="en-US" sz="2000" dirty="0">
+                <a:latin typeface="Optima" panose="02000503060000020004" pitchFamily="2" charset="0"/>
+                <a:ea typeface="KaiTi" panose="02010609060101010101" pitchFamily="49" charset="-122"/>
+              </a:rPr>
+              <a:t> 会进行两次类型转换，</a:t>
+            </a:r>
+            <a:r>
+              <a:rPr kumimoji="1" lang="en-US" altLang="zh-CN" sz="2000" dirty="0">
+                <a:latin typeface="Optima" panose="02000503060000020004" pitchFamily="2" charset="0"/>
+                <a:ea typeface="KaiTi" panose="02010609060101010101" pitchFamily="49" charset="-122"/>
+              </a:rPr>
+              <a:t>int-&gt;double-&gt;</a:t>
+            </a:r>
+            <a:r>
+              <a:rPr kumimoji="1" lang="en-US" altLang="zh-CN" sz="2000" dirty="0" err="1">
+                <a:latin typeface="Optima" panose="02000503060000020004" pitchFamily="2" charset="0"/>
+                <a:ea typeface="KaiTi" panose="02010609060101010101" pitchFamily="49" charset="-122"/>
+              </a:rPr>
+              <a:t>Stonewt</a:t>
+            </a:r>
+            <a:endParaRPr kumimoji="1" lang="en-US" altLang="zh-CN" sz="2000" dirty="0">
+              <a:latin typeface="Optima" panose="02000503060000020004" pitchFamily="2" charset="0"/>
+              <a:ea typeface="KaiTi" panose="02010609060101010101" pitchFamily="49" charset="-122"/>
+            </a:endParaRPr>
+          </a:p>
+        </p:txBody>
+      </p:sp>
+      <p:sp>
+        <p:nvSpPr>
+          <p:cNvPr id="9" name="文本框 8">
+            <a:extLst>
+              <a:ext uri="{FF2B5EF4-FFF2-40B4-BE49-F238E27FC236}">
+                <a16:creationId xmlns:a16="http://schemas.microsoft.com/office/drawing/2014/main" id="{1B23202C-5947-6F4B-A8F6-A8CCCD82F5CD}"/>
+              </a:ext>
+            </a:extLst>
+          </p:cNvPr>
+          <p:cNvSpPr txBox="1"/>
+          <p:nvPr/>
+        </p:nvSpPr>
+        <p:spPr>
+          <a:xfrm>
+            <a:off x="343683" y="5426759"/>
+            <a:ext cx="1723549" cy="400110"/>
+          </a:xfrm>
+          <a:prstGeom prst="rect">
+            <a:avLst/>
+          </a:prstGeom>
+          <a:noFill/>
+        </p:spPr>
+        <p:txBody>
+          <a:bodyPr wrap="none" rtlCol="0">
+            <a:spAutoFit/>
+          </a:bodyPr>
+          <a:lstStyle/>
+          <a:p>
+            <a:r>
+              <a:rPr kumimoji="1" lang="zh-CN" altLang="en-US" sz="2000" b="1" dirty="0">
+                <a:solidFill>
+                  <a:srgbClr val="C00000"/>
+                </a:solidFill>
+                <a:latin typeface="Optima" panose="02000503060000020004" pitchFamily="2" charset="0"/>
+                <a:ea typeface="KaiTi" panose="02010609060101010101" pitchFamily="49" charset="-122"/>
+              </a:rPr>
+              <a:t>关闭</a:t>
+            </a:r>
+            <a:r>
+              <a:rPr kumimoji="1" lang="zh-CN" altLang="en-US" sz="2000" dirty="0">
+                <a:latin typeface="Optima" panose="02000503060000020004" pitchFamily="2" charset="0"/>
+                <a:ea typeface="KaiTi" panose="02010609060101010101" pitchFamily="49" charset="-122"/>
+              </a:rPr>
+              <a:t>隐式转换</a:t>
+            </a:r>
+          </a:p>
+        </p:txBody>
+      </p:sp>
+      <p:sp>
+        <p:nvSpPr>
+          <p:cNvPr id="10" name="文本框 9">
+            <a:extLst>
+              <a:ext uri="{FF2B5EF4-FFF2-40B4-BE49-F238E27FC236}">
+                <a16:creationId xmlns:a16="http://schemas.microsoft.com/office/drawing/2014/main" id="{8EC8AB46-C823-CC47-A6A5-D52DD1A485AA}"/>
+              </a:ext>
+            </a:extLst>
+          </p:cNvPr>
+          <p:cNvSpPr txBox="1"/>
+          <p:nvPr/>
+        </p:nvSpPr>
+        <p:spPr>
+          <a:xfrm>
+            <a:off x="1001949" y="5904052"/>
+            <a:ext cx="3145413" cy="400110"/>
+          </a:xfrm>
+          <a:prstGeom prst="rect">
+            <a:avLst/>
+          </a:prstGeom>
+          <a:noFill/>
+        </p:spPr>
+        <p:txBody>
+          <a:bodyPr wrap="none" rtlCol="0">
+            <a:spAutoFit/>
+          </a:bodyPr>
+          <a:lstStyle/>
+          <a:p>
+            <a:pPr marL="285750" indent="-285750">
+              <a:buFont typeface="Wingdings" pitchFamily="2" charset="2"/>
+              <a:buChar char="Ø"/>
+            </a:pPr>
+            <a:r>
+              <a:rPr kumimoji="1" lang="en-US" altLang="zh-CN" sz="2000" dirty="0">
+                <a:latin typeface="Optima" panose="02000503060000020004" pitchFamily="2" charset="0"/>
+                <a:ea typeface="KaiTi" panose="02010609060101010101" pitchFamily="49" charset="-122"/>
+              </a:rPr>
+              <a:t>explicit</a:t>
+            </a:r>
+            <a:r>
+              <a:rPr kumimoji="1" lang="zh-CN" altLang="en-US" sz="2000" dirty="0">
+                <a:latin typeface="Optima" panose="02000503060000020004" pitchFamily="2" charset="0"/>
+                <a:ea typeface="KaiTi" panose="02010609060101010101" pitchFamily="49" charset="-122"/>
+              </a:rPr>
+              <a:t> </a:t>
+            </a:r>
+            <a:r>
+              <a:rPr kumimoji="1" lang="en-US" altLang="zh-CN" sz="2000" dirty="0" err="1">
+                <a:latin typeface="Optima" panose="02000503060000020004" pitchFamily="2" charset="0"/>
+                <a:ea typeface="KaiTi" panose="02010609060101010101" pitchFamily="49" charset="-122"/>
+              </a:rPr>
+              <a:t>Stonewt</a:t>
+            </a:r>
+            <a:r>
+              <a:rPr kumimoji="1" lang="en-US" altLang="zh-CN" sz="2000" dirty="0">
+                <a:latin typeface="Optima" panose="02000503060000020004" pitchFamily="2" charset="0"/>
+                <a:ea typeface="KaiTi" panose="02010609060101010101" pitchFamily="49" charset="-122"/>
+              </a:rPr>
+              <a:t>(double)</a:t>
+            </a:r>
+            <a:endParaRPr kumimoji="1" lang="zh-CN" altLang="en-US" sz="2000" dirty="0">
+              <a:latin typeface="Optima" panose="02000503060000020004" pitchFamily="2" charset="0"/>
+              <a:ea typeface="KaiTi" panose="02010609060101010101" pitchFamily="49" charset="-122"/>
+            </a:endParaRPr>
+          </a:p>
+        </p:txBody>
+      </p:sp>
     </p:spTree>
     <p:extLst>
       <p:ext uri="{BB962C8B-B14F-4D97-AF65-F5344CB8AC3E}">
@@ -40259,6 +42706,321 @@
           <a:chExt cx="0" cy="0"/>
         </a:xfrm>
       </p:grpSpPr>
+      <p:sp>
+        <p:nvSpPr>
+          <p:cNvPr id="4" name="文本框 3">
+            <a:extLst>
+              <a:ext uri="{FF2B5EF4-FFF2-40B4-BE49-F238E27FC236}">
+                <a16:creationId xmlns:a16="http://schemas.microsoft.com/office/drawing/2014/main" id="{F68E787C-4A13-CC42-931F-04DB17A87490}"/>
+              </a:ext>
+            </a:extLst>
+          </p:cNvPr>
+          <p:cNvSpPr txBox="1"/>
+          <p:nvPr/>
+        </p:nvSpPr>
+        <p:spPr>
+          <a:xfrm>
+            <a:off x="0" y="0"/>
+            <a:ext cx="2339102" cy="523220"/>
+          </a:xfrm>
+          <a:prstGeom prst="rect">
+            <a:avLst/>
+          </a:prstGeom>
+          <a:noFill/>
+        </p:spPr>
+        <p:txBody>
+          <a:bodyPr wrap="none" rtlCol="0">
+            <a:spAutoFit/>
+          </a:bodyPr>
+          <a:lstStyle/>
+          <a:p>
+            <a:r>
+              <a:rPr kumimoji="1" lang="zh-CN" altLang="en-US" sz="2800" dirty="0">
+                <a:latin typeface="Optima" panose="02000503060000020004" pitchFamily="2" charset="0"/>
+                <a:ea typeface="KaiTi" panose="02010609060101010101" pitchFamily="49" charset="-122"/>
+              </a:rPr>
+              <a:t>强制类型转换</a:t>
+            </a:r>
+          </a:p>
+        </p:txBody>
+      </p:sp>
+      <p:sp>
+        <p:nvSpPr>
+          <p:cNvPr id="5" name="文本框 4">
+            <a:extLst>
+              <a:ext uri="{FF2B5EF4-FFF2-40B4-BE49-F238E27FC236}">
+                <a16:creationId xmlns:a16="http://schemas.microsoft.com/office/drawing/2014/main" id="{4420267A-C347-2541-8007-A6CEC4AE1833}"/>
+              </a:ext>
+            </a:extLst>
+          </p:cNvPr>
+          <p:cNvSpPr txBox="1"/>
+          <p:nvPr/>
+        </p:nvSpPr>
+        <p:spPr>
+          <a:xfrm>
+            <a:off x="615553" y="826852"/>
+            <a:ext cx="3625707" cy="400110"/>
+          </a:xfrm>
+          <a:prstGeom prst="rect">
+            <a:avLst/>
+          </a:prstGeom>
+          <a:noFill/>
+        </p:spPr>
+        <p:txBody>
+          <a:bodyPr wrap="square" rtlCol="0">
+            <a:spAutoFit/>
+          </a:bodyPr>
+          <a:lstStyle/>
+          <a:p>
+            <a:r>
+              <a:rPr kumimoji="1" lang="zh-CN" altLang="en-US" sz="2000" b="1" dirty="0">
+                <a:solidFill>
+                  <a:srgbClr val="C00000"/>
+                </a:solidFill>
+                <a:latin typeface="Optima" panose="02000503060000020004" pitchFamily="2" charset="0"/>
+                <a:ea typeface="KaiTi" panose="02010609060101010101" pitchFamily="49" charset="-122"/>
+              </a:rPr>
+              <a:t>转换函数 </a:t>
+            </a:r>
+            <a:r>
+              <a:rPr kumimoji="1" lang="en-US" altLang="zh-CN" sz="2000" dirty="0">
+                <a:latin typeface="Optima" panose="02000503060000020004" pitchFamily="2" charset="0"/>
+                <a:ea typeface="KaiTi" panose="02010609060101010101" pitchFamily="49" charset="-122"/>
+              </a:rPr>
+              <a:t>operator</a:t>
+            </a:r>
+            <a:r>
+              <a:rPr kumimoji="1" lang="zh-CN" altLang="en-US" sz="2000" dirty="0">
+                <a:latin typeface="Optima" panose="02000503060000020004" pitchFamily="2" charset="0"/>
+                <a:ea typeface="KaiTi" panose="02010609060101010101" pitchFamily="49" charset="-122"/>
+              </a:rPr>
+              <a:t> </a:t>
+            </a:r>
+            <a:r>
+              <a:rPr kumimoji="1" lang="en-US" altLang="zh-CN" sz="2000" dirty="0">
+                <a:latin typeface="Optima" panose="02000503060000020004" pitchFamily="2" charset="0"/>
+                <a:ea typeface="KaiTi" panose="02010609060101010101" pitchFamily="49" charset="-122"/>
+              </a:rPr>
+              <a:t>double();</a:t>
+            </a:r>
+            <a:endParaRPr kumimoji="1" lang="zh-CN" altLang="en-US" sz="2000" dirty="0">
+              <a:latin typeface="Optima" panose="02000503060000020004" pitchFamily="2" charset="0"/>
+              <a:ea typeface="KaiTi" panose="02010609060101010101" pitchFamily="49" charset="-122"/>
+            </a:endParaRPr>
+          </a:p>
+        </p:txBody>
+      </p:sp>
+      <p:sp>
+        <p:nvSpPr>
+          <p:cNvPr id="6" name="文本框 5">
+            <a:extLst>
+              <a:ext uri="{FF2B5EF4-FFF2-40B4-BE49-F238E27FC236}">
+                <a16:creationId xmlns:a16="http://schemas.microsoft.com/office/drawing/2014/main" id="{CC1E1EA8-355A-E84B-9AC2-0A2ADDBC62C9}"/>
+              </a:ext>
+            </a:extLst>
+          </p:cNvPr>
+          <p:cNvSpPr txBox="1"/>
+          <p:nvPr/>
+        </p:nvSpPr>
+        <p:spPr>
+          <a:xfrm>
+            <a:off x="1169551" y="1381327"/>
+            <a:ext cx="2268570" cy="1256691"/>
+          </a:xfrm>
+          <a:prstGeom prst="rect">
+            <a:avLst/>
+          </a:prstGeom>
+          <a:noFill/>
+        </p:spPr>
+        <p:txBody>
+          <a:bodyPr wrap="none" rtlCol="0">
+            <a:spAutoFit/>
+          </a:bodyPr>
+          <a:lstStyle/>
+          <a:p>
+            <a:pPr marL="285750" indent="-285750">
+              <a:lnSpc>
+                <a:spcPct val="130000"/>
+              </a:lnSpc>
+              <a:buFont typeface="Wingdings" pitchFamily="2" charset="2"/>
+              <a:buChar char="Ø"/>
+            </a:pPr>
+            <a:r>
+              <a:rPr kumimoji="1" lang="zh-CN" altLang="en-US" sz="2000" dirty="0">
+                <a:latin typeface="Optima" panose="02000503060000020004" pitchFamily="2" charset="0"/>
+                <a:ea typeface="KaiTi" panose="02010609060101010101" pitchFamily="49" charset="-122"/>
+              </a:rPr>
+              <a:t>类方法</a:t>
+            </a:r>
+            <a:endParaRPr kumimoji="1" lang="en-US" altLang="zh-CN" sz="2000" dirty="0">
+              <a:latin typeface="Optima" panose="02000503060000020004" pitchFamily="2" charset="0"/>
+              <a:ea typeface="KaiTi" panose="02010609060101010101" pitchFamily="49" charset="-122"/>
+            </a:endParaRPr>
+          </a:p>
+          <a:p>
+            <a:pPr marL="285750" indent="-285750">
+              <a:lnSpc>
+                <a:spcPct val="130000"/>
+              </a:lnSpc>
+              <a:buFont typeface="Wingdings" pitchFamily="2" charset="2"/>
+              <a:buChar char="Ø"/>
+            </a:pPr>
+            <a:r>
+              <a:rPr kumimoji="1" lang="zh-CN" altLang="en-US" sz="2000" dirty="0">
+                <a:latin typeface="Optima" panose="02000503060000020004" pitchFamily="2" charset="0"/>
+                <a:ea typeface="KaiTi" panose="02010609060101010101" pitchFamily="49" charset="-122"/>
+              </a:rPr>
+              <a:t>不指定返回类型</a:t>
+            </a:r>
+            <a:endParaRPr kumimoji="1" lang="en-US" altLang="zh-CN" sz="2000" dirty="0">
+              <a:latin typeface="Optima" panose="02000503060000020004" pitchFamily="2" charset="0"/>
+              <a:ea typeface="KaiTi" panose="02010609060101010101" pitchFamily="49" charset="-122"/>
+            </a:endParaRPr>
+          </a:p>
+          <a:p>
+            <a:pPr marL="285750" indent="-285750">
+              <a:lnSpc>
+                <a:spcPct val="130000"/>
+              </a:lnSpc>
+              <a:buFont typeface="Wingdings" pitchFamily="2" charset="2"/>
+              <a:buChar char="Ø"/>
+            </a:pPr>
+            <a:r>
+              <a:rPr kumimoji="1" lang="zh-CN" altLang="en-US" sz="2000" dirty="0">
+                <a:latin typeface="Optima" panose="02000503060000020004" pitchFamily="2" charset="0"/>
+                <a:ea typeface="KaiTi" panose="02010609060101010101" pitchFamily="49" charset="-122"/>
+              </a:rPr>
+              <a:t>没有参数</a:t>
+            </a:r>
+          </a:p>
+        </p:txBody>
+      </p:sp>
+      <p:sp>
+        <p:nvSpPr>
+          <p:cNvPr id="8" name="文本框 7">
+            <a:extLst>
+              <a:ext uri="{FF2B5EF4-FFF2-40B4-BE49-F238E27FC236}">
+                <a16:creationId xmlns:a16="http://schemas.microsoft.com/office/drawing/2014/main" id="{0767D920-E6A1-674C-BCCE-05240A7CD44A}"/>
+              </a:ext>
+            </a:extLst>
+          </p:cNvPr>
+          <p:cNvSpPr txBox="1"/>
+          <p:nvPr/>
+        </p:nvSpPr>
+        <p:spPr>
+          <a:xfrm>
+            <a:off x="615553" y="3429000"/>
+            <a:ext cx="9034285" cy="1631216"/>
+          </a:xfrm>
+          <a:prstGeom prst="rect">
+            <a:avLst/>
+          </a:prstGeom>
+          <a:noFill/>
+        </p:spPr>
+        <p:txBody>
+          <a:bodyPr wrap="square" rtlCol="0">
+            <a:spAutoFit/>
+          </a:bodyPr>
+          <a:lstStyle/>
+          <a:p>
+            <a:r>
+              <a:rPr kumimoji="1" lang="zh-CN" altLang="en-US" sz="2000" dirty="0">
+                <a:latin typeface="Optima" panose="02000503060000020004" pitchFamily="2" charset="0"/>
+                <a:ea typeface="KaiTi" panose="02010609060101010101" pitchFamily="49" charset="-122"/>
+              </a:rPr>
+              <a:t>为了避免隐式转换</a:t>
+            </a:r>
+            <a:endParaRPr kumimoji="1" lang="en-US" altLang="zh-CN" sz="2000" dirty="0">
+              <a:latin typeface="Optima" panose="02000503060000020004" pitchFamily="2" charset="0"/>
+              <a:ea typeface="KaiTi" panose="02010609060101010101" pitchFamily="49" charset="-122"/>
+            </a:endParaRPr>
+          </a:p>
+          <a:p>
+            <a:endParaRPr kumimoji="1" lang="en-US" altLang="zh-CN" sz="2000" dirty="0">
+              <a:latin typeface="Optima" panose="02000503060000020004" pitchFamily="2" charset="0"/>
+              <a:ea typeface="KaiTi" panose="02010609060101010101" pitchFamily="49" charset="-122"/>
+            </a:endParaRPr>
+          </a:p>
+          <a:p>
+            <a:pPr marL="342900" indent="-342900">
+              <a:buFont typeface="Wingdings" pitchFamily="2" charset="2"/>
+              <a:buChar char="Ø"/>
+            </a:pPr>
+            <a:r>
+              <a:rPr kumimoji="1" lang="zh-CN" altLang="en-US" sz="2000" dirty="0">
+                <a:latin typeface="Optima" panose="02000503060000020004" pitchFamily="2" charset="0"/>
+                <a:ea typeface="KaiTi" panose="02010609060101010101" pitchFamily="49" charset="-122"/>
+              </a:rPr>
+              <a:t>可以声明 </a:t>
+            </a:r>
+            <a:r>
+              <a:rPr kumimoji="1" lang="en-US" altLang="zh-CN" sz="2000" dirty="0">
+                <a:latin typeface="Optima" panose="02000503060000020004" pitchFamily="2" charset="0"/>
+                <a:ea typeface="KaiTi" panose="02010609060101010101" pitchFamily="49" charset="-122"/>
+              </a:rPr>
+              <a:t>explicit</a:t>
+            </a:r>
+            <a:r>
+              <a:rPr kumimoji="1" lang="zh-CN" altLang="en-US" sz="2000" dirty="0">
+                <a:latin typeface="Optima" panose="02000503060000020004" pitchFamily="2" charset="0"/>
+                <a:ea typeface="KaiTi" panose="02010609060101010101" pitchFamily="49" charset="-122"/>
+              </a:rPr>
+              <a:t> </a:t>
+            </a:r>
+            <a:r>
+              <a:rPr kumimoji="1" lang="en-US" altLang="zh-CN" sz="2000" dirty="0">
+                <a:latin typeface="Optima" panose="02000503060000020004" pitchFamily="2" charset="0"/>
+                <a:ea typeface="KaiTi" panose="02010609060101010101" pitchFamily="49" charset="-122"/>
+              </a:rPr>
+              <a:t>operator</a:t>
+            </a:r>
+            <a:r>
+              <a:rPr kumimoji="1" lang="zh-CN" altLang="en-US" sz="2000" dirty="0">
+                <a:latin typeface="Optima" panose="02000503060000020004" pitchFamily="2" charset="0"/>
+                <a:ea typeface="KaiTi" panose="02010609060101010101" pitchFamily="49" charset="-122"/>
+              </a:rPr>
+              <a:t> </a:t>
+            </a:r>
+            <a:r>
+              <a:rPr kumimoji="1" lang="en-US" altLang="zh-CN" sz="2000" dirty="0">
+                <a:latin typeface="Optima" panose="02000503060000020004" pitchFamily="2" charset="0"/>
+                <a:ea typeface="KaiTi" panose="02010609060101010101" pitchFamily="49" charset="-122"/>
+              </a:rPr>
+              <a:t>double();</a:t>
+            </a:r>
+          </a:p>
+          <a:p>
+            <a:pPr marL="342900" indent="-342900">
+              <a:buFont typeface="Wingdings" pitchFamily="2" charset="2"/>
+              <a:buChar char="Ø"/>
+            </a:pPr>
+            <a:endParaRPr kumimoji="1" lang="en-US" altLang="zh-CN" sz="2000" dirty="0">
+              <a:latin typeface="Optima" panose="02000503060000020004" pitchFamily="2" charset="0"/>
+              <a:ea typeface="KaiTi" panose="02010609060101010101" pitchFamily="49" charset="-122"/>
+            </a:endParaRPr>
+          </a:p>
+          <a:p>
+            <a:pPr marL="342900" indent="-342900">
+              <a:buFont typeface="Wingdings" pitchFamily="2" charset="2"/>
+              <a:buChar char="Ø"/>
+            </a:pPr>
+            <a:r>
+              <a:rPr kumimoji="1" lang="en-US" altLang="zh-CN" sz="2000" dirty="0">
+                <a:latin typeface="Optima" panose="02000503060000020004" pitchFamily="2" charset="0"/>
+                <a:ea typeface="KaiTi" panose="02010609060101010101" pitchFamily="49" charset="-122"/>
+              </a:rPr>
+              <a:t>explicit </a:t>
+            </a:r>
+            <a:r>
+              <a:rPr kumimoji="1" lang="zh-CN" altLang="en-US" sz="2000" dirty="0">
+                <a:latin typeface="Optima" panose="02000503060000020004" pitchFamily="2" charset="0"/>
+                <a:ea typeface="KaiTi" panose="02010609060101010101" pitchFamily="49" charset="-122"/>
+              </a:rPr>
+              <a:t>只能用在类内的声明和定义</a:t>
+            </a:r>
+          </a:p>
+        </p:txBody>
+      </p:sp>
     </p:spTree>
     <p:extLst>
       <p:ext uri="{BB962C8B-B14F-4D97-AF65-F5344CB8AC3E}">
@@ -40319,10 +43081,63 @@
           <a:chExt cx="0" cy="0"/>
         </a:xfrm>
       </p:grpSpPr>
+      <p:sp>
+        <p:nvSpPr>
+          <p:cNvPr id="2" name="文本框 1">
+            <a:extLst>
+              <a:ext uri="{FF2B5EF4-FFF2-40B4-BE49-F238E27FC236}">
+                <a16:creationId xmlns:a16="http://schemas.microsoft.com/office/drawing/2014/main" id="{CE2A75C9-8DCD-494D-9B2E-8A9B6C3E20A6}"/>
+              </a:ext>
+            </a:extLst>
+          </p:cNvPr>
+          <p:cNvSpPr txBox="1"/>
+          <p:nvPr/>
+        </p:nvSpPr>
+        <p:spPr>
+          <a:xfrm>
+            <a:off x="1880746" y="2151727"/>
+            <a:ext cx="8430513" cy="2554545"/>
+          </a:xfrm>
+          <a:prstGeom prst="rect">
+            <a:avLst/>
+          </a:prstGeom>
+          <a:noFill/>
+        </p:spPr>
+        <p:txBody>
+          <a:bodyPr wrap="none" rtlCol="0">
+            <a:spAutoFit/>
+          </a:bodyPr>
+          <a:lstStyle/>
+          <a:p>
+            <a:pPr algn="ctr"/>
+            <a:r>
+              <a:rPr kumimoji="1" lang="zh-CN" altLang="en-US" sz="8000" b="1" dirty="0">
+                <a:latin typeface="KaiTi" panose="02010609060101010101" pitchFamily="49" charset="-122"/>
+                <a:ea typeface="KaiTi" panose="02010609060101010101" pitchFamily="49" charset="-122"/>
+              </a:rPr>
+              <a:t>第十二章</a:t>
+            </a:r>
+            <a:endParaRPr kumimoji="1" lang="en-US" altLang="zh-CN" sz="8000" b="1" dirty="0">
+              <a:latin typeface="KaiTi" panose="02010609060101010101" pitchFamily="49" charset="-122"/>
+              <a:ea typeface="KaiTi" panose="02010609060101010101" pitchFamily="49" charset="-122"/>
+            </a:endParaRPr>
+          </a:p>
+          <a:p>
+            <a:pPr algn="ctr"/>
+            <a:r>
+              <a:rPr kumimoji="1" lang="zh-CN" altLang="en-US" sz="8000" b="1" dirty="0">
+                <a:latin typeface="KaiTi" panose="02010609060101010101" pitchFamily="49" charset="-122"/>
+                <a:ea typeface="KaiTi" panose="02010609060101010101" pitchFamily="49" charset="-122"/>
+              </a:rPr>
+              <a:t>类和动态内存分配</a:t>
+            </a:r>
+          </a:p>
+        </p:txBody>
+      </p:sp>
     </p:spTree>
     <p:extLst>
       <p:ext uri="{BB962C8B-B14F-4D97-AF65-F5344CB8AC3E}">
-        <p14:creationId xmlns:p14="http://schemas.microsoft.com/office/powerpoint/2010/main" val="1274200148"/>
+        <p14:creationId xmlns:p14="http://schemas.microsoft.com/office/powerpoint/2010/main" val="2076470728"/>
       </p:ext>
     </p:extLst>
   </p:cSld>
@@ -40352,7 +43167,7 @@
     </p:spTree>
     <p:extLst>
       <p:ext uri="{BB962C8B-B14F-4D97-AF65-F5344CB8AC3E}">
-        <p14:creationId xmlns:p14="http://schemas.microsoft.com/office/powerpoint/2010/main" val="301296839"/>
+        <p14:creationId xmlns:p14="http://schemas.microsoft.com/office/powerpoint/2010/main" val="1274200148"/>
       </p:ext>
     </p:extLst>
   </p:cSld>
@@ -40382,7 +43197,7 @@
     </p:spTree>
     <p:extLst>
       <p:ext uri="{BB962C8B-B14F-4D97-AF65-F5344CB8AC3E}">
-        <p14:creationId xmlns:p14="http://schemas.microsoft.com/office/powerpoint/2010/main" val="3837668320"/>
+        <p14:creationId xmlns:p14="http://schemas.microsoft.com/office/powerpoint/2010/main" val="2852836707"/>
       </p:ext>
     </p:extLst>
   </p:cSld>
@@ -40412,7 +43227,7 @@
     </p:spTree>
     <p:extLst>
       <p:ext uri="{BB962C8B-B14F-4D97-AF65-F5344CB8AC3E}">
-        <p14:creationId xmlns:p14="http://schemas.microsoft.com/office/powerpoint/2010/main" val="2395450734"/>
+        <p14:creationId xmlns:p14="http://schemas.microsoft.com/office/powerpoint/2010/main" val="196583586"/>
       </p:ext>
     </p:extLst>
   </p:cSld>
@@ -43201,7 +46016,7 @@
     </p:spTree>
     <p:extLst>
       <p:ext uri="{BB962C8B-B14F-4D97-AF65-F5344CB8AC3E}">
-        <p14:creationId xmlns:p14="http://schemas.microsoft.com/office/powerpoint/2010/main" val="3423975865"/>
+        <p14:creationId xmlns:p14="http://schemas.microsoft.com/office/powerpoint/2010/main" val="3352849183"/>
       </p:ext>
     </p:extLst>
   </p:cSld>
@@ -43231,7 +46046,7 @@
     </p:spTree>
     <p:extLst>
       <p:ext uri="{BB962C8B-B14F-4D97-AF65-F5344CB8AC3E}">
-        <p14:creationId xmlns:p14="http://schemas.microsoft.com/office/powerpoint/2010/main" val="3059866743"/>
+        <p14:creationId xmlns:p14="http://schemas.microsoft.com/office/powerpoint/2010/main" val="575408767"/>
       </p:ext>
     </p:extLst>
   </p:cSld>
@@ -43261,7 +46076,7 @@
     </p:spTree>
     <p:extLst>
       <p:ext uri="{BB962C8B-B14F-4D97-AF65-F5344CB8AC3E}">
-        <p14:creationId xmlns:p14="http://schemas.microsoft.com/office/powerpoint/2010/main" val="2494030977"/>
+        <p14:creationId xmlns:p14="http://schemas.microsoft.com/office/powerpoint/2010/main" val="1937234291"/>
       </p:ext>
     </p:extLst>
   </p:cSld>
@@ -43291,7 +46106,7 @@
     </p:spTree>
     <p:extLst>
       <p:ext uri="{BB962C8B-B14F-4D97-AF65-F5344CB8AC3E}">
-        <p14:creationId xmlns:p14="http://schemas.microsoft.com/office/powerpoint/2010/main" val="1108333836"/>
+        <p14:creationId xmlns:p14="http://schemas.microsoft.com/office/powerpoint/2010/main" val="272373014"/>
       </p:ext>
     </p:extLst>
   </p:cSld>
@@ -43321,7 +46136,7 @@
     </p:spTree>
     <p:extLst>
       <p:ext uri="{BB962C8B-B14F-4D97-AF65-F5344CB8AC3E}">
-        <p14:creationId xmlns:p14="http://schemas.microsoft.com/office/powerpoint/2010/main" val="548743912"/>
+        <p14:creationId xmlns:p14="http://schemas.microsoft.com/office/powerpoint/2010/main" val="2662080724"/>
       </p:ext>
     </p:extLst>
   </p:cSld>
@@ -43351,7 +46166,7 @@
     </p:spTree>
     <p:extLst>
       <p:ext uri="{BB962C8B-B14F-4D97-AF65-F5344CB8AC3E}">
-        <p14:creationId xmlns:p14="http://schemas.microsoft.com/office/powerpoint/2010/main" val="3793991163"/>
+        <p14:creationId xmlns:p14="http://schemas.microsoft.com/office/powerpoint/2010/main" val="4013530527"/>
       </p:ext>
     </p:extLst>
   </p:cSld>
@@ -43381,7 +46196,7 @@
     </p:spTree>
     <p:extLst>
       <p:ext uri="{BB962C8B-B14F-4D97-AF65-F5344CB8AC3E}">
-        <p14:creationId xmlns:p14="http://schemas.microsoft.com/office/powerpoint/2010/main" val="1441556771"/>
+        <p14:creationId xmlns:p14="http://schemas.microsoft.com/office/powerpoint/2010/main" val="2756669594"/>
       </p:ext>
     </p:extLst>
   </p:cSld>
@@ -43411,7 +46226,67 @@
     </p:spTree>
     <p:extLst>
       <p:ext uri="{BB962C8B-B14F-4D97-AF65-F5344CB8AC3E}">
-        <p14:creationId xmlns:p14="http://schemas.microsoft.com/office/powerpoint/2010/main" val="3160057662"/>
+        <p14:creationId xmlns:p14="http://schemas.microsoft.com/office/powerpoint/2010/main" val="3552329903"/>
+      </p:ext>
+    </p:extLst>
+  </p:cSld>
+  <p:clrMapOvr>
+    <a:masterClrMapping/>
+  </p:clrMapOvr>
+</p:sld>
+</file>
+
+<file path=ppt/slides/slide78.xml><?xml version="1.0" encoding="utf-8"?>
+<p:sld xmlns:a="http://schemas.openxmlformats.org/drawingml/2006/main" xmlns:r="http://schemas.openxmlformats.org/officeDocument/2006/relationships" xmlns:p="http://schemas.openxmlformats.org/presentationml/2006/main">
+  <p:cSld>
+    <p:spTree>
+      <p:nvGrpSpPr>
+        <p:cNvPr id="1" name=""/>
+        <p:cNvGrpSpPr/>
+        <p:nvPr/>
+      </p:nvGrpSpPr>
+      <p:grpSpPr>
+        <a:xfrm>
+          <a:off x="0" y="0"/>
+          <a:ext cx="0" cy="0"/>
+          <a:chOff x="0" y="0"/>
+          <a:chExt cx="0" cy="0"/>
+        </a:xfrm>
+      </p:grpSpPr>
+    </p:spTree>
+    <p:extLst>
+      <p:ext uri="{BB962C8B-B14F-4D97-AF65-F5344CB8AC3E}">
+        <p14:creationId xmlns:p14="http://schemas.microsoft.com/office/powerpoint/2010/main" val="2494890729"/>
+      </p:ext>
+    </p:extLst>
+  </p:cSld>
+  <p:clrMapOvr>
+    <a:masterClrMapping/>
+  </p:clrMapOvr>
+</p:sld>
+</file>
+
+<file path=ppt/slides/slide79.xml><?xml version="1.0" encoding="utf-8"?>
+<p:sld xmlns:a="http://schemas.openxmlformats.org/drawingml/2006/main" xmlns:r="http://schemas.openxmlformats.org/officeDocument/2006/relationships" xmlns:p="http://schemas.openxmlformats.org/presentationml/2006/main">
+  <p:cSld>
+    <p:spTree>
+      <p:nvGrpSpPr>
+        <p:cNvPr id="1" name=""/>
+        <p:cNvGrpSpPr/>
+        <p:nvPr/>
+      </p:nvGrpSpPr>
+      <p:grpSpPr>
+        <a:xfrm>
+          <a:off x="0" y="0"/>
+          <a:ext cx="0" cy="0"/>
+          <a:chOff x="0" y="0"/>
+          <a:chExt cx="0" cy="0"/>
+        </a:xfrm>
+      </p:grpSpPr>
+    </p:spTree>
+    <p:extLst>
+      <p:ext uri="{BB962C8B-B14F-4D97-AF65-F5344CB8AC3E}">
+        <p14:creationId xmlns:p14="http://schemas.microsoft.com/office/powerpoint/2010/main" val="3727960689"/>
       </p:ext>
     </p:extLst>
   </p:cSld>
@@ -46138,6 +49013,306 @@
 </p:sld>
 </file>
 
+<file path=ppt/slides/slide80.xml><?xml version="1.0" encoding="utf-8"?>
+<p:sld xmlns:a="http://schemas.openxmlformats.org/drawingml/2006/main" xmlns:r="http://schemas.openxmlformats.org/officeDocument/2006/relationships" xmlns:p="http://schemas.openxmlformats.org/presentationml/2006/main">
+  <p:cSld>
+    <p:spTree>
+      <p:nvGrpSpPr>
+        <p:cNvPr id="1" name=""/>
+        <p:cNvGrpSpPr/>
+        <p:nvPr/>
+      </p:nvGrpSpPr>
+      <p:grpSpPr>
+        <a:xfrm>
+          <a:off x="0" y="0"/>
+          <a:ext cx="0" cy="0"/>
+          <a:chOff x="0" y="0"/>
+          <a:chExt cx="0" cy="0"/>
+        </a:xfrm>
+      </p:grpSpPr>
+    </p:spTree>
+    <p:extLst>
+      <p:ext uri="{BB962C8B-B14F-4D97-AF65-F5344CB8AC3E}">
+        <p14:creationId xmlns:p14="http://schemas.microsoft.com/office/powerpoint/2010/main" val="1810663915"/>
+      </p:ext>
+    </p:extLst>
+  </p:cSld>
+  <p:clrMapOvr>
+    <a:masterClrMapping/>
+  </p:clrMapOvr>
+</p:sld>
+</file>
+
+<file path=ppt/slides/slide81.xml><?xml version="1.0" encoding="utf-8"?>
+<p:sld xmlns:a="http://schemas.openxmlformats.org/drawingml/2006/main" xmlns:r="http://schemas.openxmlformats.org/officeDocument/2006/relationships" xmlns:p="http://schemas.openxmlformats.org/presentationml/2006/main">
+  <p:cSld>
+    <p:spTree>
+      <p:nvGrpSpPr>
+        <p:cNvPr id="1" name=""/>
+        <p:cNvGrpSpPr/>
+        <p:nvPr/>
+      </p:nvGrpSpPr>
+      <p:grpSpPr>
+        <a:xfrm>
+          <a:off x="0" y="0"/>
+          <a:ext cx="0" cy="0"/>
+          <a:chOff x="0" y="0"/>
+          <a:chExt cx="0" cy="0"/>
+        </a:xfrm>
+      </p:grpSpPr>
+    </p:spTree>
+    <p:extLst>
+      <p:ext uri="{BB962C8B-B14F-4D97-AF65-F5344CB8AC3E}">
+        <p14:creationId xmlns:p14="http://schemas.microsoft.com/office/powerpoint/2010/main" val="2719179464"/>
+      </p:ext>
+    </p:extLst>
+  </p:cSld>
+  <p:clrMapOvr>
+    <a:masterClrMapping/>
+  </p:clrMapOvr>
+</p:sld>
+</file>
+
+<file path=ppt/slides/slide82.xml><?xml version="1.0" encoding="utf-8"?>
+<p:sld xmlns:a="http://schemas.openxmlformats.org/drawingml/2006/main" xmlns:r="http://schemas.openxmlformats.org/officeDocument/2006/relationships" xmlns:p="http://schemas.openxmlformats.org/presentationml/2006/main">
+  <p:cSld>
+    <p:spTree>
+      <p:nvGrpSpPr>
+        <p:cNvPr id="1" name=""/>
+        <p:cNvGrpSpPr/>
+        <p:nvPr/>
+      </p:nvGrpSpPr>
+      <p:grpSpPr>
+        <a:xfrm>
+          <a:off x="0" y="0"/>
+          <a:ext cx="0" cy="0"/>
+          <a:chOff x="0" y="0"/>
+          <a:chExt cx="0" cy="0"/>
+        </a:xfrm>
+      </p:grpSpPr>
+    </p:spTree>
+    <p:extLst>
+      <p:ext uri="{BB962C8B-B14F-4D97-AF65-F5344CB8AC3E}">
+        <p14:creationId xmlns:p14="http://schemas.microsoft.com/office/powerpoint/2010/main" val="413579395"/>
+      </p:ext>
+    </p:extLst>
+  </p:cSld>
+  <p:clrMapOvr>
+    <a:masterClrMapping/>
+  </p:clrMapOvr>
+</p:sld>
+</file>
+
+<file path=ppt/slides/slide83.xml><?xml version="1.0" encoding="utf-8"?>
+<p:sld xmlns:a="http://schemas.openxmlformats.org/drawingml/2006/main" xmlns:r="http://schemas.openxmlformats.org/officeDocument/2006/relationships" xmlns:p="http://schemas.openxmlformats.org/presentationml/2006/main">
+  <p:cSld>
+    <p:spTree>
+      <p:nvGrpSpPr>
+        <p:cNvPr id="1" name=""/>
+        <p:cNvGrpSpPr/>
+        <p:nvPr/>
+      </p:nvGrpSpPr>
+      <p:grpSpPr>
+        <a:xfrm>
+          <a:off x="0" y="0"/>
+          <a:ext cx="0" cy="0"/>
+          <a:chOff x="0" y="0"/>
+          <a:chExt cx="0" cy="0"/>
+        </a:xfrm>
+      </p:grpSpPr>
+    </p:spTree>
+    <p:extLst>
+      <p:ext uri="{BB962C8B-B14F-4D97-AF65-F5344CB8AC3E}">
+        <p14:creationId xmlns:p14="http://schemas.microsoft.com/office/powerpoint/2010/main" val="1034066964"/>
+      </p:ext>
+    </p:extLst>
+  </p:cSld>
+  <p:clrMapOvr>
+    <a:masterClrMapping/>
+  </p:clrMapOvr>
+</p:sld>
+</file>
+
+<file path=ppt/slides/slide84.xml><?xml version="1.0" encoding="utf-8"?>
+<p:sld xmlns:a="http://schemas.openxmlformats.org/drawingml/2006/main" xmlns:r="http://schemas.openxmlformats.org/officeDocument/2006/relationships" xmlns:p="http://schemas.openxmlformats.org/presentationml/2006/main">
+  <p:cSld>
+    <p:spTree>
+      <p:nvGrpSpPr>
+        <p:cNvPr id="1" name=""/>
+        <p:cNvGrpSpPr/>
+        <p:nvPr/>
+      </p:nvGrpSpPr>
+      <p:grpSpPr>
+        <a:xfrm>
+          <a:off x="0" y="0"/>
+          <a:ext cx="0" cy="0"/>
+          <a:chOff x="0" y="0"/>
+          <a:chExt cx="0" cy="0"/>
+        </a:xfrm>
+      </p:grpSpPr>
+    </p:spTree>
+    <p:extLst>
+      <p:ext uri="{BB962C8B-B14F-4D97-AF65-F5344CB8AC3E}">
+        <p14:creationId xmlns:p14="http://schemas.microsoft.com/office/powerpoint/2010/main" val="301296839"/>
+      </p:ext>
+    </p:extLst>
+  </p:cSld>
+  <p:clrMapOvr>
+    <a:masterClrMapping/>
+  </p:clrMapOvr>
+</p:sld>
+</file>
+
+<file path=ppt/slides/slide85.xml><?xml version="1.0" encoding="utf-8"?>
+<p:sld xmlns:a="http://schemas.openxmlformats.org/drawingml/2006/main" xmlns:r="http://schemas.openxmlformats.org/officeDocument/2006/relationships" xmlns:p="http://schemas.openxmlformats.org/presentationml/2006/main">
+  <p:cSld>
+    <p:spTree>
+      <p:nvGrpSpPr>
+        <p:cNvPr id="1" name=""/>
+        <p:cNvGrpSpPr/>
+        <p:nvPr/>
+      </p:nvGrpSpPr>
+      <p:grpSpPr>
+        <a:xfrm>
+          <a:off x="0" y="0"/>
+          <a:ext cx="0" cy="0"/>
+          <a:chOff x="0" y="0"/>
+          <a:chExt cx="0" cy="0"/>
+        </a:xfrm>
+      </p:grpSpPr>
+    </p:spTree>
+    <p:extLst>
+      <p:ext uri="{BB962C8B-B14F-4D97-AF65-F5344CB8AC3E}">
+        <p14:creationId xmlns:p14="http://schemas.microsoft.com/office/powerpoint/2010/main" val="3837668320"/>
+      </p:ext>
+    </p:extLst>
+  </p:cSld>
+  <p:clrMapOvr>
+    <a:masterClrMapping/>
+  </p:clrMapOvr>
+</p:sld>
+</file>
+
+<file path=ppt/slides/slide86.xml><?xml version="1.0" encoding="utf-8"?>
+<p:sld xmlns:a="http://schemas.openxmlformats.org/drawingml/2006/main" xmlns:r="http://schemas.openxmlformats.org/officeDocument/2006/relationships" xmlns:p="http://schemas.openxmlformats.org/presentationml/2006/main">
+  <p:cSld>
+    <p:spTree>
+      <p:nvGrpSpPr>
+        <p:cNvPr id="1" name=""/>
+        <p:cNvGrpSpPr/>
+        <p:nvPr/>
+      </p:nvGrpSpPr>
+      <p:grpSpPr>
+        <a:xfrm>
+          <a:off x="0" y="0"/>
+          <a:ext cx="0" cy="0"/>
+          <a:chOff x="0" y="0"/>
+          <a:chExt cx="0" cy="0"/>
+        </a:xfrm>
+      </p:grpSpPr>
+    </p:spTree>
+    <p:extLst>
+      <p:ext uri="{BB962C8B-B14F-4D97-AF65-F5344CB8AC3E}">
+        <p14:creationId xmlns:p14="http://schemas.microsoft.com/office/powerpoint/2010/main" val="2395450734"/>
+      </p:ext>
+    </p:extLst>
+  </p:cSld>
+  <p:clrMapOvr>
+    <a:masterClrMapping/>
+  </p:clrMapOvr>
+</p:sld>
+</file>
+
+<file path=ppt/slides/slide87.xml><?xml version="1.0" encoding="utf-8"?>
+<p:sld xmlns:a="http://schemas.openxmlformats.org/drawingml/2006/main" xmlns:r="http://schemas.openxmlformats.org/officeDocument/2006/relationships" xmlns:p="http://schemas.openxmlformats.org/presentationml/2006/main">
+  <p:cSld>
+    <p:spTree>
+      <p:nvGrpSpPr>
+        <p:cNvPr id="1" name=""/>
+        <p:cNvGrpSpPr/>
+        <p:nvPr/>
+      </p:nvGrpSpPr>
+      <p:grpSpPr>
+        <a:xfrm>
+          <a:off x="0" y="0"/>
+          <a:ext cx="0" cy="0"/>
+          <a:chOff x="0" y="0"/>
+          <a:chExt cx="0" cy="0"/>
+        </a:xfrm>
+      </p:grpSpPr>
+    </p:spTree>
+    <p:extLst>
+      <p:ext uri="{BB962C8B-B14F-4D97-AF65-F5344CB8AC3E}">
+        <p14:creationId xmlns:p14="http://schemas.microsoft.com/office/powerpoint/2010/main" val="3423975865"/>
+      </p:ext>
+    </p:extLst>
+  </p:cSld>
+  <p:clrMapOvr>
+    <a:masterClrMapping/>
+  </p:clrMapOvr>
+</p:sld>
+</file>
+
+<file path=ppt/slides/slide88.xml><?xml version="1.0" encoding="utf-8"?>
+<p:sld xmlns:a="http://schemas.openxmlformats.org/drawingml/2006/main" xmlns:r="http://schemas.openxmlformats.org/officeDocument/2006/relationships" xmlns:p="http://schemas.openxmlformats.org/presentationml/2006/main">
+  <p:cSld>
+    <p:spTree>
+      <p:nvGrpSpPr>
+        <p:cNvPr id="1" name=""/>
+        <p:cNvGrpSpPr/>
+        <p:nvPr/>
+      </p:nvGrpSpPr>
+      <p:grpSpPr>
+        <a:xfrm>
+          <a:off x="0" y="0"/>
+          <a:ext cx="0" cy="0"/>
+          <a:chOff x="0" y="0"/>
+          <a:chExt cx="0" cy="0"/>
+        </a:xfrm>
+      </p:grpSpPr>
+    </p:spTree>
+    <p:extLst>
+      <p:ext uri="{BB962C8B-B14F-4D97-AF65-F5344CB8AC3E}">
+        <p14:creationId xmlns:p14="http://schemas.microsoft.com/office/powerpoint/2010/main" val="3059866743"/>
+      </p:ext>
+    </p:extLst>
+  </p:cSld>
+  <p:clrMapOvr>
+    <a:masterClrMapping/>
+  </p:clrMapOvr>
+</p:sld>
+</file>
+
+<file path=ppt/slides/slide89.xml><?xml version="1.0" encoding="utf-8"?>
+<p:sld xmlns:a="http://schemas.openxmlformats.org/drawingml/2006/main" xmlns:r="http://schemas.openxmlformats.org/officeDocument/2006/relationships" xmlns:p="http://schemas.openxmlformats.org/presentationml/2006/main">
+  <p:cSld>
+    <p:spTree>
+      <p:nvGrpSpPr>
+        <p:cNvPr id="1" name=""/>
+        <p:cNvGrpSpPr/>
+        <p:nvPr/>
+      </p:nvGrpSpPr>
+      <p:grpSpPr>
+        <a:xfrm>
+          <a:off x="0" y="0"/>
+          <a:ext cx="0" cy="0"/>
+          <a:chOff x="0" y="0"/>
+          <a:chExt cx="0" cy="0"/>
+        </a:xfrm>
+      </p:grpSpPr>
+    </p:spTree>
+    <p:extLst>
+      <p:ext uri="{BB962C8B-B14F-4D97-AF65-F5344CB8AC3E}">
+        <p14:creationId xmlns:p14="http://schemas.microsoft.com/office/powerpoint/2010/main" val="2494030977"/>
+      </p:ext>
+    </p:extLst>
+  </p:cSld>
+  <p:clrMapOvr>
+    <a:masterClrMapping/>
+  </p:clrMapOvr>
+</p:sld>
+</file>
+
 <file path=ppt/slides/slide9.xml><?xml version="1.0" encoding="utf-8"?>
 <p:sld xmlns:a="http://schemas.openxmlformats.org/drawingml/2006/main" xmlns:r="http://schemas.openxmlformats.org/officeDocument/2006/relationships" xmlns:p="http://schemas.openxmlformats.org/presentationml/2006/main">
   <p:cSld>
@@ -48269,6 +51444,156 @@
     <p:extLst>
       <p:ext uri="{BB962C8B-B14F-4D97-AF65-F5344CB8AC3E}">
         <p14:creationId xmlns:p14="http://schemas.microsoft.com/office/powerpoint/2010/main" val="3781322827"/>
+      </p:ext>
+    </p:extLst>
+  </p:cSld>
+  <p:clrMapOvr>
+    <a:masterClrMapping/>
+  </p:clrMapOvr>
+</p:sld>
+</file>
+
+<file path=ppt/slides/slide90.xml><?xml version="1.0" encoding="utf-8"?>
+<p:sld xmlns:a="http://schemas.openxmlformats.org/drawingml/2006/main" xmlns:r="http://schemas.openxmlformats.org/officeDocument/2006/relationships" xmlns:p="http://schemas.openxmlformats.org/presentationml/2006/main">
+  <p:cSld>
+    <p:spTree>
+      <p:nvGrpSpPr>
+        <p:cNvPr id="1" name=""/>
+        <p:cNvGrpSpPr/>
+        <p:nvPr/>
+      </p:nvGrpSpPr>
+      <p:grpSpPr>
+        <a:xfrm>
+          <a:off x="0" y="0"/>
+          <a:ext cx="0" cy="0"/>
+          <a:chOff x="0" y="0"/>
+          <a:chExt cx="0" cy="0"/>
+        </a:xfrm>
+      </p:grpSpPr>
+    </p:spTree>
+    <p:extLst>
+      <p:ext uri="{BB962C8B-B14F-4D97-AF65-F5344CB8AC3E}">
+        <p14:creationId xmlns:p14="http://schemas.microsoft.com/office/powerpoint/2010/main" val="1108333836"/>
+      </p:ext>
+    </p:extLst>
+  </p:cSld>
+  <p:clrMapOvr>
+    <a:masterClrMapping/>
+  </p:clrMapOvr>
+</p:sld>
+</file>
+
+<file path=ppt/slides/slide91.xml><?xml version="1.0" encoding="utf-8"?>
+<p:sld xmlns:a="http://schemas.openxmlformats.org/drawingml/2006/main" xmlns:r="http://schemas.openxmlformats.org/officeDocument/2006/relationships" xmlns:p="http://schemas.openxmlformats.org/presentationml/2006/main">
+  <p:cSld>
+    <p:spTree>
+      <p:nvGrpSpPr>
+        <p:cNvPr id="1" name=""/>
+        <p:cNvGrpSpPr/>
+        <p:nvPr/>
+      </p:nvGrpSpPr>
+      <p:grpSpPr>
+        <a:xfrm>
+          <a:off x="0" y="0"/>
+          <a:ext cx="0" cy="0"/>
+          <a:chOff x="0" y="0"/>
+          <a:chExt cx="0" cy="0"/>
+        </a:xfrm>
+      </p:grpSpPr>
+    </p:spTree>
+    <p:extLst>
+      <p:ext uri="{BB962C8B-B14F-4D97-AF65-F5344CB8AC3E}">
+        <p14:creationId xmlns:p14="http://schemas.microsoft.com/office/powerpoint/2010/main" val="548743912"/>
+      </p:ext>
+    </p:extLst>
+  </p:cSld>
+  <p:clrMapOvr>
+    <a:masterClrMapping/>
+  </p:clrMapOvr>
+</p:sld>
+</file>
+
+<file path=ppt/slides/slide92.xml><?xml version="1.0" encoding="utf-8"?>
+<p:sld xmlns:a="http://schemas.openxmlformats.org/drawingml/2006/main" xmlns:r="http://schemas.openxmlformats.org/officeDocument/2006/relationships" xmlns:p="http://schemas.openxmlformats.org/presentationml/2006/main">
+  <p:cSld>
+    <p:spTree>
+      <p:nvGrpSpPr>
+        <p:cNvPr id="1" name=""/>
+        <p:cNvGrpSpPr/>
+        <p:nvPr/>
+      </p:nvGrpSpPr>
+      <p:grpSpPr>
+        <a:xfrm>
+          <a:off x="0" y="0"/>
+          <a:ext cx="0" cy="0"/>
+          <a:chOff x="0" y="0"/>
+          <a:chExt cx="0" cy="0"/>
+        </a:xfrm>
+      </p:grpSpPr>
+    </p:spTree>
+    <p:extLst>
+      <p:ext uri="{BB962C8B-B14F-4D97-AF65-F5344CB8AC3E}">
+        <p14:creationId xmlns:p14="http://schemas.microsoft.com/office/powerpoint/2010/main" val="3793991163"/>
+      </p:ext>
+    </p:extLst>
+  </p:cSld>
+  <p:clrMapOvr>
+    <a:masterClrMapping/>
+  </p:clrMapOvr>
+</p:sld>
+</file>
+
+<file path=ppt/slides/slide93.xml><?xml version="1.0" encoding="utf-8"?>
+<p:sld xmlns:a="http://schemas.openxmlformats.org/drawingml/2006/main" xmlns:r="http://schemas.openxmlformats.org/officeDocument/2006/relationships" xmlns:p="http://schemas.openxmlformats.org/presentationml/2006/main">
+  <p:cSld>
+    <p:spTree>
+      <p:nvGrpSpPr>
+        <p:cNvPr id="1" name=""/>
+        <p:cNvGrpSpPr/>
+        <p:nvPr/>
+      </p:nvGrpSpPr>
+      <p:grpSpPr>
+        <a:xfrm>
+          <a:off x="0" y="0"/>
+          <a:ext cx="0" cy="0"/>
+          <a:chOff x="0" y="0"/>
+          <a:chExt cx="0" cy="0"/>
+        </a:xfrm>
+      </p:grpSpPr>
+    </p:spTree>
+    <p:extLst>
+      <p:ext uri="{BB962C8B-B14F-4D97-AF65-F5344CB8AC3E}">
+        <p14:creationId xmlns:p14="http://schemas.microsoft.com/office/powerpoint/2010/main" val="1441556771"/>
+      </p:ext>
+    </p:extLst>
+  </p:cSld>
+  <p:clrMapOvr>
+    <a:masterClrMapping/>
+  </p:clrMapOvr>
+</p:sld>
+</file>
+
+<file path=ppt/slides/slide94.xml><?xml version="1.0" encoding="utf-8"?>
+<p:sld xmlns:a="http://schemas.openxmlformats.org/drawingml/2006/main" xmlns:r="http://schemas.openxmlformats.org/officeDocument/2006/relationships" xmlns:p="http://schemas.openxmlformats.org/presentationml/2006/main">
+  <p:cSld>
+    <p:spTree>
+      <p:nvGrpSpPr>
+        <p:cNvPr id="1" name=""/>
+        <p:cNvGrpSpPr/>
+        <p:nvPr/>
+      </p:nvGrpSpPr>
+      <p:grpSpPr>
+        <a:xfrm>
+          <a:off x="0" y="0"/>
+          <a:ext cx="0" cy="0"/>
+          <a:chOff x="0" y="0"/>
+          <a:chExt cx="0" cy="0"/>
+        </a:xfrm>
+      </p:grpSpPr>
+    </p:spTree>
+    <p:extLst>
+      <p:ext uri="{BB962C8B-B14F-4D97-AF65-F5344CB8AC3E}">
+        <p14:creationId xmlns:p14="http://schemas.microsoft.com/office/powerpoint/2010/main" val="3160057662"/>
       </p:ext>
     </p:extLst>
   </p:cSld>
